--- a/Python/Django & DS with Python 2주차.pptx
+++ b/Python/Django & DS with Python 2주차.pptx
@@ -5,10 +5,10 @@
     <p:sldMasterId id="2147483648" r:id="rId1"/>
   </p:sldMasterIdLst>
   <p:notesMasterIdLst>
-    <p:notesMasterId r:id="rId19"/>
+    <p:notesMasterId r:id="rId30"/>
   </p:notesMasterIdLst>
   <p:handoutMasterIdLst>
-    <p:handoutMasterId r:id="rId20"/>
+    <p:handoutMasterId r:id="rId31"/>
   </p:handoutMasterIdLst>
   <p:sldIdLst>
     <p:sldId id="256" r:id="rId2"/>
@@ -25,29 +25,41 @@
     <p:sldId id="267" r:id="rId13"/>
     <p:sldId id="268" r:id="rId14"/>
     <p:sldId id="269" r:id="rId15"/>
-    <p:sldId id="271" r:id="rId16"/>
-    <p:sldId id="272" r:id="rId17"/>
-    <p:sldId id="273" r:id="rId18"/>
+    <p:sldId id="274" r:id="rId16"/>
+    <p:sldId id="271" r:id="rId17"/>
+    <p:sldId id="276" r:id="rId18"/>
+    <p:sldId id="278" r:id="rId19"/>
+    <p:sldId id="280" r:id="rId20"/>
+    <p:sldId id="281" r:id="rId21"/>
+    <p:sldId id="272" r:id="rId22"/>
+    <p:sldId id="283" r:id="rId23"/>
+    <p:sldId id="284" r:id="rId24"/>
+    <p:sldId id="285" r:id="rId25"/>
+    <p:sldId id="286" r:id="rId26"/>
+    <p:sldId id="287" r:id="rId27"/>
+    <p:sldId id="282" r:id="rId28"/>
+    <p:sldId id="273" r:id="rId29"/>
   </p:sldIdLst>
   <p:sldSz cx="12192000" cy="6858000"/>
   <p:notesSz cx="6858000" cy="9144000"/>
   <p:embeddedFontLst>
     <p:embeddedFont>
-      <p:font typeface="맑은 고딕" panose="020B0503020000020004" pitchFamily="50" charset="-127"/>
-      <p:regular r:id="rId21"/>
-      <p:bold r:id="rId22"/>
-    </p:embeddedFont>
-    <p:embeddedFont>
       <p:font typeface="나눔고딕 Light" panose="020D0904000000000000" pitchFamily="50" charset="-127"/>
-      <p:regular r:id="rId23"/>
+      <p:regular r:id="rId32"/>
     </p:embeddedFont>
     <p:embeddedFont>
       <p:font typeface="나눔스퀘어라운드 Light" panose="020B0600000101010101" pitchFamily="50" charset="-127"/>
-      <p:regular r:id="rId24"/>
+      <p:regular r:id="rId33"/>
+    </p:embeddedFont>
+    <p:embeddedFont>
+      <p:font typeface="맑은 고딕" panose="020B0503020000020004" pitchFamily="50" charset="-127"/>
+      <p:regular r:id="rId34"/>
+      <p:bold r:id="rId35"/>
     </p:embeddedFont>
     <p:embeddedFont>
       <p:font typeface="나눔고딕코딩" panose="020D0009000000000000" pitchFamily="49" charset="-127"/>
-      <p:regular r:id="rId25"/>
+      <p:regular r:id="rId36"/>
+      <p:bold r:id="rId37"/>
     </p:embeddedFont>
   </p:embeddedFontLst>
   <p:defaultTextStyle>
@@ -149,6 +161,9 @@
     <p:ext uri="{EFAFB233-063F-42B5-8137-9DF3F51BA10A}">
       <p15:sldGuideLst xmlns:p15="http://schemas.microsoft.com/office/powerpoint/2012/main"/>
     </p:ext>
+    <p:ext uri="{2D200454-40CA-4A62-9FC3-DE9A4176ACB9}">
+      <p15:notesGuideLst xmlns:p15="http://schemas.microsoft.com/office/powerpoint/2012/main"/>
+    </p:ext>
   </p:extLst>
 </p:presentation>
 </file>
@@ -208,7 +223,7 @@
             </a:lvl1pPr>
           </a:lstStyle>
           <a:p>
-            <a:endParaRPr lang="ko-KR" altLang="en-US"/>
+            <a:endParaRPr lang="ko-KR" altLang="en-US" dirty="0"/>
           </a:p>
         </p:txBody>
       </p:sp>
@@ -249,7 +264,7 @@
               <a:rPr lang="ko-KR" altLang="en-US" smtClean="0"/>
               <a:t>2018-10-01</a:t>
             </a:fld>
-            <a:endParaRPr lang="ko-KR" altLang="en-US"/>
+            <a:endParaRPr lang="ko-KR" altLang="en-US" dirty="0"/>
           </a:p>
         </p:txBody>
       </p:sp>
@@ -286,7 +301,7 @@
             </a:lvl1pPr>
           </a:lstStyle>
           <a:p>
-            <a:endParaRPr lang="ko-KR" altLang="en-US"/>
+            <a:endParaRPr lang="ko-KR" altLang="en-US" dirty="0"/>
           </a:p>
         </p:txBody>
       </p:sp>
@@ -327,7 +342,7 @@
               <a:rPr lang="ko-KR" altLang="en-US" smtClean="0"/>
               <a:t>‹#›</a:t>
             </a:fld>
-            <a:endParaRPr lang="ko-KR" altLang="en-US"/>
+            <a:endParaRPr lang="ko-KR" altLang="en-US" dirty="0"/>
           </a:p>
         </p:txBody>
       </p:sp>
@@ -392,7 +407,7 @@
             </a:lvl1pPr>
           </a:lstStyle>
           <a:p>
-            <a:endParaRPr lang="ko-KR" altLang="en-US"/>
+            <a:endParaRPr lang="ko-KR" altLang="en-US" dirty="0"/>
           </a:p>
         </p:txBody>
       </p:sp>
@@ -425,9 +440,9 @@
           <a:p>
             <a:fld id="{E80916B8-937C-4238-8678-54E1661E2C47}" type="datetimeFigureOut">
               <a:rPr lang="ko-KR" altLang="en-US" smtClean="0"/>
-              <a:t>2018-09-30</a:t>
+              <a:t>2018-10-01</a:t>
             </a:fld>
-            <a:endParaRPr lang="ko-KR" altLang="en-US"/>
+            <a:endParaRPr lang="ko-KR" altLang="en-US" dirty="0"/>
           </a:p>
         </p:txBody>
       </p:sp>
@@ -460,7 +475,7 @@
           <a:bodyPr vert="horz" lIns="91440" tIns="45720" rIns="91440" bIns="45720" rtlCol="0" anchor="ctr"/>
           <a:lstStyle/>
           <a:p>
-            <a:endParaRPr lang="ko-KR" altLang="en-US"/>
+            <a:endParaRPr lang="ko-KR" altLang="en-US" dirty="0"/>
           </a:p>
         </p:txBody>
       </p:sp>
@@ -550,7 +565,7 @@
             </a:lvl1pPr>
           </a:lstStyle>
           <a:p>
-            <a:endParaRPr lang="ko-KR" altLang="en-US"/>
+            <a:endParaRPr lang="ko-KR" altLang="en-US" dirty="0"/>
           </a:p>
         </p:txBody>
       </p:sp>
@@ -585,7 +600,7 @@
               <a:rPr lang="ko-KR" altLang="en-US" smtClean="0"/>
               <a:t>‹#›</a:t>
             </a:fld>
-            <a:endParaRPr lang="ko-KR" altLang="en-US"/>
+            <a:endParaRPr lang="ko-KR" altLang="en-US" dirty="0"/>
           </a:p>
         </p:txBody>
       </p:sp>
@@ -838,7 +853,7 @@
           <a:bodyPr/>
           <a:lstStyle/>
           <a:p>
-            <a:endParaRPr lang="ko-KR" altLang="en-US"/>
+            <a:endParaRPr lang="ko-KR" altLang="en-US" dirty="0"/>
           </a:p>
         </p:txBody>
       </p:sp>
@@ -863,7 +878,7 @@
           <a:bodyPr/>
           <a:lstStyle/>
           <a:p>
-            <a:endParaRPr lang="ko-KR" altLang="en-US"/>
+            <a:endParaRPr lang="ko-KR" altLang="en-US" dirty="0"/>
           </a:p>
         </p:txBody>
       </p:sp>
@@ -892,7 +907,7 @@
               <a:rPr lang="ko-KR" altLang="en-US" smtClean="0"/>
               <a:t>‹#›</a:t>
             </a:fld>
-            <a:endParaRPr lang="ko-KR" altLang="en-US"/>
+            <a:endParaRPr lang="ko-KR" altLang="en-US" dirty="0"/>
           </a:p>
         </p:txBody>
       </p:sp>
@@ -1032,7 +1047,7 @@
           <a:bodyPr/>
           <a:lstStyle/>
           <a:p>
-            <a:endParaRPr lang="ko-KR" altLang="en-US"/>
+            <a:endParaRPr lang="ko-KR" altLang="en-US" dirty="0"/>
           </a:p>
         </p:txBody>
       </p:sp>
@@ -1057,7 +1072,7 @@
           <a:bodyPr/>
           <a:lstStyle/>
           <a:p>
-            <a:endParaRPr lang="ko-KR" altLang="en-US"/>
+            <a:endParaRPr lang="ko-KR" altLang="en-US" dirty="0"/>
           </a:p>
         </p:txBody>
       </p:sp>
@@ -1086,7 +1101,7 @@
               <a:rPr lang="ko-KR" altLang="en-US" smtClean="0"/>
               <a:t>‹#›</a:t>
             </a:fld>
-            <a:endParaRPr lang="ko-KR" altLang="en-US"/>
+            <a:endParaRPr lang="ko-KR" altLang="en-US" dirty="0"/>
           </a:p>
         </p:txBody>
       </p:sp>
@@ -1236,7 +1251,7 @@
           <a:bodyPr/>
           <a:lstStyle/>
           <a:p>
-            <a:endParaRPr lang="ko-KR" altLang="en-US"/>
+            <a:endParaRPr lang="ko-KR" altLang="en-US" dirty="0"/>
           </a:p>
         </p:txBody>
       </p:sp>
@@ -1261,7 +1276,7 @@
           <a:bodyPr/>
           <a:lstStyle/>
           <a:p>
-            <a:endParaRPr lang="ko-KR" altLang="en-US"/>
+            <a:endParaRPr lang="ko-KR" altLang="en-US" dirty="0"/>
           </a:p>
         </p:txBody>
       </p:sp>
@@ -1290,7 +1305,7 @@
               <a:rPr lang="ko-KR" altLang="en-US" smtClean="0"/>
               <a:t>‹#›</a:t>
             </a:fld>
-            <a:endParaRPr lang="ko-KR" altLang="en-US"/>
+            <a:endParaRPr lang="ko-KR" altLang="en-US" dirty="0"/>
           </a:p>
         </p:txBody>
       </p:sp>
@@ -1344,7 +1359,7 @@
           <a:lstStyle/>
           <a:p>
             <a:pPr algn="ctr"/>
-            <a:endParaRPr lang="ko-KR" altLang="en-US">
+            <a:endParaRPr lang="ko-KR" altLang="en-US" dirty="0">
               <a:ln>
                 <a:solidFill>
                   <a:srgbClr val="53575F"/>
@@ -1490,7 +1505,7 @@
           <a:bodyPr/>
           <a:lstStyle/>
           <a:p>
-            <a:endParaRPr lang="ko-KR" altLang="en-US"/>
+            <a:endParaRPr lang="ko-KR" altLang="en-US" dirty="0"/>
           </a:p>
         </p:txBody>
       </p:sp>
@@ -1515,7 +1530,7 @@
           <a:bodyPr/>
           <a:lstStyle/>
           <a:p>
-            <a:endParaRPr lang="ko-KR" altLang="en-US"/>
+            <a:endParaRPr lang="ko-KR" altLang="en-US" dirty="0"/>
           </a:p>
         </p:txBody>
       </p:sp>
@@ -1544,7 +1559,7 @@
               <a:rPr lang="ko-KR" altLang="en-US" smtClean="0"/>
               <a:t>‹#›</a:t>
             </a:fld>
-            <a:endParaRPr lang="ko-KR" altLang="en-US"/>
+            <a:endParaRPr lang="ko-KR" altLang="en-US" dirty="0"/>
           </a:p>
         </p:txBody>
       </p:sp>
@@ -1608,7 +1623,7 @@
               <a:rPr lang="ko-KR" altLang="en-US" smtClean="0"/>
               <a:t>‹#›</a:t>
             </a:fld>
-            <a:endParaRPr lang="ko-KR" altLang="en-US"/>
+            <a:endParaRPr lang="ko-KR" altLang="en-US" dirty="0"/>
           </a:p>
         </p:txBody>
       </p:sp>
@@ -1662,7 +1677,7 @@
           <a:lstStyle/>
           <a:p>
             <a:pPr algn="ctr"/>
-            <a:endParaRPr lang="ko-KR" altLang="en-US"/>
+            <a:endParaRPr lang="ko-KR" altLang="en-US" dirty="0"/>
           </a:p>
         </p:txBody>
       </p:sp>
@@ -1914,7 +1929,7 @@
           <a:bodyPr/>
           <a:lstStyle/>
           <a:p>
-            <a:endParaRPr lang="ko-KR" altLang="en-US"/>
+            <a:endParaRPr lang="ko-KR" altLang="en-US" dirty="0"/>
           </a:p>
         </p:txBody>
       </p:sp>
@@ -1939,7 +1954,7 @@
           <a:bodyPr/>
           <a:lstStyle/>
           <a:p>
-            <a:endParaRPr lang="ko-KR" altLang="en-US"/>
+            <a:endParaRPr lang="ko-KR" altLang="en-US" dirty="0"/>
           </a:p>
         </p:txBody>
       </p:sp>
@@ -1968,7 +1983,7 @@
               <a:rPr lang="ko-KR" altLang="en-US" smtClean="0"/>
               <a:t>‹#›</a:t>
             </a:fld>
-            <a:endParaRPr lang="ko-KR" altLang="en-US"/>
+            <a:endParaRPr lang="ko-KR" altLang="en-US" dirty="0"/>
           </a:p>
         </p:txBody>
       </p:sp>
@@ -2175,7 +2190,7 @@
           <a:bodyPr/>
           <a:lstStyle/>
           <a:p>
-            <a:endParaRPr lang="ko-KR" altLang="en-US"/>
+            <a:endParaRPr lang="ko-KR" altLang="en-US" dirty="0"/>
           </a:p>
         </p:txBody>
       </p:sp>
@@ -2200,7 +2215,7 @@
           <a:bodyPr/>
           <a:lstStyle/>
           <a:p>
-            <a:endParaRPr lang="ko-KR" altLang="en-US"/>
+            <a:endParaRPr lang="ko-KR" altLang="en-US" dirty="0"/>
           </a:p>
         </p:txBody>
       </p:sp>
@@ -2229,7 +2244,7 @@
               <a:rPr lang="ko-KR" altLang="en-US" smtClean="0"/>
               <a:t>‹#›</a:t>
             </a:fld>
-            <a:endParaRPr lang="ko-KR" altLang="en-US"/>
+            <a:endParaRPr lang="ko-KR" altLang="en-US" dirty="0"/>
           </a:p>
         </p:txBody>
       </p:sp>
@@ -2583,7 +2598,7 @@
           <a:bodyPr/>
           <a:lstStyle/>
           <a:p>
-            <a:endParaRPr lang="ko-KR" altLang="en-US"/>
+            <a:endParaRPr lang="ko-KR" altLang="en-US" dirty="0"/>
           </a:p>
         </p:txBody>
       </p:sp>
@@ -2608,7 +2623,7 @@
           <a:bodyPr/>
           <a:lstStyle/>
           <a:p>
-            <a:endParaRPr lang="ko-KR" altLang="en-US"/>
+            <a:endParaRPr lang="ko-KR" altLang="en-US" dirty="0"/>
           </a:p>
         </p:txBody>
       </p:sp>
@@ -2637,7 +2652,7 @@
               <a:rPr lang="ko-KR" altLang="en-US" smtClean="0"/>
               <a:t>‹#›</a:t>
             </a:fld>
-            <a:endParaRPr lang="ko-KR" altLang="en-US"/>
+            <a:endParaRPr lang="ko-KR" altLang="en-US" dirty="0"/>
           </a:p>
         </p:txBody>
       </p:sp>
@@ -2692,7 +2707,7 @@
           <a:bodyPr/>
           <a:lstStyle/>
           <a:p>
-            <a:endParaRPr lang="ko-KR" altLang="en-US"/>
+            <a:endParaRPr lang="ko-KR" altLang="en-US" dirty="0"/>
           </a:p>
         </p:txBody>
       </p:sp>
@@ -2717,7 +2732,7 @@
           <a:bodyPr/>
           <a:lstStyle/>
           <a:p>
-            <a:endParaRPr lang="ko-KR" altLang="en-US"/>
+            <a:endParaRPr lang="ko-KR" altLang="en-US" dirty="0"/>
           </a:p>
         </p:txBody>
       </p:sp>
@@ -2746,7 +2761,7 @@
               <a:rPr lang="ko-KR" altLang="en-US" smtClean="0"/>
               <a:t>‹#›</a:t>
             </a:fld>
-            <a:endParaRPr lang="ko-KR" altLang="en-US"/>
+            <a:endParaRPr lang="ko-KR" altLang="en-US" dirty="0"/>
           </a:p>
         </p:txBody>
       </p:sp>
@@ -2999,7 +3014,7 @@
           <a:bodyPr/>
           <a:lstStyle/>
           <a:p>
-            <a:endParaRPr lang="ko-KR" altLang="en-US"/>
+            <a:endParaRPr lang="ko-KR" altLang="en-US" dirty="0"/>
           </a:p>
         </p:txBody>
       </p:sp>
@@ -3024,7 +3039,7 @@
           <a:bodyPr/>
           <a:lstStyle/>
           <a:p>
-            <a:endParaRPr lang="ko-KR" altLang="en-US"/>
+            <a:endParaRPr lang="ko-KR" altLang="en-US" dirty="0"/>
           </a:p>
         </p:txBody>
       </p:sp>
@@ -3053,7 +3068,7 @@
               <a:rPr lang="ko-KR" altLang="en-US" smtClean="0"/>
               <a:t>‹#›</a:t>
             </a:fld>
-            <a:endParaRPr lang="ko-KR" altLang="en-US"/>
+            <a:endParaRPr lang="ko-KR" altLang="en-US" dirty="0"/>
           </a:p>
         </p:txBody>
       </p:sp>
@@ -3187,7 +3202,7 @@
             </a:lvl9pPr>
           </a:lstStyle>
           <a:p>
-            <a:endParaRPr lang="ko-KR" altLang="en-US"/>
+            <a:endParaRPr lang="ko-KR" altLang="en-US" dirty="0"/>
           </a:p>
         </p:txBody>
       </p:sp>
@@ -3283,7 +3298,7 @@
           <a:bodyPr/>
           <a:lstStyle/>
           <a:p>
-            <a:endParaRPr lang="ko-KR" altLang="en-US"/>
+            <a:endParaRPr lang="ko-KR" altLang="en-US" dirty="0"/>
           </a:p>
         </p:txBody>
       </p:sp>
@@ -3308,7 +3323,7 @@
           <a:bodyPr/>
           <a:lstStyle/>
           <a:p>
-            <a:endParaRPr lang="ko-KR" altLang="en-US"/>
+            <a:endParaRPr lang="ko-KR" altLang="en-US" dirty="0"/>
           </a:p>
         </p:txBody>
       </p:sp>
@@ -3337,7 +3352,7 @@
               <a:rPr lang="ko-KR" altLang="en-US" smtClean="0"/>
               <a:t>‹#›</a:t>
             </a:fld>
-            <a:endParaRPr lang="ko-KR" altLang="en-US"/>
+            <a:endParaRPr lang="ko-KR" altLang="en-US" dirty="0"/>
           </a:p>
         </p:txBody>
       </p:sp>
@@ -3556,7 +3571,7 @@
             </a:lvl1pPr>
           </a:lstStyle>
           <a:p>
-            <a:endParaRPr lang="ko-KR" altLang="en-US"/>
+            <a:endParaRPr lang="ko-KR" altLang="en-US" dirty="0"/>
           </a:p>
         </p:txBody>
       </p:sp>
@@ -3599,7 +3614,7 @@
             </a:lvl1pPr>
           </a:lstStyle>
           <a:p>
-            <a:endParaRPr lang="ko-KR" altLang="en-US"/>
+            <a:endParaRPr lang="ko-KR" altLang="en-US" dirty="0"/>
           </a:p>
         </p:txBody>
       </p:sp>
@@ -3646,7 +3661,7 @@
               <a:rPr lang="ko-KR" altLang="en-US" smtClean="0"/>
               <a:t>‹#›</a:t>
             </a:fld>
-            <a:endParaRPr lang="ko-KR" altLang="en-US"/>
+            <a:endParaRPr lang="ko-KR" altLang="en-US" dirty="0"/>
           </a:p>
         </p:txBody>
       </p:sp>
@@ -3700,7 +3715,7 @@
           <a:lstStyle/>
           <a:p>
             <a:pPr algn="ctr"/>
-            <a:endParaRPr lang="ko-KR" altLang="en-US">
+            <a:endParaRPr lang="ko-KR" altLang="en-US" dirty="0">
               <a:ln>
                 <a:solidFill>
                   <a:srgbClr val="53575F"/>
@@ -4082,7 +4097,7 @@
           <a:lstStyle/>
           <a:p>
             <a:pPr algn="ctr"/>
-            <a:endParaRPr lang="ko-KR" altLang="en-US"/>
+            <a:endParaRPr lang="ko-KR" altLang="en-US" dirty="0"/>
           </a:p>
         </p:txBody>
       </p:sp>
@@ -5673,7 +5688,7 @@
         <p:spPr>
           <a:xfrm>
             <a:off x="263610" y="1326292"/>
-            <a:ext cx="11099715" cy="2308324"/>
+            <a:ext cx="9827741" cy="2031325"/>
           </a:xfrm>
           <a:prstGeom prst="rect">
             <a:avLst/>
@@ -5723,21 +5738,19 @@
               </a:rPr>
               <a:t>.</a:t>
             </a:r>
-          </a:p>
-          <a:p>
             <a:r>
               <a:rPr lang="ko-KR" altLang="en-US" dirty="0">
                 <a:latin typeface="나눔고딕코딩" panose="020D0009000000000000" pitchFamily="49" charset="-127"/>
                 <a:ea typeface="나눔고딕코딩" panose="020D0009000000000000" pitchFamily="49" charset="-127"/>
               </a:rPr>
-              <a:t>해당 디렉토리 안에는 </a:t>
+              <a:t>해당 디렉토리 안에는</a:t>
             </a:r>
             <a:r>
               <a:rPr lang="en-US" altLang="ko-KR" dirty="0">
                 <a:latin typeface="나눔고딕코딩" panose="020D0009000000000000" pitchFamily="49" charset="-127"/>
                 <a:ea typeface="나눔고딕코딩" panose="020D0009000000000000" pitchFamily="49" charset="-127"/>
               </a:rPr>
-              <a:t>manage.py </a:t>
+              <a:t> manage.py </a:t>
             </a:r>
             <a:r>
               <a:rPr lang="ko-KR" altLang="en-US" dirty="0">
@@ -5751,30 +5764,36 @@
                 <a:latin typeface="나눔고딕코딩" panose="020D0009000000000000" pitchFamily="49" charset="-127"/>
                 <a:ea typeface="나눔고딕코딩" panose="020D0009000000000000" pitchFamily="49" charset="-127"/>
               </a:rPr>
+              <a:t>. </a:t>
+            </a:r>
+            <a:r>
+              <a:rPr lang="ko-KR" altLang="en-US" dirty="0">
+                <a:latin typeface="나눔고딕코딩" panose="020D0009000000000000" pitchFamily="49" charset="-127"/>
+                <a:ea typeface="나눔고딕코딩" panose="020D0009000000000000" pitchFamily="49" charset="-127"/>
+              </a:rPr>
+              <a:t>이제 사이트 내 데이터를 저장하기 위한 데이터베이스 구축 및 프로젝트 구축이 잘 </a:t>
+            </a:r>
+            <a:r>
+              <a:rPr lang="ko-KR" altLang="en-US" dirty="0" err="1">
+                <a:latin typeface="나눔고딕코딩" panose="020D0009000000000000" pitchFamily="49" charset="-127"/>
+                <a:ea typeface="나눔고딕코딩" panose="020D0009000000000000" pitchFamily="49" charset="-127"/>
+              </a:rPr>
+              <a:t>됬는지</a:t>
+            </a:r>
+            <a:r>
+              <a:rPr lang="ko-KR" altLang="en-US" dirty="0">
+                <a:latin typeface="나눔고딕코딩" panose="020D0009000000000000" pitchFamily="49" charset="-127"/>
+                <a:ea typeface="나눔고딕코딩" panose="020D0009000000000000" pitchFamily="49" charset="-127"/>
+              </a:rPr>
+              <a:t> 확인합니다</a:t>
+            </a:r>
+            <a:r>
+              <a:rPr lang="en-US" altLang="ko-KR" dirty="0">
+                <a:latin typeface="나눔고딕코딩" panose="020D0009000000000000" pitchFamily="49" charset="-127"/>
+                <a:ea typeface="나눔고딕코딩" panose="020D0009000000000000" pitchFamily="49" charset="-127"/>
+              </a:rPr>
               <a:t>.</a:t>
             </a:r>
-          </a:p>
-          <a:p>
-            <a:r>
-              <a:rPr lang="ko-KR" altLang="en-US" dirty="0">
-                <a:latin typeface="나눔고딕코딩" panose="020D0009000000000000" pitchFamily="49" charset="-127"/>
-                <a:ea typeface="나눔고딕코딩" panose="020D0009000000000000" pitchFamily="49" charset="-127"/>
-              </a:rPr>
-              <a:t>장고 프로젝트가 제대로 구축되었는지 확인하기 위해 아래와 같이 명령어를 입력해줍니다</a:t>
-            </a:r>
-            <a:r>
-              <a:rPr lang="en-US" altLang="ko-KR" dirty="0">
-                <a:latin typeface="나눔고딕코딩" panose="020D0009000000000000" pitchFamily="49" charset="-127"/>
-                <a:ea typeface="나눔고딕코딩" panose="020D0009000000000000" pitchFamily="49" charset="-127"/>
-              </a:rPr>
-              <a:t>.</a:t>
-            </a:r>
-          </a:p>
-          <a:p>
-            <a:endParaRPr lang="en-US" altLang="ko-KR" dirty="0">
-              <a:latin typeface="나눔고딕코딩" panose="020D0009000000000000" pitchFamily="49" charset="-127"/>
-              <a:ea typeface="나눔고딕코딩" panose="020D0009000000000000" pitchFamily="49" charset="-127"/>
-            </a:endParaRPr>
           </a:p>
           <a:p>
             <a:endParaRPr lang="en-US" altLang="ko-KR" dirty="0">
@@ -5810,8 +5829,8 @@
         </p:nvSpPr>
         <p:spPr>
           <a:xfrm>
-            <a:off x="1940010" y="4617308"/>
-            <a:ext cx="7988130" cy="1692771"/>
+            <a:off x="1940010" y="4559642"/>
+            <a:ext cx="7988130" cy="1892826"/>
           </a:xfrm>
           <a:prstGeom prst="rect">
             <a:avLst/>
@@ -6216,7 +6235,7 @@
                 <a:latin typeface="나눔고딕 Light" panose="020D0904000000000000" pitchFamily="50" charset="-127"/>
                 <a:ea typeface="나눔고딕 Light" panose="020D0904000000000000" pitchFamily="50" charset="-127"/>
               </a:rPr>
-              <a:t>장고프로젝트명</a:t>
+              <a:t>장</a:t>
             </a:r>
             <a:r>
               <a:rPr lang="en-US" altLang="ko-KR" sz="1300" dirty="0">
@@ -6226,7 +6245,139 @@
                 <a:latin typeface="나눔고딕 Light" panose="020D0904000000000000" pitchFamily="50" charset="-127"/>
                 <a:ea typeface="나눔고딕 Light" panose="020D0904000000000000" pitchFamily="50" charset="-127"/>
               </a:rPr>
-              <a:t>&gt; manage.py </a:t>
+              <a:t>…&gt; python manage.py migrate</a:t>
+            </a:r>
+          </a:p>
+          <a:p>
+            <a:r>
+              <a:rPr lang="en-US" altLang="ko-KR" sz="1300" dirty="0">
+                <a:solidFill>
+                  <a:schemeClr val="bg1"/>
+                </a:solidFill>
+                <a:latin typeface="나눔고딕 Light" panose="020D0904000000000000" pitchFamily="50" charset="-127"/>
+                <a:ea typeface="나눔고딕 Light" panose="020D0904000000000000" pitchFamily="50" charset="-127"/>
+              </a:rPr>
+              <a:t>(</a:t>
+            </a:r>
+            <a:r>
+              <a:rPr lang="en-US" altLang="ko-KR" sz="1300" dirty="0" err="1">
+                <a:solidFill>
+                  <a:schemeClr val="bg1"/>
+                </a:solidFill>
+                <a:latin typeface="나눔고딕 Light" panose="020D0904000000000000" pitchFamily="50" charset="-127"/>
+                <a:ea typeface="나눔고딕 Light" panose="020D0904000000000000" pitchFamily="50" charset="-127"/>
+              </a:rPr>
+              <a:t>venv</a:t>
+            </a:r>
+            <a:r>
+              <a:rPr lang="en-US" altLang="ko-KR" sz="1300" dirty="0">
+                <a:solidFill>
+                  <a:schemeClr val="bg1"/>
+                </a:solidFill>
+                <a:latin typeface="나눔고딕 Light" panose="020D0904000000000000" pitchFamily="50" charset="-127"/>
+                <a:ea typeface="나눔고딕 Light" panose="020D0904000000000000" pitchFamily="50" charset="-127"/>
+              </a:rPr>
+              <a:t> </a:t>
+            </a:r>
+            <a:r>
+              <a:rPr lang="ko-KR" altLang="en-US" sz="1300" dirty="0">
+                <a:solidFill>
+                  <a:schemeClr val="bg1"/>
+                </a:solidFill>
+                <a:latin typeface="나눔고딕 Light" panose="020D0904000000000000" pitchFamily="50" charset="-127"/>
+                <a:ea typeface="나눔고딕 Light" panose="020D0904000000000000" pitchFamily="50" charset="-127"/>
+              </a:rPr>
+              <a:t>명</a:t>
+            </a:r>
+            <a:r>
+              <a:rPr lang="en-US" altLang="ko-KR" sz="1300" dirty="0">
+                <a:solidFill>
+                  <a:schemeClr val="bg1"/>
+                </a:solidFill>
+                <a:latin typeface="나눔고딕 Light" panose="020D0904000000000000" pitchFamily="50" charset="-127"/>
+                <a:ea typeface="나눔고딕 Light" panose="020D0904000000000000" pitchFamily="50" charset="-127"/>
+              </a:rPr>
+              <a:t>) c:\Users\</a:t>
+            </a:r>
+            <a:r>
+              <a:rPr lang="ko-KR" altLang="en-US" sz="1300" dirty="0">
+                <a:solidFill>
+                  <a:schemeClr val="bg1"/>
+                </a:solidFill>
+                <a:latin typeface="나눔고딕 Light" panose="020D0904000000000000" pitchFamily="50" charset="-127"/>
+                <a:ea typeface="나눔고딕 Light" panose="020D0904000000000000" pitchFamily="50" charset="-127"/>
+              </a:rPr>
+              <a:t>컴퓨터명</a:t>
+            </a:r>
+            <a:r>
+              <a:rPr lang="en-US" altLang="ko-KR" sz="1300" dirty="0">
+                <a:solidFill>
+                  <a:schemeClr val="bg1"/>
+                </a:solidFill>
+                <a:latin typeface="나눔고딕 Light" panose="020D0904000000000000" pitchFamily="50" charset="-127"/>
+                <a:ea typeface="나눔고딕 Light" panose="020D0904000000000000" pitchFamily="50" charset="-127"/>
+              </a:rPr>
+              <a:t>\</a:t>
+            </a:r>
+            <a:r>
+              <a:rPr lang="en-US" altLang="ko-KR" sz="1300" dirty="0" err="1">
+                <a:solidFill>
+                  <a:schemeClr val="bg1"/>
+                </a:solidFill>
+                <a:latin typeface="나눔고딕 Light" panose="020D0904000000000000" pitchFamily="50" charset="-127"/>
+                <a:ea typeface="나눔고딕 Light" panose="020D0904000000000000" pitchFamily="50" charset="-127"/>
+              </a:rPr>
+              <a:t>PycharmProjects</a:t>
+            </a:r>
+            <a:r>
+              <a:rPr lang="en-US" altLang="ko-KR" sz="1300" dirty="0">
+                <a:solidFill>
+                  <a:schemeClr val="bg1"/>
+                </a:solidFill>
+                <a:latin typeface="나눔고딕 Light" panose="020D0904000000000000" pitchFamily="50" charset="-127"/>
+                <a:ea typeface="나눔고딕 Light" panose="020D0904000000000000" pitchFamily="50" charset="-127"/>
+              </a:rPr>
+              <a:t>\</a:t>
+            </a:r>
+            <a:r>
+              <a:rPr lang="ko-KR" altLang="en-US" sz="1300" dirty="0">
+                <a:solidFill>
+                  <a:schemeClr val="bg1"/>
+                </a:solidFill>
+                <a:latin typeface="나눔고딕 Light" panose="020D0904000000000000" pitchFamily="50" charset="-127"/>
+                <a:ea typeface="나눔고딕 Light" panose="020D0904000000000000" pitchFamily="50" charset="-127"/>
+              </a:rPr>
+              <a:t>프로젝트명</a:t>
+            </a:r>
+            <a:r>
+              <a:rPr lang="en-US" altLang="ko-KR" sz="1300" dirty="0">
+                <a:solidFill>
+                  <a:schemeClr val="bg1"/>
+                </a:solidFill>
+                <a:latin typeface="나눔고딕 Light" panose="020D0904000000000000" pitchFamily="50" charset="-127"/>
+                <a:ea typeface="나눔고딕 Light" panose="020D0904000000000000" pitchFamily="50" charset="-127"/>
+              </a:rPr>
+              <a:t>\</a:t>
+            </a:r>
+            <a:r>
+              <a:rPr lang="ko-KR" altLang="en-US" sz="1300" dirty="0">
+                <a:solidFill>
+                  <a:schemeClr val="bg1"/>
+                </a:solidFill>
+                <a:latin typeface="나눔고딕 Light" panose="020D0904000000000000" pitchFamily="50" charset="-127"/>
+                <a:ea typeface="나눔고딕 Light" panose="020D0904000000000000" pitchFamily="50" charset="-127"/>
+              </a:rPr>
+              <a:t>장</a:t>
+            </a:r>
+            <a:r>
+              <a:rPr lang="en-US" altLang="ko-KR" sz="1300" dirty="0">
+                <a:solidFill>
+                  <a:schemeClr val="bg1"/>
+                </a:solidFill>
+                <a:latin typeface="나눔고딕 Light" panose="020D0904000000000000" pitchFamily="50" charset="-127"/>
+                <a:ea typeface="나눔고딕 Light" panose="020D0904000000000000" pitchFamily="50" charset="-127"/>
+              </a:rPr>
+              <a:t>…&gt; manage.py </a:t>
             </a:r>
             <a:r>
               <a:rPr lang="en-US" altLang="ko-KR" sz="1300" dirty="0" err="1">
@@ -6731,6 +6882,292 @@
       </p:grpSpPr>
       <p:sp>
         <p:nvSpPr>
+          <p:cNvPr id="4" name="TextBox 3">
+            <a:extLst>
+              <a:ext uri="{FF2B5EF4-FFF2-40B4-BE49-F238E27FC236}">
+                <a16:creationId xmlns:a16="http://schemas.microsoft.com/office/drawing/2014/main" id="{6F512E33-3568-4B64-907A-F55736485946}"/>
+              </a:ext>
+            </a:extLst>
+          </p:cNvPr>
+          <p:cNvSpPr txBox="1"/>
+          <p:nvPr/>
+        </p:nvSpPr>
+        <p:spPr>
+          <a:xfrm>
+            <a:off x="199765" y="393614"/>
+            <a:ext cx="8285207" cy="523220"/>
+          </a:xfrm>
+          <a:prstGeom prst="rect">
+            <a:avLst/>
+          </a:prstGeom>
+          <a:noFill/>
+        </p:spPr>
+        <p:txBody>
+          <a:bodyPr wrap="square" rtlCol="0">
+            <a:spAutoFit/>
+          </a:bodyPr>
+          <a:lstStyle/>
+          <a:p>
+            <a:r>
+              <a:rPr lang="en-US" altLang="ko-KR" sz="2800" dirty="0">
+                <a:solidFill>
+                  <a:schemeClr val="bg1"/>
+                </a:solidFill>
+                <a:latin typeface="나눔고딕 Light" panose="020D0904000000000000" pitchFamily="50" charset="-127"/>
+                <a:ea typeface="나눔고딕 Light" panose="020D0904000000000000" pitchFamily="50" charset="-127"/>
+              </a:rPr>
+              <a:t>1 &gt; Django(</a:t>
+            </a:r>
+            <a:r>
+              <a:rPr lang="ko-KR" altLang="en-US" sz="2800" dirty="0">
+                <a:solidFill>
+                  <a:schemeClr val="bg1"/>
+                </a:solidFill>
+                <a:latin typeface="나눔고딕 Light" panose="020D0904000000000000" pitchFamily="50" charset="-127"/>
+                <a:ea typeface="나눔고딕 Light" panose="020D0904000000000000" pitchFamily="50" charset="-127"/>
+              </a:rPr>
+              <a:t>장고</a:t>
+            </a:r>
+            <a:r>
+              <a:rPr lang="en-US" altLang="ko-KR" sz="2800" dirty="0">
+                <a:solidFill>
+                  <a:schemeClr val="bg1"/>
+                </a:solidFill>
+                <a:latin typeface="나눔고딕 Light" panose="020D0904000000000000" pitchFamily="50" charset="-127"/>
+                <a:ea typeface="나눔고딕 Light" panose="020D0904000000000000" pitchFamily="50" charset="-127"/>
+              </a:rPr>
+              <a:t>) </a:t>
+            </a:r>
+            <a:r>
+              <a:rPr lang="ko-KR" altLang="en-US" sz="2800" dirty="0">
+                <a:solidFill>
+                  <a:schemeClr val="bg1"/>
+                </a:solidFill>
+                <a:latin typeface="나눔고딕 Light" panose="020D0904000000000000" pitchFamily="50" charset="-127"/>
+                <a:ea typeface="나눔고딕 Light" panose="020D0904000000000000" pitchFamily="50" charset="-127"/>
+              </a:rPr>
+              <a:t>설치 방법 </a:t>
+            </a:r>
+            <a:r>
+              <a:rPr lang="en-US" altLang="ko-KR" sz="2800" dirty="0">
+                <a:solidFill>
+                  <a:schemeClr val="bg1"/>
+                </a:solidFill>
+                <a:latin typeface="나눔고딕 Light" panose="020D0904000000000000" pitchFamily="50" charset="-127"/>
+                <a:ea typeface="나눔고딕 Light" panose="020D0904000000000000" pitchFamily="50" charset="-127"/>
+              </a:rPr>
+              <a:t>(with PyCharm)</a:t>
+            </a:r>
+          </a:p>
+        </p:txBody>
+      </p:sp>
+      <p:sp>
+        <p:nvSpPr>
+          <p:cNvPr id="10" name="TextBox 9">
+            <a:extLst>
+              <a:ext uri="{FF2B5EF4-FFF2-40B4-BE49-F238E27FC236}">
+                <a16:creationId xmlns:a16="http://schemas.microsoft.com/office/drawing/2014/main" id="{F49A06C6-23C9-4098-A6B3-8AE9A9C618A7}"/>
+              </a:ext>
+            </a:extLst>
+          </p:cNvPr>
+          <p:cNvSpPr txBox="1"/>
+          <p:nvPr/>
+        </p:nvSpPr>
+        <p:spPr>
+          <a:xfrm>
+            <a:off x="263610" y="1326292"/>
+            <a:ext cx="11099715" cy="2585323"/>
+          </a:xfrm>
+          <a:prstGeom prst="rect">
+            <a:avLst/>
+          </a:prstGeom>
+          <a:noFill/>
+        </p:spPr>
+        <p:txBody>
+          <a:bodyPr wrap="square" rtlCol="0">
+            <a:spAutoFit/>
+          </a:bodyPr>
+          <a:lstStyle/>
+          <a:p>
+            <a:r>
+              <a:rPr lang="en-US" altLang="ko-KR" dirty="0">
+                <a:latin typeface="나눔고딕코딩" panose="020D0009000000000000" pitchFamily="49" charset="-127"/>
+                <a:ea typeface="나눔고딕코딩" panose="020D0009000000000000" pitchFamily="49" charset="-127"/>
+              </a:rPr>
+              <a:t>7) </a:t>
+            </a:r>
+            <a:r>
+              <a:rPr lang="ko-KR" altLang="en-US" dirty="0">
+                <a:latin typeface="나눔고딕코딩" panose="020D0009000000000000" pitchFamily="49" charset="-127"/>
+                <a:ea typeface="나눔고딕코딩" panose="020D0009000000000000" pitchFamily="49" charset="-127"/>
+              </a:rPr>
+              <a:t>실행하고 있는 화면</a:t>
+            </a:r>
+            <a:endParaRPr lang="en-US" altLang="ko-KR" dirty="0">
+              <a:latin typeface="나눔고딕코딩" panose="020D0009000000000000" pitchFamily="49" charset="-127"/>
+              <a:ea typeface="나눔고딕코딩" panose="020D0009000000000000" pitchFamily="49" charset="-127"/>
+            </a:endParaRPr>
+          </a:p>
+          <a:p>
+            <a:endParaRPr lang="en-US" altLang="ko-KR" dirty="0">
+              <a:latin typeface="나눔고딕코딩" panose="020D0009000000000000" pitchFamily="49" charset="-127"/>
+              <a:ea typeface="나눔고딕코딩" panose="020D0009000000000000" pitchFamily="49" charset="-127"/>
+            </a:endParaRPr>
+          </a:p>
+          <a:p>
+            <a:r>
+              <a:rPr lang="en-US" altLang="ko-KR" dirty="0">
+                <a:latin typeface="나눔고딕코딩" panose="020D0009000000000000" pitchFamily="49" charset="-127"/>
+                <a:ea typeface="나눔고딕코딩" panose="020D0009000000000000" pitchFamily="49" charset="-127"/>
+              </a:rPr>
+              <a:t>127.0.0.1:8000</a:t>
+            </a:r>
+            <a:r>
+              <a:rPr lang="ko-KR" altLang="en-US" dirty="0">
+                <a:latin typeface="나눔고딕코딩" panose="020D0009000000000000" pitchFamily="49" charset="-127"/>
+                <a:ea typeface="나눔고딕코딩" panose="020D0009000000000000" pitchFamily="49" charset="-127"/>
+              </a:rPr>
+              <a:t>에 접속했을 때</a:t>
+            </a:r>
+            <a:endParaRPr lang="en-US" altLang="ko-KR" dirty="0">
+              <a:latin typeface="나눔고딕코딩" panose="020D0009000000000000" pitchFamily="49" charset="-127"/>
+              <a:ea typeface="나눔고딕코딩" panose="020D0009000000000000" pitchFamily="49" charset="-127"/>
+            </a:endParaRPr>
+          </a:p>
+          <a:p>
+            <a:r>
+              <a:rPr lang="ko-KR" altLang="en-US" dirty="0">
+                <a:latin typeface="나눔고딕코딩" panose="020D0009000000000000" pitchFamily="49" charset="-127"/>
+                <a:ea typeface="나눔고딕코딩" panose="020D0009000000000000" pitchFamily="49" charset="-127"/>
+              </a:rPr>
+              <a:t>오른쪽 그림같이 설치에 성공했다는 화면을 보실</a:t>
+            </a:r>
+            <a:endParaRPr lang="en-US" altLang="ko-KR" dirty="0">
+              <a:latin typeface="나눔고딕코딩" panose="020D0009000000000000" pitchFamily="49" charset="-127"/>
+              <a:ea typeface="나눔고딕코딩" panose="020D0009000000000000" pitchFamily="49" charset="-127"/>
+            </a:endParaRPr>
+          </a:p>
+          <a:p>
+            <a:r>
+              <a:rPr lang="ko-KR" altLang="en-US" dirty="0">
+                <a:latin typeface="나눔고딕코딩" panose="020D0009000000000000" pitchFamily="49" charset="-127"/>
+                <a:ea typeface="나눔고딕코딩" panose="020D0009000000000000" pitchFamily="49" charset="-127"/>
+              </a:rPr>
+              <a:t>수 있습니다</a:t>
+            </a:r>
+            <a:r>
+              <a:rPr lang="en-US" altLang="ko-KR" dirty="0">
+                <a:latin typeface="나눔고딕코딩" panose="020D0009000000000000" pitchFamily="49" charset="-127"/>
+                <a:ea typeface="나눔고딕코딩" panose="020D0009000000000000" pitchFamily="49" charset="-127"/>
+              </a:rPr>
+              <a:t>.</a:t>
+            </a:r>
+          </a:p>
+          <a:p>
+            <a:r>
+              <a:rPr lang="en-US" altLang="ko-KR" dirty="0">
+                <a:latin typeface="나눔고딕코딩" panose="020D0009000000000000" pitchFamily="49" charset="-127"/>
+                <a:ea typeface="나눔고딕코딩" panose="020D0009000000000000" pitchFamily="49" charset="-127"/>
+              </a:rPr>
+              <a:t>(</a:t>
+            </a:r>
+            <a:r>
+              <a:rPr lang="ko-KR" altLang="en-US" dirty="0">
+                <a:latin typeface="나눔고딕코딩" panose="020D0009000000000000" pitchFamily="49" charset="-127"/>
+                <a:ea typeface="나눔고딕코딩" panose="020D0009000000000000" pitchFamily="49" charset="-127"/>
+              </a:rPr>
+              <a:t>버전별로 약간씩 차이는 있음</a:t>
+            </a:r>
+            <a:r>
+              <a:rPr lang="en-US" altLang="ko-KR" dirty="0">
+                <a:latin typeface="나눔고딕코딩" panose="020D0009000000000000" pitchFamily="49" charset="-127"/>
+                <a:ea typeface="나눔고딕코딩" panose="020D0009000000000000" pitchFamily="49" charset="-127"/>
+              </a:rPr>
+              <a:t>)</a:t>
+            </a:r>
+          </a:p>
+          <a:p>
+            <a:endParaRPr lang="en-US" altLang="ko-KR" dirty="0">
+              <a:latin typeface="나눔고딕코딩" panose="020D0009000000000000" pitchFamily="49" charset="-127"/>
+              <a:ea typeface="나눔고딕코딩" panose="020D0009000000000000" pitchFamily="49" charset="-127"/>
+            </a:endParaRPr>
+          </a:p>
+          <a:p>
+            <a:endParaRPr lang="en-US" altLang="ko-KR" dirty="0">
+              <a:latin typeface="나눔고딕코딩" panose="020D0009000000000000" pitchFamily="49" charset="-127"/>
+              <a:ea typeface="나눔고딕코딩" panose="020D0009000000000000" pitchFamily="49" charset="-127"/>
+            </a:endParaRPr>
+          </a:p>
+          <a:p>
+            <a:endParaRPr lang="en-US" altLang="ko-KR" dirty="0">
+              <a:latin typeface="나눔고딕코딩" panose="020D0009000000000000" pitchFamily="49" charset="-127"/>
+              <a:ea typeface="나눔고딕코딩" panose="020D0009000000000000" pitchFamily="49" charset="-127"/>
+            </a:endParaRPr>
+          </a:p>
+        </p:txBody>
+      </p:sp>
+      <p:pic>
+        <p:nvPicPr>
+          <p:cNvPr id="2" name="그림 1">
+            <a:extLst>
+              <a:ext uri="{FF2B5EF4-FFF2-40B4-BE49-F238E27FC236}">
+                <a16:creationId xmlns:a16="http://schemas.microsoft.com/office/drawing/2014/main" id="{A68DE48D-6A1D-4F6D-85F5-45E1E12595E3}"/>
+              </a:ext>
+            </a:extLst>
+          </p:cNvPr>
+          <p:cNvPicPr>
+            <a:picLocks noChangeAspect="1"/>
+          </p:cNvPicPr>
+          <p:nvPr/>
+        </p:nvPicPr>
+        <p:blipFill>
+          <a:blip r:embed="rId2"/>
+          <a:stretch>
+            <a:fillRect/>
+          </a:stretch>
+        </p:blipFill>
+        <p:spPr>
+          <a:xfrm>
+            <a:off x="6096000" y="1529920"/>
+            <a:ext cx="5378874" cy="4934466"/>
+          </a:xfrm>
+          <a:prstGeom prst="rect">
+            <a:avLst/>
+          </a:prstGeom>
+        </p:spPr>
+      </p:pic>
+    </p:spTree>
+    <p:extLst>
+      <p:ext uri="{BB962C8B-B14F-4D97-AF65-F5344CB8AC3E}">
+        <p14:creationId xmlns:p14="http://schemas.microsoft.com/office/powerpoint/2010/main" val="3079894972"/>
+      </p:ext>
+    </p:extLst>
+  </p:cSld>
+  <p:clrMapOvr>
+    <a:masterClrMapping/>
+  </p:clrMapOvr>
+</p:sld>
+</file>
+
+<file path=ppt/slides/slide16.xml><?xml version="1.0" encoding="utf-8"?>
+<p:sld xmlns:a="http://schemas.openxmlformats.org/drawingml/2006/main" xmlns:r="http://schemas.openxmlformats.org/officeDocument/2006/relationships" xmlns:p="http://schemas.openxmlformats.org/presentationml/2006/main">
+  <p:cSld>
+    <p:spTree>
+      <p:nvGrpSpPr>
+        <p:cNvPr id="1" name=""/>
+        <p:cNvGrpSpPr/>
+        <p:nvPr/>
+      </p:nvGrpSpPr>
+      <p:grpSpPr>
+        <a:xfrm>
+          <a:off x="0" y="0"/>
+          <a:ext cx="0" cy="0"/>
+          <a:chOff x="0" y="0"/>
+          <a:chExt cx="0" cy="0"/>
+        </a:xfrm>
+      </p:grpSpPr>
+      <p:sp>
+        <p:nvSpPr>
           <p:cNvPr id="5" name="TextBox 4">
             <a:extLst>
               <a:ext uri="{FF2B5EF4-FFF2-40B4-BE49-F238E27FC236}">
@@ -6863,8 +7300,19 @@
                 <a:latin typeface="나눔고딕코딩" panose="020D0009000000000000" pitchFamily="49" charset="-127"/>
                 <a:ea typeface="나눔고딕코딩" panose="020D0009000000000000" pitchFamily="49" charset="-127"/>
               </a:rPr>
-              <a:t>0x3 / Django basic structure</a:t>
-            </a:r>
+              <a:t>0x3 / </a:t>
+            </a:r>
+            <a:r>
+              <a:rPr lang="ko-KR" altLang="en-US" sz="2400" dirty="0">
+                <a:latin typeface="나눔고딕코딩" panose="020D0009000000000000" pitchFamily="49" charset="-127"/>
+                <a:ea typeface="나눔고딕코딩" panose="020D0009000000000000" pitchFamily="49" charset="-127"/>
+              </a:rPr>
+              <a:t>장고 프로젝트 올리기</a:t>
+            </a:r>
+            <a:endParaRPr lang="en-US" altLang="ko-KR" sz="2400" dirty="0">
+              <a:latin typeface="나눔고딕코딩" panose="020D0009000000000000" pitchFamily="49" charset="-127"/>
+              <a:ea typeface="나눔고딕코딩" panose="020D0009000000000000" pitchFamily="49" charset="-127"/>
+            </a:endParaRPr>
           </a:p>
           <a:p>
             <a:pPr>
@@ -6938,7 +7386,3561 @@
 </p:sld>
 </file>
 
-<file path=ppt/slides/slide16.xml><?xml version="1.0" encoding="utf-8"?>
+<file path=ppt/slides/slide17.xml><?xml version="1.0" encoding="utf-8"?>
+<p:sld xmlns:a="http://schemas.openxmlformats.org/drawingml/2006/main" xmlns:r="http://schemas.openxmlformats.org/officeDocument/2006/relationships" xmlns:p="http://schemas.openxmlformats.org/presentationml/2006/main">
+  <p:cSld>
+    <p:spTree>
+      <p:nvGrpSpPr>
+        <p:cNvPr id="1" name=""/>
+        <p:cNvGrpSpPr/>
+        <p:nvPr/>
+      </p:nvGrpSpPr>
+      <p:grpSpPr>
+        <a:xfrm>
+          <a:off x="0" y="0"/>
+          <a:ext cx="0" cy="0"/>
+          <a:chOff x="0" y="0"/>
+          <a:chExt cx="0" cy="0"/>
+        </a:xfrm>
+      </p:grpSpPr>
+      <p:sp>
+        <p:nvSpPr>
+          <p:cNvPr id="4" name="TextBox 3">
+            <a:extLst>
+              <a:ext uri="{FF2B5EF4-FFF2-40B4-BE49-F238E27FC236}">
+                <a16:creationId xmlns:a16="http://schemas.microsoft.com/office/drawing/2014/main" id="{6F512E33-3568-4B64-907A-F55736485946}"/>
+              </a:ext>
+            </a:extLst>
+          </p:cNvPr>
+          <p:cNvSpPr txBox="1"/>
+          <p:nvPr/>
+        </p:nvSpPr>
+        <p:spPr>
+          <a:xfrm>
+            <a:off x="199765" y="393614"/>
+            <a:ext cx="8285207" cy="523220"/>
+          </a:xfrm>
+          <a:prstGeom prst="rect">
+            <a:avLst/>
+          </a:prstGeom>
+          <a:noFill/>
+        </p:spPr>
+        <p:txBody>
+          <a:bodyPr wrap="square" rtlCol="0">
+            <a:spAutoFit/>
+          </a:bodyPr>
+          <a:lstStyle/>
+          <a:p>
+            <a:r>
+              <a:rPr lang="en-US" altLang="ko-KR" sz="2800" dirty="0">
+                <a:solidFill>
+                  <a:schemeClr val="bg1"/>
+                </a:solidFill>
+                <a:latin typeface="나눔고딕 Light" panose="020D0904000000000000" pitchFamily="50" charset="-127"/>
+                <a:ea typeface="나눔고딕 Light" panose="020D0904000000000000" pitchFamily="50" charset="-127"/>
+              </a:rPr>
+              <a:t>2 &gt; Django(</a:t>
+            </a:r>
+            <a:r>
+              <a:rPr lang="ko-KR" altLang="en-US" sz="2800" dirty="0">
+                <a:solidFill>
+                  <a:schemeClr val="bg1"/>
+                </a:solidFill>
+                <a:latin typeface="나눔고딕 Light" panose="020D0904000000000000" pitchFamily="50" charset="-127"/>
+                <a:ea typeface="나눔고딕 Light" panose="020D0904000000000000" pitchFamily="50" charset="-127"/>
+              </a:rPr>
+              <a:t>장고</a:t>
+            </a:r>
+            <a:r>
+              <a:rPr lang="en-US" altLang="ko-KR" sz="2800" dirty="0">
+                <a:solidFill>
+                  <a:schemeClr val="bg1"/>
+                </a:solidFill>
+                <a:latin typeface="나눔고딕 Light" panose="020D0904000000000000" pitchFamily="50" charset="-127"/>
+                <a:ea typeface="나눔고딕 Light" panose="020D0904000000000000" pitchFamily="50" charset="-127"/>
+              </a:rPr>
+              <a:t>) </a:t>
+            </a:r>
+            <a:r>
+              <a:rPr lang="ko-KR" altLang="en-US" sz="2800" dirty="0">
+                <a:solidFill>
+                  <a:schemeClr val="bg1"/>
+                </a:solidFill>
+                <a:latin typeface="나눔고딕 Light" panose="020D0904000000000000" pitchFamily="50" charset="-127"/>
+                <a:ea typeface="나눔고딕 Light" panose="020D0904000000000000" pitchFamily="50" charset="-127"/>
+              </a:rPr>
+              <a:t>사용하기</a:t>
+            </a:r>
+            <a:endParaRPr lang="en-US" altLang="ko-KR" sz="2800" dirty="0">
+              <a:solidFill>
+                <a:schemeClr val="bg1"/>
+              </a:solidFill>
+              <a:latin typeface="나눔고딕 Light" panose="020D0904000000000000" pitchFamily="50" charset="-127"/>
+              <a:ea typeface="나눔고딕 Light" panose="020D0904000000000000" pitchFamily="50" charset="-127"/>
+            </a:endParaRPr>
+          </a:p>
+        </p:txBody>
+      </p:sp>
+      <p:sp>
+        <p:nvSpPr>
+          <p:cNvPr id="10" name="TextBox 9">
+            <a:extLst>
+              <a:ext uri="{FF2B5EF4-FFF2-40B4-BE49-F238E27FC236}">
+                <a16:creationId xmlns:a16="http://schemas.microsoft.com/office/drawing/2014/main" id="{F49A06C6-23C9-4098-A6B3-8AE9A9C618A7}"/>
+              </a:ext>
+            </a:extLst>
+          </p:cNvPr>
+          <p:cNvSpPr txBox="1"/>
+          <p:nvPr/>
+        </p:nvSpPr>
+        <p:spPr>
+          <a:xfrm>
+            <a:off x="263610" y="1326292"/>
+            <a:ext cx="11099715" cy="1726627"/>
+          </a:xfrm>
+          <a:prstGeom prst="rect">
+            <a:avLst/>
+          </a:prstGeom>
+          <a:noFill/>
+        </p:spPr>
+        <p:txBody>
+          <a:bodyPr wrap="square" rtlCol="0">
+            <a:spAutoFit/>
+          </a:bodyPr>
+          <a:lstStyle/>
+          <a:p>
+            <a:pPr>
+              <a:lnSpc>
+                <a:spcPct val="120000"/>
+              </a:lnSpc>
+            </a:pPr>
+            <a:r>
+              <a:rPr lang="ko-KR" altLang="en-US" b="1" dirty="0">
+                <a:latin typeface="나눔고딕코딩" panose="020D0009000000000000" pitchFamily="49" charset="-127"/>
+                <a:ea typeface="나눔고딕코딩" panose="020D0009000000000000" pitchFamily="49" charset="-127"/>
+              </a:rPr>
+              <a:t>어플리케이션</a:t>
+            </a:r>
+            <a:r>
+              <a:rPr lang="en-US" altLang="ko-KR" b="1" dirty="0">
+                <a:latin typeface="나눔고딕코딩" panose="020D0009000000000000" pitchFamily="49" charset="-127"/>
+                <a:ea typeface="나눔고딕코딩" panose="020D0009000000000000" pitchFamily="49" charset="-127"/>
+              </a:rPr>
+              <a:t>(Application) </a:t>
+            </a:r>
+            <a:r>
+              <a:rPr lang="ko-KR" altLang="en-US" b="1" dirty="0">
+                <a:latin typeface="나눔고딕코딩" panose="020D0009000000000000" pitchFamily="49" charset="-127"/>
+                <a:ea typeface="나눔고딕코딩" panose="020D0009000000000000" pitchFamily="49" charset="-127"/>
+              </a:rPr>
+              <a:t>생성하기 </a:t>
+            </a:r>
+            <a:r>
+              <a:rPr lang="en-US" altLang="ko-KR" b="1" dirty="0">
+                <a:latin typeface="나눔고딕코딩" panose="020D0009000000000000" pitchFamily="49" charset="-127"/>
+                <a:ea typeface="나눔고딕코딩" panose="020D0009000000000000" pitchFamily="49" charset="-127"/>
+              </a:rPr>
+              <a:t>(ex] </a:t>
+            </a:r>
+            <a:r>
+              <a:rPr lang="ko-KR" altLang="en-US" b="1" dirty="0">
+                <a:latin typeface="나눔고딕코딩" panose="020D0009000000000000" pitchFamily="49" charset="-127"/>
+                <a:ea typeface="나눔고딕코딩" panose="020D0009000000000000" pitchFamily="49" charset="-127"/>
+              </a:rPr>
+              <a:t>블로그 글 만들어 보기</a:t>
+            </a:r>
+            <a:r>
+              <a:rPr lang="en-US" altLang="ko-KR" b="1" dirty="0">
+                <a:latin typeface="나눔고딕코딩" panose="020D0009000000000000" pitchFamily="49" charset="-127"/>
+                <a:ea typeface="나눔고딕코딩" panose="020D0009000000000000" pitchFamily="49" charset="-127"/>
+              </a:rPr>
+              <a:t>)</a:t>
+            </a:r>
+          </a:p>
+          <a:p>
+            <a:pPr marL="285750" indent="-285750">
+              <a:lnSpc>
+                <a:spcPct val="120000"/>
+              </a:lnSpc>
+              <a:buFont typeface="Arial" panose="020B0604020202020204" pitchFamily="34" charset="0"/>
+              <a:buChar char="•"/>
+            </a:pPr>
+            <a:r>
+              <a:rPr lang="ko-KR" altLang="en-US" dirty="0">
+                <a:latin typeface="나눔고딕코딩" panose="020D0009000000000000" pitchFamily="49" charset="-127"/>
+                <a:ea typeface="나눔고딕코딩" panose="020D0009000000000000" pitchFamily="49" charset="-127"/>
+              </a:rPr>
+              <a:t>장고에서의 어플리케이션 </a:t>
+            </a:r>
+            <a:r>
+              <a:rPr lang="en-US" altLang="ko-KR" dirty="0">
+                <a:latin typeface="나눔고딕코딩" panose="020D0009000000000000" pitchFamily="49" charset="-127"/>
+                <a:ea typeface="나눔고딕코딩" panose="020D0009000000000000" pitchFamily="49" charset="-127"/>
+              </a:rPr>
+              <a:t>= object = ‘</a:t>
+            </a:r>
+            <a:r>
+              <a:rPr lang="ko-KR" altLang="en-US" dirty="0">
+                <a:latin typeface="나눔고딕코딩" panose="020D0009000000000000" pitchFamily="49" charset="-127"/>
+                <a:ea typeface="나눔고딕코딩" panose="020D0009000000000000" pitchFamily="49" charset="-127"/>
+              </a:rPr>
+              <a:t>객체</a:t>
+            </a:r>
+            <a:r>
+              <a:rPr lang="en-US" altLang="ko-KR" dirty="0">
+                <a:latin typeface="나눔고딕코딩" panose="020D0009000000000000" pitchFamily="49" charset="-127"/>
+                <a:ea typeface="나눔고딕코딩" panose="020D0009000000000000" pitchFamily="49" charset="-127"/>
+              </a:rPr>
+              <a:t>’</a:t>
+            </a:r>
+          </a:p>
+          <a:p>
+            <a:pPr marL="285750" indent="-285750">
+              <a:lnSpc>
+                <a:spcPct val="120000"/>
+              </a:lnSpc>
+              <a:buFont typeface="Arial" panose="020B0604020202020204" pitchFamily="34" charset="0"/>
+              <a:buChar char="•"/>
+            </a:pPr>
+            <a:r>
+              <a:rPr lang="en-US" altLang="ko-KR" dirty="0">
+                <a:latin typeface="나눔고딕코딩" panose="020D0009000000000000" pitchFamily="49" charset="-127"/>
+                <a:ea typeface="나눔고딕코딩" panose="020D0009000000000000" pitchFamily="49" charset="-127"/>
+              </a:rPr>
+              <a:t>settings.py</a:t>
+            </a:r>
+            <a:r>
+              <a:rPr lang="ko-KR" altLang="en-US" dirty="0">
+                <a:latin typeface="나눔고딕코딩" panose="020D0009000000000000" pitchFamily="49" charset="-127"/>
+                <a:ea typeface="나눔고딕코딩" panose="020D0009000000000000" pitchFamily="49" charset="-127"/>
+              </a:rPr>
+              <a:t>에 </a:t>
+            </a:r>
+            <a:r>
+              <a:rPr lang="en-US" altLang="ko-KR" dirty="0">
+                <a:highlight>
+                  <a:srgbClr val="C0C0C0"/>
+                </a:highlight>
+                <a:latin typeface="나눔고딕코딩" panose="020D0009000000000000" pitchFamily="49" charset="-127"/>
+                <a:ea typeface="나눔고딕코딩" panose="020D0009000000000000" pitchFamily="49" charset="-127"/>
+              </a:rPr>
+              <a:t>INSTALLED_APPS</a:t>
+            </a:r>
+            <a:r>
+              <a:rPr lang="en-US" altLang="ko-KR" dirty="0">
+                <a:latin typeface="나눔고딕코딩" panose="020D0009000000000000" pitchFamily="49" charset="-127"/>
+                <a:ea typeface="나눔고딕코딩" panose="020D0009000000000000" pitchFamily="49" charset="-127"/>
+              </a:rPr>
+              <a:t> </a:t>
+            </a:r>
+            <a:r>
+              <a:rPr lang="ko-KR" altLang="en-US" dirty="0">
+                <a:latin typeface="나눔고딕코딩" panose="020D0009000000000000" pitchFamily="49" charset="-127"/>
+                <a:ea typeface="나눔고딕코딩" panose="020D0009000000000000" pitchFamily="49" charset="-127"/>
+              </a:rPr>
+              <a:t>변수에 어플리케이션 이름을 추가하여 사용이 가능</a:t>
+            </a:r>
+            <a:endParaRPr lang="en-US" altLang="ko-KR" dirty="0">
+              <a:latin typeface="나눔고딕코딩" panose="020D0009000000000000" pitchFamily="49" charset="-127"/>
+              <a:ea typeface="나눔고딕코딩" panose="020D0009000000000000" pitchFamily="49" charset="-127"/>
+            </a:endParaRPr>
+          </a:p>
+          <a:p>
+            <a:pPr marL="285750" indent="-285750">
+              <a:lnSpc>
+                <a:spcPct val="120000"/>
+              </a:lnSpc>
+              <a:buFont typeface="Arial" panose="020B0604020202020204" pitchFamily="34" charset="0"/>
+              <a:buChar char="•"/>
+            </a:pPr>
+            <a:endParaRPr lang="en-US" altLang="ko-KR" dirty="0">
+              <a:latin typeface="나눔고딕코딩" panose="020D0009000000000000" pitchFamily="49" charset="-127"/>
+              <a:ea typeface="나눔고딕코딩" panose="020D0009000000000000" pitchFamily="49" charset="-127"/>
+            </a:endParaRPr>
+          </a:p>
+          <a:p>
+            <a:pPr>
+              <a:lnSpc>
+                <a:spcPct val="120000"/>
+              </a:lnSpc>
+            </a:pPr>
+            <a:endParaRPr lang="en-US" altLang="ko-KR" dirty="0">
+              <a:latin typeface="나눔고딕코딩" panose="020D0009000000000000" pitchFamily="49" charset="-127"/>
+              <a:ea typeface="나눔고딕코딩" panose="020D0009000000000000" pitchFamily="49" charset="-127"/>
+            </a:endParaRPr>
+          </a:p>
+        </p:txBody>
+      </p:sp>
+      <p:sp>
+        <p:nvSpPr>
+          <p:cNvPr id="5" name="TextBox 4">
+            <a:extLst>
+              <a:ext uri="{FF2B5EF4-FFF2-40B4-BE49-F238E27FC236}">
+                <a16:creationId xmlns:a16="http://schemas.microsoft.com/office/drawing/2014/main" id="{61673875-8206-4EE1-8414-5601CAC0477D}"/>
+              </a:ext>
+            </a:extLst>
+          </p:cNvPr>
+          <p:cNvSpPr txBox="1"/>
+          <p:nvPr/>
+        </p:nvSpPr>
+        <p:spPr>
+          <a:xfrm>
+            <a:off x="828675" y="2639442"/>
+            <a:ext cx="9872276" cy="492443"/>
+          </a:xfrm>
+          <a:prstGeom prst="rect">
+            <a:avLst/>
+          </a:prstGeom>
+          <a:solidFill>
+            <a:schemeClr val="tx1"/>
+          </a:solidFill>
+        </p:spPr>
+        <p:txBody>
+          <a:bodyPr wrap="square" rtlCol="0">
+            <a:spAutoFit/>
+          </a:bodyPr>
+          <a:lstStyle/>
+          <a:p>
+            <a:r>
+              <a:rPr lang="en-US" altLang="ko-KR" sz="1300" dirty="0">
+                <a:solidFill>
+                  <a:schemeClr val="bg1"/>
+                </a:solidFill>
+                <a:latin typeface="나눔고딕 Light" panose="020D0904000000000000" pitchFamily="50" charset="-127"/>
+                <a:ea typeface="나눔고딕 Light" panose="020D0904000000000000" pitchFamily="50" charset="-127"/>
+              </a:rPr>
+              <a:t>&lt;</a:t>
+            </a:r>
+            <a:r>
+              <a:rPr lang="ko-KR" altLang="en-US" sz="1300" dirty="0">
+                <a:solidFill>
+                  <a:schemeClr val="bg1"/>
+                </a:solidFill>
+                <a:latin typeface="나눔고딕 Light" panose="020D0904000000000000" pitchFamily="50" charset="-127"/>
+                <a:ea typeface="나눔고딕 Light" panose="020D0904000000000000" pitchFamily="50" charset="-127"/>
+              </a:rPr>
+              <a:t>예시</a:t>
+            </a:r>
+            <a:r>
+              <a:rPr lang="en-US" altLang="ko-KR" sz="1300" dirty="0">
+                <a:solidFill>
+                  <a:schemeClr val="bg1"/>
+                </a:solidFill>
+                <a:latin typeface="나눔고딕 Light" panose="020D0904000000000000" pitchFamily="50" charset="-127"/>
+                <a:ea typeface="나눔고딕 Light" panose="020D0904000000000000" pitchFamily="50" charset="-127"/>
+              </a:rPr>
+              <a:t>&gt; </a:t>
+            </a:r>
+            <a:r>
+              <a:rPr lang="ko-KR" altLang="en-US" sz="1300" dirty="0">
+                <a:solidFill>
+                  <a:schemeClr val="bg1"/>
+                </a:solidFill>
+                <a:latin typeface="나눔고딕 Light" panose="020D0904000000000000" pitchFamily="50" charset="-127"/>
+                <a:ea typeface="나눔고딕 Light" panose="020D0904000000000000" pitchFamily="50" charset="-127"/>
+              </a:rPr>
+              <a:t>잘 정돈된 어플리케이션 만들기</a:t>
+            </a:r>
+            <a:endParaRPr lang="en-US" altLang="ko-KR" sz="1300" dirty="0">
+              <a:solidFill>
+                <a:schemeClr val="bg1"/>
+              </a:solidFill>
+              <a:latin typeface="나눔고딕 Light" panose="020D0904000000000000" pitchFamily="50" charset="-127"/>
+              <a:ea typeface="나눔고딕 Light" panose="020D0904000000000000" pitchFamily="50" charset="-127"/>
+            </a:endParaRPr>
+          </a:p>
+          <a:p>
+            <a:r>
+              <a:rPr lang="en-US" altLang="ko-KR" sz="1300" dirty="0">
+                <a:solidFill>
+                  <a:schemeClr val="bg1"/>
+                </a:solidFill>
+                <a:latin typeface="나눔고딕 Light" panose="020D0904000000000000" pitchFamily="50" charset="-127"/>
+                <a:ea typeface="나눔고딕 Light" panose="020D0904000000000000" pitchFamily="50" charset="-127"/>
+              </a:rPr>
+              <a:t>python manage.py </a:t>
+            </a:r>
+            <a:r>
+              <a:rPr lang="en-US" altLang="ko-KR" sz="1300" dirty="0" err="1">
+                <a:solidFill>
+                  <a:schemeClr val="bg1"/>
+                </a:solidFill>
+                <a:latin typeface="나눔고딕 Light" panose="020D0904000000000000" pitchFamily="50" charset="-127"/>
+                <a:ea typeface="나눔고딕 Light" panose="020D0904000000000000" pitchFamily="50" charset="-127"/>
+              </a:rPr>
+              <a:t>startapp</a:t>
+            </a:r>
+            <a:r>
+              <a:rPr lang="en-US" altLang="ko-KR" sz="1300" dirty="0">
+                <a:solidFill>
+                  <a:schemeClr val="bg1"/>
+                </a:solidFill>
+                <a:latin typeface="나눔고딕 Light" panose="020D0904000000000000" pitchFamily="50" charset="-127"/>
+                <a:ea typeface="나눔고딕 Light" panose="020D0904000000000000" pitchFamily="50" charset="-127"/>
+              </a:rPr>
+              <a:t> </a:t>
+            </a:r>
+            <a:r>
+              <a:rPr lang="ko-KR" altLang="en-US" sz="1300" dirty="0" err="1">
+                <a:solidFill>
+                  <a:schemeClr val="bg1"/>
+                </a:solidFill>
+                <a:latin typeface="나눔고딕 Light" panose="020D0904000000000000" pitchFamily="50" charset="-127"/>
+                <a:ea typeface="나눔고딕 Light" panose="020D0904000000000000" pitchFamily="50" charset="-127"/>
+              </a:rPr>
+              <a:t>어플리케이션명</a:t>
+            </a:r>
+            <a:endParaRPr lang="en-US" altLang="ko-KR" sz="1300" dirty="0">
+              <a:solidFill>
+                <a:schemeClr val="bg1"/>
+              </a:solidFill>
+              <a:latin typeface="나눔고딕 Light" panose="020D0904000000000000" pitchFamily="50" charset="-127"/>
+              <a:ea typeface="나눔고딕 Light" panose="020D0904000000000000" pitchFamily="50" charset="-127"/>
+            </a:endParaRPr>
+          </a:p>
+        </p:txBody>
+      </p:sp>
+      <p:sp>
+        <p:nvSpPr>
+          <p:cNvPr id="8" name="직사각형 7">
+            <a:extLst>
+              <a:ext uri="{FF2B5EF4-FFF2-40B4-BE49-F238E27FC236}">
+                <a16:creationId xmlns:a16="http://schemas.microsoft.com/office/drawing/2014/main" id="{3CE2C13D-496F-4ED5-8AE4-E9A4A735F833}"/>
+              </a:ext>
+            </a:extLst>
+          </p:cNvPr>
+          <p:cNvSpPr/>
+          <p:nvPr/>
+        </p:nvSpPr>
+        <p:spPr>
+          <a:xfrm>
+            <a:off x="840259" y="3210852"/>
+            <a:ext cx="6096000" cy="3231654"/>
+          </a:xfrm>
+          <a:prstGeom prst="rect">
+            <a:avLst/>
+          </a:prstGeom>
+          <a:solidFill>
+            <a:schemeClr val="tx1"/>
+          </a:solidFill>
+        </p:spPr>
+        <p:txBody>
+          <a:bodyPr>
+            <a:spAutoFit/>
+          </a:bodyPr>
+          <a:lstStyle/>
+          <a:p>
+            <a:r>
+              <a:rPr lang="ko-KR" altLang="en-US" sz="1200" dirty="0">
+                <a:solidFill>
+                  <a:schemeClr val="bg1"/>
+                </a:solidFill>
+                <a:latin typeface="나눔고딕코딩" panose="020D0009000000000000" pitchFamily="49" charset="-127"/>
+                <a:ea typeface="나눔고딕코딩" panose="020D0009000000000000" pitchFamily="49" charset="-127"/>
+              </a:rPr>
+              <a:t>어플리케이션</a:t>
+            </a:r>
+            <a:r>
+              <a:rPr lang="en-US" altLang="ko-KR" sz="1200" dirty="0">
+                <a:solidFill>
+                  <a:schemeClr val="bg1"/>
+                </a:solidFill>
+                <a:latin typeface="나눔고딕코딩" panose="020D0009000000000000" pitchFamily="49" charset="-127"/>
+                <a:ea typeface="나눔고딕코딩" panose="020D0009000000000000" pitchFamily="49" charset="-127"/>
+              </a:rPr>
+              <a:t>(Application) </a:t>
+            </a:r>
+            <a:r>
+              <a:rPr lang="ko-KR" altLang="en-US" sz="1200" dirty="0">
+                <a:solidFill>
+                  <a:schemeClr val="bg1"/>
+                </a:solidFill>
+                <a:latin typeface="나눔고딕코딩" panose="020D0009000000000000" pitchFamily="49" charset="-127"/>
+                <a:ea typeface="나눔고딕코딩" panose="020D0009000000000000" pitchFamily="49" charset="-127"/>
+              </a:rPr>
+              <a:t>생성 후 프로젝트 디렉토리 구조</a:t>
+            </a:r>
+            <a:endParaRPr lang="en-US" altLang="ko-KR" sz="1200" dirty="0">
+              <a:solidFill>
+                <a:schemeClr val="bg1"/>
+              </a:solidFill>
+              <a:latin typeface="나눔고딕코딩" panose="020D0009000000000000" pitchFamily="49" charset="-127"/>
+              <a:ea typeface="나눔고딕코딩" panose="020D0009000000000000" pitchFamily="49" charset="-127"/>
+            </a:endParaRPr>
+          </a:p>
+          <a:p>
+            <a:endParaRPr lang="en-US" altLang="ko-KR" sz="1200" dirty="0">
+              <a:solidFill>
+                <a:schemeClr val="bg1"/>
+              </a:solidFill>
+              <a:latin typeface="나눔고딕코딩" panose="020D0009000000000000" pitchFamily="49" charset="-127"/>
+              <a:ea typeface="나눔고딕코딩" panose="020D0009000000000000" pitchFamily="49" charset="-127"/>
+            </a:endParaRPr>
+          </a:p>
+          <a:p>
+            <a:r>
+              <a:rPr lang="en-US" altLang="ko-KR" sz="1200" dirty="0">
+                <a:solidFill>
+                  <a:schemeClr val="bg1"/>
+                </a:solidFill>
+                <a:latin typeface="나눔고딕코딩" panose="020D0009000000000000" pitchFamily="49" charset="-127"/>
+                <a:ea typeface="나눔고딕코딩" panose="020D0009000000000000" pitchFamily="49" charset="-127"/>
+              </a:rPr>
+              <a:t>PyCharm</a:t>
+            </a:r>
+            <a:r>
+              <a:rPr lang="ko-KR" altLang="en-US" sz="1200" dirty="0">
+                <a:solidFill>
+                  <a:schemeClr val="bg1"/>
+                </a:solidFill>
+                <a:latin typeface="나눔고딕코딩" panose="020D0009000000000000" pitchFamily="49" charset="-127"/>
+                <a:ea typeface="나눔고딕코딩" panose="020D0009000000000000" pitchFamily="49" charset="-127"/>
+              </a:rPr>
+              <a:t>프로젝트명</a:t>
+            </a:r>
+          </a:p>
+          <a:p>
+            <a:r>
+              <a:rPr lang="ko-KR" altLang="en-US" sz="1200" dirty="0">
+                <a:solidFill>
+                  <a:schemeClr val="bg1"/>
+                </a:solidFill>
+                <a:latin typeface="나눔고딕코딩" panose="020D0009000000000000" pitchFamily="49" charset="-127"/>
+                <a:ea typeface="나눔고딕코딩" panose="020D0009000000000000" pitchFamily="49" charset="-127"/>
+              </a:rPr>
+              <a:t>    ├── 장고프로젝트명</a:t>
+            </a:r>
+          </a:p>
+          <a:p>
+            <a:r>
+              <a:rPr lang="ko-KR" altLang="en-US" sz="1200" dirty="0">
+                <a:solidFill>
+                  <a:schemeClr val="bg1"/>
+                </a:solidFill>
+                <a:latin typeface="나눔고딕코딩" panose="020D0009000000000000" pitchFamily="49" charset="-127"/>
+                <a:ea typeface="나눔고딕코딩" panose="020D0009000000000000" pitchFamily="49" charset="-127"/>
+              </a:rPr>
+              <a:t>    |       __init__.py</a:t>
+            </a:r>
+          </a:p>
+          <a:p>
+            <a:r>
+              <a:rPr lang="ko-KR" altLang="en-US" sz="1200" dirty="0">
+                <a:solidFill>
+                  <a:schemeClr val="bg1"/>
+                </a:solidFill>
+                <a:latin typeface="나눔고딕코딩" panose="020D0009000000000000" pitchFamily="49" charset="-127"/>
+                <a:ea typeface="나눔고딕코딩" panose="020D0009000000000000" pitchFamily="49" charset="-127"/>
+              </a:rPr>
+              <a:t>    |       settings.py</a:t>
+            </a:r>
+          </a:p>
+          <a:p>
+            <a:r>
+              <a:rPr lang="ko-KR" altLang="en-US" sz="1200" dirty="0">
+                <a:solidFill>
+                  <a:schemeClr val="bg1"/>
+                </a:solidFill>
+                <a:latin typeface="나눔고딕코딩" panose="020D0009000000000000" pitchFamily="49" charset="-127"/>
+                <a:ea typeface="나눔고딕코딩" panose="020D0009000000000000" pitchFamily="49" charset="-127"/>
+              </a:rPr>
+              <a:t>    |       urls.py</a:t>
+            </a:r>
+          </a:p>
+          <a:p>
+            <a:r>
+              <a:rPr lang="ko-KR" altLang="en-US" sz="1200" dirty="0">
+                <a:solidFill>
+                  <a:schemeClr val="bg1"/>
+                </a:solidFill>
+                <a:latin typeface="나눔고딕코딩" panose="020D0009000000000000" pitchFamily="49" charset="-127"/>
+                <a:ea typeface="나눔고딕코딩" panose="020D0009000000000000" pitchFamily="49" charset="-127"/>
+              </a:rPr>
+              <a:t>    |       wsgi.py</a:t>
+            </a:r>
+          </a:p>
+          <a:p>
+            <a:r>
+              <a:rPr lang="ko-KR" altLang="en-US" sz="1200" dirty="0">
+                <a:solidFill>
+                  <a:schemeClr val="bg1"/>
+                </a:solidFill>
+                <a:latin typeface="나눔고딕코딩" panose="020D0009000000000000" pitchFamily="49" charset="-127"/>
+                <a:ea typeface="나눔고딕코딩" panose="020D0009000000000000" pitchFamily="49" charset="-127"/>
+              </a:rPr>
+              <a:t>    ├── manage.py</a:t>
+            </a:r>
+          </a:p>
+          <a:p>
+            <a:r>
+              <a:rPr lang="ko-KR" altLang="en-US" sz="1200" dirty="0">
+                <a:solidFill>
+                  <a:schemeClr val="bg1"/>
+                </a:solidFill>
+                <a:latin typeface="나눔고딕코딩" panose="020D0009000000000000" pitchFamily="49" charset="-127"/>
+                <a:ea typeface="나눔고딕코딩" panose="020D0009000000000000" pitchFamily="49" charset="-127"/>
+              </a:rPr>
+              <a:t>    └── </a:t>
+            </a:r>
+            <a:r>
+              <a:rPr lang="ko-KR" altLang="en-US" sz="1200" dirty="0" err="1">
+                <a:solidFill>
+                  <a:schemeClr val="bg1"/>
+                </a:solidFill>
+                <a:latin typeface="나눔고딕코딩" panose="020D0009000000000000" pitchFamily="49" charset="-127"/>
+                <a:ea typeface="나눔고딕코딩" panose="020D0009000000000000" pitchFamily="49" charset="-127"/>
+              </a:rPr>
+              <a:t>어플리케이션명</a:t>
+            </a:r>
+            <a:endParaRPr lang="ko-KR" altLang="en-US" sz="1200" dirty="0">
+              <a:solidFill>
+                <a:schemeClr val="bg1"/>
+              </a:solidFill>
+              <a:latin typeface="나눔고딕코딩" panose="020D0009000000000000" pitchFamily="49" charset="-127"/>
+              <a:ea typeface="나눔고딕코딩" panose="020D0009000000000000" pitchFamily="49" charset="-127"/>
+            </a:endParaRPr>
+          </a:p>
+          <a:p>
+            <a:r>
+              <a:rPr lang="ko-KR" altLang="en-US" sz="1200" dirty="0">
+                <a:solidFill>
+                  <a:schemeClr val="bg1"/>
+                </a:solidFill>
+                <a:latin typeface="나눔고딕코딩" panose="020D0009000000000000" pitchFamily="49" charset="-127"/>
+                <a:ea typeface="나눔고딕코딩" panose="020D0009000000000000" pitchFamily="49" charset="-127"/>
+              </a:rPr>
+              <a:t>        ├── </a:t>
+            </a:r>
+            <a:r>
+              <a:rPr lang="ko-KR" altLang="en-US" sz="1200" dirty="0" err="1">
+                <a:solidFill>
+                  <a:schemeClr val="bg1"/>
+                </a:solidFill>
+                <a:latin typeface="나눔고딕코딩" panose="020D0009000000000000" pitchFamily="49" charset="-127"/>
+                <a:ea typeface="나눔고딕코딩" panose="020D0009000000000000" pitchFamily="49" charset="-127"/>
+              </a:rPr>
+              <a:t>migrations</a:t>
+            </a:r>
+            <a:endParaRPr lang="ko-KR" altLang="en-US" sz="1200" dirty="0">
+              <a:solidFill>
+                <a:schemeClr val="bg1"/>
+              </a:solidFill>
+              <a:latin typeface="나눔고딕코딩" panose="020D0009000000000000" pitchFamily="49" charset="-127"/>
+              <a:ea typeface="나눔고딕코딩" panose="020D0009000000000000" pitchFamily="49" charset="-127"/>
+            </a:endParaRPr>
+          </a:p>
+          <a:p>
+            <a:r>
+              <a:rPr lang="ko-KR" altLang="en-US" sz="1200" dirty="0">
+                <a:solidFill>
+                  <a:schemeClr val="bg1"/>
+                </a:solidFill>
+                <a:latin typeface="나눔고딕코딩" panose="020D0009000000000000" pitchFamily="49" charset="-127"/>
+                <a:ea typeface="나눔고딕코딩" panose="020D0009000000000000" pitchFamily="49" charset="-127"/>
+              </a:rPr>
+              <a:t>        |       __init__.py</a:t>
+            </a:r>
+          </a:p>
+          <a:p>
+            <a:r>
+              <a:rPr lang="ko-KR" altLang="en-US" sz="1200" dirty="0">
+                <a:solidFill>
+                  <a:schemeClr val="bg1"/>
+                </a:solidFill>
+                <a:latin typeface="나눔고딕코딩" panose="020D0009000000000000" pitchFamily="49" charset="-127"/>
+                <a:ea typeface="나눔고딕코딩" panose="020D0009000000000000" pitchFamily="49" charset="-127"/>
+              </a:rPr>
+              <a:t>        ├── __init__.py</a:t>
+            </a:r>
+          </a:p>
+          <a:p>
+            <a:r>
+              <a:rPr lang="ko-KR" altLang="en-US" sz="1200" dirty="0">
+                <a:solidFill>
+                  <a:schemeClr val="bg1"/>
+                </a:solidFill>
+                <a:latin typeface="나눔고딕코딩" panose="020D0009000000000000" pitchFamily="49" charset="-127"/>
+                <a:ea typeface="나눔고딕코딩" panose="020D0009000000000000" pitchFamily="49" charset="-127"/>
+              </a:rPr>
+              <a:t>        ├── admin.py</a:t>
+            </a:r>
+          </a:p>
+          <a:p>
+            <a:r>
+              <a:rPr lang="ko-KR" altLang="en-US" sz="1200" dirty="0">
+                <a:solidFill>
+                  <a:schemeClr val="bg1"/>
+                </a:solidFill>
+                <a:latin typeface="나눔고딕코딩" panose="020D0009000000000000" pitchFamily="49" charset="-127"/>
+                <a:ea typeface="나눔고딕코딩" panose="020D0009000000000000" pitchFamily="49" charset="-127"/>
+              </a:rPr>
+              <a:t>        ├── models.py</a:t>
+            </a:r>
+          </a:p>
+          <a:p>
+            <a:r>
+              <a:rPr lang="ko-KR" altLang="en-US" sz="1200" dirty="0">
+                <a:solidFill>
+                  <a:schemeClr val="bg1"/>
+                </a:solidFill>
+                <a:latin typeface="나눔고딕코딩" panose="020D0009000000000000" pitchFamily="49" charset="-127"/>
+                <a:ea typeface="나눔고딕코딩" panose="020D0009000000000000" pitchFamily="49" charset="-127"/>
+              </a:rPr>
+              <a:t>        ├── tests.py</a:t>
+            </a:r>
+          </a:p>
+          <a:p>
+            <a:r>
+              <a:rPr lang="ko-KR" altLang="en-US" sz="1200" dirty="0">
+                <a:solidFill>
+                  <a:schemeClr val="bg1"/>
+                </a:solidFill>
+                <a:latin typeface="나눔고딕코딩" panose="020D0009000000000000" pitchFamily="49" charset="-127"/>
+                <a:ea typeface="나눔고딕코딩" panose="020D0009000000000000" pitchFamily="49" charset="-127"/>
+              </a:rPr>
+              <a:t>        └── views.py</a:t>
+            </a:r>
+          </a:p>
+        </p:txBody>
+      </p:sp>
+      <p:sp>
+        <p:nvSpPr>
+          <p:cNvPr id="11" name="직사각형 10">
+            <a:extLst>
+              <a:ext uri="{FF2B5EF4-FFF2-40B4-BE49-F238E27FC236}">
+                <a16:creationId xmlns:a16="http://schemas.microsoft.com/office/drawing/2014/main" id="{DD33911A-9D16-428C-8658-61F30D7D4FC2}"/>
+              </a:ext>
+            </a:extLst>
+          </p:cNvPr>
+          <p:cNvSpPr/>
+          <p:nvPr/>
+        </p:nvSpPr>
+        <p:spPr>
+          <a:xfrm>
+            <a:off x="7016066" y="3210852"/>
+            <a:ext cx="3684886" cy="2308324"/>
+          </a:xfrm>
+          <a:prstGeom prst="rect">
+            <a:avLst/>
+          </a:prstGeom>
+          <a:solidFill>
+            <a:schemeClr val="tx1"/>
+          </a:solidFill>
+        </p:spPr>
+        <p:txBody>
+          <a:bodyPr wrap="square">
+            <a:spAutoFit/>
+          </a:bodyPr>
+          <a:lstStyle/>
+          <a:p>
+            <a:r>
+              <a:rPr lang="ko-KR" altLang="en-US" sz="1200" dirty="0" err="1">
+                <a:solidFill>
+                  <a:schemeClr val="bg1"/>
+                </a:solidFill>
+                <a:latin typeface="나눔고딕코딩" panose="020D0009000000000000" pitchFamily="49" charset="-127"/>
+                <a:ea typeface="나눔고딕코딩" panose="020D0009000000000000" pitchFamily="49" charset="-127"/>
+              </a:rPr>
+              <a:t>어플리케이션명</a:t>
+            </a:r>
+            <a:r>
+              <a:rPr lang="en-US" altLang="ko-KR" sz="1200" dirty="0">
+                <a:solidFill>
+                  <a:schemeClr val="bg1"/>
+                </a:solidFill>
+                <a:latin typeface="나눔고딕코딩" panose="020D0009000000000000" pitchFamily="49" charset="-127"/>
+                <a:ea typeface="나눔고딕코딩" panose="020D0009000000000000" pitchFamily="49" charset="-127"/>
+              </a:rPr>
+              <a:t>/settings.py </a:t>
+            </a:r>
+            <a:r>
+              <a:rPr lang="ko-KR" altLang="en-US" sz="1200" dirty="0">
+                <a:solidFill>
+                  <a:schemeClr val="bg1"/>
+                </a:solidFill>
+                <a:latin typeface="나눔고딕코딩" panose="020D0009000000000000" pitchFamily="49" charset="-127"/>
+                <a:ea typeface="나눔고딕코딩" panose="020D0009000000000000" pitchFamily="49" charset="-127"/>
+              </a:rPr>
+              <a:t>내 코드 추가</a:t>
+            </a:r>
+            <a:endParaRPr lang="en-US" altLang="ko-KR" sz="1200" dirty="0">
+              <a:solidFill>
+                <a:schemeClr val="bg1"/>
+              </a:solidFill>
+              <a:latin typeface="나눔고딕코딩" panose="020D0009000000000000" pitchFamily="49" charset="-127"/>
+              <a:ea typeface="나눔고딕코딩" panose="020D0009000000000000" pitchFamily="49" charset="-127"/>
+            </a:endParaRPr>
+          </a:p>
+          <a:p>
+            <a:endParaRPr lang="en-US" altLang="ko-KR" sz="1200" dirty="0">
+              <a:solidFill>
+                <a:schemeClr val="bg1"/>
+              </a:solidFill>
+              <a:latin typeface="나눔고딕코딩" panose="020D0009000000000000" pitchFamily="49" charset="-127"/>
+              <a:ea typeface="나눔고딕코딩" panose="020D0009000000000000" pitchFamily="49" charset="-127"/>
+            </a:endParaRPr>
+          </a:p>
+          <a:p>
+            <a:r>
+              <a:rPr lang="en-US" altLang="ko-KR" sz="1200" dirty="0">
+                <a:solidFill>
+                  <a:schemeClr val="bg1"/>
+                </a:solidFill>
+                <a:latin typeface="나눔고딕코딩" panose="020D0009000000000000" pitchFamily="49" charset="-127"/>
+                <a:ea typeface="나눔고딕코딩" panose="020D0009000000000000" pitchFamily="49" charset="-127"/>
+              </a:rPr>
+              <a:t>INSTALLED_APPS = [</a:t>
+            </a:r>
+          </a:p>
+          <a:p>
+            <a:r>
+              <a:rPr lang="en-US" altLang="ko-KR" sz="1200" dirty="0">
+                <a:solidFill>
+                  <a:schemeClr val="bg1"/>
+                </a:solidFill>
+                <a:latin typeface="나눔고딕코딩" panose="020D0009000000000000" pitchFamily="49" charset="-127"/>
+                <a:ea typeface="나눔고딕코딩" panose="020D0009000000000000" pitchFamily="49" charset="-127"/>
+              </a:rPr>
+              <a:t>    '</a:t>
+            </a:r>
+            <a:r>
+              <a:rPr lang="en-US" altLang="ko-KR" sz="1200" dirty="0" err="1">
+                <a:solidFill>
+                  <a:schemeClr val="bg1"/>
+                </a:solidFill>
+                <a:latin typeface="나눔고딕코딩" panose="020D0009000000000000" pitchFamily="49" charset="-127"/>
+                <a:ea typeface="나눔고딕코딩" panose="020D0009000000000000" pitchFamily="49" charset="-127"/>
+              </a:rPr>
+              <a:t>django.contrib.admin</a:t>
+            </a:r>
+            <a:r>
+              <a:rPr lang="en-US" altLang="ko-KR" sz="1200" dirty="0">
+                <a:solidFill>
+                  <a:schemeClr val="bg1"/>
+                </a:solidFill>
+                <a:latin typeface="나눔고딕코딩" panose="020D0009000000000000" pitchFamily="49" charset="-127"/>
+                <a:ea typeface="나눔고딕코딩" panose="020D0009000000000000" pitchFamily="49" charset="-127"/>
+              </a:rPr>
+              <a:t>',</a:t>
+            </a:r>
+          </a:p>
+          <a:p>
+            <a:r>
+              <a:rPr lang="en-US" altLang="ko-KR" sz="1200" dirty="0">
+                <a:solidFill>
+                  <a:schemeClr val="bg1"/>
+                </a:solidFill>
+                <a:latin typeface="나눔고딕코딩" panose="020D0009000000000000" pitchFamily="49" charset="-127"/>
+                <a:ea typeface="나눔고딕코딩" panose="020D0009000000000000" pitchFamily="49" charset="-127"/>
+              </a:rPr>
+              <a:t>    '</a:t>
+            </a:r>
+            <a:r>
+              <a:rPr lang="en-US" altLang="ko-KR" sz="1200" dirty="0" err="1">
+                <a:solidFill>
+                  <a:schemeClr val="bg1"/>
+                </a:solidFill>
+                <a:latin typeface="나눔고딕코딩" panose="020D0009000000000000" pitchFamily="49" charset="-127"/>
+                <a:ea typeface="나눔고딕코딩" panose="020D0009000000000000" pitchFamily="49" charset="-127"/>
+              </a:rPr>
+              <a:t>django.contrib.auth</a:t>
+            </a:r>
+            <a:r>
+              <a:rPr lang="en-US" altLang="ko-KR" sz="1200" dirty="0">
+                <a:solidFill>
+                  <a:schemeClr val="bg1"/>
+                </a:solidFill>
+                <a:latin typeface="나눔고딕코딩" panose="020D0009000000000000" pitchFamily="49" charset="-127"/>
+                <a:ea typeface="나눔고딕코딩" panose="020D0009000000000000" pitchFamily="49" charset="-127"/>
+              </a:rPr>
+              <a:t>',</a:t>
+            </a:r>
+          </a:p>
+          <a:p>
+            <a:r>
+              <a:rPr lang="en-US" altLang="ko-KR" sz="1200" dirty="0">
+                <a:solidFill>
+                  <a:schemeClr val="bg1"/>
+                </a:solidFill>
+                <a:latin typeface="나눔고딕코딩" panose="020D0009000000000000" pitchFamily="49" charset="-127"/>
+                <a:ea typeface="나눔고딕코딩" panose="020D0009000000000000" pitchFamily="49" charset="-127"/>
+              </a:rPr>
+              <a:t>    '</a:t>
+            </a:r>
+            <a:r>
+              <a:rPr lang="en-US" altLang="ko-KR" sz="1200" dirty="0" err="1">
+                <a:solidFill>
+                  <a:schemeClr val="bg1"/>
+                </a:solidFill>
+                <a:latin typeface="나눔고딕코딩" panose="020D0009000000000000" pitchFamily="49" charset="-127"/>
+                <a:ea typeface="나눔고딕코딩" panose="020D0009000000000000" pitchFamily="49" charset="-127"/>
+              </a:rPr>
+              <a:t>django.contrib.contenttypes</a:t>
+            </a:r>
+            <a:r>
+              <a:rPr lang="en-US" altLang="ko-KR" sz="1200" dirty="0">
+                <a:solidFill>
+                  <a:schemeClr val="bg1"/>
+                </a:solidFill>
+                <a:latin typeface="나눔고딕코딩" panose="020D0009000000000000" pitchFamily="49" charset="-127"/>
+                <a:ea typeface="나눔고딕코딩" panose="020D0009000000000000" pitchFamily="49" charset="-127"/>
+              </a:rPr>
+              <a:t>',</a:t>
+            </a:r>
+          </a:p>
+          <a:p>
+            <a:r>
+              <a:rPr lang="en-US" altLang="ko-KR" sz="1200" dirty="0">
+                <a:solidFill>
+                  <a:schemeClr val="bg1"/>
+                </a:solidFill>
+                <a:latin typeface="나눔고딕코딩" panose="020D0009000000000000" pitchFamily="49" charset="-127"/>
+                <a:ea typeface="나눔고딕코딩" panose="020D0009000000000000" pitchFamily="49" charset="-127"/>
+              </a:rPr>
+              <a:t>    '</a:t>
+            </a:r>
+            <a:r>
+              <a:rPr lang="en-US" altLang="ko-KR" sz="1200" dirty="0" err="1">
+                <a:solidFill>
+                  <a:schemeClr val="bg1"/>
+                </a:solidFill>
+                <a:latin typeface="나눔고딕코딩" panose="020D0009000000000000" pitchFamily="49" charset="-127"/>
+                <a:ea typeface="나눔고딕코딩" panose="020D0009000000000000" pitchFamily="49" charset="-127"/>
+              </a:rPr>
+              <a:t>django.contrib.sessions</a:t>
+            </a:r>
+            <a:r>
+              <a:rPr lang="en-US" altLang="ko-KR" sz="1200" dirty="0">
+                <a:solidFill>
+                  <a:schemeClr val="bg1"/>
+                </a:solidFill>
+                <a:latin typeface="나눔고딕코딩" panose="020D0009000000000000" pitchFamily="49" charset="-127"/>
+                <a:ea typeface="나눔고딕코딩" panose="020D0009000000000000" pitchFamily="49" charset="-127"/>
+              </a:rPr>
+              <a:t>',</a:t>
+            </a:r>
+          </a:p>
+          <a:p>
+            <a:r>
+              <a:rPr lang="en-US" altLang="ko-KR" sz="1200" dirty="0">
+                <a:solidFill>
+                  <a:schemeClr val="bg1"/>
+                </a:solidFill>
+                <a:latin typeface="나눔고딕코딩" panose="020D0009000000000000" pitchFamily="49" charset="-127"/>
+                <a:ea typeface="나눔고딕코딩" panose="020D0009000000000000" pitchFamily="49" charset="-127"/>
+              </a:rPr>
+              <a:t>    '</a:t>
+            </a:r>
+            <a:r>
+              <a:rPr lang="en-US" altLang="ko-KR" sz="1200" dirty="0" err="1">
+                <a:solidFill>
+                  <a:schemeClr val="bg1"/>
+                </a:solidFill>
+                <a:latin typeface="나눔고딕코딩" panose="020D0009000000000000" pitchFamily="49" charset="-127"/>
+                <a:ea typeface="나눔고딕코딩" panose="020D0009000000000000" pitchFamily="49" charset="-127"/>
+              </a:rPr>
+              <a:t>django.contrib.messages</a:t>
+            </a:r>
+            <a:r>
+              <a:rPr lang="en-US" altLang="ko-KR" sz="1200" dirty="0">
+                <a:solidFill>
+                  <a:schemeClr val="bg1"/>
+                </a:solidFill>
+                <a:latin typeface="나눔고딕코딩" panose="020D0009000000000000" pitchFamily="49" charset="-127"/>
+                <a:ea typeface="나눔고딕코딩" panose="020D0009000000000000" pitchFamily="49" charset="-127"/>
+              </a:rPr>
+              <a:t>',</a:t>
+            </a:r>
+          </a:p>
+          <a:p>
+            <a:r>
+              <a:rPr lang="en-US" altLang="ko-KR" sz="1200" dirty="0">
+                <a:solidFill>
+                  <a:schemeClr val="bg1"/>
+                </a:solidFill>
+                <a:latin typeface="나눔고딕코딩" panose="020D0009000000000000" pitchFamily="49" charset="-127"/>
+                <a:ea typeface="나눔고딕코딩" panose="020D0009000000000000" pitchFamily="49" charset="-127"/>
+              </a:rPr>
+              <a:t>    '</a:t>
+            </a:r>
+            <a:r>
+              <a:rPr lang="en-US" altLang="ko-KR" sz="1200" dirty="0" err="1">
+                <a:solidFill>
+                  <a:schemeClr val="bg1"/>
+                </a:solidFill>
+                <a:latin typeface="나눔고딕코딩" panose="020D0009000000000000" pitchFamily="49" charset="-127"/>
+                <a:ea typeface="나눔고딕코딩" panose="020D0009000000000000" pitchFamily="49" charset="-127"/>
+              </a:rPr>
+              <a:t>django.contrib.staticfiles</a:t>
+            </a:r>
+            <a:r>
+              <a:rPr lang="en-US" altLang="ko-KR" sz="1200" dirty="0">
+                <a:solidFill>
+                  <a:schemeClr val="bg1"/>
+                </a:solidFill>
+                <a:latin typeface="나눔고딕코딩" panose="020D0009000000000000" pitchFamily="49" charset="-127"/>
+                <a:ea typeface="나눔고딕코딩" panose="020D0009000000000000" pitchFamily="49" charset="-127"/>
+              </a:rPr>
+              <a:t>',</a:t>
+            </a:r>
+          </a:p>
+          <a:p>
+            <a:r>
+              <a:rPr lang="en-US" altLang="ko-KR" sz="1200" dirty="0">
+                <a:solidFill>
+                  <a:schemeClr val="bg1"/>
+                </a:solidFill>
+                <a:latin typeface="나눔고딕코딩" panose="020D0009000000000000" pitchFamily="49" charset="-127"/>
+                <a:ea typeface="나눔고딕코딩" panose="020D0009000000000000" pitchFamily="49" charset="-127"/>
+              </a:rPr>
+              <a:t>    ‘</a:t>
+            </a:r>
+            <a:r>
+              <a:rPr lang="ko-KR" altLang="en-US" sz="1200" dirty="0" err="1">
+                <a:solidFill>
+                  <a:schemeClr val="bg1"/>
+                </a:solidFill>
+                <a:latin typeface="나눔고딕코딩" panose="020D0009000000000000" pitchFamily="49" charset="-127"/>
+                <a:ea typeface="나눔고딕코딩" panose="020D0009000000000000" pitchFamily="49" charset="-127"/>
+              </a:rPr>
+              <a:t>어플리케이션명</a:t>
+            </a:r>
+            <a:r>
+              <a:rPr lang="en-US" altLang="ko-KR" sz="1200" dirty="0">
+                <a:solidFill>
+                  <a:schemeClr val="bg1"/>
+                </a:solidFill>
+                <a:latin typeface="나눔고딕코딩" panose="020D0009000000000000" pitchFamily="49" charset="-127"/>
+                <a:ea typeface="나눔고딕코딩" panose="020D0009000000000000" pitchFamily="49" charset="-127"/>
+              </a:rPr>
+              <a:t>’,</a:t>
+            </a:r>
+          </a:p>
+          <a:p>
+            <a:r>
+              <a:rPr lang="en-US" altLang="ko-KR" sz="1200" dirty="0">
+                <a:solidFill>
+                  <a:schemeClr val="bg1"/>
+                </a:solidFill>
+                <a:latin typeface="나눔고딕코딩" panose="020D0009000000000000" pitchFamily="49" charset="-127"/>
+                <a:ea typeface="나눔고딕코딩" panose="020D0009000000000000" pitchFamily="49" charset="-127"/>
+              </a:rPr>
+              <a:t>     …</a:t>
+            </a:r>
+          </a:p>
+          <a:p>
+            <a:r>
+              <a:rPr lang="en-US" altLang="ko-KR" sz="1200" dirty="0">
+                <a:solidFill>
+                  <a:schemeClr val="bg1"/>
+                </a:solidFill>
+                <a:latin typeface="나눔고딕코딩" panose="020D0009000000000000" pitchFamily="49" charset="-127"/>
+                <a:ea typeface="나눔고딕코딩" panose="020D0009000000000000" pitchFamily="49" charset="-127"/>
+              </a:rPr>
+              <a:t>]</a:t>
+            </a:r>
+            <a:endParaRPr lang="ko-KR" altLang="en-US" sz="1200" dirty="0">
+              <a:solidFill>
+                <a:schemeClr val="bg1"/>
+              </a:solidFill>
+              <a:latin typeface="나눔고딕코딩" panose="020D0009000000000000" pitchFamily="49" charset="-127"/>
+              <a:ea typeface="나눔고딕코딩" panose="020D0009000000000000" pitchFamily="49" charset="-127"/>
+            </a:endParaRPr>
+          </a:p>
+        </p:txBody>
+      </p:sp>
+    </p:spTree>
+    <p:extLst>
+      <p:ext uri="{BB962C8B-B14F-4D97-AF65-F5344CB8AC3E}">
+        <p14:creationId xmlns:p14="http://schemas.microsoft.com/office/powerpoint/2010/main" val="3066850503"/>
+      </p:ext>
+    </p:extLst>
+  </p:cSld>
+  <p:clrMapOvr>
+    <a:masterClrMapping/>
+  </p:clrMapOvr>
+</p:sld>
+</file>
+
+<file path=ppt/slides/slide18.xml><?xml version="1.0" encoding="utf-8"?>
+<p:sld xmlns:a="http://schemas.openxmlformats.org/drawingml/2006/main" xmlns:r="http://schemas.openxmlformats.org/officeDocument/2006/relationships" xmlns:p="http://schemas.openxmlformats.org/presentationml/2006/main">
+  <p:cSld>
+    <p:spTree>
+      <p:nvGrpSpPr>
+        <p:cNvPr id="1" name=""/>
+        <p:cNvGrpSpPr/>
+        <p:nvPr/>
+      </p:nvGrpSpPr>
+      <p:grpSpPr>
+        <a:xfrm>
+          <a:off x="0" y="0"/>
+          <a:ext cx="0" cy="0"/>
+          <a:chOff x="0" y="0"/>
+          <a:chExt cx="0" cy="0"/>
+        </a:xfrm>
+      </p:grpSpPr>
+      <p:sp>
+        <p:nvSpPr>
+          <p:cNvPr id="4" name="TextBox 3">
+            <a:extLst>
+              <a:ext uri="{FF2B5EF4-FFF2-40B4-BE49-F238E27FC236}">
+                <a16:creationId xmlns:a16="http://schemas.microsoft.com/office/drawing/2014/main" id="{6F512E33-3568-4B64-907A-F55736485946}"/>
+              </a:ext>
+            </a:extLst>
+          </p:cNvPr>
+          <p:cNvSpPr txBox="1"/>
+          <p:nvPr/>
+        </p:nvSpPr>
+        <p:spPr>
+          <a:xfrm>
+            <a:off x="199765" y="393614"/>
+            <a:ext cx="8285207" cy="523220"/>
+          </a:xfrm>
+          <a:prstGeom prst="rect">
+            <a:avLst/>
+          </a:prstGeom>
+          <a:noFill/>
+        </p:spPr>
+        <p:txBody>
+          <a:bodyPr wrap="square" rtlCol="0">
+            <a:spAutoFit/>
+          </a:bodyPr>
+          <a:lstStyle/>
+          <a:p>
+            <a:r>
+              <a:rPr lang="en-US" altLang="ko-KR" sz="2800" dirty="0">
+                <a:solidFill>
+                  <a:schemeClr val="bg1"/>
+                </a:solidFill>
+                <a:latin typeface="나눔고딕 Light" panose="020D0904000000000000" pitchFamily="50" charset="-127"/>
+                <a:ea typeface="나눔고딕 Light" panose="020D0904000000000000" pitchFamily="50" charset="-127"/>
+              </a:rPr>
+              <a:t>2 &gt; Django(</a:t>
+            </a:r>
+            <a:r>
+              <a:rPr lang="ko-KR" altLang="en-US" sz="2800" dirty="0">
+                <a:solidFill>
+                  <a:schemeClr val="bg1"/>
+                </a:solidFill>
+                <a:latin typeface="나눔고딕 Light" panose="020D0904000000000000" pitchFamily="50" charset="-127"/>
+                <a:ea typeface="나눔고딕 Light" panose="020D0904000000000000" pitchFamily="50" charset="-127"/>
+              </a:rPr>
+              <a:t>장고</a:t>
+            </a:r>
+            <a:r>
+              <a:rPr lang="en-US" altLang="ko-KR" sz="2800" dirty="0">
+                <a:solidFill>
+                  <a:schemeClr val="bg1"/>
+                </a:solidFill>
+                <a:latin typeface="나눔고딕 Light" panose="020D0904000000000000" pitchFamily="50" charset="-127"/>
+                <a:ea typeface="나눔고딕 Light" panose="020D0904000000000000" pitchFamily="50" charset="-127"/>
+              </a:rPr>
+              <a:t>) </a:t>
+            </a:r>
+            <a:r>
+              <a:rPr lang="ko-KR" altLang="en-US" sz="2800" dirty="0">
+                <a:solidFill>
+                  <a:schemeClr val="bg1"/>
+                </a:solidFill>
+                <a:latin typeface="나눔고딕 Light" panose="020D0904000000000000" pitchFamily="50" charset="-127"/>
+                <a:ea typeface="나눔고딕 Light" panose="020D0904000000000000" pitchFamily="50" charset="-127"/>
+              </a:rPr>
+              <a:t>사용하기</a:t>
+            </a:r>
+            <a:endParaRPr lang="en-US" altLang="ko-KR" sz="2800" dirty="0">
+              <a:solidFill>
+                <a:schemeClr val="bg1"/>
+              </a:solidFill>
+              <a:latin typeface="나눔고딕 Light" panose="020D0904000000000000" pitchFamily="50" charset="-127"/>
+              <a:ea typeface="나눔고딕 Light" panose="020D0904000000000000" pitchFamily="50" charset="-127"/>
+            </a:endParaRPr>
+          </a:p>
+        </p:txBody>
+      </p:sp>
+      <p:sp>
+        <p:nvSpPr>
+          <p:cNvPr id="10" name="TextBox 9">
+            <a:extLst>
+              <a:ext uri="{FF2B5EF4-FFF2-40B4-BE49-F238E27FC236}">
+                <a16:creationId xmlns:a16="http://schemas.microsoft.com/office/drawing/2014/main" id="{F49A06C6-23C9-4098-A6B3-8AE9A9C618A7}"/>
+              </a:ext>
+            </a:extLst>
+          </p:cNvPr>
+          <p:cNvSpPr txBox="1"/>
+          <p:nvPr/>
+        </p:nvSpPr>
+        <p:spPr>
+          <a:xfrm>
+            <a:off x="263610" y="1326292"/>
+            <a:ext cx="11099715" cy="2059025"/>
+          </a:xfrm>
+          <a:prstGeom prst="rect">
+            <a:avLst/>
+          </a:prstGeom>
+          <a:noFill/>
+        </p:spPr>
+        <p:txBody>
+          <a:bodyPr wrap="square" rtlCol="0">
+            <a:spAutoFit/>
+          </a:bodyPr>
+          <a:lstStyle/>
+          <a:p>
+            <a:pPr>
+              <a:lnSpc>
+                <a:spcPct val="120000"/>
+              </a:lnSpc>
+            </a:pPr>
+            <a:r>
+              <a:rPr lang="ko-KR" altLang="en-US" b="1" dirty="0">
+                <a:latin typeface="나눔고딕코딩" panose="020D0009000000000000" pitchFamily="49" charset="-127"/>
+                <a:ea typeface="나눔고딕코딩" panose="020D0009000000000000" pitchFamily="49" charset="-127"/>
+              </a:rPr>
+              <a:t>모델을 만들기 위한 객체 </a:t>
+            </a:r>
+            <a:r>
+              <a:rPr lang="en-US" altLang="ko-KR" b="1" dirty="0">
+                <a:latin typeface="나눔고딕코딩" panose="020D0009000000000000" pitchFamily="49" charset="-127"/>
+                <a:ea typeface="나눔고딕코딩" panose="020D0009000000000000" pitchFamily="49" charset="-127"/>
+              </a:rPr>
+              <a:t>(</a:t>
+            </a:r>
+            <a:r>
+              <a:rPr lang="ko-KR" altLang="en-US" b="1" dirty="0">
+                <a:latin typeface="나눔고딕코딩" panose="020D0009000000000000" pitchFamily="49" charset="-127"/>
+                <a:ea typeface="나눔고딕코딩" panose="020D0009000000000000" pitchFamily="49" charset="-127"/>
+              </a:rPr>
+              <a:t>블로그 글을 작성하기 위한 모델</a:t>
+            </a:r>
+            <a:r>
+              <a:rPr lang="en-US" altLang="ko-KR" b="1" dirty="0">
+                <a:latin typeface="나눔고딕코딩" panose="020D0009000000000000" pitchFamily="49" charset="-127"/>
+                <a:ea typeface="나눔고딕코딩" panose="020D0009000000000000" pitchFamily="49" charset="-127"/>
+              </a:rPr>
+              <a:t>)</a:t>
+            </a:r>
+          </a:p>
+          <a:p>
+            <a:pPr marL="285750" indent="-285750">
+              <a:lnSpc>
+                <a:spcPct val="120000"/>
+              </a:lnSpc>
+              <a:buFont typeface="Arial" panose="020B0604020202020204" pitchFamily="34" charset="0"/>
+              <a:buChar char="•"/>
+            </a:pPr>
+            <a:r>
+              <a:rPr lang="ko-KR" altLang="en-US" dirty="0">
+                <a:latin typeface="나눔고딕코딩" panose="020D0009000000000000" pitchFamily="49" charset="-127"/>
+                <a:ea typeface="나눔고딕코딩" panose="020D0009000000000000" pitchFamily="49" charset="-127"/>
+              </a:rPr>
+              <a:t>블로그 글 작성을 위해 모델에서 필요한 것은</a:t>
+            </a:r>
+            <a:r>
+              <a:rPr lang="en-US" altLang="ko-KR" dirty="0">
+                <a:latin typeface="나눔고딕코딩" panose="020D0009000000000000" pitchFamily="49" charset="-127"/>
+                <a:ea typeface="나눔고딕코딩" panose="020D0009000000000000" pitchFamily="49" charset="-127"/>
+              </a:rPr>
+              <a:t>?</a:t>
+            </a:r>
+          </a:p>
+          <a:p>
+            <a:pPr marL="742950" lvl="1" indent="-285750">
+              <a:lnSpc>
+                <a:spcPct val="120000"/>
+              </a:lnSpc>
+              <a:buFont typeface="Arial" panose="020B0604020202020204" pitchFamily="34" charset="0"/>
+              <a:buChar char="•"/>
+            </a:pPr>
+            <a:r>
+              <a:rPr lang="en-US" altLang="ko-KR" dirty="0">
+                <a:latin typeface="나눔고딕코딩" panose="020D0009000000000000" pitchFamily="49" charset="-127"/>
+                <a:ea typeface="나눔고딕코딩" panose="020D0009000000000000" pitchFamily="49" charset="-127"/>
+              </a:rPr>
+              <a:t>author(</a:t>
+            </a:r>
+            <a:r>
+              <a:rPr lang="ko-KR" altLang="en-US" dirty="0">
+                <a:latin typeface="나눔고딕코딩" panose="020D0009000000000000" pitchFamily="49" charset="-127"/>
+                <a:ea typeface="나눔고딕코딩" panose="020D0009000000000000" pitchFamily="49" charset="-127"/>
+              </a:rPr>
+              <a:t>게시자</a:t>
+            </a:r>
+            <a:r>
+              <a:rPr lang="en-US" altLang="ko-KR" dirty="0">
+                <a:latin typeface="나눔고딕코딩" panose="020D0009000000000000" pitchFamily="49" charset="-127"/>
+                <a:ea typeface="나눔고딕코딩" panose="020D0009000000000000" pitchFamily="49" charset="-127"/>
+              </a:rPr>
+              <a:t>), title(</a:t>
+            </a:r>
+            <a:r>
+              <a:rPr lang="ko-KR" altLang="en-US" dirty="0">
+                <a:latin typeface="나눔고딕코딩" panose="020D0009000000000000" pitchFamily="49" charset="-127"/>
+                <a:ea typeface="나눔고딕코딩" panose="020D0009000000000000" pitchFamily="49" charset="-127"/>
+              </a:rPr>
+              <a:t>제목</a:t>
+            </a:r>
+            <a:r>
+              <a:rPr lang="en-US" altLang="ko-KR" dirty="0">
+                <a:latin typeface="나눔고딕코딩" panose="020D0009000000000000" pitchFamily="49" charset="-127"/>
+                <a:ea typeface="나눔고딕코딩" panose="020D0009000000000000" pitchFamily="49" charset="-127"/>
+              </a:rPr>
+              <a:t>), text(</a:t>
+            </a:r>
+            <a:r>
+              <a:rPr lang="ko-KR" altLang="en-US" dirty="0">
+                <a:latin typeface="나눔고딕코딩" panose="020D0009000000000000" pitchFamily="49" charset="-127"/>
+                <a:ea typeface="나눔고딕코딩" panose="020D0009000000000000" pitchFamily="49" charset="-127"/>
+              </a:rPr>
+              <a:t>글</a:t>
+            </a:r>
+            <a:r>
+              <a:rPr lang="en-US" altLang="ko-KR" dirty="0">
+                <a:latin typeface="나눔고딕코딩" panose="020D0009000000000000" pitchFamily="49" charset="-127"/>
+                <a:ea typeface="나눔고딕코딩" panose="020D0009000000000000" pitchFamily="49" charset="-127"/>
+              </a:rPr>
+              <a:t>), </a:t>
+            </a:r>
+            <a:r>
+              <a:rPr lang="en-US" altLang="ko-KR" dirty="0" err="1">
+                <a:latin typeface="나눔고딕코딩" panose="020D0009000000000000" pitchFamily="49" charset="-127"/>
+                <a:ea typeface="나눔고딕코딩" panose="020D0009000000000000" pitchFamily="49" charset="-127"/>
+              </a:rPr>
+              <a:t>created_date</a:t>
+            </a:r>
+            <a:r>
+              <a:rPr lang="en-US" altLang="ko-KR" dirty="0">
+                <a:latin typeface="나눔고딕코딩" panose="020D0009000000000000" pitchFamily="49" charset="-127"/>
+                <a:ea typeface="나눔고딕코딩" panose="020D0009000000000000" pitchFamily="49" charset="-127"/>
+              </a:rPr>
+              <a:t>(</a:t>
+            </a:r>
+            <a:r>
+              <a:rPr lang="ko-KR" altLang="en-US" dirty="0">
+                <a:latin typeface="나눔고딕코딩" panose="020D0009000000000000" pitchFamily="49" charset="-127"/>
+                <a:ea typeface="나눔고딕코딩" panose="020D0009000000000000" pitchFamily="49" charset="-127"/>
+              </a:rPr>
+              <a:t>생성 날짜</a:t>
+            </a:r>
+            <a:r>
+              <a:rPr lang="en-US" altLang="ko-KR" dirty="0">
+                <a:latin typeface="나눔고딕코딩" panose="020D0009000000000000" pitchFamily="49" charset="-127"/>
+                <a:ea typeface="나눔고딕코딩" panose="020D0009000000000000" pitchFamily="49" charset="-127"/>
+              </a:rPr>
+              <a:t>), </a:t>
+            </a:r>
+            <a:r>
+              <a:rPr lang="en-US" altLang="ko-KR" dirty="0" err="1">
+                <a:latin typeface="나눔고딕코딩" panose="020D0009000000000000" pitchFamily="49" charset="-127"/>
+                <a:ea typeface="나눔고딕코딩" panose="020D0009000000000000" pitchFamily="49" charset="-127"/>
+              </a:rPr>
+              <a:t>pulished_date</a:t>
+            </a:r>
+            <a:r>
+              <a:rPr lang="en-US" altLang="ko-KR" dirty="0">
+                <a:latin typeface="나눔고딕코딩" panose="020D0009000000000000" pitchFamily="49" charset="-127"/>
+                <a:ea typeface="나눔고딕코딩" panose="020D0009000000000000" pitchFamily="49" charset="-127"/>
+              </a:rPr>
+              <a:t>(</a:t>
+            </a:r>
+            <a:r>
+              <a:rPr lang="ko-KR" altLang="en-US" dirty="0">
+                <a:latin typeface="나눔고딕코딩" panose="020D0009000000000000" pitchFamily="49" charset="-127"/>
+                <a:ea typeface="나눔고딕코딩" panose="020D0009000000000000" pitchFamily="49" charset="-127"/>
+              </a:rPr>
+              <a:t>게시 날짜</a:t>
+            </a:r>
+            <a:r>
+              <a:rPr lang="en-US" altLang="ko-KR" dirty="0">
+                <a:latin typeface="나눔고딕코딩" panose="020D0009000000000000" pitchFamily="49" charset="-127"/>
+                <a:ea typeface="나눔고딕코딩" panose="020D0009000000000000" pitchFamily="49" charset="-127"/>
+              </a:rPr>
+              <a:t>)</a:t>
+            </a:r>
+          </a:p>
+          <a:p>
+            <a:pPr marL="742950" lvl="1" indent="-285750">
+              <a:lnSpc>
+                <a:spcPct val="120000"/>
+              </a:lnSpc>
+              <a:buFont typeface="Arial" panose="020B0604020202020204" pitchFamily="34" charset="0"/>
+              <a:buChar char="•"/>
+            </a:pPr>
+            <a:r>
+              <a:rPr lang="en-US" altLang="ko-KR" dirty="0" err="1">
+                <a:latin typeface="나눔고딕코딩" panose="020D0009000000000000" pitchFamily="49" charset="-127"/>
+                <a:ea typeface="나눔고딕코딩" panose="020D0009000000000000" pitchFamily="49" charset="-127"/>
+              </a:rPr>
+              <a:t>publsh</a:t>
+            </a:r>
+            <a:r>
+              <a:rPr lang="en-US" altLang="ko-KR" dirty="0">
+                <a:latin typeface="나눔고딕코딩" panose="020D0009000000000000" pitchFamily="49" charset="-127"/>
+                <a:ea typeface="나눔고딕코딩" panose="020D0009000000000000" pitchFamily="49" charset="-127"/>
+              </a:rPr>
+              <a:t>(</a:t>
+            </a:r>
+            <a:r>
+              <a:rPr lang="ko-KR" altLang="en-US" dirty="0">
+                <a:latin typeface="나눔고딕코딩" panose="020D0009000000000000" pitchFamily="49" charset="-127"/>
+                <a:ea typeface="나눔고딕코딩" panose="020D0009000000000000" pitchFamily="49" charset="-127"/>
+              </a:rPr>
+              <a:t>글을 게시하기</a:t>
+            </a:r>
+            <a:r>
+              <a:rPr lang="en-US" altLang="ko-KR" dirty="0">
+                <a:latin typeface="나눔고딕코딩" panose="020D0009000000000000" pitchFamily="49" charset="-127"/>
+                <a:ea typeface="나눔고딕코딩" panose="020D0009000000000000" pitchFamily="49" charset="-127"/>
+              </a:rPr>
+              <a:t>) …</a:t>
+            </a:r>
+          </a:p>
+          <a:p>
+            <a:pPr marL="285750" indent="-285750">
+              <a:lnSpc>
+                <a:spcPct val="120000"/>
+              </a:lnSpc>
+              <a:buFont typeface="Arial" panose="020B0604020202020204" pitchFamily="34" charset="0"/>
+              <a:buChar char="•"/>
+            </a:pPr>
+            <a:r>
+              <a:rPr lang="ko-KR" altLang="en-US" dirty="0">
+                <a:latin typeface="나눔고딕코딩" panose="020D0009000000000000" pitchFamily="49" charset="-127"/>
+                <a:ea typeface="나눔고딕코딩" panose="020D0009000000000000" pitchFamily="49" charset="-127"/>
+              </a:rPr>
+              <a:t>모델에서 필요로 하는 </a:t>
+            </a:r>
+            <a:r>
+              <a:rPr lang="en-US" altLang="ko-KR" dirty="0">
+                <a:latin typeface="나눔고딕코딩" panose="020D0009000000000000" pitchFamily="49" charset="-127"/>
+                <a:ea typeface="나눔고딕코딩" panose="020D0009000000000000" pitchFamily="49" charset="-127"/>
+              </a:rPr>
+              <a:t>Properties(</a:t>
+            </a:r>
+            <a:r>
+              <a:rPr lang="ko-KR" altLang="en-US" dirty="0">
+                <a:latin typeface="나눔고딕코딩" panose="020D0009000000000000" pitchFamily="49" charset="-127"/>
+                <a:ea typeface="나눔고딕코딩" panose="020D0009000000000000" pitchFamily="49" charset="-127"/>
+              </a:rPr>
+              <a:t>속성 값</a:t>
+            </a:r>
+            <a:r>
+              <a:rPr lang="en-US" altLang="ko-KR" dirty="0">
+                <a:latin typeface="나눔고딕코딩" panose="020D0009000000000000" pitchFamily="49" charset="-127"/>
+                <a:ea typeface="나눔고딕코딩" panose="020D0009000000000000" pitchFamily="49" charset="-127"/>
+              </a:rPr>
+              <a:t>), method(</a:t>
+            </a:r>
+            <a:r>
+              <a:rPr lang="ko-KR" altLang="en-US" dirty="0">
+                <a:latin typeface="나눔고딕코딩" panose="020D0009000000000000" pitchFamily="49" charset="-127"/>
+                <a:ea typeface="나눔고딕코딩" panose="020D0009000000000000" pitchFamily="49" charset="-127"/>
+              </a:rPr>
+              <a:t>동작</a:t>
+            </a:r>
+            <a:r>
+              <a:rPr lang="en-US" altLang="ko-KR" dirty="0">
+                <a:latin typeface="나눔고딕코딩" panose="020D0009000000000000" pitchFamily="49" charset="-127"/>
+                <a:ea typeface="나눔고딕코딩" panose="020D0009000000000000" pitchFamily="49" charset="-127"/>
+              </a:rPr>
+              <a:t>)</a:t>
+            </a:r>
+          </a:p>
+          <a:p>
+            <a:pPr marL="285750" indent="-285750">
+              <a:lnSpc>
+                <a:spcPct val="120000"/>
+              </a:lnSpc>
+              <a:buFont typeface="Arial" panose="020B0604020202020204" pitchFamily="34" charset="0"/>
+              <a:buChar char="•"/>
+            </a:pPr>
+            <a:endParaRPr lang="en-US" altLang="ko-KR" dirty="0">
+              <a:latin typeface="나눔고딕코딩" panose="020D0009000000000000" pitchFamily="49" charset="-127"/>
+              <a:ea typeface="나눔고딕코딩" panose="020D0009000000000000" pitchFamily="49" charset="-127"/>
+            </a:endParaRPr>
+          </a:p>
+        </p:txBody>
+      </p:sp>
+      <p:sp>
+        <p:nvSpPr>
+          <p:cNvPr id="5" name="TextBox 4">
+            <a:extLst>
+              <a:ext uri="{FF2B5EF4-FFF2-40B4-BE49-F238E27FC236}">
+                <a16:creationId xmlns:a16="http://schemas.microsoft.com/office/drawing/2014/main" id="{61673875-8206-4EE1-8414-5601CAC0477D}"/>
+              </a:ext>
+            </a:extLst>
+          </p:cNvPr>
+          <p:cNvSpPr txBox="1"/>
+          <p:nvPr/>
+        </p:nvSpPr>
+        <p:spPr>
+          <a:xfrm>
+            <a:off x="263610" y="3108999"/>
+            <a:ext cx="5086092" cy="3139321"/>
+          </a:xfrm>
+          <a:prstGeom prst="rect">
+            <a:avLst/>
+          </a:prstGeom>
+          <a:solidFill>
+            <a:schemeClr val="tx1"/>
+          </a:solidFill>
+        </p:spPr>
+        <p:txBody>
+          <a:bodyPr wrap="square" rtlCol="0">
+            <a:spAutoFit/>
+          </a:bodyPr>
+          <a:lstStyle/>
+          <a:p>
+            <a:r>
+              <a:rPr lang="ko-KR" altLang="en-US" sz="1100" dirty="0">
+                <a:solidFill>
+                  <a:schemeClr val="bg1"/>
+                </a:solidFill>
+                <a:latin typeface="나눔고딕 Light" panose="020D0904000000000000" pitchFamily="50" charset="-127"/>
+                <a:ea typeface="나눔고딕 Light" panose="020D0904000000000000" pitchFamily="50" charset="-127"/>
+              </a:rPr>
+              <a:t>예</a:t>
+            </a:r>
+            <a:r>
+              <a:rPr lang="en-US" altLang="ko-KR" sz="1100" dirty="0">
+                <a:solidFill>
+                  <a:schemeClr val="bg1"/>
+                </a:solidFill>
+                <a:latin typeface="나눔고딕 Light" panose="020D0904000000000000" pitchFamily="50" charset="-127"/>
+                <a:ea typeface="나눔고딕 Light" panose="020D0904000000000000" pitchFamily="50" charset="-127"/>
+              </a:rPr>
+              <a:t>&gt; </a:t>
+            </a:r>
+            <a:r>
+              <a:rPr lang="ko-KR" altLang="en-US" sz="1100" dirty="0">
+                <a:solidFill>
+                  <a:schemeClr val="bg1"/>
+                </a:solidFill>
+                <a:latin typeface="나눔고딕 Light" panose="020D0904000000000000" pitchFamily="50" charset="-127"/>
+                <a:ea typeface="나눔고딕 Light" panose="020D0904000000000000" pitchFamily="50" charset="-127"/>
+              </a:rPr>
+              <a:t>블로그 글을 만들기 위한 모델 설계 </a:t>
+            </a:r>
+            <a:r>
+              <a:rPr lang="en-US" altLang="ko-KR" sz="1100" dirty="0">
+                <a:solidFill>
+                  <a:schemeClr val="bg1"/>
+                </a:solidFill>
+                <a:latin typeface="나눔고딕 Light" panose="020D0904000000000000" pitchFamily="50" charset="-127"/>
+                <a:ea typeface="나눔고딕 Light" panose="020D0904000000000000" pitchFamily="50" charset="-127"/>
+              </a:rPr>
+              <a:t>(path: </a:t>
+            </a:r>
+            <a:r>
+              <a:rPr lang="ko-KR" altLang="en-US" sz="1100" dirty="0" err="1">
+                <a:solidFill>
+                  <a:schemeClr val="bg1"/>
+                </a:solidFill>
+                <a:latin typeface="나눔고딕 Light" panose="020D0904000000000000" pitchFamily="50" charset="-127"/>
+                <a:ea typeface="나눔고딕 Light" panose="020D0904000000000000" pitchFamily="50" charset="-127"/>
+              </a:rPr>
+              <a:t>어플리케이션명</a:t>
+            </a:r>
+            <a:r>
+              <a:rPr lang="en-US" altLang="ko-KR" sz="1100" dirty="0">
+                <a:solidFill>
+                  <a:schemeClr val="bg1"/>
+                </a:solidFill>
+                <a:latin typeface="나눔고딕 Light" panose="020D0904000000000000" pitchFamily="50" charset="-127"/>
+                <a:ea typeface="나눔고딕 Light" panose="020D0904000000000000" pitchFamily="50" charset="-127"/>
+              </a:rPr>
+              <a:t>/models.py)</a:t>
+            </a:r>
+          </a:p>
+          <a:p>
+            <a:endParaRPr lang="en-US" altLang="ko-KR" sz="1100" dirty="0">
+              <a:solidFill>
+                <a:schemeClr val="bg1"/>
+              </a:solidFill>
+              <a:latin typeface="나눔고딕 Light" panose="020D0904000000000000" pitchFamily="50" charset="-127"/>
+              <a:ea typeface="나눔고딕 Light" panose="020D0904000000000000" pitchFamily="50" charset="-127"/>
+            </a:endParaRPr>
+          </a:p>
+          <a:p>
+            <a:r>
+              <a:rPr lang="en-US" altLang="ko-KR" sz="1100" dirty="0">
+                <a:solidFill>
+                  <a:schemeClr val="bg1"/>
+                </a:solidFill>
+                <a:latin typeface="나눔고딕 Light" panose="020D0904000000000000" pitchFamily="50" charset="-127"/>
+                <a:ea typeface="나눔고딕 Light" panose="020D0904000000000000" pitchFamily="50" charset="-127"/>
+              </a:rPr>
+              <a:t>from </a:t>
+            </a:r>
+            <a:r>
+              <a:rPr lang="en-US" altLang="ko-KR" sz="1100" dirty="0" err="1">
+                <a:solidFill>
+                  <a:schemeClr val="bg1"/>
+                </a:solidFill>
+                <a:latin typeface="나눔고딕 Light" panose="020D0904000000000000" pitchFamily="50" charset="-127"/>
+                <a:ea typeface="나눔고딕 Light" panose="020D0904000000000000" pitchFamily="50" charset="-127"/>
+              </a:rPr>
+              <a:t>django.db</a:t>
+            </a:r>
+            <a:r>
+              <a:rPr lang="en-US" altLang="ko-KR" sz="1100" dirty="0">
+                <a:solidFill>
+                  <a:schemeClr val="bg1"/>
+                </a:solidFill>
+                <a:latin typeface="나눔고딕 Light" panose="020D0904000000000000" pitchFamily="50" charset="-127"/>
+                <a:ea typeface="나눔고딕 Light" panose="020D0904000000000000" pitchFamily="50" charset="-127"/>
+              </a:rPr>
+              <a:t> import models</a:t>
+            </a:r>
+          </a:p>
+          <a:p>
+            <a:r>
+              <a:rPr lang="en-US" altLang="ko-KR" sz="1100" dirty="0">
+                <a:solidFill>
+                  <a:schemeClr val="bg1"/>
+                </a:solidFill>
+                <a:latin typeface="나눔고딕 Light" panose="020D0904000000000000" pitchFamily="50" charset="-127"/>
+                <a:ea typeface="나눔고딕 Light" panose="020D0904000000000000" pitchFamily="50" charset="-127"/>
+              </a:rPr>
+              <a:t>from </a:t>
+            </a:r>
+            <a:r>
+              <a:rPr lang="en-US" altLang="ko-KR" sz="1100" dirty="0" err="1">
+                <a:solidFill>
+                  <a:schemeClr val="bg1"/>
+                </a:solidFill>
+                <a:latin typeface="나눔고딕 Light" panose="020D0904000000000000" pitchFamily="50" charset="-127"/>
+                <a:ea typeface="나눔고딕 Light" panose="020D0904000000000000" pitchFamily="50" charset="-127"/>
+              </a:rPr>
+              <a:t>django.utils</a:t>
+            </a:r>
+            <a:r>
+              <a:rPr lang="en-US" altLang="ko-KR" sz="1100" dirty="0">
+                <a:solidFill>
+                  <a:schemeClr val="bg1"/>
+                </a:solidFill>
+                <a:latin typeface="나눔고딕 Light" panose="020D0904000000000000" pitchFamily="50" charset="-127"/>
+                <a:ea typeface="나눔고딕 Light" panose="020D0904000000000000" pitchFamily="50" charset="-127"/>
+              </a:rPr>
+              <a:t> import </a:t>
+            </a:r>
+            <a:r>
+              <a:rPr lang="en-US" altLang="ko-KR" sz="1100" dirty="0" err="1">
+                <a:solidFill>
+                  <a:schemeClr val="bg1"/>
+                </a:solidFill>
+                <a:latin typeface="나눔고딕 Light" panose="020D0904000000000000" pitchFamily="50" charset="-127"/>
+                <a:ea typeface="나눔고딕 Light" panose="020D0904000000000000" pitchFamily="50" charset="-127"/>
+              </a:rPr>
+              <a:t>timezone</a:t>
+            </a:r>
+            <a:endParaRPr lang="en-US" altLang="ko-KR" sz="1100" dirty="0">
+              <a:solidFill>
+                <a:schemeClr val="bg1"/>
+              </a:solidFill>
+              <a:latin typeface="나눔고딕 Light" panose="020D0904000000000000" pitchFamily="50" charset="-127"/>
+              <a:ea typeface="나눔고딕 Light" panose="020D0904000000000000" pitchFamily="50" charset="-127"/>
+            </a:endParaRPr>
+          </a:p>
+          <a:p>
+            <a:endParaRPr lang="en-US" altLang="ko-KR" sz="1100" dirty="0">
+              <a:solidFill>
+                <a:schemeClr val="bg1"/>
+              </a:solidFill>
+              <a:latin typeface="나눔고딕 Light" panose="020D0904000000000000" pitchFamily="50" charset="-127"/>
+              <a:ea typeface="나눔고딕 Light" panose="020D0904000000000000" pitchFamily="50" charset="-127"/>
+            </a:endParaRPr>
+          </a:p>
+          <a:p>
+            <a:r>
+              <a:rPr lang="en-US" altLang="ko-KR" sz="1100" dirty="0">
+                <a:solidFill>
+                  <a:schemeClr val="bg1"/>
+                </a:solidFill>
+                <a:latin typeface="나눔고딕 Light" panose="020D0904000000000000" pitchFamily="50" charset="-127"/>
+                <a:ea typeface="나눔고딕 Light" panose="020D0904000000000000" pitchFamily="50" charset="-127"/>
+              </a:rPr>
+              <a:t>class </a:t>
+            </a:r>
+            <a:r>
+              <a:rPr lang="en-US" altLang="ko-KR" sz="1100" dirty="0" err="1">
+                <a:solidFill>
+                  <a:schemeClr val="bg1"/>
+                </a:solidFill>
+                <a:latin typeface="나눔고딕 Light" panose="020D0904000000000000" pitchFamily="50" charset="-127"/>
+                <a:ea typeface="나눔고딕 Light" panose="020D0904000000000000" pitchFamily="50" charset="-127"/>
+              </a:rPr>
+              <a:t>PostModel</a:t>
+            </a:r>
+            <a:r>
+              <a:rPr lang="en-US" altLang="ko-KR" sz="1100" dirty="0">
+                <a:solidFill>
+                  <a:schemeClr val="bg1"/>
+                </a:solidFill>
+                <a:latin typeface="나눔고딕 Light" panose="020D0904000000000000" pitchFamily="50" charset="-127"/>
+                <a:ea typeface="나눔고딕 Light" panose="020D0904000000000000" pitchFamily="50" charset="-127"/>
+              </a:rPr>
+              <a:t>(</a:t>
+            </a:r>
+            <a:r>
+              <a:rPr lang="en-US" altLang="ko-KR" sz="1100" dirty="0" err="1">
+                <a:solidFill>
+                  <a:schemeClr val="bg1"/>
+                </a:solidFill>
+                <a:latin typeface="나눔고딕 Light" panose="020D0904000000000000" pitchFamily="50" charset="-127"/>
+                <a:ea typeface="나눔고딕 Light" panose="020D0904000000000000" pitchFamily="50" charset="-127"/>
+              </a:rPr>
+              <a:t>models.Model</a:t>
+            </a:r>
+            <a:r>
+              <a:rPr lang="en-US" altLang="ko-KR" sz="1100" dirty="0">
+                <a:solidFill>
+                  <a:schemeClr val="bg1"/>
+                </a:solidFill>
+                <a:latin typeface="나눔고딕 Light" panose="020D0904000000000000" pitchFamily="50" charset="-127"/>
+                <a:ea typeface="나눔고딕 Light" panose="020D0904000000000000" pitchFamily="50" charset="-127"/>
+              </a:rPr>
+              <a:t>):</a:t>
+            </a:r>
+          </a:p>
+          <a:p>
+            <a:r>
+              <a:rPr lang="en-US" altLang="ko-KR" sz="1100" dirty="0">
+                <a:solidFill>
+                  <a:schemeClr val="bg1"/>
+                </a:solidFill>
+                <a:latin typeface="나눔고딕 Light" panose="020D0904000000000000" pitchFamily="50" charset="-127"/>
+                <a:ea typeface="나눔고딕 Light" panose="020D0904000000000000" pitchFamily="50" charset="-127"/>
+              </a:rPr>
+              <a:t>    author = </a:t>
+            </a:r>
+            <a:r>
+              <a:rPr lang="en-US" altLang="ko-KR" sz="1100" dirty="0" err="1">
+                <a:solidFill>
+                  <a:schemeClr val="bg1"/>
+                </a:solidFill>
+                <a:latin typeface="나눔고딕 Light" panose="020D0904000000000000" pitchFamily="50" charset="-127"/>
+                <a:ea typeface="나눔고딕 Light" panose="020D0904000000000000" pitchFamily="50" charset="-127"/>
+              </a:rPr>
+              <a:t>models.ForeignKey</a:t>
+            </a:r>
+            <a:r>
+              <a:rPr lang="en-US" altLang="ko-KR" sz="1100" dirty="0">
+                <a:solidFill>
+                  <a:schemeClr val="bg1"/>
+                </a:solidFill>
+                <a:latin typeface="나눔고딕 Light" panose="020D0904000000000000" pitchFamily="50" charset="-127"/>
+                <a:ea typeface="나눔고딕 Light" panose="020D0904000000000000" pitchFamily="50" charset="-127"/>
+              </a:rPr>
+              <a:t>('</a:t>
+            </a:r>
+            <a:r>
+              <a:rPr lang="en-US" altLang="ko-KR" sz="1100" dirty="0" err="1">
+                <a:solidFill>
+                  <a:schemeClr val="bg1"/>
+                </a:solidFill>
+                <a:latin typeface="나눔고딕 Light" panose="020D0904000000000000" pitchFamily="50" charset="-127"/>
+                <a:ea typeface="나눔고딕 Light" panose="020D0904000000000000" pitchFamily="50" charset="-127"/>
+              </a:rPr>
+              <a:t>auth.User</a:t>
+            </a:r>
+            <a:r>
+              <a:rPr lang="en-US" altLang="ko-KR" sz="1100" dirty="0">
+                <a:solidFill>
+                  <a:schemeClr val="bg1"/>
+                </a:solidFill>
+                <a:latin typeface="나눔고딕 Light" panose="020D0904000000000000" pitchFamily="50" charset="-127"/>
+                <a:ea typeface="나눔고딕 Light" panose="020D0904000000000000" pitchFamily="50" charset="-127"/>
+              </a:rPr>
+              <a:t>', </a:t>
+            </a:r>
+            <a:r>
+              <a:rPr lang="en-US" altLang="ko-KR" sz="1100" dirty="0" err="1">
+                <a:solidFill>
+                  <a:schemeClr val="bg1"/>
+                </a:solidFill>
+                <a:latin typeface="나눔고딕 Light" panose="020D0904000000000000" pitchFamily="50" charset="-127"/>
+                <a:ea typeface="나눔고딕 Light" panose="020D0904000000000000" pitchFamily="50" charset="-127"/>
+              </a:rPr>
+              <a:t>on_delete</a:t>
+            </a:r>
+            <a:r>
+              <a:rPr lang="en-US" altLang="ko-KR" sz="1100" dirty="0">
+                <a:solidFill>
+                  <a:schemeClr val="bg1"/>
+                </a:solidFill>
+                <a:latin typeface="나눔고딕 Light" panose="020D0904000000000000" pitchFamily="50" charset="-127"/>
+                <a:ea typeface="나눔고딕 Light" panose="020D0904000000000000" pitchFamily="50" charset="-127"/>
+              </a:rPr>
+              <a:t>=</a:t>
+            </a:r>
+            <a:r>
+              <a:rPr lang="en-US" altLang="ko-KR" sz="1100" dirty="0" err="1">
+                <a:solidFill>
+                  <a:schemeClr val="bg1"/>
+                </a:solidFill>
+                <a:latin typeface="나눔고딕 Light" panose="020D0904000000000000" pitchFamily="50" charset="-127"/>
+                <a:ea typeface="나눔고딕 Light" panose="020D0904000000000000" pitchFamily="50" charset="-127"/>
+              </a:rPr>
+              <a:t>models.CASCADE</a:t>
+            </a:r>
+            <a:r>
+              <a:rPr lang="en-US" altLang="ko-KR" sz="1100" dirty="0">
+                <a:solidFill>
+                  <a:schemeClr val="bg1"/>
+                </a:solidFill>
+                <a:latin typeface="나눔고딕 Light" panose="020D0904000000000000" pitchFamily="50" charset="-127"/>
+                <a:ea typeface="나눔고딕 Light" panose="020D0904000000000000" pitchFamily="50" charset="-127"/>
+              </a:rPr>
+              <a:t>)</a:t>
+            </a:r>
+          </a:p>
+          <a:p>
+            <a:r>
+              <a:rPr lang="en-US" altLang="ko-KR" sz="1100" dirty="0">
+                <a:solidFill>
+                  <a:schemeClr val="bg1"/>
+                </a:solidFill>
+                <a:latin typeface="나눔고딕 Light" panose="020D0904000000000000" pitchFamily="50" charset="-127"/>
+                <a:ea typeface="나눔고딕 Light" panose="020D0904000000000000" pitchFamily="50" charset="-127"/>
+              </a:rPr>
+              <a:t>    title = </a:t>
+            </a:r>
+            <a:r>
+              <a:rPr lang="en-US" altLang="ko-KR" sz="1100" dirty="0" err="1">
+                <a:solidFill>
+                  <a:schemeClr val="bg1"/>
+                </a:solidFill>
+                <a:latin typeface="나눔고딕 Light" panose="020D0904000000000000" pitchFamily="50" charset="-127"/>
+                <a:ea typeface="나눔고딕 Light" panose="020D0904000000000000" pitchFamily="50" charset="-127"/>
+              </a:rPr>
+              <a:t>models.CharField</a:t>
+            </a:r>
+            <a:r>
+              <a:rPr lang="en-US" altLang="ko-KR" sz="1100" dirty="0">
+                <a:solidFill>
+                  <a:schemeClr val="bg1"/>
+                </a:solidFill>
+                <a:latin typeface="나눔고딕 Light" panose="020D0904000000000000" pitchFamily="50" charset="-127"/>
+                <a:ea typeface="나눔고딕 Light" panose="020D0904000000000000" pitchFamily="50" charset="-127"/>
+              </a:rPr>
+              <a:t>(</a:t>
+            </a:r>
+            <a:r>
+              <a:rPr lang="en-US" altLang="ko-KR" sz="1100" dirty="0" err="1">
+                <a:solidFill>
+                  <a:schemeClr val="bg1"/>
+                </a:solidFill>
+                <a:latin typeface="나눔고딕 Light" panose="020D0904000000000000" pitchFamily="50" charset="-127"/>
+                <a:ea typeface="나눔고딕 Light" panose="020D0904000000000000" pitchFamily="50" charset="-127"/>
+              </a:rPr>
+              <a:t>max_length</a:t>
+            </a:r>
+            <a:r>
+              <a:rPr lang="en-US" altLang="ko-KR" sz="1100" dirty="0">
+                <a:solidFill>
+                  <a:schemeClr val="bg1"/>
+                </a:solidFill>
+                <a:latin typeface="나눔고딕 Light" panose="020D0904000000000000" pitchFamily="50" charset="-127"/>
+                <a:ea typeface="나눔고딕 Light" panose="020D0904000000000000" pitchFamily="50" charset="-127"/>
+              </a:rPr>
+              <a:t>=200)</a:t>
+            </a:r>
+          </a:p>
+          <a:p>
+            <a:r>
+              <a:rPr lang="en-US" altLang="ko-KR" sz="1100" dirty="0">
+                <a:solidFill>
+                  <a:schemeClr val="bg1"/>
+                </a:solidFill>
+                <a:latin typeface="나눔고딕 Light" panose="020D0904000000000000" pitchFamily="50" charset="-127"/>
+                <a:ea typeface="나눔고딕 Light" panose="020D0904000000000000" pitchFamily="50" charset="-127"/>
+              </a:rPr>
+              <a:t>    text = </a:t>
+            </a:r>
+            <a:r>
+              <a:rPr lang="en-US" altLang="ko-KR" sz="1100" dirty="0" err="1">
+                <a:solidFill>
+                  <a:schemeClr val="bg1"/>
+                </a:solidFill>
+                <a:latin typeface="나눔고딕 Light" panose="020D0904000000000000" pitchFamily="50" charset="-127"/>
+                <a:ea typeface="나눔고딕 Light" panose="020D0904000000000000" pitchFamily="50" charset="-127"/>
+              </a:rPr>
+              <a:t>models.TextField</a:t>
+            </a:r>
+            <a:r>
+              <a:rPr lang="en-US" altLang="ko-KR" sz="1100" dirty="0">
+                <a:solidFill>
+                  <a:schemeClr val="bg1"/>
+                </a:solidFill>
+                <a:latin typeface="나눔고딕 Light" panose="020D0904000000000000" pitchFamily="50" charset="-127"/>
+                <a:ea typeface="나눔고딕 Light" panose="020D0904000000000000" pitchFamily="50" charset="-127"/>
+              </a:rPr>
+              <a:t>()</a:t>
+            </a:r>
+          </a:p>
+          <a:p>
+            <a:r>
+              <a:rPr lang="en-US" altLang="ko-KR" sz="1100" dirty="0">
+                <a:solidFill>
+                  <a:schemeClr val="bg1"/>
+                </a:solidFill>
+                <a:latin typeface="나눔고딕 Light" panose="020D0904000000000000" pitchFamily="50" charset="-127"/>
+                <a:ea typeface="나눔고딕 Light" panose="020D0904000000000000" pitchFamily="50" charset="-127"/>
+              </a:rPr>
+              <a:t>    </a:t>
+            </a:r>
+            <a:r>
+              <a:rPr lang="en-US" altLang="ko-KR" sz="1100" dirty="0" err="1">
+                <a:solidFill>
+                  <a:schemeClr val="bg1"/>
+                </a:solidFill>
+                <a:latin typeface="나눔고딕 Light" panose="020D0904000000000000" pitchFamily="50" charset="-127"/>
+                <a:ea typeface="나눔고딕 Light" panose="020D0904000000000000" pitchFamily="50" charset="-127"/>
+              </a:rPr>
+              <a:t>created_date</a:t>
+            </a:r>
+            <a:r>
+              <a:rPr lang="en-US" altLang="ko-KR" sz="1100" dirty="0">
+                <a:solidFill>
+                  <a:schemeClr val="bg1"/>
+                </a:solidFill>
+                <a:latin typeface="나눔고딕 Light" panose="020D0904000000000000" pitchFamily="50" charset="-127"/>
+                <a:ea typeface="나눔고딕 Light" panose="020D0904000000000000" pitchFamily="50" charset="-127"/>
+              </a:rPr>
+              <a:t> = </a:t>
+            </a:r>
+            <a:r>
+              <a:rPr lang="en-US" altLang="ko-KR" sz="1100" dirty="0" err="1">
+                <a:solidFill>
+                  <a:schemeClr val="bg1"/>
+                </a:solidFill>
+                <a:latin typeface="나눔고딕 Light" panose="020D0904000000000000" pitchFamily="50" charset="-127"/>
+                <a:ea typeface="나눔고딕 Light" panose="020D0904000000000000" pitchFamily="50" charset="-127"/>
+              </a:rPr>
+              <a:t>models.DateTimeField</a:t>
+            </a:r>
+            <a:r>
+              <a:rPr lang="en-US" altLang="ko-KR" sz="1100" dirty="0">
+                <a:solidFill>
+                  <a:schemeClr val="bg1"/>
+                </a:solidFill>
+                <a:latin typeface="나눔고딕 Light" panose="020D0904000000000000" pitchFamily="50" charset="-127"/>
+                <a:ea typeface="나눔고딕 Light" panose="020D0904000000000000" pitchFamily="50" charset="-127"/>
+              </a:rPr>
+              <a:t>(default=</a:t>
+            </a:r>
+            <a:r>
+              <a:rPr lang="en-US" altLang="ko-KR" sz="1100" dirty="0" err="1">
+                <a:solidFill>
+                  <a:schemeClr val="bg1"/>
+                </a:solidFill>
+                <a:latin typeface="나눔고딕 Light" panose="020D0904000000000000" pitchFamily="50" charset="-127"/>
+                <a:ea typeface="나눔고딕 Light" panose="020D0904000000000000" pitchFamily="50" charset="-127"/>
+              </a:rPr>
+              <a:t>timezone.now</a:t>
+            </a:r>
+            <a:r>
+              <a:rPr lang="en-US" altLang="ko-KR" sz="1100" dirty="0">
+                <a:solidFill>
+                  <a:schemeClr val="bg1"/>
+                </a:solidFill>
+                <a:latin typeface="나눔고딕 Light" panose="020D0904000000000000" pitchFamily="50" charset="-127"/>
+                <a:ea typeface="나눔고딕 Light" panose="020D0904000000000000" pitchFamily="50" charset="-127"/>
+              </a:rPr>
+              <a:t>)</a:t>
+            </a:r>
+          </a:p>
+          <a:p>
+            <a:r>
+              <a:rPr lang="en-US" altLang="ko-KR" sz="1100" dirty="0">
+                <a:solidFill>
+                  <a:schemeClr val="bg1"/>
+                </a:solidFill>
+                <a:latin typeface="나눔고딕 Light" panose="020D0904000000000000" pitchFamily="50" charset="-127"/>
+                <a:ea typeface="나눔고딕 Light" panose="020D0904000000000000" pitchFamily="50" charset="-127"/>
+              </a:rPr>
+              <a:t>    </a:t>
+            </a:r>
+            <a:r>
+              <a:rPr lang="en-US" altLang="ko-KR" sz="1100" dirty="0" err="1">
+                <a:solidFill>
+                  <a:schemeClr val="bg1"/>
+                </a:solidFill>
+                <a:latin typeface="나눔고딕 Light" panose="020D0904000000000000" pitchFamily="50" charset="-127"/>
+                <a:ea typeface="나눔고딕 Light" panose="020D0904000000000000" pitchFamily="50" charset="-127"/>
+              </a:rPr>
+              <a:t>published_date</a:t>
+            </a:r>
+            <a:r>
+              <a:rPr lang="en-US" altLang="ko-KR" sz="1100" dirty="0">
+                <a:solidFill>
+                  <a:schemeClr val="bg1"/>
+                </a:solidFill>
+                <a:latin typeface="나눔고딕 Light" panose="020D0904000000000000" pitchFamily="50" charset="-127"/>
+                <a:ea typeface="나눔고딕 Light" panose="020D0904000000000000" pitchFamily="50" charset="-127"/>
+              </a:rPr>
+              <a:t> = </a:t>
+            </a:r>
+            <a:r>
+              <a:rPr lang="en-US" altLang="ko-KR" sz="1100" dirty="0" err="1">
+                <a:solidFill>
+                  <a:schemeClr val="bg1"/>
+                </a:solidFill>
+                <a:latin typeface="나눔고딕 Light" panose="020D0904000000000000" pitchFamily="50" charset="-127"/>
+                <a:ea typeface="나눔고딕 Light" panose="020D0904000000000000" pitchFamily="50" charset="-127"/>
+              </a:rPr>
+              <a:t>models.DateTimeField</a:t>
+            </a:r>
+            <a:r>
+              <a:rPr lang="en-US" altLang="ko-KR" sz="1100" dirty="0">
+                <a:solidFill>
+                  <a:schemeClr val="bg1"/>
+                </a:solidFill>
+                <a:latin typeface="나눔고딕 Light" panose="020D0904000000000000" pitchFamily="50" charset="-127"/>
+                <a:ea typeface="나눔고딕 Light" panose="020D0904000000000000" pitchFamily="50" charset="-127"/>
+              </a:rPr>
+              <a:t>(blank=True, null=True)</a:t>
+            </a:r>
+          </a:p>
+          <a:p>
+            <a:endParaRPr lang="en-US" altLang="ko-KR" sz="1100" dirty="0">
+              <a:solidFill>
+                <a:schemeClr val="bg1"/>
+              </a:solidFill>
+              <a:latin typeface="나눔고딕 Light" panose="020D0904000000000000" pitchFamily="50" charset="-127"/>
+              <a:ea typeface="나눔고딕 Light" panose="020D0904000000000000" pitchFamily="50" charset="-127"/>
+            </a:endParaRPr>
+          </a:p>
+          <a:p>
+            <a:r>
+              <a:rPr lang="en-US" altLang="ko-KR" sz="1100" dirty="0">
+                <a:solidFill>
+                  <a:schemeClr val="bg1"/>
+                </a:solidFill>
+                <a:latin typeface="나눔고딕 Light" panose="020D0904000000000000" pitchFamily="50" charset="-127"/>
+                <a:ea typeface="나눔고딕 Light" panose="020D0904000000000000" pitchFamily="50" charset="-127"/>
+              </a:rPr>
+              <a:t>    def publish(self):</a:t>
+            </a:r>
+          </a:p>
+          <a:p>
+            <a:r>
+              <a:rPr lang="en-US" altLang="ko-KR" sz="1100" dirty="0">
+                <a:solidFill>
+                  <a:schemeClr val="bg1"/>
+                </a:solidFill>
+                <a:latin typeface="나눔고딕 Light" panose="020D0904000000000000" pitchFamily="50" charset="-127"/>
+                <a:ea typeface="나눔고딕 Light" panose="020D0904000000000000" pitchFamily="50" charset="-127"/>
+              </a:rPr>
+              <a:t>        </a:t>
+            </a:r>
+            <a:r>
+              <a:rPr lang="en-US" altLang="ko-KR" sz="1100" dirty="0" err="1">
+                <a:solidFill>
+                  <a:schemeClr val="bg1"/>
+                </a:solidFill>
+                <a:latin typeface="나눔고딕 Light" panose="020D0904000000000000" pitchFamily="50" charset="-127"/>
+                <a:ea typeface="나눔고딕 Light" panose="020D0904000000000000" pitchFamily="50" charset="-127"/>
+              </a:rPr>
+              <a:t>self.published_date</a:t>
+            </a:r>
+            <a:r>
+              <a:rPr lang="en-US" altLang="ko-KR" sz="1100" dirty="0">
+                <a:solidFill>
+                  <a:schemeClr val="bg1"/>
+                </a:solidFill>
+                <a:latin typeface="나눔고딕 Light" panose="020D0904000000000000" pitchFamily="50" charset="-127"/>
+                <a:ea typeface="나눔고딕 Light" panose="020D0904000000000000" pitchFamily="50" charset="-127"/>
+              </a:rPr>
+              <a:t> = </a:t>
+            </a:r>
+            <a:r>
+              <a:rPr lang="en-US" altLang="ko-KR" sz="1100" dirty="0" err="1">
+                <a:solidFill>
+                  <a:schemeClr val="bg1"/>
+                </a:solidFill>
+                <a:latin typeface="나눔고딕 Light" panose="020D0904000000000000" pitchFamily="50" charset="-127"/>
+                <a:ea typeface="나눔고딕 Light" panose="020D0904000000000000" pitchFamily="50" charset="-127"/>
+              </a:rPr>
+              <a:t>timezone.now</a:t>
+            </a:r>
+            <a:r>
+              <a:rPr lang="en-US" altLang="ko-KR" sz="1100" dirty="0">
+                <a:solidFill>
+                  <a:schemeClr val="bg1"/>
+                </a:solidFill>
+                <a:latin typeface="나눔고딕 Light" panose="020D0904000000000000" pitchFamily="50" charset="-127"/>
+                <a:ea typeface="나눔고딕 Light" panose="020D0904000000000000" pitchFamily="50" charset="-127"/>
+              </a:rPr>
+              <a:t>()</a:t>
+            </a:r>
+          </a:p>
+          <a:p>
+            <a:r>
+              <a:rPr lang="en-US" altLang="ko-KR" sz="1100" dirty="0">
+                <a:solidFill>
+                  <a:schemeClr val="bg1"/>
+                </a:solidFill>
+                <a:latin typeface="나눔고딕 Light" panose="020D0904000000000000" pitchFamily="50" charset="-127"/>
+                <a:ea typeface="나눔고딕 Light" panose="020D0904000000000000" pitchFamily="50" charset="-127"/>
+              </a:rPr>
+              <a:t>        </a:t>
+            </a:r>
+            <a:r>
+              <a:rPr lang="en-US" altLang="ko-KR" sz="1100" dirty="0" err="1">
+                <a:solidFill>
+                  <a:schemeClr val="bg1"/>
+                </a:solidFill>
+                <a:latin typeface="나눔고딕 Light" panose="020D0904000000000000" pitchFamily="50" charset="-127"/>
+                <a:ea typeface="나눔고딕 Light" panose="020D0904000000000000" pitchFamily="50" charset="-127"/>
+              </a:rPr>
+              <a:t>self.save</a:t>
+            </a:r>
+            <a:r>
+              <a:rPr lang="en-US" altLang="ko-KR" sz="1100" dirty="0">
+                <a:solidFill>
+                  <a:schemeClr val="bg1"/>
+                </a:solidFill>
+                <a:latin typeface="나눔고딕 Light" panose="020D0904000000000000" pitchFamily="50" charset="-127"/>
+                <a:ea typeface="나눔고딕 Light" panose="020D0904000000000000" pitchFamily="50" charset="-127"/>
+              </a:rPr>
+              <a:t>()</a:t>
+            </a:r>
+          </a:p>
+          <a:p>
+            <a:endParaRPr lang="en-US" altLang="ko-KR" sz="1100" dirty="0">
+              <a:solidFill>
+                <a:schemeClr val="bg1"/>
+              </a:solidFill>
+              <a:latin typeface="나눔고딕 Light" panose="020D0904000000000000" pitchFamily="50" charset="-127"/>
+              <a:ea typeface="나눔고딕 Light" panose="020D0904000000000000" pitchFamily="50" charset="-127"/>
+            </a:endParaRPr>
+          </a:p>
+          <a:p>
+            <a:r>
+              <a:rPr lang="en-US" altLang="ko-KR" sz="1100" dirty="0">
+                <a:solidFill>
+                  <a:schemeClr val="bg1"/>
+                </a:solidFill>
+                <a:latin typeface="나눔고딕 Light" panose="020D0904000000000000" pitchFamily="50" charset="-127"/>
+                <a:ea typeface="나눔고딕 Light" panose="020D0904000000000000" pitchFamily="50" charset="-127"/>
+              </a:rPr>
+              <a:t>    def __</a:t>
+            </a:r>
+            <a:r>
+              <a:rPr lang="en-US" altLang="ko-KR" sz="1100" dirty="0" err="1">
+                <a:solidFill>
+                  <a:schemeClr val="bg1"/>
+                </a:solidFill>
+                <a:latin typeface="나눔고딕 Light" panose="020D0904000000000000" pitchFamily="50" charset="-127"/>
+                <a:ea typeface="나눔고딕 Light" panose="020D0904000000000000" pitchFamily="50" charset="-127"/>
+              </a:rPr>
+              <a:t>str</a:t>
+            </a:r>
+            <a:r>
+              <a:rPr lang="en-US" altLang="ko-KR" sz="1100" dirty="0">
+                <a:solidFill>
+                  <a:schemeClr val="bg1"/>
+                </a:solidFill>
+                <a:latin typeface="나눔고딕 Light" panose="020D0904000000000000" pitchFamily="50" charset="-127"/>
+                <a:ea typeface="나눔고딕 Light" panose="020D0904000000000000" pitchFamily="50" charset="-127"/>
+              </a:rPr>
+              <a:t>__(self):</a:t>
+            </a:r>
+          </a:p>
+          <a:p>
+            <a:r>
+              <a:rPr lang="en-US" altLang="ko-KR" sz="1100" dirty="0">
+                <a:solidFill>
+                  <a:schemeClr val="bg1"/>
+                </a:solidFill>
+                <a:latin typeface="나눔고딕 Light" panose="020D0904000000000000" pitchFamily="50" charset="-127"/>
+                <a:ea typeface="나눔고딕 Light" panose="020D0904000000000000" pitchFamily="50" charset="-127"/>
+              </a:rPr>
+              <a:t>        return </a:t>
+            </a:r>
+            <a:r>
+              <a:rPr lang="en-US" altLang="ko-KR" sz="1100" dirty="0" err="1">
+                <a:solidFill>
+                  <a:schemeClr val="bg1"/>
+                </a:solidFill>
+                <a:latin typeface="나눔고딕 Light" panose="020D0904000000000000" pitchFamily="50" charset="-127"/>
+                <a:ea typeface="나눔고딕 Light" panose="020D0904000000000000" pitchFamily="50" charset="-127"/>
+              </a:rPr>
+              <a:t>self.title</a:t>
+            </a:r>
+            <a:endParaRPr lang="en-US" altLang="ko-KR" sz="1100" dirty="0">
+              <a:solidFill>
+                <a:schemeClr val="bg1"/>
+              </a:solidFill>
+              <a:latin typeface="나눔고딕 Light" panose="020D0904000000000000" pitchFamily="50" charset="-127"/>
+              <a:ea typeface="나눔고딕 Light" panose="020D0904000000000000" pitchFamily="50" charset="-127"/>
+            </a:endParaRPr>
+          </a:p>
+        </p:txBody>
+      </p:sp>
+      <p:sp>
+        <p:nvSpPr>
+          <p:cNvPr id="3" name="TextBox 2">
+            <a:extLst>
+              <a:ext uri="{FF2B5EF4-FFF2-40B4-BE49-F238E27FC236}">
+                <a16:creationId xmlns:a16="http://schemas.microsoft.com/office/drawing/2014/main" id="{D46989E6-860A-4D40-A78B-CE3D889961AB}"/>
+              </a:ext>
+            </a:extLst>
+          </p:cNvPr>
+          <p:cNvSpPr txBox="1"/>
+          <p:nvPr/>
+        </p:nvSpPr>
+        <p:spPr>
+          <a:xfrm>
+            <a:off x="5527590" y="3108999"/>
+            <a:ext cx="5544064" cy="2492990"/>
+          </a:xfrm>
+          <a:prstGeom prst="rect">
+            <a:avLst/>
+          </a:prstGeom>
+          <a:noFill/>
+        </p:spPr>
+        <p:txBody>
+          <a:bodyPr wrap="square" rtlCol="0">
+            <a:spAutoFit/>
+          </a:bodyPr>
+          <a:lstStyle/>
+          <a:p>
+            <a:pPr algn="just"/>
+            <a:r>
+              <a:rPr lang="en-US" altLang="ko-KR" sz="1200" dirty="0" err="1">
+                <a:latin typeface="나눔고딕코딩" panose="020D0009000000000000" pitchFamily="49" charset="-127"/>
+                <a:ea typeface="나눔고딕코딩" panose="020D0009000000000000" pitchFamily="49" charset="-127"/>
+              </a:rPr>
+              <a:t>models.ForeignKey</a:t>
+            </a:r>
+            <a:r>
+              <a:rPr lang="en-US" altLang="ko-KR" sz="1200" dirty="0">
+                <a:latin typeface="나눔고딕코딩" panose="020D0009000000000000" pitchFamily="49" charset="-127"/>
+                <a:ea typeface="나눔고딕코딩" panose="020D0009000000000000" pitchFamily="49" charset="-127"/>
+              </a:rPr>
+              <a:t> : </a:t>
+            </a:r>
+            <a:r>
+              <a:rPr lang="ko-KR" altLang="en-US" sz="1200" dirty="0">
+                <a:latin typeface="나눔고딕코딩" panose="020D0009000000000000" pitchFamily="49" charset="-127"/>
+                <a:ea typeface="나눔고딕코딩" panose="020D0009000000000000" pitchFamily="49" charset="-127"/>
+              </a:rPr>
+              <a:t>다른 모델에 대한 링크</a:t>
+            </a:r>
+            <a:endParaRPr lang="en-US" altLang="ko-KR" sz="1200" dirty="0">
+              <a:latin typeface="나눔고딕코딩" panose="020D0009000000000000" pitchFamily="49" charset="-127"/>
+              <a:ea typeface="나눔고딕코딩" panose="020D0009000000000000" pitchFamily="49" charset="-127"/>
+            </a:endParaRPr>
+          </a:p>
+          <a:p>
+            <a:pPr algn="just"/>
+            <a:endParaRPr lang="en-US" altLang="ko-KR" sz="1200" dirty="0">
+              <a:latin typeface="나눔고딕코딩" panose="020D0009000000000000" pitchFamily="49" charset="-127"/>
+              <a:ea typeface="나눔고딕코딩" panose="020D0009000000000000" pitchFamily="49" charset="-127"/>
+            </a:endParaRPr>
+          </a:p>
+          <a:p>
+            <a:pPr algn="just"/>
+            <a:r>
+              <a:rPr lang="en-US" altLang="ko-KR" sz="1200" dirty="0" err="1">
+                <a:latin typeface="나눔고딕코딩" panose="020D0009000000000000" pitchFamily="49" charset="-127"/>
+                <a:ea typeface="나눔고딕코딩" panose="020D0009000000000000" pitchFamily="49" charset="-127"/>
+              </a:rPr>
+              <a:t>models.CharField</a:t>
+            </a:r>
+            <a:r>
+              <a:rPr lang="en-US" altLang="ko-KR" sz="1200" dirty="0">
+                <a:latin typeface="나눔고딕코딩" panose="020D0009000000000000" pitchFamily="49" charset="-127"/>
+                <a:ea typeface="나눔고딕코딩" panose="020D0009000000000000" pitchFamily="49" charset="-127"/>
+              </a:rPr>
+              <a:t> : </a:t>
+            </a:r>
+            <a:r>
+              <a:rPr lang="ko-KR" altLang="en-US" sz="1200" dirty="0">
+                <a:latin typeface="나눔고딕코딩" panose="020D0009000000000000" pitchFamily="49" charset="-127"/>
+                <a:ea typeface="나눔고딕코딩" panose="020D0009000000000000" pitchFamily="49" charset="-127"/>
+              </a:rPr>
+              <a:t>텍스트 길이가 짧은</a:t>
+            </a:r>
+            <a:r>
+              <a:rPr lang="en-US" altLang="ko-KR" sz="1200" dirty="0">
+                <a:latin typeface="나눔고딕코딩" panose="020D0009000000000000" pitchFamily="49" charset="-127"/>
+                <a:ea typeface="나눔고딕코딩" panose="020D0009000000000000" pitchFamily="49" charset="-127"/>
+              </a:rPr>
+              <a:t>(</a:t>
+            </a:r>
+            <a:r>
+              <a:rPr lang="ko-KR" altLang="en-US" sz="1200" dirty="0">
+                <a:latin typeface="나눔고딕코딩" panose="020D0009000000000000" pitchFamily="49" charset="-127"/>
+                <a:ea typeface="나눔고딕코딩" panose="020D0009000000000000" pitchFamily="49" charset="-127"/>
+              </a:rPr>
+              <a:t>제한이 있는</a:t>
+            </a:r>
+            <a:r>
+              <a:rPr lang="en-US" altLang="ko-KR" sz="1200" dirty="0">
+                <a:latin typeface="나눔고딕코딩" panose="020D0009000000000000" pitchFamily="49" charset="-127"/>
+                <a:ea typeface="나눔고딕코딩" panose="020D0009000000000000" pitchFamily="49" charset="-127"/>
+              </a:rPr>
+              <a:t>) </a:t>
+            </a:r>
+            <a:r>
+              <a:rPr lang="ko-KR" altLang="en-US" sz="1200" dirty="0">
+                <a:latin typeface="나눔고딕코딩" panose="020D0009000000000000" pitchFamily="49" charset="-127"/>
+                <a:ea typeface="나눔고딕코딩" panose="020D0009000000000000" pitchFamily="49" charset="-127"/>
+              </a:rPr>
+              <a:t>값을 저장하기 위한 속성을 정의해주는 메소드</a:t>
+            </a:r>
+            <a:endParaRPr lang="en-US" altLang="ko-KR" sz="1200" dirty="0">
+              <a:latin typeface="나눔고딕코딩" panose="020D0009000000000000" pitchFamily="49" charset="-127"/>
+              <a:ea typeface="나눔고딕코딩" panose="020D0009000000000000" pitchFamily="49" charset="-127"/>
+            </a:endParaRPr>
+          </a:p>
+          <a:p>
+            <a:pPr algn="just"/>
+            <a:endParaRPr lang="en-US" altLang="ko-KR" sz="1200" dirty="0">
+              <a:latin typeface="나눔고딕코딩" panose="020D0009000000000000" pitchFamily="49" charset="-127"/>
+              <a:ea typeface="나눔고딕코딩" panose="020D0009000000000000" pitchFamily="49" charset="-127"/>
+            </a:endParaRPr>
+          </a:p>
+          <a:p>
+            <a:pPr algn="just"/>
+            <a:r>
+              <a:rPr lang="en-US" altLang="ko-KR" sz="1200" dirty="0" err="1">
+                <a:latin typeface="나눔고딕코딩" panose="020D0009000000000000" pitchFamily="49" charset="-127"/>
+                <a:ea typeface="나눔고딕코딩" panose="020D0009000000000000" pitchFamily="49" charset="-127"/>
+              </a:rPr>
+              <a:t>models.TextField</a:t>
+            </a:r>
+            <a:r>
+              <a:rPr lang="en-US" altLang="ko-KR" sz="1200" dirty="0">
+                <a:latin typeface="나눔고딕코딩" panose="020D0009000000000000" pitchFamily="49" charset="-127"/>
+                <a:ea typeface="나눔고딕코딩" panose="020D0009000000000000" pitchFamily="49" charset="-127"/>
+              </a:rPr>
+              <a:t>: </a:t>
+            </a:r>
+            <a:r>
+              <a:rPr lang="ko-KR" altLang="en-US" sz="1200" dirty="0">
+                <a:latin typeface="나눔고딕코딩" panose="020D0009000000000000" pitchFamily="49" charset="-127"/>
+                <a:ea typeface="나눔고딕코딩" panose="020D0009000000000000" pitchFamily="49" charset="-127"/>
+              </a:rPr>
+              <a:t>텍스트 길이가 제한이 없는 값을 저장하기 위한 속성을 정의해주는 메소드</a:t>
+            </a:r>
+            <a:endParaRPr lang="en-US" altLang="ko-KR" sz="1200" dirty="0">
+              <a:latin typeface="나눔고딕코딩" panose="020D0009000000000000" pitchFamily="49" charset="-127"/>
+              <a:ea typeface="나눔고딕코딩" panose="020D0009000000000000" pitchFamily="49" charset="-127"/>
+            </a:endParaRPr>
+          </a:p>
+          <a:p>
+            <a:pPr algn="just"/>
+            <a:endParaRPr lang="en-US" altLang="ko-KR" sz="1200" dirty="0">
+              <a:latin typeface="나눔고딕코딩" panose="020D0009000000000000" pitchFamily="49" charset="-127"/>
+              <a:ea typeface="나눔고딕코딩" panose="020D0009000000000000" pitchFamily="49" charset="-127"/>
+            </a:endParaRPr>
+          </a:p>
+          <a:p>
+            <a:pPr algn="just"/>
+            <a:r>
+              <a:rPr lang="en-US" altLang="ko-KR" sz="1200" dirty="0" err="1">
+                <a:latin typeface="나눔고딕코딩" panose="020D0009000000000000" pitchFamily="49" charset="-127"/>
+                <a:ea typeface="나눔고딕코딩" panose="020D0009000000000000" pitchFamily="49" charset="-127"/>
+              </a:rPr>
+              <a:t>models.DateTimeField</a:t>
+            </a:r>
+            <a:r>
+              <a:rPr lang="en-US" altLang="ko-KR" sz="1200" dirty="0">
+                <a:latin typeface="나눔고딕코딩" panose="020D0009000000000000" pitchFamily="49" charset="-127"/>
+                <a:ea typeface="나눔고딕코딩" panose="020D0009000000000000" pitchFamily="49" charset="-127"/>
+              </a:rPr>
+              <a:t>: </a:t>
+            </a:r>
+            <a:r>
+              <a:rPr lang="ko-KR" altLang="en-US" sz="1200" dirty="0">
+                <a:latin typeface="나눔고딕코딩" panose="020D0009000000000000" pitchFamily="49" charset="-127"/>
+                <a:ea typeface="나눔고딕코딩" panose="020D0009000000000000" pitchFamily="49" charset="-127"/>
+              </a:rPr>
+              <a:t>날짜와 시간 값을 저장하기 위한 속성을 정의해주는 메소드</a:t>
+            </a:r>
+            <a:endParaRPr lang="en-US" altLang="ko-KR" sz="1200" dirty="0">
+              <a:latin typeface="나눔고딕코딩" panose="020D0009000000000000" pitchFamily="49" charset="-127"/>
+              <a:ea typeface="나눔고딕코딩" panose="020D0009000000000000" pitchFamily="49" charset="-127"/>
+            </a:endParaRPr>
+          </a:p>
+          <a:p>
+            <a:pPr algn="just"/>
+            <a:endParaRPr lang="en-US" altLang="ko-KR" sz="1200" dirty="0">
+              <a:latin typeface="나눔고딕코딩" panose="020D0009000000000000" pitchFamily="49" charset="-127"/>
+              <a:ea typeface="나눔고딕코딩" panose="020D0009000000000000" pitchFamily="49" charset="-127"/>
+            </a:endParaRPr>
+          </a:p>
+          <a:p>
+            <a:pPr algn="just"/>
+            <a:r>
+              <a:rPr lang="ko-KR" altLang="en-US" sz="1200" dirty="0">
+                <a:latin typeface="나눔고딕코딩" panose="020D0009000000000000" pitchFamily="49" charset="-127"/>
+                <a:ea typeface="나눔고딕코딩" panose="020D0009000000000000" pitchFamily="49" charset="-127"/>
+              </a:rPr>
+              <a:t>모델에서 사용하는 필드를 정의하는 방법</a:t>
+            </a:r>
+            <a:r>
+              <a:rPr lang="en-US" altLang="ko-KR" sz="1200" dirty="0">
+                <a:latin typeface="나눔고딕코딩" panose="020D0009000000000000" pitchFamily="49" charset="-127"/>
+                <a:ea typeface="나눔고딕코딩" panose="020D0009000000000000" pitchFamily="49" charset="-127"/>
+              </a:rPr>
+              <a:t>?</a:t>
+            </a:r>
+          </a:p>
+          <a:p>
+            <a:pPr algn="just"/>
+            <a:r>
+              <a:rPr lang="en-US" altLang="ko-KR" sz="1200" dirty="0">
+                <a:latin typeface="나눔고딕코딩" panose="020D0009000000000000" pitchFamily="49" charset="-127"/>
+                <a:ea typeface="나눔고딕코딩" panose="020D0009000000000000" pitchFamily="49" charset="-127"/>
+              </a:rPr>
+              <a:t>https://docs.djangoproject.com/en/1.11/ref/models/fields/#field-types</a:t>
+            </a:r>
+          </a:p>
+        </p:txBody>
+      </p:sp>
+    </p:spTree>
+    <p:extLst>
+      <p:ext uri="{BB962C8B-B14F-4D97-AF65-F5344CB8AC3E}">
+        <p14:creationId xmlns:p14="http://schemas.microsoft.com/office/powerpoint/2010/main" val="3557596845"/>
+      </p:ext>
+    </p:extLst>
+  </p:cSld>
+  <p:clrMapOvr>
+    <a:masterClrMapping/>
+  </p:clrMapOvr>
+</p:sld>
+</file>
+
+<file path=ppt/slides/slide19.xml><?xml version="1.0" encoding="utf-8"?>
+<p:sld xmlns:a="http://schemas.openxmlformats.org/drawingml/2006/main" xmlns:r="http://schemas.openxmlformats.org/officeDocument/2006/relationships" xmlns:p="http://schemas.openxmlformats.org/presentationml/2006/main">
+  <p:cSld>
+    <p:spTree>
+      <p:nvGrpSpPr>
+        <p:cNvPr id="1" name=""/>
+        <p:cNvGrpSpPr/>
+        <p:nvPr/>
+      </p:nvGrpSpPr>
+      <p:grpSpPr>
+        <a:xfrm>
+          <a:off x="0" y="0"/>
+          <a:ext cx="0" cy="0"/>
+          <a:chOff x="0" y="0"/>
+          <a:chExt cx="0" cy="0"/>
+        </a:xfrm>
+      </p:grpSpPr>
+      <p:sp>
+        <p:nvSpPr>
+          <p:cNvPr id="4" name="TextBox 3">
+            <a:extLst>
+              <a:ext uri="{FF2B5EF4-FFF2-40B4-BE49-F238E27FC236}">
+                <a16:creationId xmlns:a16="http://schemas.microsoft.com/office/drawing/2014/main" id="{6F512E33-3568-4B64-907A-F55736485946}"/>
+              </a:ext>
+            </a:extLst>
+          </p:cNvPr>
+          <p:cNvSpPr txBox="1"/>
+          <p:nvPr/>
+        </p:nvSpPr>
+        <p:spPr>
+          <a:xfrm>
+            <a:off x="199765" y="393614"/>
+            <a:ext cx="8285207" cy="523220"/>
+          </a:xfrm>
+          <a:prstGeom prst="rect">
+            <a:avLst/>
+          </a:prstGeom>
+          <a:noFill/>
+        </p:spPr>
+        <p:txBody>
+          <a:bodyPr wrap="square" rtlCol="0">
+            <a:spAutoFit/>
+          </a:bodyPr>
+          <a:lstStyle/>
+          <a:p>
+            <a:r>
+              <a:rPr lang="en-US" altLang="ko-KR" sz="2800" dirty="0">
+                <a:solidFill>
+                  <a:schemeClr val="bg1"/>
+                </a:solidFill>
+                <a:latin typeface="나눔고딕 Light" panose="020D0904000000000000" pitchFamily="50" charset="-127"/>
+                <a:ea typeface="나눔고딕 Light" panose="020D0904000000000000" pitchFamily="50" charset="-127"/>
+              </a:rPr>
+              <a:t>2 &gt; Django(</a:t>
+            </a:r>
+            <a:r>
+              <a:rPr lang="ko-KR" altLang="en-US" sz="2800" dirty="0">
+                <a:solidFill>
+                  <a:schemeClr val="bg1"/>
+                </a:solidFill>
+                <a:latin typeface="나눔고딕 Light" panose="020D0904000000000000" pitchFamily="50" charset="-127"/>
+                <a:ea typeface="나눔고딕 Light" panose="020D0904000000000000" pitchFamily="50" charset="-127"/>
+              </a:rPr>
+              <a:t>장고</a:t>
+            </a:r>
+            <a:r>
+              <a:rPr lang="en-US" altLang="ko-KR" sz="2800" dirty="0">
+                <a:solidFill>
+                  <a:schemeClr val="bg1"/>
+                </a:solidFill>
+                <a:latin typeface="나눔고딕 Light" panose="020D0904000000000000" pitchFamily="50" charset="-127"/>
+                <a:ea typeface="나눔고딕 Light" panose="020D0904000000000000" pitchFamily="50" charset="-127"/>
+              </a:rPr>
+              <a:t>) </a:t>
+            </a:r>
+            <a:r>
+              <a:rPr lang="ko-KR" altLang="en-US" sz="2800" dirty="0">
+                <a:solidFill>
+                  <a:schemeClr val="bg1"/>
+                </a:solidFill>
+                <a:latin typeface="나눔고딕 Light" panose="020D0904000000000000" pitchFamily="50" charset="-127"/>
+                <a:ea typeface="나눔고딕 Light" panose="020D0904000000000000" pitchFamily="50" charset="-127"/>
+              </a:rPr>
+              <a:t>사용하기</a:t>
+            </a:r>
+            <a:endParaRPr lang="en-US" altLang="ko-KR" sz="2800" dirty="0">
+              <a:solidFill>
+                <a:schemeClr val="bg1"/>
+              </a:solidFill>
+              <a:latin typeface="나눔고딕 Light" panose="020D0904000000000000" pitchFamily="50" charset="-127"/>
+              <a:ea typeface="나눔고딕 Light" panose="020D0904000000000000" pitchFamily="50" charset="-127"/>
+            </a:endParaRPr>
+          </a:p>
+        </p:txBody>
+      </p:sp>
+      <p:sp>
+        <p:nvSpPr>
+          <p:cNvPr id="10" name="TextBox 9">
+            <a:extLst>
+              <a:ext uri="{FF2B5EF4-FFF2-40B4-BE49-F238E27FC236}">
+                <a16:creationId xmlns:a16="http://schemas.microsoft.com/office/drawing/2014/main" id="{F49A06C6-23C9-4098-A6B3-8AE9A9C618A7}"/>
+              </a:ext>
+            </a:extLst>
+          </p:cNvPr>
+          <p:cNvSpPr txBox="1"/>
+          <p:nvPr/>
+        </p:nvSpPr>
+        <p:spPr>
+          <a:xfrm>
+            <a:off x="263610" y="1326292"/>
+            <a:ext cx="11099715" cy="4053417"/>
+          </a:xfrm>
+          <a:prstGeom prst="rect">
+            <a:avLst/>
+          </a:prstGeom>
+          <a:noFill/>
+        </p:spPr>
+        <p:txBody>
+          <a:bodyPr wrap="square" rtlCol="0">
+            <a:spAutoFit/>
+          </a:bodyPr>
+          <a:lstStyle/>
+          <a:p>
+            <a:pPr>
+              <a:lnSpc>
+                <a:spcPct val="120000"/>
+              </a:lnSpc>
+            </a:pPr>
+            <a:r>
+              <a:rPr lang="ko-KR" altLang="en-US" b="1" dirty="0">
+                <a:latin typeface="나눔고딕코딩" panose="020D0009000000000000" pitchFamily="49" charset="-127"/>
+                <a:ea typeface="나눔고딕코딩" panose="020D0009000000000000" pitchFamily="49" charset="-127"/>
+              </a:rPr>
+              <a:t>모델을 위한 데이터베이스 테이블 만들기</a:t>
+            </a:r>
+            <a:endParaRPr lang="en-US" altLang="ko-KR" b="1" dirty="0">
+              <a:latin typeface="나눔고딕코딩" panose="020D0009000000000000" pitchFamily="49" charset="-127"/>
+              <a:ea typeface="나눔고딕코딩" panose="020D0009000000000000" pitchFamily="49" charset="-127"/>
+            </a:endParaRPr>
+          </a:p>
+          <a:p>
+            <a:pPr marL="285750" indent="-285750">
+              <a:lnSpc>
+                <a:spcPct val="120000"/>
+              </a:lnSpc>
+              <a:buFont typeface="Arial" panose="020B0604020202020204" pitchFamily="34" charset="0"/>
+              <a:buChar char="•"/>
+            </a:pPr>
+            <a:r>
+              <a:rPr lang="ko-KR" altLang="en-US" dirty="0">
+                <a:latin typeface="나눔고딕코딩" panose="020D0009000000000000" pitchFamily="49" charset="-127"/>
+                <a:ea typeface="나눔고딕코딩" panose="020D0009000000000000" pitchFamily="49" charset="-127"/>
+              </a:rPr>
+              <a:t>데이터베이스에 모델을 추가해줘야 사용이 가능함</a:t>
+            </a:r>
+            <a:endParaRPr lang="en-US" altLang="ko-KR" dirty="0">
+              <a:latin typeface="나눔고딕코딩" panose="020D0009000000000000" pitchFamily="49" charset="-127"/>
+              <a:ea typeface="나눔고딕코딩" panose="020D0009000000000000" pitchFamily="49" charset="-127"/>
+            </a:endParaRPr>
+          </a:p>
+          <a:p>
+            <a:pPr marL="285750" indent="-285750">
+              <a:lnSpc>
+                <a:spcPct val="120000"/>
+              </a:lnSpc>
+              <a:buFont typeface="Arial" panose="020B0604020202020204" pitchFamily="34" charset="0"/>
+              <a:buChar char="•"/>
+            </a:pPr>
+            <a:r>
+              <a:rPr lang="en-US" altLang="ko-KR" dirty="0" err="1">
+                <a:highlight>
+                  <a:srgbClr val="C0C0C0"/>
+                </a:highlight>
+                <a:latin typeface="나눔고딕코딩" panose="020D0009000000000000" pitchFamily="49" charset="-127"/>
+                <a:ea typeface="나눔고딕코딩" panose="020D0009000000000000" pitchFamily="49" charset="-127"/>
+              </a:rPr>
+              <a:t>makemigrations</a:t>
+            </a:r>
+            <a:r>
+              <a:rPr lang="ko-KR" altLang="en-US" dirty="0">
+                <a:latin typeface="나눔고딕코딩" panose="020D0009000000000000" pitchFamily="49" charset="-127"/>
+                <a:ea typeface="나눔고딕코딩" panose="020D0009000000000000" pitchFamily="49" charset="-127"/>
+              </a:rPr>
+              <a:t> 명령어 인자를 활용하여 어플리케이션에 대한 모델을 데이터베이스에 추가해줄 수 있음</a:t>
+            </a:r>
+            <a:endParaRPr lang="en-US" altLang="ko-KR" dirty="0">
+              <a:latin typeface="나눔고딕코딩" panose="020D0009000000000000" pitchFamily="49" charset="-127"/>
+              <a:ea typeface="나눔고딕코딩" panose="020D0009000000000000" pitchFamily="49" charset="-127"/>
+            </a:endParaRPr>
+          </a:p>
+          <a:p>
+            <a:pPr marL="285750" indent="-285750">
+              <a:lnSpc>
+                <a:spcPct val="120000"/>
+              </a:lnSpc>
+              <a:buFont typeface="Arial" panose="020B0604020202020204" pitchFamily="34" charset="0"/>
+              <a:buChar char="•"/>
+            </a:pPr>
+            <a:endParaRPr lang="en-US" altLang="ko-KR" dirty="0">
+              <a:latin typeface="나눔고딕코딩" panose="020D0009000000000000" pitchFamily="49" charset="-127"/>
+              <a:ea typeface="나눔고딕코딩" panose="020D0009000000000000" pitchFamily="49" charset="-127"/>
+            </a:endParaRPr>
+          </a:p>
+          <a:p>
+            <a:pPr marL="285750" indent="-285750">
+              <a:lnSpc>
+                <a:spcPct val="120000"/>
+              </a:lnSpc>
+              <a:buFont typeface="Arial" panose="020B0604020202020204" pitchFamily="34" charset="0"/>
+              <a:buChar char="•"/>
+            </a:pPr>
+            <a:endParaRPr lang="en-US" altLang="ko-KR" dirty="0">
+              <a:latin typeface="나눔고딕코딩" panose="020D0009000000000000" pitchFamily="49" charset="-127"/>
+              <a:ea typeface="나눔고딕코딩" panose="020D0009000000000000" pitchFamily="49" charset="-127"/>
+            </a:endParaRPr>
+          </a:p>
+          <a:p>
+            <a:pPr marL="285750" indent="-285750">
+              <a:lnSpc>
+                <a:spcPct val="120000"/>
+              </a:lnSpc>
+              <a:buFont typeface="Arial" panose="020B0604020202020204" pitchFamily="34" charset="0"/>
+              <a:buChar char="•"/>
+            </a:pPr>
+            <a:endParaRPr lang="en-US" altLang="ko-KR" dirty="0">
+              <a:latin typeface="나눔고딕코딩" panose="020D0009000000000000" pitchFamily="49" charset="-127"/>
+              <a:ea typeface="나눔고딕코딩" panose="020D0009000000000000" pitchFamily="49" charset="-127"/>
+            </a:endParaRPr>
+          </a:p>
+          <a:p>
+            <a:pPr marL="285750" indent="-285750">
+              <a:lnSpc>
+                <a:spcPct val="120000"/>
+              </a:lnSpc>
+              <a:buFont typeface="Arial" panose="020B0604020202020204" pitchFamily="34" charset="0"/>
+              <a:buChar char="•"/>
+            </a:pPr>
+            <a:endParaRPr lang="en-US" altLang="ko-KR" dirty="0">
+              <a:latin typeface="나눔고딕코딩" panose="020D0009000000000000" pitchFamily="49" charset="-127"/>
+              <a:ea typeface="나눔고딕코딩" panose="020D0009000000000000" pitchFamily="49" charset="-127"/>
+            </a:endParaRPr>
+          </a:p>
+          <a:p>
+            <a:pPr marL="285750" indent="-285750">
+              <a:lnSpc>
+                <a:spcPct val="120000"/>
+              </a:lnSpc>
+              <a:buFont typeface="Arial" panose="020B0604020202020204" pitchFamily="34" charset="0"/>
+              <a:buChar char="•"/>
+            </a:pPr>
+            <a:endParaRPr lang="en-US" altLang="ko-KR" dirty="0">
+              <a:latin typeface="나눔고딕코딩" panose="020D0009000000000000" pitchFamily="49" charset="-127"/>
+              <a:ea typeface="나눔고딕코딩" panose="020D0009000000000000" pitchFamily="49" charset="-127"/>
+            </a:endParaRPr>
+          </a:p>
+          <a:p>
+            <a:pPr marL="285750" indent="-285750">
+              <a:lnSpc>
+                <a:spcPct val="120000"/>
+              </a:lnSpc>
+              <a:buFont typeface="Arial" panose="020B0604020202020204" pitchFamily="34" charset="0"/>
+              <a:buChar char="•"/>
+            </a:pPr>
+            <a:r>
+              <a:rPr lang="ko-KR" altLang="en-US" dirty="0">
+                <a:latin typeface="나눔고딕코딩" panose="020D0009000000000000" pitchFamily="49" charset="-127"/>
+                <a:ea typeface="나눔고딕코딩" panose="020D0009000000000000" pitchFamily="49" charset="-127"/>
+              </a:rPr>
+              <a:t>마이그레이션 된 파일을 데이터베이스에 실제로 반영하기 위해 </a:t>
+            </a:r>
+            <a:r>
+              <a:rPr lang="en-US" altLang="ko-KR" dirty="0">
+                <a:highlight>
+                  <a:srgbClr val="C0C0C0"/>
+                </a:highlight>
+                <a:latin typeface="나눔고딕코딩" panose="020D0009000000000000" pitchFamily="49" charset="-127"/>
+                <a:ea typeface="나눔고딕코딩" panose="020D0009000000000000" pitchFamily="49" charset="-127"/>
+              </a:rPr>
+              <a:t>migrate</a:t>
+            </a:r>
+            <a:r>
+              <a:rPr lang="en-US" altLang="ko-KR" dirty="0">
+                <a:latin typeface="나눔고딕코딩" panose="020D0009000000000000" pitchFamily="49" charset="-127"/>
+                <a:ea typeface="나눔고딕코딩" panose="020D0009000000000000" pitchFamily="49" charset="-127"/>
+              </a:rPr>
+              <a:t> </a:t>
+            </a:r>
+            <a:r>
+              <a:rPr lang="ko-KR" altLang="en-US" dirty="0">
+                <a:latin typeface="나눔고딕코딩" panose="020D0009000000000000" pitchFamily="49" charset="-127"/>
+                <a:ea typeface="나눔고딕코딩" panose="020D0009000000000000" pitchFamily="49" charset="-127"/>
+              </a:rPr>
+              <a:t>명령어 인자를 활용함</a:t>
+            </a:r>
+            <a:endParaRPr lang="en-US" altLang="ko-KR" dirty="0">
+              <a:latin typeface="나눔고딕코딩" panose="020D0009000000000000" pitchFamily="49" charset="-127"/>
+              <a:ea typeface="나눔고딕코딩" panose="020D0009000000000000" pitchFamily="49" charset="-127"/>
+            </a:endParaRPr>
+          </a:p>
+          <a:p>
+            <a:pPr marL="285750" indent="-285750">
+              <a:lnSpc>
+                <a:spcPct val="120000"/>
+              </a:lnSpc>
+              <a:buFont typeface="Arial" panose="020B0604020202020204" pitchFamily="34" charset="0"/>
+              <a:buChar char="•"/>
+            </a:pPr>
+            <a:endParaRPr lang="en-US" altLang="ko-KR" dirty="0">
+              <a:latin typeface="나눔고딕코딩" panose="020D0009000000000000" pitchFamily="49" charset="-127"/>
+              <a:ea typeface="나눔고딕코딩" panose="020D0009000000000000" pitchFamily="49" charset="-127"/>
+            </a:endParaRPr>
+          </a:p>
+          <a:p>
+            <a:pPr marL="285750" indent="-285750">
+              <a:lnSpc>
+                <a:spcPct val="120000"/>
+              </a:lnSpc>
+              <a:buFont typeface="Arial" panose="020B0604020202020204" pitchFamily="34" charset="0"/>
+              <a:buChar char="•"/>
+            </a:pPr>
+            <a:endParaRPr lang="en-US" altLang="ko-KR" dirty="0">
+              <a:latin typeface="나눔고딕코딩" panose="020D0009000000000000" pitchFamily="49" charset="-127"/>
+              <a:ea typeface="나눔고딕코딩" panose="020D0009000000000000" pitchFamily="49" charset="-127"/>
+            </a:endParaRPr>
+          </a:p>
+        </p:txBody>
+      </p:sp>
+      <p:sp>
+        <p:nvSpPr>
+          <p:cNvPr id="7" name="TextBox 6">
+            <a:extLst>
+              <a:ext uri="{FF2B5EF4-FFF2-40B4-BE49-F238E27FC236}">
+                <a16:creationId xmlns:a16="http://schemas.microsoft.com/office/drawing/2014/main" id="{FF0E11F5-2B25-4436-A1F0-ADF152BD2E85}"/>
+              </a:ext>
+            </a:extLst>
+          </p:cNvPr>
+          <p:cNvSpPr txBox="1"/>
+          <p:nvPr/>
+        </p:nvSpPr>
+        <p:spPr>
+          <a:xfrm>
+            <a:off x="459258" y="2772031"/>
+            <a:ext cx="10708418" cy="1492716"/>
+          </a:xfrm>
+          <a:prstGeom prst="rect">
+            <a:avLst/>
+          </a:prstGeom>
+          <a:solidFill>
+            <a:schemeClr val="tx1"/>
+          </a:solidFill>
+        </p:spPr>
+        <p:txBody>
+          <a:bodyPr wrap="square" rtlCol="0">
+            <a:spAutoFit/>
+          </a:bodyPr>
+          <a:lstStyle/>
+          <a:p>
+            <a:r>
+              <a:rPr lang="en-US" altLang="ko-KR" sz="1300" dirty="0">
+                <a:solidFill>
+                  <a:schemeClr val="bg1"/>
+                </a:solidFill>
+                <a:latin typeface="나눔고딕 Light" panose="020D0904000000000000" pitchFamily="50" charset="-127"/>
+                <a:ea typeface="나눔고딕 Light" panose="020D0904000000000000" pitchFamily="50" charset="-127"/>
+              </a:rPr>
+              <a:t>&lt;</a:t>
+            </a:r>
+            <a:r>
+              <a:rPr lang="ko-KR" altLang="en-US" sz="1300" dirty="0">
+                <a:solidFill>
+                  <a:schemeClr val="bg1"/>
+                </a:solidFill>
+                <a:latin typeface="나눔고딕 Light" panose="020D0904000000000000" pitchFamily="50" charset="-127"/>
+                <a:ea typeface="나눔고딕 Light" panose="020D0904000000000000" pitchFamily="50" charset="-127"/>
+              </a:rPr>
+              <a:t>예시</a:t>
+            </a:r>
+            <a:r>
+              <a:rPr lang="en-US" altLang="ko-KR" sz="1300" dirty="0">
+                <a:solidFill>
+                  <a:schemeClr val="bg1"/>
+                </a:solidFill>
+                <a:latin typeface="나눔고딕 Light" panose="020D0904000000000000" pitchFamily="50" charset="-127"/>
+                <a:ea typeface="나눔고딕 Light" panose="020D0904000000000000" pitchFamily="50" charset="-127"/>
+              </a:rPr>
+              <a:t>&gt; </a:t>
+            </a:r>
+            <a:r>
+              <a:rPr lang="ko-KR" altLang="en-US" sz="1300" dirty="0">
+                <a:solidFill>
+                  <a:schemeClr val="bg1"/>
+                </a:solidFill>
+                <a:latin typeface="나눔고딕 Light" panose="020D0904000000000000" pitchFamily="50" charset="-127"/>
+                <a:ea typeface="나눔고딕 Light" panose="020D0904000000000000" pitchFamily="50" charset="-127"/>
+              </a:rPr>
+              <a:t>데이터베이스에 모델 추가하기</a:t>
+            </a:r>
+            <a:endParaRPr lang="en-US" altLang="ko-KR" sz="1300" dirty="0">
+              <a:solidFill>
+                <a:schemeClr val="bg1"/>
+              </a:solidFill>
+              <a:latin typeface="나눔고딕 Light" panose="020D0904000000000000" pitchFamily="50" charset="-127"/>
+              <a:ea typeface="나눔고딕 Light" panose="020D0904000000000000" pitchFamily="50" charset="-127"/>
+            </a:endParaRPr>
+          </a:p>
+          <a:p>
+            <a:endParaRPr lang="en-US" altLang="ko-KR" sz="1300" dirty="0">
+              <a:solidFill>
+                <a:schemeClr val="bg1"/>
+              </a:solidFill>
+              <a:latin typeface="나눔고딕 Light" panose="020D0904000000000000" pitchFamily="50" charset="-127"/>
+              <a:ea typeface="나눔고딕 Light" panose="020D0904000000000000" pitchFamily="50" charset="-127"/>
+            </a:endParaRPr>
+          </a:p>
+          <a:p>
+            <a:r>
+              <a:rPr lang="en-US" altLang="ko-KR" sz="1300" dirty="0">
+                <a:solidFill>
+                  <a:schemeClr val="bg1"/>
+                </a:solidFill>
+                <a:latin typeface="나눔고딕 Light" panose="020D0904000000000000" pitchFamily="50" charset="-127"/>
+                <a:ea typeface="나눔고딕 Light" panose="020D0904000000000000" pitchFamily="50" charset="-127"/>
+              </a:rPr>
+              <a:t>(</a:t>
+            </a:r>
+            <a:r>
+              <a:rPr lang="en-US" altLang="ko-KR" sz="1300" dirty="0" err="1">
+                <a:solidFill>
+                  <a:schemeClr val="bg1"/>
+                </a:solidFill>
+                <a:latin typeface="나눔고딕 Light" panose="020D0904000000000000" pitchFamily="50" charset="-127"/>
+                <a:ea typeface="나눔고딕 Light" panose="020D0904000000000000" pitchFamily="50" charset="-127"/>
+              </a:rPr>
+              <a:t>venv</a:t>
+            </a:r>
+            <a:r>
+              <a:rPr lang="en-US" altLang="ko-KR" sz="1300" dirty="0">
+                <a:solidFill>
+                  <a:schemeClr val="bg1"/>
+                </a:solidFill>
+                <a:latin typeface="나눔고딕 Light" panose="020D0904000000000000" pitchFamily="50" charset="-127"/>
+                <a:ea typeface="나눔고딕 Light" panose="020D0904000000000000" pitchFamily="50" charset="-127"/>
+              </a:rPr>
+              <a:t>) c:\Users\</a:t>
+            </a:r>
+            <a:r>
+              <a:rPr lang="ko-KR" altLang="en-US" sz="1300" dirty="0">
+                <a:solidFill>
+                  <a:schemeClr val="bg1"/>
+                </a:solidFill>
+                <a:latin typeface="나눔고딕 Light" panose="020D0904000000000000" pitchFamily="50" charset="-127"/>
+                <a:ea typeface="나눔고딕 Light" panose="020D0904000000000000" pitchFamily="50" charset="-127"/>
+              </a:rPr>
+              <a:t>컴퓨터명</a:t>
+            </a:r>
+            <a:r>
+              <a:rPr lang="en-US" altLang="ko-KR" sz="1300" dirty="0">
+                <a:solidFill>
+                  <a:schemeClr val="bg1"/>
+                </a:solidFill>
+                <a:latin typeface="나눔고딕 Light" panose="020D0904000000000000" pitchFamily="50" charset="-127"/>
+                <a:ea typeface="나눔고딕 Light" panose="020D0904000000000000" pitchFamily="50" charset="-127"/>
+              </a:rPr>
+              <a:t>\</a:t>
+            </a:r>
+            <a:r>
+              <a:rPr lang="en-US" altLang="ko-KR" sz="1300" dirty="0" err="1">
+                <a:solidFill>
+                  <a:schemeClr val="bg1"/>
+                </a:solidFill>
+                <a:latin typeface="나눔고딕 Light" panose="020D0904000000000000" pitchFamily="50" charset="-127"/>
+                <a:ea typeface="나눔고딕 Light" panose="020D0904000000000000" pitchFamily="50" charset="-127"/>
+              </a:rPr>
+              <a:t>PycharmProjects</a:t>
+            </a:r>
+            <a:r>
+              <a:rPr lang="en-US" altLang="ko-KR" sz="1300" dirty="0">
+                <a:solidFill>
+                  <a:schemeClr val="bg1"/>
+                </a:solidFill>
+                <a:latin typeface="나눔고딕 Light" panose="020D0904000000000000" pitchFamily="50" charset="-127"/>
+                <a:ea typeface="나눔고딕 Light" panose="020D0904000000000000" pitchFamily="50" charset="-127"/>
+              </a:rPr>
+              <a:t>\</a:t>
+            </a:r>
+            <a:r>
+              <a:rPr lang="ko-KR" altLang="en-US" sz="1300" dirty="0">
+                <a:solidFill>
+                  <a:schemeClr val="bg1"/>
+                </a:solidFill>
+                <a:latin typeface="나눔고딕 Light" panose="020D0904000000000000" pitchFamily="50" charset="-127"/>
+                <a:ea typeface="나눔고딕 Light" panose="020D0904000000000000" pitchFamily="50" charset="-127"/>
+              </a:rPr>
+              <a:t>프로젝트명</a:t>
+            </a:r>
+            <a:r>
+              <a:rPr lang="en-US" altLang="ko-KR" sz="1300" dirty="0">
+                <a:solidFill>
+                  <a:schemeClr val="bg1"/>
+                </a:solidFill>
+                <a:latin typeface="나눔고딕 Light" panose="020D0904000000000000" pitchFamily="50" charset="-127"/>
+                <a:ea typeface="나눔고딕 Light" panose="020D0904000000000000" pitchFamily="50" charset="-127"/>
+              </a:rPr>
+              <a:t>\</a:t>
+            </a:r>
+            <a:r>
+              <a:rPr lang="ko-KR" altLang="en-US" sz="1300" dirty="0">
+                <a:solidFill>
+                  <a:schemeClr val="bg1"/>
+                </a:solidFill>
+                <a:latin typeface="나눔고딕 Light" panose="020D0904000000000000" pitchFamily="50" charset="-127"/>
+                <a:ea typeface="나눔고딕 Light" panose="020D0904000000000000" pitchFamily="50" charset="-127"/>
+              </a:rPr>
+              <a:t>장</a:t>
+            </a:r>
+            <a:r>
+              <a:rPr lang="en-US" altLang="ko-KR" sz="1300" dirty="0">
+                <a:solidFill>
+                  <a:schemeClr val="bg1"/>
+                </a:solidFill>
+                <a:latin typeface="나눔고딕 Light" panose="020D0904000000000000" pitchFamily="50" charset="-127"/>
+                <a:ea typeface="나눔고딕 Light" panose="020D0904000000000000" pitchFamily="50" charset="-127"/>
+              </a:rPr>
+              <a:t>…&gt; python manage.py </a:t>
+            </a:r>
+            <a:r>
+              <a:rPr lang="en-US" altLang="ko-KR" sz="1300" dirty="0" err="1">
+                <a:solidFill>
+                  <a:schemeClr val="bg1"/>
+                </a:solidFill>
+                <a:latin typeface="나눔고딕 Light" panose="020D0904000000000000" pitchFamily="50" charset="-127"/>
+                <a:ea typeface="나눔고딕 Light" panose="020D0904000000000000" pitchFamily="50" charset="-127"/>
+              </a:rPr>
+              <a:t>makemigrations</a:t>
+            </a:r>
+            <a:r>
+              <a:rPr lang="en-US" altLang="ko-KR" sz="1300" dirty="0">
+                <a:solidFill>
+                  <a:schemeClr val="bg1"/>
+                </a:solidFill>
+                <a:latin typeface="나눔고딕 Light" panose="020D0904000000000000" pitchFamily="50" charset="-127"/>
+                <a:ea typeface="나눔고딕 Light" panose="020D0904000000000000" pitchFamily="50" charset="-127"/>
+              </a:rPr>
+              <a:t> </a:t>
+            </a:r>
+            <a:r>
+              <a:rPr lang="ko-KR" altLang="en-US" sz="1300" dirty="0">
+                <a:solidFill>
+                  <a:schemeClr val="bg1"/>
+                </a:solidFill>
+                <a:latin typeface="나눔고딕 Light" panose="020D0904000000000000" pitchFamily="50" charset="-127"/>
+                <a:ea typeface="나눔고딕 Light" panose="020D0904000000000000" pitchFamily="50" charset="-127"/>
+              </a:rPr>
+              <a:t>장고프로젝트명</a:t>
+            </a:r>
+            <a:endParaRPr lang="en-US" altLang="ko-KR" sz="1300" dirty="0">
+              <a:solidFill>
+                <a:schemeClr val="bg1"/>
+              </a:solidFill>
+              <a:latin typeface="나눔고딕 Light" panose="020D0904000000000000" pitchFamily="50" charset="-127"/>
+              <a:ea typeface="나눔고딕 Light" panose="020D0904000000000000" pitchFamily="50" charset="-127"/>
+            </a:endParaRPr>
+          </a:p>
+          <a:p>
+            <a:r>
+              <a:rPr lang="ko-KR" altLang="en-US" sz="1300" dirty="0" err="1">
+                <a:solidFill>
+                  <a:schemeClr val="bg1"/>
+                </a:solidFill>
+                <a:latin typeface="나눔고딕 Light" panose="020D0904000000000000" pitchFamily="50" charset="-127"/>
+                <a:ea typeface="나눔고딕 Light" panose="020D0904000000000000" pitchFamily="50" charset="-127"/>
+              </a:rPr>
+              <a:t>Migrations</a:t>
+            </a:r>
+            <a:r>
+              <a:rPr lang="ko-KR" altLang="en-US" sz="1300" dirty="0">
+                <a:solidFill>
+                  <a:schemeClr val="bg1"/>
+                </a:solidFill>
+                <a:latin typeface="나눔고딕 Light" panose="020D0904000000000000" pitchFamily="50" charset="-127"/>
+                <a:ea typeface="나눔고딕 Light" panose="020D0904000000000000" pitchFamily="50" charset="-127"/>
+              </a:rPr>
+              <a:t> </a:t>
+            </a:r>
+            <a:r>
+              <a:rPr lang="ko-KR" altLang="en-US" sz="1300" dirty="0" err="1">
+                <a:solidFill>
+                  <a:schemeClr val="bg1"/>
+                </a:solidFill>
+                <a:latin typeface="나눔고딕 Light" panose="020D0904000000000000" pitchFamily="50" charset="-127"/>
+                <a:ea typeface="나눔고딕 Light" panose="020D0904000000000000" pitchFamily="50" charset="-127"/>
+              </a:rPr>
+              <a:t>for</a:t>
+            </a:r>
+            <a:r>
+              <a:rPr lang="ko-KR" altLang="en-US" sz="1300" dirty="0">
+                <a:solidFill>
+                  <a:schemeClr val="bg1"/>
+                </a:solidFill>
+                <a:latin typeface="나눔고딕 Light" panose="020D0904000000000000" pitchFamily="50" charset="-127"/>
+                <a:ea typeface="나눔고딕 Light" panose="020D0904000000000000" pitchFamily="50" charset="-127"/>
+              </a:rPr>
+              <a:t> ‘</a:t>
+            </a:r>
+            <a:r>
+              <a:rPr lang="ko-KR" altLang="en-US" sz="1300" dirty="0" err="1">
+                <a:solidFill>
+                  <a:schemeClr val="bg1"/>
+                </a:solidFill>
+                <a:latin typeface="나눔고딕 Light" panose="020D0904000000000000" pitchFamily="50" charset="-127"/>
+                <a:ea typeface="나눔고딕 Light" panose="020D0904000000000000" pitchFamily="50" charset="-127"/>
+              </a:rPr>
+              <a:t>어플리케이션명</a:t>
+            </a:r>
+            <a:r>
+              <a:rPr lang="ko-KR" altLang="en-US" sz="1300" dirty="0">
+                <a:solidFill>
+                  <a:schemeClr val="bg1"/>
+                </a:solidFill>
+                <a:latin typeface="나눔고딕 Light" panose="020D0904000000000000" pitchFamily="50" charset="-127"/>
+                <a:ea typeface="나눔고딕 Light" panose="020D0904000000000000" pitchFamily="50" charset="-127"/>
+              </a:rPr>
+              <a:t>＇:</a:t>
+            </a:r>
+          </a:p>
+          <a:p>
+            <a:r>
+              <a:rPr lang="ko-KR" altLang="en-US" sz="1300" dirty="0">
+                <a:solidFill>
+                  <a:schemeClr val="bg1"/>
+                </a:solidFill>
+                <a:latin typeface="나눔고딕 Light" panose="020D0904000000000000" pitchFamily="50" charset="-127"/>
+                <a:ea typeface="나눔고딕 Light" panose="020D0904000000000000" pitchFamily="50" charset="-127"/>
+              </a:rPr>
+              <a:t>  </a:t>
+            </a:r>
+            <a:r>
+              <a:rPr lang="ko-KR" altLang="en-US" sz="1300" dirty="0" err="1">
+                <a:solidFill>
+                  <a:schemeClr val="bg1"/>
+                </a:solidFill>
+                <a:latin typeface="나눔고딕 Light" panose="020D0904000000000000" pitchFamily="50" charset="-127"/>
+                <a:ea typeface="나눔고딕 Light" panose="020D0904000000000000" pitchFamily="50" charset="-127"/>
+              </a:rPr>
+              <a:t>어플리케이션명</a:t>
+            </a:r>
+            <a:r>
+              <a:rPr lang="ko-KR" altLang="en-US" sz="1300" dirty="0">
+                <a:solidFill>
+                  <a:schemeClr val="bg1"/>
+                </a:solidFill>
+                <a:latin typeface="나눔고딕 Light" panose="020D0904000000000000" pitchFamily="50" charset="-127"/>
+                <a:ea typeface="나눔고딕 Light" panose="020D0904000000000000" pitchFamily="50" charset="-127"/>
+              </a:rPr>
+              <a:t>/</a:t>
+            </a:r>
+            <a:r>
+              <a:rPr lang="ko-KR" altLang="en-US" sz="1300" dirty="0" err="1">
+                <a:solidFill>
+                  <a:schemeClr val="bg1"/>
+                </a:solidFill>
+                <a:latin typeface="나눔고딕 Light" panose="020D0904000000000000" pitchFamily="50" charset="-127"/>
+                <a:ea typeface="나눔고딕 Light" panose="020D0904000000000000" pitchFamily="50" charset="-127"/>
+              </a:rPr>
+              <a:t>migrations</a:t>
+            </a:r>
+            <a:r>
+              <a:rPr lang="ko-KR" altLang="en-US" sz="1300" dirty="0">
+                <a:solidFill>
+                  <a:schemeClr val="bg1"/>
+                </a:solidFill>
+                <a:latin typeface="나눔고딕 Light" panose="020D0904000000000000" pitchFamily="50" charset="-127"/>
+                <a:ea typeface="나눔고딕 Light" panose="020D0904000000000000" pitchFamily="50" charset="-127"/>
+              </a:rPr>
+              <a:t>/0001_initial.py:</a:t>
+            </a:r>
+          </a:p>
+          <a:p>
+            <a:r>
+              <a:rPr lang="ko-KR" altLang="en-US" sz="1300" dirty="0">
+                <a:solidFill>
+                  <a:schemeClr val="bg1"/>
+                </a:solidFill>
+                <a:latin typeface="나눔고딕 Light" panose="020D0904000000000000" pitchFamily="50" charset="-127"/>
+                <a:ea typeface="나눔고딕 Light" panose="020D0904000000000000" pitchFamily="50" charset="-127"/>
+              </a:rPr>
+              <a:t>  - </a:t>
+            </a:r>
+            <a:r>
+              <a:rPr lang="ko-KR" altLang="en-US" sz="1300" dirty="0" err="1">
+                <a:solidFill>
+                  <a:schemeClr val="bg1"/>
+                </a:solidFill>
+                <a:latin typeface="나눔고딕 Light" panose="020D0904000000000000" pitchFamily="50" charset="-127"/>
+                <a:ea typeface="나눔고딕 Light" panose="020D0904000000000000" pitchFamily="50" charset="-127"/>
+              </a:rPr>
+              <a:t>Create</a:t>
+            </a:r>
+            <a:r>
+              <a:rPr lang="ko-KR" altLang="en-US" sz="1300" dirty="0">
+                <a:solidFill>
+                  <a:schemeClr val="bg1"/>
+                </a:solidFill>
+                <a:latin typeface="나눔고딕 Light" panose="020D0904000000000000" pitchFamily="50" charset="-127"/>
+                <a:ea typeface="나눔고딕 Light" panose="020D0904000000000000" pitchFamily="50" charset="-127"/>
+              </a:rPr>
+              <a:t> </a:t>
+            </a:r>
+            <a:r>
+              <a:rPr lang="ko-KR" altLang="en-US" sz="1300" dirty="0" err="1">
+                <a:solidFill>
+                  <a:schemeClr val="bg1"/>
+                </a:solidFill>
+                <a:latin typeface="나눔고딕 Light" panose="020D0904000000000000" pitchFamily="50" charset="-127"/>
+                <a:ea typeface="나눔고딕 Light" panose="020D0904000000000000" pitchFamily="50" charset="-127"/>
+              </a:rPr>
+              <a:t>model</a:t>
+            </a:r>
+            <a:r>
+              <a:rPr lang="ko-KR" altLang="en-US" sz="1300" dirty="0">
+                <a:solidFill>
+                  <a:schemeClr val="bg1"/>
+                </a:solidFill>
+                <a:latin typeface="나눔고딕 Light" panose="020D0904000000000000" pitchFamily="50" charset="-127"/>
+                <a:ea typeface="나눔고딕 Light" panose="020D0904000000000000" pitchFamily="50" charset="-127"/>
+              </a:rPr>
+              <a:t> </a:t>
+            </a:r>
+            <a:r>
+              <a:rPr lang="ko-KR" altLang="en-US" sz="1300" dirty="0" err="1">
+                <a:solidFill>
+                  <a:schemeClr val="bg1"/>
+                </a:solidFill>
+                <a:latin typeface="나눔고딕 Light" panose="020D0904000000000000" pitchFamily="50" charset="-127"/>
+                <a:ea typeface="나눔고딕 Light" panose="020D0904000000000000" pitchFamily="50" charset="-127"/>
+              </a:rPr>
+              <a:t>Pos</a:t>
+            </a:r>
+            <a:r>
+              <a:rPr lang="en-US" altLang="ko-KR" sz="1300" dirty="0" err="1">
+                <a:solidFill>
+                  <a:schemeClr val="bg1"/>
+                </a:solidFill>
+                <a:latin typeface="나눔고딕 Light" panose="020D0904000000000000" pitchFamily="50" charset="-127"/>
+                <a:ea typeface="나눔고딕 Light" panose="020D0904000000000000" pitchFamily="50" charset="-127"/>
+              </a:rPr>
+              <a:t>tModel</a:t>
+            </a:r>
+            <a:r>
+              <a:rPr lang="en-US" altLang="ko-KR" sz="1300" dirty="0">
+                <a:solidFill>
+                  <a:schemeClr val="bg1"/>
+                </a:solidFill>
+                <a:latin typeface="나눔고딕 Light" panose="020D0904000000000000" pitchFamily="50" charset="-127"/>
+                <a:ea typeface="나눔고딕 Light" panose="020D0904000000000000" pitchFamily="50" charset="-127"/>
+              </a:rPr>
+              <a:t> (</a:t>
+            </a:r>
+            <a:r>
+              <a:rPr lang="ko-KR" altLang="en-US" sz="1300" dirty="0">
+                <a:solidFill>
+                  <a:schemeClr val="bg1"/>
+                </a:solidFill>
+                <a:latin typeface="나눔고딕 Light" panose="020D0904000000000000" pitchFamily="50" charset="-127"/>
+                <a:ea typeface="나눔고딕 Light" panose="020D0904000000000000" pitchFamily="50" charset="-127"/>
+              </a:rPr>
+              <a:t>정의 해준 클래스명에 따라 다름</a:t>
+            </a:r>
+            <a:r>
+              <a:rPr lang="en-US" altLang="ko-KR" sz="1300" dirty="0">
+                <a:solidFill>
+                  <a:schemeClr val="bg1"/>
+                </a:solidFill>
+                <a:latin typeface="나눔고딕 Light" panose="020D0904000000000000" pitchFamily="50" charset="-127"/>
+                <a:ea typeface="나눔고딕 Light" panose="020D0904000000000000" pitchFamily="50" charset="-127"/>
+              </a:rPr>
+              <a:t>)</a:t>
+            </a:r>
+            <a:endParaRPr lang="ko-KR" altLang="en-US" sz="1300" dirty="0">
+              <a:solidFill>
+                <a:schemeClr val="bg1"/>
+              </a:solidFill>
+              <a:latin typeface="나눔고딕 Light" panose="020D0904000000000000" pitchFamily="50" charset="-127"/>
+              <a:ea typeface="나눔고딕 Light" panose="020D0904000000000000" pitchFamily="50" charset="-127"/>
+            </a:endParaRPr>
+          </a:p>
+          <a:p>
+            <a:endParaRPr lang="en-US" altLang="ko-KR" sz="1300" dirty="0">
+              <a:solidFill>
+                <a:schemeClr val="bg1"/>
+              </a:solidFill>
+              <a:latin typeface="나눔고딕 Light" panose="020D0904000000000000" pitchFamily="50" charset="-127"/>
+              <a:ea typeface="나눔고딕 Light" panose="020D0904000000000000" pitchFamily="50" charset="-127"/>
+            </a:endParaRPr>
+          </a:p>
+        </p:txBody>
+      </p:sp>
+      <p:sp>
+        <p:nvSpPr>
+          <p:cNvPr id="8" name="TextBox 7">
+            <a:extLst>
+              <a:ext uri="{FF2B5EF4-FFF2-40B4-BE49-F238E27FC236}">
+                <a16:creationId xmlns:a16="http://schemas.microsoft.com/office/drawing/2014/main" id="{E3676687-8F60-4EB8-B526-FE2F530F0A48}"/>
+              </a:ext>
+            </a:extLst>
+          </p:cNvPr>
+          <p:cNvSpPr txBox="1"/>
+          <p:nvPr/>
+        </p:nvSpPr>
+        <p:spPr>
+          <a:xfrm>
+            <a:off x="459258" y="4733464"/>
+            <a:ext cx="10708418" cy="1692771"/>
+          </a:xfrm>
+          <a:prstGeom prst="rect">
+            <a:avLst/>
+          </a:prstGeom>
+          <a:solidFill>
+            <a:schemeClr val="tx1"/>
+          </a:solidFill>
+        </p:spPr>
+        <p:txBody>
+          <a:bodyPr wrap="square" rtlCol="0">
+            <a:spAutoFit/>
+          </a:bodyPr>
+          <a:lstStyle/>
+          <a:p>
+            <a:r>
+              <a:rPr lang="en-US" altLang="ko-KR" sz="1300" dirty="0">
+                <a:solidFill>
+                  <a:schemeClr val="bg1"/>
+                </a:solidFill>
+                <a:latin typeface="나눔고딕 Light" panose="020D0904000000000000" pitchFamily="50" charset="-127"/>
+                <a:ea typeface="나눔고딕 Light" panose="020D0904000000000000" pitchFamily="50" charset="-127"/>
+              </a:rPr>
+              <a:t>&lt;</a:t>
+            </a:r>
+            <a:r>
+              <a:rPr lang="ko-KR" altLang="en-US" sz="1300" dirty="0">
+                <a:solidFill>
+                  <a:schemeClr val="bg1"/>
+                </a:solidFill>
+                <a:latin typeface="나눔고딕 Light" panose="020D0904000000000000" pitchFamily="50" charset="-127"/>
+                <a:ea typeface="나눔고딕 Light" panose="020D0904000000000000" pitchFamily="50" charset="-127"/>
+              </a:rPr>
+              <a:t>예시</a:t>
+            </a:r>
+            <a:r>
+              <a:rPr lang="en-US" altLang="ko-KR" sz="1300" dirty="0">
+                <a:solidFill>
+                  <a:schemeClr val="bg1"/>
+                </a:solidFill>
+                <a:latin typeface="나눔고딕 Light" panose="020D0904000000000000" pitchFamily="50" charset="-127"/>
+                <a:ea typeface="나눔고딕 Light" panose="020D0904000000000000" pitchFamily="50" charset="-127"/>
+              </a:rPr>
+              <a:t>&gt; </a:t>
+            </a:r>
+            <a:r>
+              <a:rPr lang="ko-KR" altLang="en-US" sz="1300" dirty="0">
+                <a:solidFill>
+                  <a:schemeClr val="bg1"/>
+                </a:solidFill>
+                <a:latin typeface="나눔고딕 Light" panose="020D0904000000000000" pitchFamily="50" charset="-127"/>
+                <a:ea typeface="나눔고딕 Light" panose="020D0904000000000000" pitchFamily="50" charset="-127"/>
+              </a:rPr>
+              <a:t>마이그레이션 파일을 데이터베이스에 실제로 추가하기</a:t>
+            </a:r>
+            <a:endParaRPr lang="en-US" altLang="ko-KR" sz="1300" dirty="0">
+              <a:solidFill>
+                <a:schemeClr val="bg1"/>
+              </a:solidFill>
+              <a:latin typeface="나눔고딕 Light" panose="020D0904000000000000" pitchFamily="50" charset="-127"/>
+              <a:ea typeface="나눔고딕 Light" panose="020D0904000000000000" pitchFamily="50" charset="-127"/>
+            </a:endParaRPr>
+          </a:p>
+          <a:p>
+            <a:endParaRPr lang="en-US" altLang="ko-KR" sz="1300" dirty="0">
+              <a:solidFill>
+                <a:schemeClr val="bg1"/>
+              </a:solidFill>
+              <a:latin typeface="나눔고딕 Light" panose="020D0904000000000000" pitchFamily="50" charset="-127"/>
+              <a:ea typeface="나눔고딕 Light" panose="020D0904000000000000" pitchFamily="50" charset="-127"/>
+            </a:endParaRPr>
+          </a:p>
+          <a:p>
+            <a:r>
+              <a:rPr lang="en-US" altLang="ko-KR" sz="1300" dirty="0">
+                <a:solidFill>
+                  <a:schemeClr val="bg1"/>
+                </a:solidFill>
+                <a:latin typeface="나눔고딕 Light" panose="020D0904000000000000" pitchFamily="50" charset="-127"/>
+                <a:ea typeface="나눔고딕 Light" panose="020D0904000000000000" pitchFamily="50" charset="-127"/>
+              </a:rPr>
+              <a:t>(</a:t>
+            </a:r>
+            <a:r>
+              <a:rPr lang="en-US" altLang="ko-KR" sz="1300" dirty="0" err="1">
+                <a:solidFill>
+                  <a:schemeClr val="bg1"/>
+                </a:solidFill>
+                <a:latin typeface="나눔고딕 Light" panose="020D0904000000000000" pitchFamily="50" charset="-127"/>
+                <a:ea typeface="나눔고딕 Light" panose="020D0904000000000000" pitchFamily="50" charset="-127"/>
+              </a:rPr>
+              <a:t>venv</a:t>
+            </a:r>
+            <a:r>
+              <a:rPr lang="en-US" altLang="ko-KR" sz="1300" dirty="0">
+                <a:solidFill>
+                  <a:schemeClr val="bg1"/>
+                </a:solidFill>
+                <a:latin typeface="나눔고딕 Light" panose="020D0904000000000000" pitchFamily="50" charset="-127"/>
+                <a:ea typeface="나눔고딕 Light" panose="020D0904000000000000" pitchFamily="50" charset="-127"/>
+              </a:rPr>
+              <a:t>) c:\Users\</a:t>
+            </a:r>
+            <a:r>
+              <a:rPr lang="ko-KR" altLang="en-US" sz="1300" dirty="0">
+                <a:solidFill>
+                  <a:schemeClr val="bg1"/>
+                </a:solidFill>
+                <a:latin typeface="나눔고딕 Light" panose="020D0904000000000000" pitchFamily="50" charset="-127"/>
+                <a:ea typeface="나눔고딕 Light" panose="020D0904000000000000" pitchFamily="50" charset="-127"/>
+              </a:rPr>
+              <a:t>컴퓨터명</a:t>
+            </a:r>
+            <a:r>
+              <a:rPr lang="en-US" altLang="ko-KR" sz="1300" dirty="0">
+                <a:solidFill>
+                  <a:schemeClr val="bg1"/>
+                </a:solidFill>
+                <a:latin typeface="나눔고딕 Light" panose="020D0904000000000000" pitchFamily="50" charset="-127"/>
+                <a:ea typeface="나눔고딕 Light" panose="020D0904000000000000" pitchFamily="50" charset="-127"/>
+              </a:rPr>
+              <a:t>\</a:t>
+            </a:r>
+            <a:r>
+              <a:rPr lang="en-US" altLang="ko-KR" sz="1300" dirty="0" err="1">
+                <a:solidFill>
+                  <a:schemeClr val="bg1"/>
+                </a:solidFill>
+                <a:latin typeface="나눔고딕 Light" panose="020D0904000000000000" pitchFamily="50" charset="-127"/>
+                <a:ea typeface="나눔고딕 Light" panose="020D0904000000000000" pitchFamily="50" charset="-127"/>
+              </a:rPr>
+              <a:t>PycharmProjects</a:t>
+            </a:r>
+            <a:r>
+              <a:rPr lang="en-US" altLang="ko-KR" sz="1300" dirty="0">
+                <a:solidFill>
+                  <a:schemeClr val="bg1"/>
+                </a:solidFill>
+                <a:latin typeface="나눔고딕 Light" panose="020D0904000000000000" pitchFamily="50" charset="-127"/>
+                <a:ea typeface="나눔고딕 Light" panose="020D0904000000000000" pitchFamily="50" charset="-127"/>
+              </a:rPr>
+              <a:t>\</a:t>
+            </a:r>
+            <a:r>
+              <a:rPr lang="ko-KR" altLang="en-US" sz="1300" dirty="0">
+                <a:solidFill>
+                  <a:schemeClr val="bg1"/>
+                </a:solidFill>
+                <a:latin typeface="나눔고딕 Light" panose="020D0904000000000000" pitchFamily="50" charset="-127"/>
+                <a:ea typeface="나눔고딕 Light" panose="020D0904000000000000" pitchFamily="50" charset="-127"/>
+              </a:rPr>
+              <a:t>프로젝트명</a:t>
+            </a:r>
+            <a:r>
+              <a:rPr lang="en-US" altLang="ko-KR" sz="1300" dirty="0">
+                <a:solidFill>
+                  <a:schemeClr val="bg1"/>
+                </a:solidFill>
+                <a:latin typeface="나눔고딕 Light" panose="020D0904000000000000" pitchFamily="50" charset="-127"/>
+                <a:ea typeface="나눔고딕 Light" panose="020D0904000000000000" pitchFamily="50" charset="-127"/>
+              </a:rPr>
+              <a:t>\</a:t>
+            </a:r>
+            <a:r>
+              <a:rPr lang="ko-KR" altLang="en-US" sz="1300" dirty="0">
+                <a:solidFill>
+                  <a:schemeClr val="bg1"/>
+                </a:solidFill>
+                <a:latin typeface="나눔고딕 Light" panose="020D0904000000000000" pitchFamily="50" charset="-127"/>
+                <a:ea typeface="나눔고딕 Light" panose="020D0904000000000000" pitchFamily="50" charset="-127"/>
+              </a:rPr>
+              <a:t>장</a:t>
+            </a:r>
+            <a:r>
+              <a:rPr lang="en-US" altLang="ko-KR" sz="1300" dirty="0">
+                <a:solidFill>
+                  <a:schemeClr val="bg1"/>
+                </a:solidFill>
+                <a:latin typeface="나눔고딕 Light" panose="020D0904000000000000" pitchFamily="50" charset="-127"/>
+                <a:ea typeface="나눔고딕 Light" panose="020D0904000000000000" pitchFamily="50" charset="-127"/>
+              </a:rPr>
+              <a:t>…&gt; python manage.py migrate </a:t>
+            </a:r>
+            <a:r>
+              <a:rPr lang="ko-KR" altLang="en-US" sz="1300" dirty="0" err="1">
+                <a:solidFill>
+                  <a:schemeClr val="bg1"/>
+                </a:solidFill>
+                <a:latin typeface="나눔고딕 Light" panose="020D0904000000000000" pitchFamily="50" charset="-127"/>
+                <a:ea typeface="나눔고딕 Light" panose="020D0904000000000000" pitchFamily="50" charset="-127"/>
+              </a:rPr>
+              <a:t>어플리케이션이름</a:t>
+            </a:r>
+            <a:endParaRPr lang="en-US" altLang="ko-KR" sz="1300" dirty="0">
+              <a:solidFill>
+                <a:schemeClr val="bg1"/>
+              </a:solidFill>
+              <a:latin typeface="나눔고딕 Light" panose="020D0904000000000000" pitchFamily="50" charset="-127"/>
+              <a:ea typeface="나눔고딕 Light" panose="020D0904000000000000" pitchFamily="50" charset="-127"/>
+            </a:endParaRPr>
+          </a:p>
+          <a:p>
+            <a:r>
+              <a:rPr lang="en-US" altLang="ko-KR" sz="1300" dirty="0">
+                <a:solidFill>
+                  <a:schemeClr val="bg1"/>
+                </a:solidFill>
+                <a:latin typeface="나눔고딕 Light" panose="020D0904000000000000" pitchFamily="50" charset="-127"/>
+                <a:ea typeface="나눔고딕 Light" panose="020D0904000000000000" pitchFamily="50" charset="-127"/>
+              </a:rPr>
+              <a:t>Operations to perform:</a:t>
+            </a:r>
+          </a:p>
+          <a:p>
+            <a:r>
+              <a:rPr lang="en-US" altLang="ko-KR" sz="1300" dirty="0">
+                <a:solidFill>
+                  <a:schemeClr val="bg1"/>
+                </a:solidFill>
+                <a:latin typeface="나눔고딕 Light" panose="020D0904000000000000" pitchFamily="50" charset="-127"/>
+                <a:ea typeface="나눔고딕 Light" panose="020D0904000000000000" pitchFamily="50" charset="-127"/>
+              </a:rPr>
+              <a:t>  Apply all migrations: </a:t>
+            </a:r>
+            <a:r>
+              <a:rPr lang="ko-KR" altLang="en-US" sz="1300" dirty="0">
+                <a:solidFill>
+                  <a:schemeClr val="bg1"/>
+                </a:solidFill>
+                <a:latin typeface="나눔고딕 Light" panose="020D0904000000000000" pitchFamily="50" charset="-127"/>
+                <a:ea typeface="나눔고딕 Light" panose="020D0904000000000000" pitchFamily="50" charset="-127"/>
+              </a:rPr>
+              <a:t>어플리케이션</a:t>
+            </a:r>
+            <a:endParaRPr lang="en-US" altLang="ko-KR" sz="1300" dirty="0">
+              <a:solidFill>
+                <a:schemeClr val="bg1"/>
+              </a:solidFill>
+              <a:latin typeface="나눔고딕 Light" panose="020D0904000000000000" pitchFamily="50" charset="-127"/>
+              <a:ea typeface="나눔고딕 Light" panose="020D0904000000000000" pitchFamily="50" charset="-127"/>
+            </a:endParaRPr>
+          </a:p>
+          <a:p>
+            <a:r>
+              <a:rPr lang="en-US" altLang="ko-KR" sz="1300" dirty="0">
+                <a:solidFill>
+                  <a:schemeClr val="bg1"/>
+                </a:solidFill>
+                <a:latin typeface="나눔고딕 Light" panose="020D0904000000000000" pitchFamily="50" charset="-127"/>
+                <a:ea typeface="나눔고딕 Light" panose="020D0904000000000000" pitchFamily="50" charset="-127"/>
+              </a:rPr>
+              <a:t>Running migrations:</a:t>
+            </a:r>
+          </a:p>
+          <a:p>
+            <a:r>
+              <a:rPr lang="en-US" altLang="ko-KR" sz="1300" dirty="0">
+                <a:solidFill>
+                  <a:schemeClr val="bg1"/>
+                </a:solidFill>
+                <a:latin typeface="나눔고딕 Light" panose="020D0904000000000000" pitchFamily="50" charset="-127"/>
+                <a:ea typeface="나눔고딕 Light" panose="020D0904000000000000" pitchFamily="50" charset="-127"/>
+              </a:rPr>
+              <a:t>  Rendering model states… DONE</a:t>
+            </a:r>
+          </a:p>
+          <a:p>
+            <a:r>
+              <a:rPr lang="en-US" altLang="ko-KR" sz="1300" dirty="0">
+                <a:solidFill>
+                  <a:schemeClr val="bg1"/>
+                </a:solidFill>
+                <a:latin typeface="나눔고딕 Light" panose="020D0904000000000000" pitchFamily="50" charset="-127"/>
+                <a:ea typeface="나눔고딕 Light" panose="020D0904000000000000" pitchFamily="50" charset="-127"/>
+              </a:rPr>
+              <a:t>  Applying </a:t>
+            </a:r>
+            <a:r>
+              <a:rPr lang="ko-KR" altLang="en-US" sz="1300" dirty="0">
+                <a:solidFill>
+                  <a:schemeClr val="bg1"/>
+                </a:solidFill>
+                <a:latin typeface="나눔고딕 Light" panose="020D0904000000000000" pitchFamily="50" charset="-127"/>
+                <a:ea typeface="나눔고딕 Light" panose="020D0904000000000000" pitchFamily="50" charset="-127"/>
+              </a:rPr>
+              <a:t>어플리케이션</a:t>
+            </a:r>
+            <a:r>
+              <a:rPr lang="en-US" altLang="ko-KR" sz="1300" dirty="0">
+                <a:solidFill>
+                  <a:schemeClr val="bg1"/>
+                </a:solidFill>
+                <a:latin typeface="나눔고딕 Light" panose="020D0904000000000000" pitchFamily="50" charset="-127"/>
+                <a:ea typeface="나눔고딕 Light" panose="020D0904000000000000" pitchFamily="50" charset="-127"/>
+              </a:rPr>
+              <a:t>.0001_initial... OK</a:t>
+            </a:r>
+          </a:p>
+        </p:txBody>
+      </p:sp>
+    </p:spTree>
+    <p:extLst>
+      <p:ext uri="{BB962C8B-B14F-4D97-AF65-F5344CB8AC3E}">
+        <p14:creationId xmlns:p14="http://schemas.microsoft.com/office/powerpoint/2010/main" val="2714818518"/>
+      </p:ext>
+    </p:extLst>
+  </p:cSld>
+  <p:clrMapOvr>
+    <a:masterClrMapping/>
+  </p:clrMapOvr>
+</p:sld>
+</file>
+
+<file path=ppt/slides/slide2.xml><?xml version="1.0" encoding="utf-8"?>
 <p:sld xmlns:a="http://schemas.openxmlformats.org/drawingml/2006/main" xmlns:r="http://schemas.openxmlformats.org/officeDocument/2006/relationships" xmlns:p="http://schemas.openxmlformats.org/presentationml/2006/main">
   <p:cSld>
     <p:spTree>
@@ -7071,14 +11073,1359 @@
             </a:pPr>
             <a:r>
               <a:rPr lang="en-US" altLang="ko-KR" sz="2400" dirty="0">
+                <a:latin typeface="나눔고딕코딩" panose="020D0009000000000000" pitchFamily="49" charset="-127"/>
+                <a:ea typeface="나눔고딕코딩" panose="020D0009000000000000" pitchFamily="49" charset="-127"/>
+              </a:rPr>
+              <a:t>0x3 / </a:t>
+            </a:r>
+            <a:r>
+              <a:rPr lang="ko-KR" altLang="en-US" sz="2400" dirty="0">
+                <a:latin typeface="나눔고딕코딩" panose="020D0009000000000000" pitchFamily="49" charset="-127"/>
+                <a:ea typeface="나눔고딕코딩" panose="020D0009000000000000" pitchFamily="49" charset="-127"/>
+              </a:rPr>
+              <a:t>장고 프로젝트 올리기</a:t>
+            </a:r>
+            <a:endParaRPr lang="en-US" altLang="ko-KR" sz="2400" dirty="0">
+              <a:latin typeface="나눔고딕코딩" panose="020D0009000000000000" pitchFamily="49" charset="-127"/>
+              <a:ea typeface="나눔고딕코딩" panose="020D0009000000000000" pitchFamily="49" charset="-127"/>
+            </a:endParaRPr>
+          </a:p>
+          <a:p>
+            <a:pPr>
+              <a:lnSpc>
+                <a:spcPct val="250000"/>
+              </a:lnSpc>
+            </a:pPr>
+            <a:r>
+              <a:rPr lang="en-US" altLang="ko-KR" sz="2400" dirty="0">
+                <a:latin typeface="나눔고딕코딩" panose="020D0009000000000000" pitchFamily="49" charset="-127"/>
+                <a:ea typeface="나눔고딕코딩" panose="020D0009000000000000" pitchFamily="49" charset="-127"/>
+              </a:rPr>
+              <a:t>0x4 / NULL</a:t>
+            </a:r>
+          </a:p>
+        </p:txBody>
+      </p:sp>
+      <p:cxnSp>
+        <p:nvCxnSpPr>
+          <p:cNvPr id="6" name="직선 연결선 5">
+            <a:extLst>
+              <a:ext uri="{FF2B5EF4-FFF2-40B4-BE49-F238E27FC236}">
+                <a16:creationId xmlns:a16="http://schemas.microsoft.com/office/drawing/2014/main" id="{7D1101C9-8DE4-4D64-B9B3-40195B632867}"/>
+              </a:ext>
+            </a:extLst>
+          </p:cNvPr>
+          <p:cNvCxnSpPr/>
+          <p:nvPr/>
+        </p:nvCxnSpPr>
+        <p:spPr>
+          <a:xfrm>
+            <a:off x="1622854" y="1351005"/>
+            <a:ext cx="0" cy="4637903"/>
+          </a:xfrm>
+          <a:prstGeom prst="line">
+            <a:avLst/>
+          </a:prstGeom>
+          <a:ln w="28575">
+            <a:solidFill>
+              <a:schemeClr val="tx1"/>
+            </a:solidFill>
+            <a:headEnd type="oval" w="med" len="med"/>
+            <a:tailEnd type="oval" w="med" len="med"/>
+          </a:ln>
+        </p:spPr>
+        <p:style>
+          <a:lnRef idx="1">
+            <a:schemeClr val="accent1"/>
+          </a:lnRef>
+          <a:fillRef idx="0">
+            <a:schemeClr val="accent1"/>
+          </a:fillRef>
+          <a:effectRef idx="0">
+            <a:schemeClr val="accent1"/>
+          </a:effectRef>
+          <a:fontRef idx="minor">
+            <a:schemeClr val="tx1"/>
+          </a:fontRef>
+        </p:style>
+      </p:cxnSp>
+      <p:sp>
+        <p:nvSpPr>
+          <p:cNvPr id="7" name="TextBox 6">
+            <a:extLst>
+              <a:ext uri="{FF2B5EF4-FFF2-40B4-BE49-F238E27FC236}">
+                <a16:creationId xmlns:a16="http://schemas.microsoft.com/office/drawing/2014/main" id="{2963C5F2-9173-4FA8-9E02-59A34251CD62}"/>
+              </a:ext>
+            </a:extLst>
+          </p:cNvPr>
+          <p:cNvSpPr txBox="1"/>
+          <p:nvPr/>
+        </p:nvSpPr>
+        <p:spPr>
+          <a:xfrm>
+            <a:off x="199766" y="418328"/>
+            <a:ext cx="5090984" cy="523220"/>
+          </a:xfrm>
+          <a:prstGeom prst="rect">
+            <a:avLst/>
+          </a:prstGeom>
+          <a:noFill/>
+        </p:spPr>
+        <p:txBody>
+          <a:bodyPr wrap="square" rtlCol="0">
+            <a:spAutoFit/>
+          </a:bodyPr>
+          <a:lstStyle/>
+          <a:p>
+            <a:r>
+              <a:rPr lang="en-US" altLang="ko-KR" sz="2800" dirty="0">
+                <a:solidFill>
+                  <a:schemeClr val="bg1"/>
+                </a:solidFill>
+                <a:latin typeface="나눔스퀘어라운드 Light" panose="020B0600000101010101" pitchFamily="50" charset="-127"/>
+                <a:ea typeface="나눔스퀘어라운드 Light" panose="020B0600000101010101" pitchFamily="50" charset="-127"/>
+              </a:rPr>
+              <a:t>Agenda</a:t>
+            </a:r>
+            <a:endParaRPr lang="ko-KR" altLang="en-US" sz="2800" dirty="0">
+              <a:solidFill>
+                <a:schemeClr val="bg1"/>
+              </a:solidFill>
+              <a:latin typeface="나눔스퀘어라운드 Light" panose="020B0600000101010101" pitchFamily="50" charset="-127"/>
+              <a:ea typeface="나눔스퀘어라운드 Light" panose="020B0600000101010101" pitchFamily="50" charset="-127"/>
+            </a:endParaRPr>
+          </a:p>
+        </p:txBody>
+      </p:sp>
+    </p:spTree>
+    <p:extLst>
+      <p:ext uri="{BB962C8B-B14F-4D97-AF65-F5344CB8AC3E}">
+        <p14:creationId xmlns:p14="http://schemas.microsoft.com/office/powerpoint/2010/main" val="3809762612"/>
+      </p:ext>
+    </p:extLst>
+  </p:cSld>
+  <p:clrMapOvr>
+    <a:masterClrMapping/>
+  </p:clrMapOvr>
+</p:sld>
+</file>
+
+<file path=ppt/slides/slide20.xml><?xml version="1.0" encoding="utf-8"?>
+<p:sld xmlns:a="http://schemas.openxmlformats.org/drawingml/2006/main" xmlns:r="http://schemas.openxmlformats.org/officeDocument/2006/relationships" xmlns:p="http://schemas.openxmlformats.org/presentationml/2006/main">
+  <p:cSld>
+    <p:spTree>
+      <p:nvGrpSpPr>
+        <p:cNvPr id="1" name=""/>
+        <p:cNvGrpSpPr/>
+        <p:nvPr/>
+      </p:nvGrpSpPr>
+      <p:grpSpPr>
+        <a:xfrm>
+          <a:off x="0" y="0"/>
+          <a:ext cx="0" cy="0"/>
+          <a:chOff x="0" y="0"/>
+          <a:chExt cx="0" cy="0"/>
+        </a:xfrm>
+      </p:grpSpPr>
+      <p:sp>
+        <p:nvSpPr>
+          <p:cNvPr id="4" name="TextBox 3">
+            <a:extLst>
+              <a:ext uri="{FF2B5EF4-FFF2-40B4-BE49-F238E27FC236}">
+                <a16:creationId xmlns:a16="http://schemas.microsoft.com/office/drawing/2014/main" id="{6F512E33-3568-4B64-907A-F55736485946}"/>
+              </a:ext>
+            </a:extLst>
+          </p:cNvPr>
+          <p:cNvSpPr txBox="1"/>
+          <p:nvPr/>
+        </p:nvSpPr>
+        <p:spPr>
+          <a:xfrm>
+            <a:off x="199765" y="393614"/>
+            <a:ext cx="8285207" cy="523220"/>
+          </a:xfrm>
+          <a:prstGeom prst="rect">
+            <a:avLst/>
+          </a:prstGeom>
+          <a:noFill/>
+        </p:spPr>
+        <p:txBody>
+          <a:bodyPr wrap="square" rtlCol="0">
+            <a:spAutoFit/>
+          </a:bodyPr>
+          <a:lstStyle/>
+          <a:p>
+            <a:r>
+              <a:rPr lang="en-US" altLang="ko-KR" sz="2800" dirty="0">
+                <a:solidFill>
+                  <a:schemeClr val="bg1"/>
+                </a:solidFill>
+                <a:latin typeface="나눔고딕 Light" panose="020D0904000000000000" pitchFamily="50" charset="-127"/>
+                <a:ea typeface="나눔고딕 Light" panose="020D0904000000000000" pitchFamily="50" charset="-127"/>
+              </a:rPr>
+              <a:t>2 &gt; Django(</a:t>
+            </a:r>
+            <a:r>
+              <a:rPr lang="ko-KR" altLang="en-US" sz="2800" dirty="0">
+                <a:solidFill>
+                  <a:schemeClr val="bg1"/>
+                </a:solidFill>
+                <a:latin typeface="나눔고딕 Light" panose="020D0904000000000000" pitchFamily="50" charset="-127"/>
+                <a:ea typeface="나눔고딕 Light" panose="020D0904000000000000" pitchFamily="50" charset="-127"/>
+              </a:rPr>
+              <a:t>장고</a:t>
+            </a:r>
+            <a:r>
+              <a:rPr lang="en-US" altLang="ko-KR" sz="2800" dirty="0">
+                <a:solidFill>
+                  <a:schemeClr val="bg1"/>
+                </a:solidFill>
+                <a:latin typeface="나눔고딕 Light" panose="020D0904000000000000" pitchFamily="50" charset="-127"/>
+                <a:ea typeface="나눔고딕 Light" panose="020D0904000000000000" pitchFamily="50" charset="-127"/>
+              </a:rPr>
+              <a:t>) </a:t>
+            </a:r>
+            <a:r>
+              <a:rPr lang="ko-KR" altLang="en-US" sz="2800" dirty="0">
+                <a:solidFill>
+                  <a:schemeClr val="bg1"/>
+                </a:solidFill>
+                <a:latin typeface="나눔고딕 Light" panose="020D0904000000000000" pitchFamily="50" charset="-127"/>
+                <a:ea typeface="나눔고딕 Light" panose="020D0904000000000000" pitchFamily="50" charset="-127"/>
+              </a:rPr>
+              <a:t>사용하기</a:t>
+            </a:r>
+            <a:endParaRPr lang="en-US" altLang="ko-KR" sz="2800" dirty="0">
+              <a:solidFill>
+                <a:schemeClr val="bg1"/>
+              </a:solidFill>
+              <a:latin typeface="나눔고딕 Light" panose="020D0904000000000000" pitchFamily="50" charset="-127"/>
+              <a:ea typeface="나눔고딕 Light" panose="020D0904000000000000" pitchFamily="50" charset="-127"/>
+            </a:endParaRPr>
+          </a:p>
+        </p:txBody>
+      </p:sp>
+      <p:sp>
+        <p:nvSpPr>
+          <p:cNvPr id="10" name="TextBox 9">
+            <a:extLst>
+              <a:ext uri="{FF2B5EF4-FFF2-40B4-BE49-F238E27FC236}">
+                <a16:creationId xmlns:a16="http://schemas.microsoft.com/office/drawing/2014/main" id="{F49A06C6-23C9-4098-A6B3-8AE9A9C618A7}"/>
+              </a:ext>
+            </a:extLst>
+          </p:cNvPr>
+          <p:cNvSpPr txBox="1"/>
+          <p:nvPr/>
+        </p:nvSpPr>
+        <p:spPr>
+          <a:xfrm>
+            <a:off x="263610" y="1326292"/>
+            <a:ext cx="11099715" cy="3056221"/>
+          </a:xfrm>
+          <a:prstGeom prst="rect">
+            <a:avLst/>
+          </a:prstGeom>
+          <a:noFill/>
+        </p:spPr>
+        <p:txBody>
+          <a:bodyPr wrap="square" rtlCol="0">
+            <a:spAutoFit/>
+          </a:bodyPr>
+          <a:lstStyle/>
+          <a:p>
+            <a:pPr>
+              <a:lnSpc>
+                <a:spcPct val="120000"/>
+              </a:lnSpc>
+            </a:pPr>
+            <a:r>
+              <a:rPr lang="ko-KR" altLang="en-US" b="1" dirty="0">
+                <a:latin typeface="나눔고딕코딩" panose="020D0009000000000000" pitchFamily="49" charset="-127"/>
+                <a:ea typeface="나눔고딕코딩" panose="020D0009000000000000" pitchFamily="49" charset="-127"/>
+              </a:rPr>
+              <a:t>관리자 페이지와 모델 추가하기</a:t>
+            </a:r>
+            <a:endParaRPr lang="en-US" altLang="ko-KR" dirty="0">
+              <a:latin typeface="나눔고딕코딩" panose="020D0009000000000000" pitchFamily="49" charset="-127"/>
+              <a:ea typeface="나눔고딕코딩" panose="020D0009000000000000" pitchFamily="49" charset="-127"/>
+            </a:endParaRPr>
+          </a:p>
+          <a:p>
+            <a:pPr marL="285750" indent="-285750">
+              <a:lnSpc>
+                <a:spcPct val="120000"/>
+              </a:lnSpc>
+              <a:buFont typeface="Arial" panose="020B0604020202020204" pitchFamily="34" charset="0"/>
+              <a:buChar char="•"/>
+            </a:pPr>
+            <a:r>
+              <a:rPr lang="ko-KR" altLang="en-US" dirty="0">
+                <a:latin typeface="나눔고딕코딩" panose="020D0009000000000000" pitchFamily="49" charset="-127"/>
+                <a:ea typeface="나눔고딕코딩" panose="020D0009000000000000" pitchFamily="49" charset="-127"/>
+              </a:rPr>
+              <a:t>모델링한 글</a:t>
+            </a:r>
+            <a:r>
+              <a:rPr lang="en-US" altLang="ko-KR" dirty="0">
+                <a:latin typeface="나눔고딕코딩" panose="020D0009000000000000" pitchFamily="49" charset="-127"/>
+                <a:ea typeface="나눔고딕코딩" panose="020D0009000000000000" pitchFamily="49" charset="-127"/>
+              </a:rPr>
+              <a:t>(</a:t>
+            </a:r>
+            <a:r>
+              <a:rPr lang="ko-KR" altLang="en-US" dirty="0">
+                <a:latin typeface="나눔고딕코딩" panose="020D0009000000000000" pitchFamily="49" charset="-127"/>
+                <a:ea typeface="나눔고딕코딩" panose="020D0009000000000000" pitchFamily="49" charset="-127"/>
+              </a:rPr>
+              <a:t>정보</a:t>
+            </a:r>
+            <a:r>
+              <a:rPr lang="en-US" altLang="ko-KR" dirty="0">
+                <a:latin typeface="나눔고딕코딩" panose="020D0009000000000000" pitchFamily="49" charset="-127"/>
+                <a:ea typeface="나눔고딕코딩" panose="020D0009000000000000" pitchFamily="49" charset="-127"/>
+              </a:rPr>
+              <a:t>)</a:t>
+            </a:r>
+            <a:r>
+              <a:rPr lang="ko-KR" altLang="en-US" dirty="0">
+                <a:latin typeface="나눔고딕코딩" panose="020D0009000000000000" pitchFamily="49" charset="-127"/>
+                <a:ea typeface="나눔고딕코딩" panose="020D0009000000000000" pitchFamily="49" charset="-127"/>
+              </a:rPr>
+              <a:t>를 수정하거나 삭제할 수 있음</a:t>
+            </a:r>
+            <a:endParaRPr lang="en-US" altLang="ko-KR" dirty="0">
+              <a:latin typeface="나눔고딕코딩" panose="020D0009000000000000" pitchFamily="49" charset="-127"/>
+              <a:ea typeface="나눔고딕코딩" panose="020D0009000000000000" pitchFamily="49" charset="-127"/>
+            </a:endParaRPr>
+          </a:p>
+          <a:p>
+            <a:pPr marL="285750" indent="-285750">
+              <a:lnSpc>
+                <a:spcPct val="120000"/>
+              </a:lnSpc>
+              <a:buFont typeface="Arial" panose="020B0604020202020204" pitchFamily="34" charset="0"/>
+              <a:buChar char="•"/>
+            </a:pPr>
+            <a:r>
+              <a:rPr lang="en-US" altLang="ko-KR" dirty="0">
+                <a:latin typeface="나눔고딕코딩" panose="020D0009000000000000" pitchFamily="49" charset="-127"/>
+                <a:ea typeface="나눔고딕코딩" panose="020D0009000000000000" pitchFamily="49" charset="-127"/>
+              </a:rPr>
+              <a:t>admin.py</a:t>
+            </a:r>
+            <a:r>
+              <a:rPr lang="ko-KR" altLang="en-US" dirty="0">
+                <a:latin typeface="나눔고딕코딩" panose="020D0009000000000000" pitchFamily="49" charset="-127"/>
+                <a:ea typeface="나눔고딕코딩" panose="020D0009000000000000" pitchFamily="49" charset="-127"/>
+              </a:rPr>
+              <a:t>를 통해 모델</a:t>
+            </a:r>
+            <a:r>
+              <a:rPr lang="en-US" altLang="ko-KR" dirty="0">
+                <a:latin typeface="나눔고딕코딩" panose="020D0009000000000000" pitchFamily="49" charset="-127"/>
+                <a:ea typeface="나눔고딕코딩" panose="020D0009000000000000" pitchFamily="49" charset="-127"/>
+              </a:rPr>
+              <a:t>(Class)</a:t>
+            </a:r>
+            <a:r>
+              <a:rPr lang="ko-KR" altLang="en-US" dirty="0">
+                <a:latin typeface="나눔고딕코딩" panose="020D0009000000000000" pitchFamily="49" charset="-127"/>
+                <a:ea typeface="나눔고딕코딩" panose="020D0009000000000000" pitchFamily="49" charset="-127"/>
+              </a:rPr>
+              <a:t>를 추가하며 관리할 수 있음</a:t>
+            </a:r>
+            <a:endParaRPr lang="en-US" altLang="ko-KR" dirty="0">
+              <a:latin typeface="나눔고딕코딩" panose="020D0009000000000000" pitchFamily="49" charset="-127"/>
+              <a:ea typeface="나눔고딕코딩" panose="020D0009000000000000" pitchFamily="49" charset="-127"/>
+            </a:endParaRPr>
+          </a:p>
+          <a:p>
+            <a:pPr marL="285750" indent="-285750">
+              <a:lnSpc>
+                <a:spcPct val="120000"/>
+              </a:lnSpc>
+              <a:buFont typeface="Arial" panose="020B0604020202020204" pitchFamily="34" charset="0"/>
+              <a:buChar char="•"/>
+            </a:pPr>
+            <a:endParaRPr lang="en-US" altLang="ko-KR" dirty="0">
+              <a:latin typeface="나눔고딕코딩" panose="020D0009000000000000" pitchFamily="49" charset="-127"/>
+              <a:ea typeface="나눔고딕코딩" panose="020D0009000000000000" pitchFamily="49" charset="-127"/>
+            </a:endParaRPr>
+          </a:p>
+          <a:p>
+            <a:pPr marL="285750" indent="-285750">
+              <a:lnSpc>
+                <a:spcPct val="120000"/>
+              </a:lnSpc>
+              <a:buFont typeface="Arial" panose="020B0604020202020204" pitchFamily="34" charset="0"/>
+              <a:buChar char="•"/>
+            </a:pPr>
+            <a:endParaRPr lang="en-US" altLang="ko-KR" dirty="0">
+              <a:latin typeface="나눔고딕코딩" panose="020D0009000000000000" pitchFamily="49" charset="-127"/>
+              <a:ea typeface="나눔고딕코딩" panose="020D0009000000000000" pitchFamily="49" charset="-127"/>
+            </a:endParaRPr>
+          </a:p>
+          <a:p>
+            <a:pPr marL="285750" indent="-285750">
+              <a:lnSpc>
+                <a:spcPct val="120000"/>
+              </a:lnSpc>
+              <a:buFont typeface="Arial" panose="020B0604020202020204" pitchFamily="34" charset="0"/>
+              <a:buChar char="•"/>
+            </a:pPr>
+            <a:endParaRPr lang="en-US" altLang="ko-KR" dirty="0">
+              <a:latin typeface="나눔고딕코딩" panose="020D0009000000000000" pitchFamily="49" charset="-127"/>
+              <a:ea typeface="나눔고딕코딩" panose="020D0009000000000000" pitchFamily="49" charset="-127"/>
+            </a:endParaRPr>
+          </a:p>
+          <a:p>
+            <a:pPr marL="285750" indent="-285750">
+              <a:lnSpc>
+                <a:spcPct val="120000"/>
+              </a:lnSpc>
+              <a:buFont typeface="Arial" panose="020B0604020202020204" pitchFamily="34" charset="0"/>
+              <a:buChar char="•"/>
+            </a:pPr>
+            <a:endParaRPr lang="en-US" altLang="ko-KR" dirty="0">
+              <a:latin typeface="나눔고딕코딩" panose="020D0009000000000000" pitchFamily="49" charset="-127"/>
+              <a:ea typeface="나눔고딕코딩" panose="020D0009000000000000" pitchFamily="49" charset="-127"/>
+            </a:endParaRPr>
+          </a:p>
+          <a:p>
+            <a:pPr marL="285750" indent="-285750">
+              <a:lnSpc>
+                <a:spcPct val="120000"/>
+              </a:lnSpc>
+              <a:buFont typeface="Arial" panose="020B0604020202020204" pitchFamily="34" charset="0"/>
+              <a:buChar char="•"/>
+            </a:pPr>
+            <a:endParaRPr lang="en-US" altLang="ko-KR" dirty="0">
+              <a:latin typeface="나눔고딕코딩" panose="020D0009000000000000" pitchFamily="49" charset="-127"/>
+              <a:ea typeface="나눔고딕코딩" panose="020D0009000000000000" pitchFamily="49" charset="-127"/>
+            </a:endParaRPr>
+          </a:p>
+          <a:p>
+            <a:pPr marL="285750" indent="-285750">
+              <a:lnSpc>
+                <a:spcPct val="120000"/>
+              </a:lnSpc>
+              <a:buFont typeface="Arial" panose="020B0604020202020204" pitchFamily="34" charset="0"/>
+              <a:buChar char="•"/>
+            </a:pPr>
+            <a:r>
+              <a:rPr lang="ko-KR" altLang="en-US" dirty="0">
+                <a:latin typeface="나눔고딕코딩" panose="020D0009000000000000" pitchFamily="49" charset="-127"/>
+                <a:ea typeface="나눔고딕코딩" panose="020D0009000000000000" pitchFamily="49" charset="-127"/>
+              </a:rPr>
+              <a:t>관리자 페이지 접근을 위해 슈퍼 계정을 생성해줘야 함</a:t>
+            </a:r>
+            <a:endParaRPr lang="en-US" altLang="ko-KR" dirty="0">
+              <a:latin typeface="나눔고딕코딩" panose="020D0009000000000000" pitchFamily="49" charset="-127"/>
+              <a:ea typeface="나눔고딕코딩" panose="020D0009000000000000" pitchFamily="49" charset="-127"/>
+            </a:endParaRPr>
+          </a:p>
+        </p:txBody>
+      </p:sp>
+      <p:sp>
+        <p:nvSpPr>
+          <p:cNvPr id="2" name="직사각형 1">
+            <a:extLst>
+              <a:ext uri="{FF2B5EF4-FFF2-40B4-BE49-F238E27FC236}">
+                <a16:creationId xmlns:a16="http://schemas.microsoft.com/office/drawing/2014/main" id="{334852F1-6178-4535-A1C6-C2607BE09FC5}"/>
+              </a:ext>
+            </a:extLst>
+          </p:cNvPr>
+          <p:cNvSpPr/>
+          <p:nvPr/>
+        </p:nvSpPr>
+        <p:spPr>
+          <a:xfrm>
+            <a:off x="263610" y="2461579"/>
+            <a:ext cx="6096000" cy="1492716"/>
+          </a:xfrm>
+          <a:prstGeom prst="rect">
+            <a:avLst/>
+          </a:prstGeom>
+          <a:solidFill>
+            <a:schemeClr val="tx1"/>
+          </a:solidFill>
+        </p:spPr>
+        <p:txBody>
+          <a:bodyPr>
+            <a:spAutoFit/>
+          </a:bodyPr>
+          <a:lstStyle/>
+          <a:p>
+            <a:r>
+              <a:rPr lang="ko-KR" altLang="en-US" sz="1300" dirty="0">
+                <a:solidFill>
+                  <a:schemeClr val="bg1"/>
+                </a:solidFill>
+                <a:latin typeface="나눔고딕 Light" panose="020D0904000000000000" pitchFamily="50" charset="-127"/>
+                <a:ea typeface="나눔고딕 Light" panose="020D0904000000000000" pitchFamily="50" charset="-127"/>
+              </a:rPr>
+              <a:t>관리자 페이지에 모델 추가하는 방법 </a:t>
+            </a:r>
+            <a:r>
+              <a:rPr lang="en-US" altLang="ko-KR" sz="1300" dirty="0">
+                <a:solidFill>
+                  <a:schemeClr val="bg1"/>
+                </a:solidFill>
+                <a:latin typeface="나눔고딕 Light" panose="020D0904000000000000" pitchFamily="50" charset="-127"/>
+                <a:ea typeface="나눔고딕 Light" panose="020D0904000000000000" pitchFamily="50" charset="-127"/>
+              </a:rPr>
+              <a:t>(path:</a:t>
+            </a:r>
+            <a:r>
+              <a:rPr lang="ko-KR" altLang="en-US" sz="1300" dirty="0">
+                <a:solidFill>
+                  <a:schemeClr val="bg1"/>
+                </a:solidFill>
+                <a:latin typeface="나눔고딕 Light" panose="020D0904000000000000" pitchFamily="50" charset="-127"/>
+                <a:ea typeface="나눔고딕 Light" panose="020D0904000000000000" pitchFamily="50" charset="-127"/>
+              </a:rPr>
+              <a:t> 어플리케이션</a:t>
+            </a:r>
+            <a:r>
+              <a:rPr lang="en-US" altLang="ko-KR" sz="1300" dirty="0">
+                <a:solidFill>
+                  <a:schemeClr val="bg1"/>
+                </a:solidFill>
+                <a:latin typeface="나눔고딕 Light" panose="020D0904000000000000" pitchFamily="50" charset="-127"/>
+                <a:ea typeface="나눔고딕 Light" panose="020D0904000000000000" pitchFamily="50" charset="-127"/>
+              </a:rPr>
+              <a:t>/admin.py)</a:t>
+            </a:r>
+          </a:p>
+          <a:p>
+            <a:endParaRPr lang="en-US" altLang="ko-KR" sz="1300" dirty="0">
+              <a:solidFill>
+                <a:schemeClr val="bg1"/>
+              </a:solidFill>
+              <a:latin typeface="나눔고딕 Light" panose="020D0904000000000000" pitchFamily="50" charset="-127"/>
+              <a:ea typeface="나눔고딕 Light" panose="020D0904000000000000" pitchFamily="50" charset="-127"/>
+            </a:endParaRPr>
+          </a:p>
+          <a:p>
+            <a:r>
+              <a:rPr lang="ko-KR" altLang="en-US" sz="1300" dirty="0" err="1">
+                <a:solidFill>
+                  <a:schemeClr val="bg1"/>
+                </a:solidFill>
+                <a:latin typeface="나눔고딕 Light" panose="020D0904000000000000" pitchFamily="50" charset="-127"/>
+                <a:ea typeface="나눔고딕 Light" panose="020D0904000000000000" pitchFamily="50" charset="-127"/>
+              </a:rPr>
+              <a:t>from</a:t>
+            </a:r>
+            <a:r>
+              <a:rPr lang="ko-KR" altLang="en-US" sz="1300" dirty="0">
+                <a:solidFill>
+                  <a:schemeClr val="bg1"/>
+                </a:solidFill>
+                <a:latin typeface="나눔고딕 Light" panose="020D0904000000000000" pitchFamily="50" charset="-127"/>
+                <a:ea typeface="나눔고딕 Light" panose="020D0904000000000000" pitchFamily="50" charset="-127"/>
+              </a:rPr>
+              <a:t> </a:t>
+            </a:r>
+            <a:r>
+              <a:rPr lang="ko-KR" altLang="en-US" sz="1300" dirty="0" err="1">
+                <a:solidFill>
+                  <a:schemeClr val="bg1"/>
+                </a:solidFill>
+                <a:latin typeface="나눔고딕 Light" panose="020D0904000000000000" pitchFamily="50" charset="-127"/>
+                <a:ea typeface="나눔고딕 Light" panose="020D0904000000000000" pitchFamily="50" charset="-127"/>
+              </a:rPr>
+              <a:t>django.contrib</a:t>
+            </a:r>
+            <a:r>
+              <a:rPr lang="ko-KR" altLang="en-US" sz="1300" dirty="0">
+                <a:solidFill>
+                  <a:schemeClr val="bg1"/>
+                </a:solidFill>
+                <a:latin typeface="나눔고딕 Light" panose="020D0904000000000000" pitchFamily="50" charset="-127"/>
+                <a:ea typeface="나눔고딕 Light" panose="020D0904000000000000" pitchFamily="50" charset="-127"/>
+              </a:rPr>
+              <a:t> </a:t>
+            </a:r>
+            <a:r>
+              <a:rPr lang="ko-KR" altLang="en-US" sz="1300" dirty="0" err="1">
+                <a:solidFill>
+                  <a:schemeClr val="bg1"/>
+                </a:solidFill>
+                <a:latin typeface="나눔고딕 Light" panose="020D0904000000000000" pitchFamily="50" charset="-127"/>
+                <a:ea typeface="나눔고딕 Light" panose="020D0904000000000000" pitchFamily="50" charset="-127"/>
+              </a:rPr>
+              <a:t>import</a:t>
+            </a:r>
+            <a:r>
+              <a:rPr lang="ko-KR" altLang="en-US" sz="1300" dirty="0">
+                <a:solidFill>
+                  <a:schemeClr val="bg1"/>
+                </a:solidFill>
+                <a:latin typeface="나눔고딕 Light" panose="020D0904000000000000" pitchFamily="50" charset="-127"/>
+                <a:ea typeface="나눔고딕 Light" panose="020D0904000000000000" pitchFamily="50" charset="-127"/>
+              </a:rPr>
+              <a:t> </a:t>
+            </a:r>
+            <a:r>
+              <a:rPr lang="ko-KR" altLang="en-US" sz="1300" dirty="0" err="1">
+                <a:solidFill>
+                  <a:schemeClr val="bg1"/>
+                </a:solidFill>
+                <a:latin typeface="나눔고딕 Light" panose="020D0904000000000000" pitchFamily="50" charset="-127"/>
+                <a:ea typeface="나눔고딕 Light" panose="020D0904000000000000" pitchFamily="50" charset="-127"/>
+              </a:rPr>
+              <a:t>admin</a:t>
+            </a:r>
+            <a:endParaRPr lang="ko-KR" altLang="en-US" sz="1300" dirty="0">
+              <a:solidFill>
+                <a:schemeClr val="bg1"/>
+              </a:solidFill>
+              <a:latin typeface="나눔고딕 Light" panose="020D0904000000000000" pitchFamily="50" charset="-127"/>
+              <a:ea typeface="나눔고딕 Light" panose="020D0904000000000000" pitchFamily="50" charset="-127"/>
+            </a:endParaRPr>
+          </a:p>
+          <a:p>
+            <a:r>
+              <a:rPr lang="ko-KR" altLang="en-US" sz="1300" dirty="0" err="1">
+                <a:solidFill>
+                  <a:schemeClr val="bg1"/>
+                </a:solidFill>
+                <a:latin typeface="나눔고딕 Light" panose="020D0904000000000000" pitchFamily="50" charset="-127"/>
+                <a:ea typeface="나눔고딕 Light" panose="020D0904000000000000" pitchFamily="50" charset="-127"/>
+              </a:rPr>
+              <a:t>from</a:t>
+            </a:r>
+            <a:r>
+              <a:rPr lang="ko-KR" altLang="en-US" sz="1300" dirty="0">
+                <a:solidFill>
+                  <a:schemeClr val="bg1"/>
+                </a:solidFill>
+                <a:latin typeface="나눔고딕 Light" panose="020D0904000000000000" pitchFamily="50" charset="-127"/>
+                <a:ea typeface="나눔고딕 Light" panose="020D0904000000000000" pitchFamily="50" charset="-127"/>
+              </a:rPr>
+              <a:t> .</a:t>
+            </a:r>
+            <a:r>
+              <a:rPr lang="ko-KR" altLang="en-US" sz="1300" dirty="0" err="1">
+                <a:solidFill>
+                  <a:schemeClr val="bg1"/>
+                </a:solidFill>
+                <a:latin typeface="나눔고딕 Light" panose="020D0904000000000000" pitchFamily="50" charset="-127"/>
+                <a:ea typeface="나눔고딕 Light" panose="020D0904000000000000" pitchFamily="50" charset="-127"/>
+              </a:rPr>
+              <a:t>models</a:t>
+            </a:r>
+            <a:r>
+              <a:rPr lang="ko-KR" altLang="en-US" sz="1300" dirty="0">
+                <a:solidFill>
+                  <a:schemeClr val="bg1"/>
+                </a:solidFill>
+                <a:latin typeface="나눔고딕 Light" panose="020D0904000000000000" pitchFamily="50" charset="-127"/>
+                <a:ea typeface="나눔고딕 Light" panose="020D0904000000000000" pitchFamily="50" charset="-127"/>
+              </a:rPr>
+              <a:t> </a:t>
+            </a:r>
+            <a:r>
+              <a:rPr lang="ko-KR" altLang="en-US" sz="1300" dirty="0" err="1">
+                <a:solidFill>
+                  <a:schemeClr val="bg1"/>
+                </a:solidFill>
+                <a:latin typeface="나눔고딕 Light" panose="020D0904000000000000" pitchFamily="50" charset="-127"/>
+                <a:ea typeface="나눔고딕 Light" panose="020D0904000000000000" pitchFamily="50" charset="-127"/>
+              </a:rPr>
+              <a:t>import</a:t>
+            </a:r>
+            <a:r>
+              <a:rPr lang="ko-KR" altLang="en-US" sz="1300" dirty="0">
+                <a:solidFill>
+                  <a:schemeClr val="bg1"/>
+                </a:solidFill>
+                <a:latin typeface="나눔고딕 Light" panose="020D0904000000000000" pitchFamily="50" charset="-127"/>
+                <a:ea typeface="나눔고딕 Light" panose="020D0904000000000000" pitchFamily="50" charset="-127"/>
+              </a:rPr>
+              <a:t> Post</a:t>
+            </a:r>
+            <a:r>
+              <a:rPr lang="en-US" altLang="ko-KR" sz="1300" dirty="0">
+                <a:solidFill>
+                  <a:schemeClr val="bg1"/>
+                </a:solidFill>
+                <a:latin typeface="나눔고딕 Light" panose="020D0904000000000000" pitchFamily="50" charset="-127"/>
+                <a:ea typeface="나눔고딕 Light" panose="020D0904000000000000" pitchFamily="50" charset="-127"/>
+              </a:rPr>
+              <a:t>Model</a:t>
+            </a:r>
+            <a:endParaRPr lang="ko-KR" altLang="en-US" sz="1300" dirty="0">
+              <a:solidFill>
+                <a:schemeClr val="bg1"/>
+              </a:solidFill>
+              <a:latin typeface="나눔고딕 Light" panose="020D0904000000000000" pitchFamily="50" charset="-127"/>
+              <a:ea typeface="나눔고딕 Light" panose="020D0904000000000000" pitchFamily="50" charset="-127"/>
+            </a:endParaRPr>
+          </a:p>
+          <a:p>
+            <a:endParaRPr lang="en-US" altLang="ko-KR" sz="1300" dirty="0">
+              <a:solidFill>
+                <a:schemeClr val="bg1"/>
+              </a:solidFill>
+              <a:latin typeface="나눔고딕 Light" panose="020D0904000000000000" pitchFamily="50" charset="-127"/>
+              <a:ea typeface="나눔고딕 Light" panose="020D0904000000000000" pitchFamily="50" charset="-127"/>
+            </a:endParaRPr>
+          </a:p>
+          <a:p>
+            <a:r>
+              <a:rPr lang="en-US" altLang="ko-KR" sz="1300" dirty="0">
+                <a:solidFill>
+                  <a:schemeClr val="bg1"/>
+                </a:solidFill>
+                <a:latin typeface="나눔고딕 Light" panose="020D0904000000000000" pitchFamily="50" charset="-127"/>
+                <a:ea typeface="나눔고딕 Light" panose="020D0904000000000000" pitchFamily="50" charset="-127"/>
+              </a:rPr>
+              <a:t>// </a:t>
+            </a:r>
+            <a:r>
+              <a:rPr lang="en-US" altLang="ko-KR" sz="1300" dirty="0" err="1">
+                <a:solidFill>
+                  <a:schemeClr val="bg1"/>
+                </a:solidFill>
+                <a:latin typeface="나눔고딕 Light" panose="020D0904000000000000" pitchFamily="50" charset="-127"/>
+                <a:ea typeface="나눔고딕 Light" panose="020D0904000000000000" pitchFamily="50" charset="-127"/>
+              </a:rPr>
+              <a:t>PostModel</a:t>
+            </a:r>
+            <a:r>
+              <a:rPr lang="ko-KR" altLang="en-US" sz="1300" dirty="0">
+                <a:solidFill>
+                  <a:schemeClr val="bg1"/>
+                </a:solidFill>
+                <a:latin typeface="나눔고딕 Light" panose="020D0904000000000000" pitchFamily="50" charset="-127"/>
+                <a:ea typeface="나눔고딕 Light" panose="020D0904000000000000" pitchFamily="50" charset="-127"/>
+              </a:rPr>
+              <a:t>는 만들어준 클래스 이름에 따라 다름</a:t>
+            </a:r>
+          </a:p>
+          <a:p>
+            <a:r>
+              <a:rPr lang="ko-KR" altLang="en-US" sz="1300" dirty="0" err="1">
+                <a:solidFill>
+                  <a:schemeClr val="bg1"/>
+                </a:solidFill>
+                <a:latin typeface="나눔고딕 Light" panose="020D0904000000000000" pitchFamily="50" charset="-127"/>
+                <a:ea typeface="나눔고딕 Light" panose="020D0904000000000000" pitchFamily="50" charset="-127"/>
+              </a:rPr>
+              <a:t>admin.site.register</a:t>
+            </a:r>
+            <a:r>
+              <a:rPr lang="ko-KR" altLang="en-US" sz="1300" dirty="0">
+                <a:solidFill>
+                  <a:schemeClr val="bg1"/>
+                </a:solidFill>
+                <a:latin typeface="나눔고딕 Light" panose="020D0904000000000000" pitchFamily="50" charset="-127"/>
+                <a:ea typeface="나눔고딕 Light" panose="020D0904000000000000" pitchFamily="50" charset="-127"/>
+              </a:rPr>
+              <a:t>(Post</a:t>
+            </a:r>
+            <a:r>
+              <a:rPr lang="en-US" altLang="ko-KR" sz="1300" dirty="0">
+                <a:solidFill>
+                  <a:schemeClr val="bg1"/>
+                </a:solidFill>
+                <a:latin typeface="나눔고딕 Light" panose="020D0904000000000000" pitchFamily="50" charset="-127"/>
+                <a:ea typeface="나눔고딕 Light" panose="020D0904000000000000" pitchFamily="50" charset="-127"/>
+              </a:rPr>
+              <a:t>Model</a:t>
+            </a:r>
+            <a:r>
+              <a:rPr lang="ko-KR" altLang="en-US" sz="1300" dirty="0">
+                <a:solidFill>
+                  <a:schemeClr val="bg1"/>
+                </a:solidFill>
+                <a:latin typeface="나눔고딕 Light" panose="020D0904000000000000" pitchFamily="50" charset="-127"/>
+                <a:ea typeface="나눔고딕 Light" panose="020D0904000000000000" pitchFamily="50" charset="-127"/>
+              </a:rPr>
+              <a:t>)</a:t>
+            </a:r>
+          </a:p>
+        </p:txBody>
+      </p:sp>
+      <p:sp>
+        <p:nvSpPr>
+          <p:cNvPr id="9" name="직사각형 8">
+            <a:extLst>
+              <a:ext uri="{FF2B5EF4-FFF2-40B4-BE49-F238E27FC236}">
+                <a16:creationId xmlns:a16="http://schemas.microsoft.com/office/drawing/2014/main" id="{DBFB5436-637F-48C3-A59B-472EAE4057B6}"/>
+              </a:ext>
+            </a:extLst>
+          </p:cNvPr>
+          <p:cNvSpPr/>
+          <p:nvPr/>
+        </p:nvSpPr>
+        <p:spPr>
+          <a:xfrm>
+            <a:off x="263609" y="4391844"/>
+            <a:ext cx="8889721" cy="1492716"/>
+          </a:xfrm>
+          <a:prstGeom prst="rect">
+            <a:avLst/>
+          </a:prstGeom>
+          <a:solidFill>
+            <a:schemeClr val="tx1"/>
+          </a:solidFill>
+        </p:spPr>
+        <p:txBody>
+          <a:bodyPr wrap="square">
+            <a:spAutoFit/>
+          </a:bodyPr>
+          <a:lstStyle/>
+          <a:p>
+            <a:endParaRPr lang="en-US" altLang="ko-KR" sz="1300" dirty="0">
+              <a:solidFill>
+                <a:schemeClr val="bg1"/>
+              </a:solidFill>
+              <a:latin typeface="나눔고딕 Light" panose="020D0904000000000000" pitchFamily="50" charset="-127"/>
+              <a:ea typeface="나눔고딕 Light" panose="020D0904000000000000" pitchFamily="50" charset="-127"/>
+            </a:endParaRPr>
+          </a:p>
+          <a:p>
+            <a:r>
+              <a:rPr lang="en-US" altLang="ko-KR" sz="1300" dirty="0">
+                <a:solidFill>
+                  <a:schemeClr val="bg1"/>
+                </a:solidFill>
+                <a:latin typeface="나눔고딕 Light" panose="020D0904000000000000" pitchFamily="50" charset="-127"/>
+                <a:ea typeface="나눔고딕 Light" panose="020D0904000000000000" pitchFamily="50" charset="-127"/>
+              </a:rPr>
+              <a:t>(</a:t>
+            </a:r>
+            <a:r>
+              <a:rPr lang="en-US" altLang="ko-KR" sz="1300" dirty="0" err="1">
+                <a:solidFill>
+                  <a:schemeClr val="bg1"/>
+                </a:solidFill>
+                <a:latin typeface="나눔고딕 Light" panose="020D0904000000000000" pitchFamily="50" charset="-127"/>
+                <a:ea typeface="나눔고딕 Light" panose="020D0904000000000000" pitchFamily="50" charset="-127"/>
+              </a:rPr>
+              <a:t>venv</a:t>
+            </a:r>
+            <a:r>
+              <a:rPr lang="en-US" altLang="ko-KR" sz="1300" dirty="0">
+                <a:solidFill>
+                  <a:schemeClr val="bg1"/>
+                </a:solidFill>
+                <a:latin typeface="나눔고딕 Light" panose="020D0904000000000000" pitchFamily="50" charset="-127"/>
+                <a:ea typeface="나눔고딕 Light" panose="020D0904000000000000" pitchFamily="50" charset="-127"/>
+              </a:rPr>
+              <a:t>) c:\Users\</a:t>
+            </a:r>
+            <a:r>
+              <a:rPr lang="ko-KR" altLang="en-US" sz="1300" dirty="0">
+                <a:solidFill>
+                  <a:schemeClr val="bg1"/>
+                </a:solidFill>
+                <a:latin typeface="나눔고딕 Light" panose="020D0904000000000000" pitchFamily="50" charset="-127"/>
+                <a:ea typeface="나눔고딕 Light" panose="020D0904000000000000" pitchFamily="50" charset="-127"/>
+              </a:rPr>
+              <a:t>컴퓨터명</a:t>
+            </a:r>
+            <a:r>
+              <a:rPr lang="en-US" altLang="ko-KR" sz="1300" dirty="0">
+                <a:solidFill>
+                  <a:schemeClr val="bg1"/>
+                </a:solidFill>
+                <a:latin typeface="나눔고딕 Light" panose="020D0904000000000000" pitchFamily="50" charset="-127"/>
+                <a:ea typeface="나눔고딕 Light" panose="020D0904000000000000" pitchFamily="50" charset="-127"/>
+              </a:rPr>
+              <a:t>\</a:t>
+            </a:r>
+            <a:r>
+              <a:rPr lang="en-US" altLang="ko-KR" sz="1300" dirty="0" err="1">
+                <a:solidFill>
+                  <a:schemeClr val="bg1"/>
+                </a:solidFill>
+                <a:latin typeface="나눔고딕 Light" panose="020D0904000000000000" pitchFamily="50" charset="-127"/>
+                <a:ea typeface="나눔고딕 Light" panose="020D0904000000000000" pitchFamily="50" charset="-127"/>
+              </a:rPr>
+              <a:t>PycharmProjects</a:t>
+            </a:r>
+            <a:r>
+              <a:rPr lang="en-US" altLang="ko-KR" sz="1300" dirty="0">
+                <a:solidFill>
+                  <a:schemeClr val="bg1"/>
+                </a:solidFill>
+                <a:latin typeface="나눔고딕 Light" panose="020D0904000000000000" pitchFamily="50" charset="-127"/>
+                <a:ea typeface="나눔고딕 Light" panose="020D0904000000000000" pitchFamily="50" charset="-127"/>
+              </a:rPr>
+              <a:t>\</a:t>
+            </a:r>
+            <a:r>
+              <a:rPr lang="ko-KR" altLang="en-US" sz="1300" dirty="0">
+                <a:solidFill>
+                  <a:schemeClr val="bg1"/>
+                </a:solidFill>
+                <a:latin typeface="나눔고딕 Light" panose="020D0904000000000000" pitchFamily="50" charset="-127"/>
+                <a:ea typeface="나눔고딕 Light" panose="020D0904000000000000" pitchFamily="50" charset="-127"/>
+              </a:rPr>
+              <a:t>프로젝트명</a:t>
+            </a:r>
+            <a:r>
+              <a:rPr lang="en-US" altLang="ko-KR" sz="1300" dirty="0">
+                <a:solidFill>
+                  <a:schemeClr val="bg1"/>
+                </a:solidFill>
+                <a:latin typeface="나눔고딕 Light" panose="020D0904000000000000" pitchFamily="50" charset="-127"/>
+                <a:ea typeface="나눔고딕 Light" panose="020D0904000000000000" pitchFamily="50" charset="-127"/>
+              </a:rPr>
+              <a:t>\</a:t>
+            </a:r>
+            <a:r>
+              <a:rPr lang="ko-KR" altLang="en-US" sz="1300" dirty="0">
+                <a:solidFill>
+                  <a:schemeClr val="bg1"/>
+                </a:solidFill>
+                <a:latin typeface="나눔고딕 Light" panose="020D0904000000000000" pitchFamily="50" charset="-127"/>
+                <a:ea typeface="나눔고딕 Light" panose="020D0904000000000000" pitchFamily="50" charset="-127"/>
+              </a:rPr>
+              <a:t>장</a:t>
+            </a:r>
+            <a:r>
+              <a:rPr lang="en-US" altLang="ko-KR" sz="1300" dirty="0">
+                <a:solidFill>
+                  <a:schemeClr val="bg1"/>
+                </a:solidFill>
+                <a:latin typeface="나눔고딕 Light" panose="020D0904000000000000" pitchFamily="50" charset="-127"/>
+                <a:ea typeface="나눔고딕 Light" panose="020D0904000000000000" pitchFamily="50" charset="-127"/>
+              </a:rPr>
+              <a:t>…&gt; python manage.py </a:t>
+            </a:r>
+            <a:r>
+              <a:rPr lang="en-US" altLang="ko-KR" sz="1300" dirty="0" err="1">
+                <a:solidFill>
+                  <a:schemeClr val="bg1"/>
+                </a:solidFill>
+                <a:latin typeface="나눔고딕 Light" panose="020D0904000000000000" pitchFamily="50" charset="-127"/>
+                <a:ea typeface="나눔고딕 Light" panose="020D0904000000000000" pitchFamily="50" charset="-127"/>
+              </a:rPr>
+              <a:t>createsuperuser</a:t>
+            </a:r>
+            <a:endParaRPr lang="en-US" altLang="ko-KR" sz="1300" dirty="0">
+              <a:solidFill>
+                <a:schemeClr val="bg1"/>
+              </a:solidFill>
+              <a:latin typeface="나눔고딕 Light" panose="020D0904000000000000" pitchFamily="50" charset="-127"/>
+              <a:ea typeface="나눔고딕 Light" panose="020D0904000000000000" pitchFamily="50" charset="-127"/>
+            </a:endParaRPr>
+          </a:p>
+          <a:p>
+            <a:r>
+              <a:rPr lang="en-US" altLang="ko-KR" sz="1300" dirty="0">
+                <a:solidFill>
+                  <a:schemeClr val="bg1"/>
+                </a:solidFill>
+                <a:latin typeface="나눔고딕 Light" panose="020D0904000000000000" pitchFamily="50" charset="-127"/>
+                <a:ea typeface="나눔고딕 Light" panose="020D0904000000000000" pitchFamily="50" charset="-127"/>
+              </a:rPr>
+              <a:t>Username: admin (</a:t>
+            </a:r>
+            <a:r>
+              <a:rPr lang="ko-KR" altLang="en-US" sz="1300" dirty="0">
+                <a:solidFill>
+                  <a:schemeClr val="bg1"/>
+                </a:solidFill>
+                <a:latin typeface="나눔고딕 Light" panose="020D0904000000000000" pitchFamily="50" charset="-127"/>
+                <a:ea typeface="나눔고딕 Light" panose="020D0904000000000000" pitchFamily="50" charset="-127"/>
+              </a:rPr>
+              <a:t>원하는 거</a:t>
+            </a:r>
+            <a:r>
+              <a:rPr lang="en-US" altLang="ko-KR" sz="1300" dirty="0">
+                <a:solidFill>
+                  <a:schemeClr val="bg1"/>
+                </a:solidFill>
+                <a:latin typeface="나눔고딕 Light" panose="020D0904000000000000" pitchFamily="50" charset="-127"/>
+                <a:ea typeface="나눔고딕 Light" panose="020D0904000000000000" pitchFamily="50" charset="-127"/>
+              </a:rPr>
+              <a:t>)</a:t>
+            </a:r>
+          </a:p>
+          <a:p>
+            <a:r>
+              <a:rPr lang="en-US" altLang="ko-KR" sz="1300" dirty="0">
+                <a:solidFill>
+                  <a:schemeClr val="bg1"/>
+                </a:solidFill>
+                <a:latin typeface="나눔고딕 Light" panose="020D0904000000000000" pitchFamily="50" charset="-127"/>
+                <a:ea typeface="나눔고딕 Light" panose="020D0904000000000000" pitchFamily="50" charset="-127"/>
+              </a:rPr>
+              <a:t>Email address: </a:t>
+            </a:r>
+            <a:r>
+              <a:rPr lang="en-US" altLang="ko-KR" sz="1300" dirty="0">
+                <a:solidFill>
+                  <a:schemeClr val="bg1"/>
+                </a:solidFill>
+                <a:latin typeface="나눔고딕 Light" panose="020D0904000000000000" pitchFamily="50" charset="-127"/>
+                <a:ea typeface="나눔고딕 Light" panose="020D0904000000000000" pitchFamily="50" charset="-127"/>
+                <a:hlinkClick r:id="rId2"/>
+              </a:rPr>
+              <a:t>admin@admin.com</a:t>
+            </a:r>
+            <a:r>
+              <a:rPr lang="en-US" altLang="ko-KR" sz="1300" dirty="0">
+                <a:solidFill>
+                  <a:schemeClr val="bg1"/>
+                </a:solidFill>
+                <a:latin typeface="나눔고딕 Light" panose="020D0904000000000000" pitchFamily="50" charset="-127"/>
+                <a:ea typeface="나눔고딕 Light" panose="020D0904000000000000" pitchFamily="50" charset="-127"/>
+              </a:rPr>
+              <a:t> (</a:t>
+            </a:r>
+            <a:r>
+              <a:rPr lang="ko-KR" altLang="en-US" sz="1300" dirty="0">
+                <a:solidFill>
+                  <a:schemeClr val="bg1"/>
+                </a:solidFill>
+                <a:latin typeface="나눔고딕 Light" panose="020D0904000000000000" pitchFamily="50" charset="-127"/>
+                <a:ea typeface="나눔고딕 Light" panose="020D0904000000000000" pitchFamily="50" charset="-127"/>
+              </a:rPr>
+              <a:t>원하는 이메일</a:t>
+            </a:r>
+            <a:r>
+              <a:rPr lang="en-US" altLang="ko-KR" sz="1300" dirty="0">
+                <a:solidFill>
+                  <a:schemeClr val="bg1"/>
+                </a:solidFill>
+                <a:latin typeface="나눔고딕 Light" panose="020D0904000000000000" pitchFamily="50" charset="-127"/>
+                <a:ea typeface="나눔고딕 Light" panose="020D0904000000000000" pitchFamily="50" charset="-127"/>
+              </a:rPr>
+              <a:t>)</a:t>
+            </a:r>
+          </a:p>
+          <a:p>
+            <a:r>
+              <a:rPr lang="en-US" altLang="ko-KR" sz="1300" dirty="0">
+                <a:solidFill>
+                  <a:schemeClr val="bg1"/>
+                </a:solidFill>
+                <a:latin typeface="나눔고딕 Light" panose="020D0904000000000000" pitchFamily="50" charset="-127"/>
+                <a:ea typeface="나눔고딕 Light" panose="020D0904000000000000" pitchFamily="50" charset="-127"/>
+              </a:rPr>
+              <a:t>Password: (</a:t>
+            </a:r>
+            <a:r>
+              <a:rPr lang="ko-KR" altLang="en-US" sz="1300" dirty="0">
+                <a:solidFill>
+                  <a:schemeClr val="bg1"/>
+                </a:solidFill>
+                <a:latin typeface="나눔고딕 Light" panose="020D0904000000000000" pitchFamily="50" charset="-127"/>
+                <a:ea typeface="나눔고딕 Light" panose="020D0904000000000000" pitchFamily="50" charset="-127"/>
+              </a:rPr>
+              <a:t>사용할 비번</a:t>
+            </a:r>
+            <a:r>
+              <a:rPr lang="en-US" altLang="ko-KR" sz="1300" dirty="0">
+                <a:solidFill>
+                  <a:schemeClr val="bg1"/>
+                </a:solidFill>
+                <a:latin typeface="나눔고딕 Light" panose="020D0904000000000000" pitchFamily="50" charset="-127"/>
+                <a:ea typeface="나눔고딕 Light" panose="020D0904000000000000" pitchFamily="50" charset="-127"/>
+              </a:rPr>
+              <a:t>)</a:t>
+            </a:r>
+          </a:p>
+          <a:p>
+            <a:r>
+              <a:rPr lang="en-US" altLang="ko-KR" sz="1300" dirty="0">
+                <a:solidFill>
+                  <a:schemeClr val="bg1"/>
+                </a:solidFill>
+                <a:latin typeface="나눔고딕 Light" panose="020D0904000000000000" pitchFamily="50" charset="-127"/>
+                <a:ea typeface="나눔고딕 Light" panose="020D0904000000000000" pitchFamily="50" charset="-127"/>
+              </a:rPr>
+              <a:t>Password (again): (</a:t>
+            </a:r>
+            <a:r>
+              <a:rPr lang="ko-KR" altLang="en-US" sz="1300" dirty="0">
+                <a:solidFill>
+                  <a:schemeClr val="bg1"/>
+                </a:solidFill>
+                <a:latin typeface="나눔고딕 Light" panose="020D0904000000000000" pitchFamily="50" charset="-127"/>
+                <a:ea typeface="나눔고딕 Light" panose="020D0904000000000000" pitchFamily="50" charset="-127"/>
+              </a:rPr>
+              <a:t>한번 더</a:t>
+            </a:r>
+            <a:r>
+              <a:rPr lang="en-US" altLang="ko-KR" sz="1300" dirty="0">
+                <a:solidFill>
+                  <a:schemeClr val="bg1"/>
+                </a:solidFill>
+                <a:latin typeface="나눔고딕 Light" panose="020D0904000000000000" pitchFamily="50" charset="-127"/>
+                <a:ea typeface="나눔고딕 Light" panose="020D0904000000000000" pitchFamily="50" charset="-127"/>
+              </a:rPr>
+              <a:t>)</a:t>
+            </a:r>
+          </a:p>
+          <a:p>
+            <a:r>
+              <a:rPr lang="en-US" altLang="ko-KR" sz="1300" dirty="0">
+                <a:solidFill>
+                  <a:schemeClr val="bg1"/>
+                </a:solidFill>
+                <a:latin typeface="나눔고딕 Light" panose="020D0904000000000000" pitchFamily="50" charset="-127"/>
+                <a:ea typeface="나눔고딕 Light" panose="020D0904000000000000" pitchFamily="50" charset="-127"/>
+              </a:rPr>
+              <a:t>Superuser created successfully.</a:t>
+            </a:r>
+            <a:endParaRPr lang="ko-KR" altLang="en-US" sz="1300" dirty="0">
+              <a:solidFill>
+                <a:schemeClr val="bg1"/>
+              </a:solidFill>
+              <a:latin typeface="나눔고딕 Light" panose="020D0904000000000000" pitchFamily="50" charset="-127"/>
+              <a:ea typeface="나눔고딕 Light" panose="020D0904000000000000" pitchFamily="50" charset="-127"/>
+            </a:endParaRPr>
+          </a:p>
+        </p:txBody>
+      </p:sp>
+      <p:sp>
+        <p:nvSpPr>
+          <p:cNvPr id="5" name="직사각형 4">
+            <a:extLst>
+              <a:ext uri="{FF2B5EF4-FFF2-40B4-BE49-F238E27FC236}">
+                <a16:creationId xmlns:a16="http://schemas.microsoft.com/office/drawing/2014/main" id="{BCCABDFB-E841-4E59-B7C6-8FF7756D9E45}"/>
+              </a:ext>
+            </a:extLst>
+          </p:cNvPr>
+          <p:cNvSpPr/>
+          <p:nvPr/>
+        </p:nvSpPr>
+        <p:spPr>
+          <a:xfrm>
+            <a:off x="6621244" y="2930938"/>
+            <a:ext cx="4852610" cy="492443"/>
+          </a:xfrm>
+          <a:prstGeom prst="rect">
+            <a:avLst/>
+          </a:prstGeom>
+        </p:spPr>
+        <p:txBody>
+          <a:bodyPr wrap="none">
+            <a:spAutoFit/>
+          </a:bodyPr>
+          <a:lstStyle/>
+          <a:p>
+            <a:r>
+              <a:rPr lang="ko-KR" altLang="en-US" sz="1300" dirty="0">
+                <a:solidFill>
+                  <a:srgbClr val="4183C4"/>
+                </a:solidFill>
+                <a:latin typeface="나눔고딕코딩" panose="020D0009000000000000" pitchFamily="49" charset="-127"/>
+                <a:ea typeface="나눔고딕코딩" panose="020D0009000000000000" pitchFamily="49" charset="-127"/>
+                <a:hlinkClick r:id="rId3"/>
+              </a:rPr>
+              <a:t>관리자 페이지에 대한 자세한 내용은</a:t>
+            </a:r>
+            <a:r>
+              <a:rPr lang="en-US" altLang="ko-KR" sz="1300" dirty="0">
+                <a:solidFill>
+                  <a:srgbClr val="4183C4"/>
+                </a:solidFill>
+                <a:latin typeface="나눔고딕코딩" panose="020D0009000000000000" pitchFamily="49" charset="-127"/>
+                <a:ea typeface="나눔고딕코딩" panose="020D0009000000000000" pitchFamily="49" charset="-127"/>
+                <a:hlinkClick r:id="rId3"/>
+              </a:rPr>
+              <a:t>?</a:t>
+            </a:r>
+          </a:p>
+          <a:p>
+            <a:r>
+              <a:rPr lang="en-US" altLang="ko-KR" sz="1300" dirty="0">
+                <a:solidFill>
+                  <a:srgbClr val="4183C4"/>
+                </a:solidFill>
+                <a:latin typeface="나눔고딕코딩" panose="020D0009000000000000" pitchFamily="49" charset="-127"/>
+                <a:ea typeface="나눔고딕코딩" panose="020D0009000000000000" pitchFamily="49" charset="-127"/>
+                <a:hlinkClick r:id="rId3"/>
+              </a:rPr>
+              <a:t>https://docs.djangoproject.com/en/1.8/ref/contrib/admin/</a:t>
+            </a:r>
+            <a:endParaRPr lang="ko-KR" altLang="en-US" sz="1300" dirty="0">
+              <a:latin typeface="나눔고딕코딩" panose="020D0009000000000000" pitchFamily="49" charset="-127"/>
+              <a:ea typeface="나눔고딕코딩" panose="020D0009000000000000" pitchFamily="49" charset="-127"/>
+            </a:endParaRPr>
+          </a:p>
+        </p:txBody>
+      </p:sp>
+    </p:spTree>
+    <p:extLst>
+      <p:ext uri="{BB962C8B-B14F-4D97-AF65-F5344CB8AC3E}">
+        <p14:creationId xmlns:p14="http://schemas.microsoft.com/office/powerpoint/2010/main" val="248409828"/>
+      </p:ext>
+    </p:extLst>
+  </p:cSld>
+  <p:clrMapOvr>
+    <a:masterClrMapping/>
+  </p:clrMapOvr>
+</p:sld>
+</file>
+
+<file path=ppt/slides/slide21.xml><?xml version="1.0" encoding="utf-8"?>
+<p:sld xmlns:a="http://schemas.openxmlformats.org/drawingml/2006/main" xmlns:r="http://schemas.openxmlformats.org/officeDocument/2006/relationships" xmlns:p="http://schemas.openxmlformats.org/presentationml/2006/main">
+  <p:cSld>
+    <p:spTree>
+      <p:nvGrpSpPr>
+        <p:cNvPr id="1" name=""/>
+        <p:cNvGrpSpPr/>
+        <p:nvPr/>
+      </p:nvGrpSpPr>
+      <p:grpSpPr>
+        <a:xfrm>
+          <a:off x="0" y="0"/>
+          <a:ext cx="0" cy="0"/>
+          <a:chOff x="0" y="0"/>
+          <a:chExt cx="0" cy="0"/>
+        </a:xfrm>
+      </p:grpSpPr>
+      <p:sp>
+        <p:nvSpPr>
+          <p:cNvPr id="5" name="TextBox 4">
+            <a:extLst>
+              <a:ext uri="{FF2B5EF4-FFF2-40B4-BE49-F238E27FC236}">
+                <a16:creationId xmlns:a16="http://schemas.microsoft.com/office/drawing/2014/main" id="{90E3FD0D-EAEA-4714-9554-796CD0E529C7}"/>
+              </a:ext>
+            </a:extLst>
+          </p:cNvPr>
+          <p:cNvSpPr txBox="1"/>
+          <p:nvPr/>
+        </p:nvSpPr>
+        <p:spPr>
+          <a:xfrm>
+            <a:off x="1927654" y="1540517"/>
+            <a:ext cx="6944498" cy="3628686"/>
+          </a:xfrm>
+          <a:prstGeom prst="rect">
+            <a:avLst/>
+          </a:prstGeom>
+          <a:noFill/>
+        </p:spPr>
+        <p:txBody>
+          <a:bodyPr wrap="square" rtlCol="0">
+            <a:spAutoFit/>
+          </a:bodyPr>
+          <a:lstStyle/>
+          <a:p>
+            <a:pPr>
+              <a:lnSpc>
+                <a:spcPct val="250000"/>
+              </a:lnSpc>
+            </a:pPr>
+            <a:r>
+              <a:rPr lang="en-US" altLang="ko-KR" sz="2400" dirty="0">
+                <a:latin typeface="나눔고딕코딩" panose="020D0009000000000000" pitchFamily="49" charset="-127"/>
+                <a:ea typeface="나눔고딕코딩" panose="020D0009000000000000" pitchFamily="49" charset="-127"/>
+              </a:rPr>
+              <a:t>0x1 / Django(</a:t>
+            </a:r>
+            <a:r>
+              <a:rPr lang="ko-KR" altLang="en-US" sz="2400" dirty="0">
+                <a:latin typeface="나눔고딕코딩" panose="020D0009000000000000" pitchFamily="49" charset="-127"/>
+                <a:ea typeface="나눔고딕코딩" panose="020D0009000000000000" pitchFamily="49" charset="-127"/>
+              </a:rPr>
+              <a:t>장고</a:t>
+            </a:r>
+            <a:r>
+              <a:rPr lang="en-US" altLang="ko-KR" sz="2400" dirty="0">
+                <a:latin typeface="나눔고딕코딩" panose="020D0009000000000000" pitchFamily="49" charset="-127"/>
+                <a:ea typeface="나눔고딕코딩" panose="020D0009000000000000" pitchFamily="49" charset="-127"/>
+              </a:rPr>
+              <a:t>) </a:t>
+            </a:r>
+            <a:r>
+              <a:rPr lang="ko-KR" altLang="en-US" sz="2400" dirty="0">
+                <a:latin typeface="나눔고딕코딩" panose="020D0009000000000000" pitchFamily="49" charset="-127"/>
+                <a:ea typeface="나눔고딕코딩" panose="020D0009000000000000" pitchFamily="49" charset="-127"/>
+              </a:rPr>
+              <a:t>설치 방법 </a:t>
+            </a:r>
+            <a:r>
+              <a:rPr lang="en-US" altLang="ko-KR" sz="2400" dirty="0">
+                <a:latin typeface="나눔고딕코딩" panose="020D0009000000000000" pitchFamily="49" charset="-127"/>
+                <a:ea typeface="나눔고딕코딩" panose="020D0009000000000000" pitchFamily="49" charset="-127"/>
+              </a:rPr>
+              <a:t>(with PyCharm)</a:t>
+            </a:r>
+          </a:p>
+          <a:p>
+            <a:pPr>
+              <a:lnSpc>
+                <a:spcPct val="250000"/>
+              </a:lnSpc>
+            </a:pPr>
+            <a:r>
+              <a:rPr lang="en-US" altLang="ko-KR" sz="2400" dirty="0">
+                <a:latin typeface="나눔고딕코딩" panose="020D0009000000000000" pitchFamily="49" charset="-127"/>
+                <a:ea typeface="나눔고딕코딩" panose="020D0009000000000000" pitchFamily="49" charset="-127"/>
+              </a:rPr>
+              <a:t>0x2 / </a:t>
+            </a:r>
+            <a:r>
+              <a:rPr lang="ko-KR" altLang="en-US" sz="2400" dirty="0">
+                <a:latin typeface="나눔고딕코딩" panose="020D0009000000000000" pitchFamily="49" charset="-127"/>
+                <a:ea typeface="나눔고딕코딩" panose="020D0009000000000000" pitchFamily="49" charset="-127"/>
+              </a:rPr>
+              <a:t>장고</a:t>
+            </a:r>
+            <a:r>
+              <a:rPr lang="en-US" altLang="ko-KR" sz="2400" dirty="0">
+                <a:latin typeface="나눔고딕코딩" panose="020D0009000000000000" pitchFamily="49" charset="-127"/>
+                <a:ea typeface="나눔고딕코딩" panose="020D0009000000000000" pitchFamily="49" charset="-127"/>
+              </a:rPr>
+              <a:t> </a:t>
+            </a:r>
+            <a:r>
+              <a:rPr lang="ko-KR" altLang="en-US" sz="2400" dirty="0">
+                <a:latin typeface="나눔고딕코딩" panose="020D0009000000000000" pitchFamily="49" charset="-127"/>
+                <a:ea typeface="나눔고딕코딩" panose="020D0009000000000000" pitchFamily="49" charset="-127"/>
+              </a:rPr>
+              <a:t>사용하기</a:t>
+            </a:r>
+            <a:endParaRPr lang="en-US" altLang="ko-KR" sz="2400" dirty="0">
+              <a:latin typeface="나눔고딕코딩" panose="020D0009000000000000" pitchFamily="49" charset="-127"/>
+              <a:ea typeface="나눔고딕코딩" panose="020D0009000000000000" pitchFamily="49" charset="-127"/>
+            </a:endParaRPr>
+          </a:p>
+          <a:p>
+            <a:pPr>
+              <a:lnSpc>
+                <a:spcPct val="250000"/>
+              </a:lnSpc>
+            </a:pPr>
+            <a:r>
+              <a:rPr lang="en-US" altLang="ko-KR" sz="2400" dirty="0">
                 <a:solidFill>
                   <a:srgbClr val="FF0000"/>
                 </a:solidFill>
                 <a:latin typeface="나눔고딕코딩" panose="020D0009000000000000" pitchFamily="49" charset="-127"/>
                 <a:ea typeface="나눔고딕코딩" panose="020D0009000000000000" pitchFamily="49" charset="-127"/>
               </a:rPr>
-              <a:t>0x3 / Django basic structure</a:t>
-            </a:r>
+              <a:t>0x3 / </a:t>
+            </a:r>
+            <a:r>
+              <a:rPr lang="ko-KR" altLang="en-US" sz="2400" dirty="0">
+                <a:solidFill>
+                  <a:srgbClr val="FF0000"/>
+                </a:solidFill>
+                <a:latin typeface="나눔고딕코딩" panose="020D0009000000000000" pitchFamily="49" charset="-127"/>
+                <a:ea typeface="나눔고딕코딩" panose="020D0009000000000000" pitchFamily="49" charset="-127"/>
+              </a:rPr>
+              <a:t>장고 프로젝트 올리기</a:t>
+            </a:r>
+            <a:endParaRPr lang="en-US" altLang="ko-KR" sz="2400" dirty="0">
+              <a:solidFill>
+                <a:srgbClr val="FF0000"/>
+              </a:solidFill>
+              <a:latin typeface="나눔고딕코딩" panose="020D0009000000000000" pitchFamily="49" charset="-127"/>
+              <a:ea typeface="나눔고딕코딩" panose="020D0009000000000000" pitchFamily="49" charset="-127"/>
+            </a:endParaRPr>
           </a:p>
           <a:p>
             <a:pPr>
@@ -7152,7 +12499,3009 @@
 </p:sld>
 </file>
 
-<file path=ppt/slides/slide17.xml><?xml version="1.0" encoding="utf-8"?>
+<file path=ppt/slides/slide22.xml><?xml version="1.0" encoding="utf-8"?>
+<p:sld xmlns:a="http://schemas.openxmlformats.org/drawingml/2006/main" xmlns:r="http://schemas.openxmlformats.org/officeDocument/2006/relationships" xmlns:p="http://schemas.openxmlformats.org/presentationml/2006/main">
+  <p:cSld>
+    <p:spTree>
+      <p:nvGrpSpPr>
+        <p:cNvPr id="1" name=""/>
+        <p:cNvGrpSpPr/>
+        <p:nvPr/>
+      </p:nvGrpSpPr>
+      <p:grpSpPr>
+        <a:xfrm>
+          <a:off x="0" y="0"/>
+          <a:ext cx="0" cy="0"/>
+          <a:chOff x="0" y="0"/>
+          <a:chExt cx="0" cy="0"/>
+        </a:xfrm>
+      </p:grpSpPr>
+      <p:sp>
+        <p:nvSpPr>
+          <p:cNvPr id="4" name="TextBox 3">
+            <a:extLst>
+              <a:ext uri="{FF2B5EF4-FFF2-40B4-BE49-F238E27FC236}">
+                <a16:creationId xmlns:a16="http://schemas.microsoft.com/office/drawing/2014/main" id="{6F512E33-3568-4B64-907A-F55736485946}"/>
+              </a:ext>
+            </a:extLst>
+          </p:cNvPr>
+          <p:cNvSpPr txBox="1"/>
+          <p:nvPr/>
+        </p:nvSpPr>
+        <p:spPr>
+          <a:xfrm>
+            <a:off x="199765" y="393614"/>
+            <a:ext cx="8285207" cy="523220"/>
+          </a:xfrm>
+          <a:prstGeom prst="rect">
+            <a:avLst/>
+          </a:prstGeom>
+          <a:noFill/>
+        </p:spPr>
+        <p:txBody>
+          <a:bodyPr wrap="square" rtlCol="0">
+            <a:spAutoFit/>
+          </a:bodyPr>
+          <a:lstStyle/>
+          <a:p>
+            <a:r>
+              <a:rPr lang="en-US" altLang="ko-KR" sz="2800" dirty="0">
+                <a:solidFill>
+                  <a:schemeClr val="bg1"/>
+                </a:solidFill>
+                <a:latin typeface="나눔고딕 Light" panose="020D0904000000000000" pitchFamily="50" charset="-127"/>
+                <a:ea typeface="나눔고딕 Light" panose="020D0904000000000000" pitchFamily="50" charset="-127"/>
+              </a:rPr>
+              <a:t>3 &gt; Django(</a:t>
+            </a:r>
+            <a:r>
+              <a:rPr lang="ko-KR" altLang="en-US" sz="2800" dirty="0">
+                <a:solidFill>
+                  <a:schemeClr val="bg1"/>
+                </a:solidFill>
+                <a:latin typeface="나눔고딕 Light" panose="020D0904000000000000" pitchFamily="50" charset="-127"/>
+                <a:ea typeface="나눔고딕 Light" panose="020D0904000000000000" pitchFamily="50" charset="-127"/>
+              </a:rPr>
+              <a:t>장고</a:t>
+            </a:r>
+            <a:r>
+              <a:rPr lang="en-US" altLang="ko-KR" sz="2800" dirty="0">
+                <a:solidFill>
+                  <a:schemeClr val="bg1"/>
+                </a:solidFill>
+                <a:latin typeface="나눔고딕 Light" panose="020D0904000000000000" pitchFamily="50" charset="-127"/>
+                <a:ea typeface="나눔고딕 Light" panose="020D0904000000000000" pitchFamily="50" charset="-127"/>
+              </a:rPr>
+              <a:t>) </a:t>
+            </a:r>
+            <a:r>
+              <a:rPr lang="ko-KR" altLang="en-US" sz="2800" dirty="0">
+                <a:solidFill>
+                  <a:schemeClr val="bg1"/>
+                </a:solidFill>
+                <a:latin typeface="나눔고딕 Light" panose="020D0904000000000000" pitchFamily="50" charset="-127"/>
+                <a:ea typeface="나눔고딕 Light" panose="020D0904000000000000" pitchFamily="50" charset="-127"/>
+              </a:rPr>
+              <a:t>프로젝트 올리기</a:t>
+            </a:r>
+            <a:endParaRPr lang="en-US" altLang="ko-KR" sz="2800" dirty="0">
+              <a:solidFill>
+                <a:schemeClr val="bg1"/>
+              </a:solidFill>
+              <a:latin typeface="나눔고딕 Light" panose="020D0904000000000000" pitchFamily="50" charset="-127"/>
+              <a:ea typeface="나눔고딕 Light" panose="020D0904000000000000" pitchFamily="50" charset="-127"/>
+            </a:endParaRPr>
+          </a:p>
+        </p:txBody>
+      </p:sp>
+      <p:sp>
+        <p:nvSpPr>
+          <p:cNvPr id="10" name="TextBox 9">
+            <a:extLst>
+              <a:ext uri="{FF2B5EF4-FFF2-40B4-BE49-F238E27FC236}">
+                <a16:creationId xmlns:a16="http://schemas.microsoft.com/office/drawing/2014/main" id="{F49A06C6-23C9-4098-A6B3-8AE9A9C618A7}"/>
+              </a:ext>
+            </a:extLst>
+          </p:cNvPr>
+          <p:cNvSpPr txBox="1"/>
+          <p:nvPr/>
+        </p:nvSpPr>
+        <p:spPr>
+          <a:xfrm>
+            <a:off x="263610" y="1326292"/>
+            <a:ext cx="7891345" cy="4718215"/>
+          </a:xfrm>
+          <a:prstGeom prst="rect">
+            <a:avLst/>
+          </a:prstGeom>
+          <a:noFill/>
+        </p:spPr>
+        <p:txBody>
+          <a:bodyPr wrap="square" rtlCol="0">
+            <a:spAutoFit/>
+          </a:bodyPr>
+          <a:lstStyle/>
+          <a:p>
+            <a:pPr>
+              <a:lnSpc>
+                <a:spcPct val="120000"/>
+              </a:lnSpc>
+            </a:pPr>
+            <a:r>
+              <a:rPr lang="en-US" altLang="ko-KR" b="1" dirty="0">
+                <a:latin typeface="나눔고딕코딩" panose="020D0009000000000000" pitchFamily="49" charset="-127"/>
+                <a:ea typeface="나눔고딕코딩" panose="020D0009000000000000" pitchFamily="49" charset="-127"/>
+              </a:rPr>
+              <a:t>Git(</a:t>
+            </a:r>
+            <a:r>
+              <a:rPr lang="ko-KR" altLang="en-US" b="1" dirty="0">
+                <a:latin typeface="나눔고딕코딩" panose="020D0009000000000000" pitchFamily="49" charset="-127"/>
+                <a:ea typeface="나눔고딕코딩" panose="020D0009000000000000" pitchFamily="49" charset="-127"/>
+              </a:rPr>
+              <a:t>분산 관리 시스템</a:t>
+            </a:r>
+            <a:r>
+              <a:rPr lang="en-US" altLang="ko-KR" b="1" dirty="0">
+                <a:latin typeface="나눔고딕코딩" panose="020D0009000000000000" pitchFamily="49" charset="-127"/>
+                <a:ea typeface="나눔고딕코딩" panose="020D0009000000000000" pitchFamily="49" charset="-127"/>
+              </a:rPr>
+              <a:t>) </a:t>
+            </a:r>
+            <a:r>
+              <a:rPr lang="ko-KR" altLang="en-US" b="1" dirty="0">
+                <a:latin typeface="나눔고딕코딩" panose="020D0009000000000000" pitchFamily="49" charset="-127"/>
+                <a:ea typeface="나눔고딕코딩" panose="020D0009000000000000" pitchFamily="49" charset="-127"/>
+              </a:rPr>
+              <a:t>저장소에 프로젝트 올리기</a:t>
+            </a:r>
+            <a:endParaRPr lang="en-US" altLang="ko-KR" dirty="0">
+              <a:latin typeface="나눔고딕코딩" panose="020D0009000000000000" pitchFamily="49" charset="-127"/>
+              <a:ea typeface="나눔고딕코딩" panose="020D0009000000000000" pitchFamily="49" charset="-127"/>
+            </a:endParaRPr>
+          </a:p>
+          <a:p>
+            <a:pPr marL="285750" indent="-285750">
+              <a:lnSpc>
+                <a:spcPct val="120000"/>
+              </a:lnSpc>
+              <a:buFont typeface="Arial" panose="020B0604020202020204" pitchFamily="34" charset="0"/>
+              <a:buChar char="•"/>
+            </a:pPr>
+            <a:r>
+              <a:rPr lang="en-US" altLang="ko-KR" dirty="0">
+                <a:latin typeface="나눔고딕코딩" panose="020D0009000000000000" pitchFamily="49" charset="-127"/>
+                <a:ea typeface="나눔고딕코딩" panose="020D0009000000000000" pitchFamily="49" charset="-127"/>
+              </a:rPr>
+              <a:t>“</a:t>
+            </a:r>
+            <a:r>
+              <a:rPr lang="ko-KR" altLang="en-US" dirty="0">
+                <a:latin typeface="나눔고딕코딩" panose="020D0009000000000000" pitchFamily="49" charset="-127"/>
+                <a:ea typeface="나눔고딕코딩" panose="020D0009000000000000" pitchFamily="49" charset="-127"/>
+              </a:rPr>
+              <a:t>나는 </a:t>
+            </a:r>
+            <a:r>
+              <a:rPr lang="ko-KR" altLang="en-US" dirty="0" err="1">
+                <a:latin typeface="나눔고딕코딩" panose="020D0009000000000000" pitchFamily="49" charset="-127"/>
+                <a:ea typeface="나눔고딕코딩" panose="020D0009000000000000" pitchFamily="49" charset="-127"/>
+              </a:rPr>
+              <a:t>니가</a:t>
+            </a:r>
+            <a:r>
+              <a:rPr lang="ko-KR" altLang="en-US" dirty="0">
+                <a:latin typeface="나눔고딕코딩" panose="020D0009000000000000" pitchFamily="49" charset="-127"/>
+                <a:ea typeface="나눔고딕코딩" panose="020D0009000000000000" pitchFamily="49" charset="-127"/>
+              </a:rPr>
+              <a:t> 지금까지 뭘 했는지 다 알고 있다＂</a:t>
+            </a:r>
+            <a:endParaRPr lang="en-US" altLang="ko-KR" dirty="0">
+              <a:latin typeface="나눔고딕코딩" panose="020D0009000000000000" pitchFamily="49" charset="-127"/>
+              <a:ea typeface="나눔고딕코딩" panose="020D0009000000000000" pitchFamily="49" charset="-127"/>
+            </a:endParaRPr>
+          </a:p>
+          <a:p>
+            <a:pPr marL="285750" indent="-285750">
+              <a:lnSpc>
+                <a:spcPct val="120000"/>
+              </a:lnSpc>
+              <a:buFont typeface="Arial" panose="020B0604020202020204" pitchFamily="34" charset="0"/>
+              <a:buChar char="•"/>
+            </a:pPr>
+            <a:r>
+              <a:rPr lang="ko-KR" altLang="en-US" dirty="0">
+                <a:latin typeface="나눔고딕코딩" panose="020D0009000000000000" pitchFamily="49" charset="-127"/>
+                <a:ea typeface="나눔고딕코딩" panose="020D0009000000000000" pitchFamily="49" charset="-127"/>
+              </a:rPr>
+              <a:t>파일의 시간 경과에 따른 변경 사항들을 쉽게 추적할 수 있음</a:t>
+            </a:r>
+            <a:endParaRPr lang="en-US" altLang="ko-KR" dirty="0">
+              <a:latin typeface="나눔고딕코딩" panose="020D0009000000000000" pitchFamily="49" charset="-127"/>
+              <a:ea typeface="나눔고딕코딩" panose="020D0009000000000000" pitchFamily="49" charset="-127"/>
+            </a:endParaRPr>
+          </a:p>
+          <a:p>
+            <a:pPr marL="285750" indent="-285750">
+              <a:lnSpc>
+                <a:spcPct val="120000"/>
+              </a:lnSpc>
+              <a:buFont typeface="Arial" panose="020B0604020202020204" pitchFamily="34" charset="0"/>
+              <a:buChar char="•"/>
+            </a:pPr>
+            <a:r>
+              <a:rPr lang="en-US" altLang="ko-KR" dirty="0">
+                <a:latin typeface="나눔고딕코딩" panose="020D0009000000000000" pitchFamily="49" charset="-127"/>
+                <a:ea typeface="나눔고딕코딩" panose="020D0009000000000000" pitchFamily="49" charset="-127"/>
+              </a:rPr>
+              <a:t>Git for windows: </a:t>
+            </a:r>
+            <a:r>
+              <a:rPr lang="en-US" altLang="ko-KR" dirty="0">
+                <a:latin typeface="나눔고딕코딩" panose="020D0009000000000000" pitchFamily="49" charset="-127"/>
+                <a:ea typeface="나눔고딕코딩" panose="020D0009000000000000" pitchFamily="49" charset="-127"/>
+                <a:hlinkClick r:id="rId2"/>
+              </a:rPr>
+              <a:t>http://git-scm.com</a:t>
+            </a:r>
+            <a:endParaRPr lang="en-US" altLang="ko-KR" dirty="0">
+              <a:latin typeface="나눔고딕코딩" panose="020D0009000000000000" pitchFamily="49" charset="-127"/>
+              <a:ea typeface="나눔고딕코딩" panose="020D0009000000000000" pitchFamily="49" charset="-127"/>
+            </a:endParaRPr>
+          </a:p>
+          <a:p>
+            <a:pPr marL="285750" indent="-285750">
+              <a:lnSpc>
+                <a:spcPct val="120000"/>
+              </a:lnSpc>
+              <a:buFont typeface="Arial" panose="020B0604020202020204" pitchFamily="34" charset="0"/>
+              <a:buChar char="•"/>
+            </a:pPr>
+            <a:endParaRPr lang="en-US" altLang="ko-KR" dirty="0">
+              <a:latin typeface="나눔고딕코딩" panose="020D0009000000000000" pitchFamily="49" charset="-127"/>
+              <a:ea typeface="나눔고딕코딩" panose="020D0009000000000000" pitchFamily="49" charset="-127"/>
+            </a:endParaRPr>
+          </a:p>
+          <a:p>
+            <a:pPr marL="285750" indent="-285750">
+              <a:lnSpc>
+                <a:spcPct val="120000"/>
+              </a:lnSpc>
+              <a:buFont typeface="Arial" panose="020B0604020202020204" pitchFamily="34" charset="0"/>
+              <a:buChar char="•"/>
+            </a:pPr>
+            <a:endParaRPr lang="en-US" altLang="ko-KR" dirty="0">
+              <a:latin typeface="나눔고딕코딩" panose="020D0009000000000000" pitchFamily="49" charset="-127"/>
+              <a:ea typeface="나눔고딕코딩" panose="020D0009000000000000" pitchFamily="49" charset="-127"/>
+            </a:endParaRPr>
+          </a:p>
+          <a:p>
+            <a:pPr>
+              <a:lnSpc>
+                <a:spcPct val="120000"/>
+              </a:lnSpc>
+            </a:pPr>
+            <a:r>
+              <a:rPr lang="en-US" altLang="ko-KR" b="1" dirty="0" err="1">
+                <a:latin typeface="나눔고딕코딩" panose="020D0009000000000000" pitchFamily="49" charset="-127"/>
+                <a:ea typeface="나눔고딕코딩" panose="020D0009000000000000" pitchFamily="49" charset="-127"/>
+              </a:rPr>
+              <a:t>Github</a:t>
+            </a:r>
+            <a:endParaRPr lang="en-US" altLang="ko-KR" b="1" dirty="0">
+              <a:latin typeface="나눔고딕코딩" panose="020D0009000000000000" pitchFamily="49" charset="-127"/>
+              <a:ea typeface="나눔고딕코딩" panose="020D0009000000000000" pitchFamily="49" charset="-127"/>
+            </a:endParaRPr>
+          </a:p>
+          <a:p>
+            <a:pPr marL="285750" indent="-285750">
+              <a:lnSpc>
+                <a:spcPct val="120000"/>
+              </a:lnSpc>
+              <a:buFont typeface="Arial" panose="020B0604020202020204" pitchFamily="34" charset="0"/>
+              <a:buChar char="•"/>
+            </a:pPr>
+            <a:r>
+              <a:rPr lang="en-US" altLang="ko-KR" dirty="0">
+                <a:latin typeface="나눔고딕코딩" panose="020D0009000000000000" pitchFamily="49" charset="-127"/>
+                <a:ea typeface="나눔고딕코딩" panose="020D0009000000000000" pitchFamily="49" charset="-127"/>
+              </a:rPr>
+              <a:t>website: </a:t>
+            </a:r>
+            <a:r>
+              <a:rPr lang="en-US" altLang="ko-KR" dirty="0">
+                <a:latin typeface="나눔고딕코딩" panose="020D0009000000000000" pitchFamily="49" charset="-127"/>
+                <a:ea typeface="나눔고딕코딩" panose="020D0009000000000000" pitchFamily="49" charset="-127"/>
+                <a:hlinkClick r:id="rId3"/>
+              </a:rPr>
+              <a:t>https://github.com</a:t>
+            </a:r>
+            <a:endParaRPr lang="en-US" altLang="ko-KR" dirty="0">
+              <a:latin typeface="나눔고딕코딩" panose="020D0009000000000000" pitchFamily="49" charset="-127"/>
+              <a:ea typeface="나눔고딕코딩" panose="020D0009000000000000" pitchFamily="49" charset="-127"/>
+            </a:endParaRPr>
+          </a:p>
+          <a:p>
+            <a:pPr marL="285750" indent="-285750">
+              <a:lnSpc>
+                <a:spcPct val="120000"/>
+              </a:lnSpc>
+              <a:buFont typeface="Arial" panose="020B0604020202020204" pitchFamily="34" charset="0"/>
+              <a:buChar char="•"/>
+            </a:pPr>
+            <a:r>
+              <a:rPr lang="en-US" altLang="ko-KR" dirty="0">
+                <a:latin typeface="나눔고딕코딩" panose="020D0009000000000000" pitchFamily="49" charset="-127"/>
+                <a:ea typeface="나눔고딕코딩" panose="020D0009000000000000" pitchFamily="49" charset="-127"/>
+              </a:rPr>
+              <a:t>Git </a:t>
+            </a:r>
+            <a:r>
+              <a:rPr lang="ko-KR" altLang="en-US" dirty="0">
+                <a:latin typeface="나눔고딕코딩" panose="020D0009000000000000" pitchFamily="49" charset="-127"/>
+                <a:ea typeface="나눔고딕코딩" panose="020D0009000000000000" pitchFamily="49" charset="-127"/>
+              </a:rPr>
+              <a:t>저장소를 온라인 상에서도 관리해줄 수 있도록 하는 서비스</a:t>
+            </a:r>
+            <a:endParaRPr lang="en-US" altLang="ko-KR" dirty="0">
+              <a:latin typeface="나눔고딕코딩" panose="020D0009000000000000" pitchFamily="49" charset="-127"/>
+              <a:ea typeface="나눔고딕코딩" panose="020D0009000000000000" pitchFamily="49" charset="-127"/>
+            </a:endParaRPr>
+          </a:p>
+          <a:p>
+            <a:pPr marL="285750" indent="-285750">
+              <a:lnSpc>
+                <a:spcPct val="120000"/>
+              </a:lnSpc>
+              <a:buFont typeface="Arial" panose="020B0604020202020204" pitchFamily="34" charset="0"/>
+              <a:buChar char="•"/>
+            </a:pPr>
+            <a:r>
+              <a:rPr lang="ko-KR" altLang="en-US" dirty="0">
+                <a:latin typeface="나눔고딕코딩" panose="020D0009000000000000" pitchFamily="49" charset="-127"/>
+                <a:ea typeface="나눔고딕코딩" panose="020D0009000000000000" pitchFamily="49" charset="-127"/>
+              </a:rPr>
+              <a:t>오픈소스에 초점을 두어 다양한 사람들이 프로젝트에 참가할 수 있음</a:t>
+            </a:r>
+            <a:endParaRPr lang="en-US" altLang="ko-KR" dirty="0">
+              <a:latin typeface="나눔고딕코딩" panose="020D0009000000000000" pitchFamily="49" charset="-127"/>
+              <a:ea typeface="나눔고딕코딩" panose="020D0009000000000000" pitchFamily="49" charset="-127"/>
+            </a:endParaRPr>
+          </a:p>
+          <a:p>
+            <a:pPr marL="285750" indent="-285750">
+              <a:lnSpc>
+                <a:spcPct val="120000"/>
+              </a:lnSpc>
+              <a:buFont typeface="Arial" panose="020B0604020202020204" pitchFamily="34" charset="0"/>
+              <a:buChar char="•"/>
+            </a:pPr>
+            <a:r>
+              <a:rPr lang="ko-KR" altLang="en-US" dirty="0">
+                <a:latin typeface="나눔고딕코딩" panose="020D0009000000000000" pitchFamily="49" charset="-127"/>
+                <a:ea typeface="나눔고딕코딩" panose="020D0009000000000000" pitchFamily="49" charset="-127"/>
+              </a:rPr>
+              <a:t>이용료는 무료이며</a:t>
+            </a:r>
+            <a:r>
+              <a:rPr lang="en-US" altLang="ko-KR" dirty="0">
+                <a:latin typeface="나눔고딕코딩" panose="020D0009000000000000" pitchFamily="49" charset="-127"/>
+                <a:ea typeface="나눔고딕코딩" panose="020D0009000000000000" pitchFamily="49" charset="-127"/>
+              </a:rPr>
+              <a:t>, </a:t>
+            </a:r>
+            <a:r>
+              <a:rPr lang="ko-KR" altLang="en-US" dirty="0">
+                <a:latin typeface="나눔고딕코딩" panose="020D0009000000000000" pitchFamily="49" charset="-127"/>
+                <a:ea typeface="나눔고딕코딩" panose="020D0009000000000000" pitchFamily="49" charset="-127"/>
+              </a:rPr>
+              <a:t>개인 저장소 서비스 </a:t>
+            </a:r>
+            <a:r>
+              <a:rPr lang="ko-KR" altLang="en-US" dirty="0" err="1">
+                <a:latin typeface="나눔고딕코딩" panose="020D0009000000000000" pitchFamily="49" charset="-127"/>
+                <a:ea typeface="나눔고딕코딩" panose="020D0009000000000000" pitchFamily="49" charset="-127"/>
+              </a:rPr>
+              <a:t>이용시</a:t>
+            </a:r>
+            <a:r>
+              <a:rPr lang="ko-KR" altLang="en-US" dirty="0">
+                <a:latin typeface="나눔고딕코딩" panose="020D0009000000000000" pitchFamily="49" charset="-127"/>
+                <a:ea typeface="나눔고딕코딩" panose="020D0009000000000000" pitchFamily="49" charset="-127"/>
+              </a:rPr>
+              <a:t> 월 </a:t>
+            </a:r>
+            <a:r>
+              <a:rPr lang="en-US" altLang="ko-KR" dirty="0">
+                <a:latin typeface="나눔고딕코딩" panose="020D0009000000000000" pitchFamily="49" charset="-127"/>
+                <a:ea typeface="나눔고딕코딩" panose="020D0009000000000000" pitchFamily="49" charset="-127"/>
+              </a:rPr>
+              <a:t>7$ </a:t>
+            </a:r>
+            <a:r>
+              <a:rPr lang="ko-KR" altLang="en-US" dirty="0">
+                <a:latin typeface="나눔고딕코딩" panose="020D0009000000000000" pitchFamily="49" charset="-127"/>
+                <a:ea typeface="나눔고딕코딩" panose="020D0009000000000000" pitchFamily="49" charset="-127"/>
+              </a:rPr>
+              <a:t>요금 부과 </a:t>
+            </a:r>
+            <a:r>
+              <a:rPr lang="en-US" altLang="ko-KR" dirty="0">
+                <a:latin typeface="나눔고딕코딩" panose="020D0009000000000000" pitchFamily="49" charset="-127"/>
+                <a:ea typeface="나눔고딕코딩" panose="020D0009000000000000" pitchFamily="49" charset="-127"/>
+              </a:rPr>
+              <a:t>(Educational </a:t>
+            </a:r>
+            <a:r>
+              <a:rPr lang="ko-KR" altLang="en-US" dirty="0">
+                <a:latin typeface="나눔고딕코딩" panose="020D0009000000000000" pitchFamily="49" charset="-127"/>
+                <a:ea typeface="나눔고딕코딩" panose="020D0009000000000000" pitchFamily="49" charset="-127"/>
+              </a:rPr>
+              <a:t>회원 부분 무료</a:t>
+            </a:r>
+            <a:r>
+              <a:rPr lang="en-US" altLang="ko-KR" dirty="0">
+                <a:latin typeface="나눔고딕코딩" panose="020D0009000000000000" pitchFamily="49" charset="-127"/>
+                <a:ea typeface="나눔고딕코딩" panose="020D0009000000000000" pitchFamily="49" charset="-127"/>
+              </a:rPr>
+              <a:t>)</a:t>
+            </a:r>
+          </a:p>
+          <a:p>
+            <a:pPr marL="285750" indent="-285750">
+              <a:lnSpc>
+                <a:spcPct val="120000"/>
+              </a:lnSpc>
+              <a:buFont typeface="Arial" panose="020B0604020202020204" pitchFamily="34" charset="0"/>
+              <a:buChar char="•"/>
+            </a:pPr>
+            <a:endParaRPr lang="en-US" altLang="ko-KR" dirty="0">
+              <a:latin typeface="나눔고딕코딩" panose="020D0009000000000000" pitchFamily="49" charset="-127"/>
+              <a:ea typeface="나눔고딕코딩" panose="020D0009000000000000" pitchFamily="49" charset="-127"/>
+            </a:endParaRPr>
+          </a:p>
+          <a:p>
+            <a:pPr marL="285750" indent="-285750">
+              <a:lnSpc>
+                <a:spcPct val="120000"/>
+              </a:lnSpc>
+              <a:buFont typeface="Arial" panose="020B0604020202020204" pitchFamily="34" charset="0"/>
+              <a:buChar char="•"/>
+            </a:pPr>
+            <a:endParaRPr lang="en-US" altLang="ko-KR" dirty="0">
+              <a:latin typeface="나눔고딕코딩" panose="020D0009000000000000" pitchFamily="49" charset="-127"/>
+              <a:ea typeface="나눔고딕코딩" panose="020D0009000000000000" pitchFamily="49" charset="-127"/>
+            </a:endParaRPr>
+          </a:p>
+        </p:txBody>
+      </p:sp>
+      <p:pic>
+        <p:nvPicPr>
+          <p:cNvPr id="8194" name="Picture 2" descr="https://git-scm.com/images/branching-illustration@2x.png">
+            <a:extLst>
+              <a:ext uri="{FF2B5EF4-FFF2-40B4-BE49-F238E27FC236}">
+                <a16:creationId xmlns:a16="http://schemas.microsoft.com/office/drawing/2014/main" id="{0471D4B3-4FD7-4EF1-BE1C-DA340D24FE57}"/>
+              </a:ext>
+            </a:extLst>
+          </p:cNvPr>
+          <p:cNvPicPr>
+            <a:picLocks noChangeAspect="1" noChangeArrowheads="1"/>
+          </p:cNvPicPr>
+          <p:nvPr/>
+        </p:nvPicPr>
+        <p:blipFill>
+          <a:blip r:embed="rId4">
+            <a:extLst>
+              <a:ext uri="{28A0092B-C50C-407E-A947-70E740481C1C}">
+                <a14:useLocalDpi xmlns:a14="http://schemas.microsoft.com/office/drawing/2010/main" val="0"/>
+              </a:ext>
+            </a:extLst>
+          </a:blip>
+          <a:srcRect/>
+          <a:stretch>
+            <a:fillRect/>
+          </a:stretch>
+        </p:blipFill>
+        <p:spPr bwMode="auto">
+          <a:xfrm>
+            <a:off x="7961151" y="1166663"/>
+            <a:ext cx="3506172" cy="2262337"/>
+          </a:xfrm>
+          <a:prstGeom prst="rect">
+            <a:avLst/>
+          </a:prstGeom>
+          <a:noFill/>
+          <a:extLst>
+            <a:ext uri="{909E8E84-426E-40DD-AFC4-6F175D3DCCD1}">
+              <a14:hiddenFill xmlns:a14="http://schemas.microsoft.com/office/drawing/2010/main">
+                <a:solidFill>
+                  <a:srgbClr val="FFFFFF"/>
+                </a:solidFill>
+              </a14:hiddenFill>
+            </a:ext>
+          </a:extLst>
+        </p:spPr>
+      </p:pic>
+      <p:pic>
+        <p:nvPicPr>
+          <p:cNvPr id="8198" name="Picture 6" descr="githubì ëí ì´ë¯¸ì§ ê²ìê²°ê³¼">
+            <a:extLst>
+              <a:ext uri="{FF2B5EF4-FFF2-40B4-BE49-F238E27FC236}">
+                <a16:creationId xmlns:a16="http://schemas.microsoft.com/office/drawing/2014/main" id="{536B1665-751A-4AF6-A22E-AF5A0A463560}"/>
+              </a:ext>
+            </a:extLst>
+          </p:cNvPr>
+          <p:cNvPicPr>
+            <a:picLocks noChangeAspect="1" noChangeArrowheads="1"/>
+          </p:cNvPicPr>
+          <p:nvPr/>
+        </p:nvPicPr>
+        <p:blipFill>
+          <a:blip r:embed="rId5">
+            <a:extLst>
+              <a:ext uri="{28A0092B-C50C-407E-A947-70E740481C1C}">
+                <a14:useLocalDpi xmlns:a14="http://schemas.microsoft.com/office/drawing/2010/main" val="0"/>
+              </a:ext>
+            </a:extLst>
+          </a:blip>
+          <a:srcRect/>
+          <a:stretch>
+            <a:fillRect/>
+          </a:stretch>
+        </p:blipFill>
+        <p:spPr bwMode="auto">
+          <a:xfrm>
+            <a:off x="8154955" y="3685399"/>
+            <a:ext cx="3041101" cy="2527915"/>
+          </a:xfrm>
+          <a:prstGeom prst="rect">
+            <a:avLst/>
+          </a:prstGeom>
+          <a:noFill/>
+          <a:extLst>
+            <a:ext uri="{909E8E84-426E-40DD-AFC4-6F175D3DCCD1}">
+              <a14:hiddenFill xmlns:a14="http://schemas.microsoft.com/office/drawing/2010/main">
+                <a:solidFill>
+                  <a:srgbClr val="FFFFFF"/>
+                </a:solidFill>
+              </a14:hiddenFill>
+            </a:ext>
+          </a:extLst>
+        </p:spPr>
+      </p:pic>
+    </p:spTree>
+    <p:extLst>
+      <p:ext uri="{BB962C8B-B14F-4D97-AF65-F5344CB8AC3E}">
+        <p14:creationId xmlns:p14="http://schemas.microsoft.com/office/powerpoint/2010/main" val="4120078950"/>
+      </p:ext>
+    </p:extLst>
+  </p:cSld>
+  <p:clrMapOvr>
+    <a:masterClrMapping/>
+  </p:clrMapOvr>
+</p:sld>
+</file>
+
+<file path=ppt/slides/slide23.xml><?xml version="1.0" encoding="utf-8"?>
+<p:sld xmlns:a="http://schemas.openxmlformats.org/drawingml/2006/main" xmlns:r="http://schemas.openxmlformats.org/officeDocument/2006/relationships" xmlns:p="http://schemas.openxmlformats.org/presentationml/2006/main">
+  <p:cSld>
+    <p:spTree>
+      <p:nvGrpSpPr>
+        <p:cNvPr id="1" name=""/>
+        <p:cNvGrpSpPr/>
+        <p:nvPr/>
+      </p:nvGrpSpPr>
+      <p:grpSpPr>
+        <a:xfrm>
+          <a:off x="0" y="0"/>
+          <a:ext cx="0" cy="0"/>
+          <a:chOff x="0" y="0"/>
+          <a:chExt cx="0" cy="0"/>
+        </a:xfrm>
+      </p:grpSpPr>
+      <p:sp>
+        <p:nvSpPr>
+          <p:cNvPr id="4" name="TextBox 3">
+            <a:extLst>
+              <a:ext uri="{FF2B5EF4-FFF2-40B4-BE49-F238E27FC236}">
+                <a16:creationId xmlns:a16="http://schemas.microsoft.com/office/drawing/2014/main" id="{6F512E33-3568-4B64-907A-F55736485946}"/>
+              </a:ext>
+            </a:extLst>
+          </p:cNvPr>
+          <p:cNvSpPr txBox="1"/>
+          <p:nvPr/>
+        </p:nvSpPr>
+        <p:spPr>
+          <a:xfrm>
+            <a:off x="199765" y="393614"/>
+            <a:ext cx="8285207" cy="523220"/>
+          </a:xfrm>
+          <a:prstGeom prst="rect">
+            <a:avLst/>
+          </a:prstGeom>
+          <a:noFill/>
+        </p:spPr>
+        <p:txBody>
+          <a:bodyPr wrap="square" rtlCol="0">
+            <a:spAutoFit/>
+          </a:bodyPr>
+          <a:lstStyle/>
+          <a:p>
+            <a:r>
+              <a:rPr lang="en-US" altLang="ko-KR" sz="2800" dirty="0">
+                <a:solidFill>
+                  <a:schemeClr val="bg1"/>
+                </a:solidFill>
+                <a:latin typeface="나눔고딕 Light" panose="020D0904000000000000" pitchFamily="50" charset="-127"/>
+                <a:ea typeface="나눔고딕 Light" panose="020D0904000000000000" pitchFamily="50" charset="-127"/>
+              </a:rPr>
+              <a:t>3 &gt; Django(</a:t>
+            </a:r>
+            <a:r>
+              <a:rPr lang="ko-KR" altLang="en-US" sz="2800" dirty="0">
+                <a:solidFill>
+                  <a:schemeClr val="bg1"/>
+                </a:solidFill>
+                <a:latin typeface="나눔고딕 Light" panose="020D0904000000000000" pitchFamily="50" charset="-127"/>
+                <a:ea typeface="나눔고딕 Light" panose="020D0904000000000000" pitchFamily="50" charset="-127"/>
+              </a:rPr>
+              <a:t>장고</a:t>
+            </a:r>
+            <a:r>
+              <a:rPr lang="en-US" altLang="ko-KR" sz="2800" dirty="0">
+                <a:solidFill>
+                  <a:schemeClr val="bg1"/>
+                </a:solidFill>
+                <a:latin typeface="나눔고딕 Light" panose="020D0904000000000000" pitchFamily="50" charset="-127"/>
+                <a:ea typeface="나눔고딕 Light" panose="020D0904000000000000" pitchFamily="50" charset="-127"/>
+              </a:rPr>
+              <a:t>) </a:t>
+            </a:r>
+            <a:r>
+              <a:rPr lang="ko-KR" altLang="en-US" sz="2800" dirty="0">
+                <a:solidFill>
+                  <a:schemeClr val="bg1"/>
+                </a:solidFill>
+                <a:latin typeface="나눔고딕 Light" panose="020D0904000000000000" pitchFamily="50" charset="-127"/>
+                <a:ea typeface="나눔고딕 Light" panose="020D0904000000000000" pitchFamily="50" charset="-127"/>
+              </a:rPr>
+              <a:t>프로젝트 올리기</a:t>
+            </a:r>
+            <a:endParaRPr lang="en-US" altLang="ko-KR" sz="2800" dirty="0">
+              <a:solidFill>
+                <a:schemeClr val="bg1"/>
+              </a:solidFill>
+              <a:latin typeface="나눔고딕 Light" panose="020D0904000000000000" pitchFamily="50" charset="-127"/>
+              <a:ea typeface="나눔고딕 Light" panose="020D0904000000000000" pitchFamily="50" charset="-127"/>
+            </a:endParaRPr>
+          </a:p>
+        </p:txBody>
+      </p:sp>
+      <p:sp>
+        <p:nvSpPr>
+          <p:cNvPr id="10" name="TextBox 9">
+            <a:extLst>
+              <a:ext uri="{FF2B5EF4-FFF2-40B4-BE49-F238E27FC236}">
+                <a16:creationId xmlns:a16="http://schemas.microsoft.com/office/drawing/2014/main" id="{F49A06C6-23C9-4098-A6B3-8AE9A9C618A7}"/>
+              </a:ext>
+            </a:extLst>
+          </p:cNvPr>
+          <p:cNvSpPr txBox="1"/>
+          <p:nvPr/>
+        </p:nvSpPr>
+        <p:spPr>
+          <a:xfrm>
+            <a:off x="263610" y="1326292"/>
+            <a:ext cx="7891345" cy="1394228"/>
+          </a:xfrm>
+          <a:prstGeom prst="rect">
+            <a:avLst/>
+          </a:prstGeom>
+          <a:noFill/>
+        </p:spPr>
+        <p:txBody>
+          <a:bodyPr wrap="square" rtlCol="0">
+            <a:spAutoFit/>
+          </a:bodyPr>
+          <a:lstStyle/>
+          <a:p>
+            <a:pPr>
+              <a:lnSpc>
+                <a:spcPct val="120000"/>
+              </a:lnSpc>
+            </a:pPr>
+            <a:r>
+              <a:rPr lang="en-US" altLang="ko-KR" b="1" dirty="0">
+                <a:latin typeface="나눔고딕코딩" panose="020D0009000000000000" pitchFamily="49" charset="-127"/>
+                <a:ea typeface="나눔고딕코딩" panose="020D0009000000000000" pitchFamily="49" charset="-127"/>
+              </a:rPr>
+              <a:t>Git </a:t>
+            </a:r>
+            <a:r>
+              <a:rPr lang="ko-KR" altLang="en-US" b="1" dirty="0">
+                <a:latin typeface="나눔고딕코딩" panose="020D0009000000000000" pitchFamily="49" charset="-127"/>
+                <a:ea typeface="나눔고딕코딩" panose="020D0009000000000000" pitchFamily="49" charset="-127"/>
+              </a:rPr>
+              <a:t>저장소 만들기 </a:t>
+            </a:r>
+            <a:r>
+              <a:rPr lang="en-US" altLang="ko-KR" b="1" dirty="0">
+                <a:latin typeface="나눔고딕코딩" panose="020D0009000000000000" pitchFamily="49" charset="-127"/>
+                <a:ea typeface="나눔고딕코딩" panose="020D0009000000000000" pitchFamily="49" charset="-127"/>
+              </a:rPr>
+              <a:t>(git-</a:t>
+            </a:r>
+            <a:r>
+              <a:rPr lang="en-US" altLang="ko-KR" b="1" dirty="0" err="1">
+                <a:latin typeface="나눔고딕코딩" panose="020D0009000000000000" pitchFamily="49" charset="-127"/>
+                <a:ea typeface="나눔고딕코딩" panose="020D0009000000000000" pitchFamily="49" charset="-127"/>
+              </a:rPr>
+              <a:t>scm</a:t>
+            </a:r>
+            <a:r>
+              <a:rPr lang="en-US" altLang="ko-KR" b="1" dirty="0">
+                <a:latin typeface="나눔고딕코딩" panose="020D0009000000000000" pitchFamily="49" charset="-127"/>
+                <a:ea typeface="나눔고딕코딩" panose="020D0009000000000000" pitchFamily="49" charset="-127"/>
+              </a:rPr>
+              <a:t> </a:t>
+            </a:r>
+            <a:r>
+              <a:rPr lang="ko-KR" altLang="en-US" b="1" dirty="0">
+                <a:latin typeface="나눔고딕코딩" panose="020D0009000000000000" pitchFamily="49" charset="-127"/>
+                <a:ea typeface="나눔고딕코딩" panose="020D0009000000000000" pitchFamily="49" charset="-127"/>
+              </a:rPr>
+              <a:t>설치 필요</a:t>
+            </a:r>
+            <a:r>
+              <a:rPr lang="en-US" altLang="ko-KR" b="1" dirty="0">
+                <a:latin typeface="나눔고딕코딩" panose="020D0009000000000000" pitchFamily="49" charset="-127"/>
+                <a:ea typeface="나눔고딕코딩" panose="020D0009000000000000" pitchFamily="49" charset="-127"/>
+              </a:rPr>
+              <a:t>)</a:t>
+            </a:r>
+            <a:endParaRPr lang="en-US" altLang="ko-KR" dirty="0">
+              <a:latin typeface="나눔고딕코딩" panose="020D0009000000000000" pitchFamily="49" charset="-127"/>
+              <a:ea typeface="나눔고딕코딩" panose="020D0009000000000000" pitchFamily="49" charset="-127"/>
+            </a:endParaRPr>
+          </a:p>
+          <a:p>
+            <a:pPr marL="285750" indent="-285750">
+              <a:lnSpc>
+                <a:spcPct val="120000"/>
+              </a:lnSpc>
+              <a:buFont typeface="Arial" panose="020B0604020202020204" pitchFamily="34" charset="0"/>
+              <a:buChar char="•"/>
+            </a:pPr>
+            <a:r>
+              <a:rPr lang="en-US" altLang="ko-KR" dirty="0">
+                <a:latin typeface="나눔고딕코딩" panose="020D0009000000000000" pitchFamily="49" charset="-127"/>
+                <a:ea typeface="나눔고딕코딩" panose="020D0009000000000000" pitchFamily="49" charset="-127"/>
+              </a:rPr>
+              <a:t>git </a:t>
+            </a:r>
+            <a:r>
+              <a:rPr lang="en-US" altLang="ko-KR" dirty="0" err="1">
+                <a:latin typeface="나눔고딕코딩" panose="020D0009000000000000" pitchFamily="49" charset="-127"/>
+                <a:ea typeface="나눔고딕코딩" panose="020D0009000000000000" pitchFamily="49" charset="-127"/>
+              </a:rPr>
+              <a:t>init</a:t>
+            </a:r>
+            <a:r>
+              <a:rPr lang="en-US" altLang="ko-KR" dirty="0">
+                <a:latin typeface="나눔고딕코딩" panose="020D0009000000000000" pitchFamily="49" charset="-127"/>
+                <a:ea typeface="나눔고딕코딩" panose="020D0009000000000000" pitchFamily="49" charset="-127"/>
+              </a:rPr>
+              <a:t> </a:t>
+            </a:r>
+            <a:r>
+              <a:rPr lang="ko-KR" altLang="en-US" dirty="0">
+                <a:latin typeface="나눔고딕코딩" panose="020D0009000000000000" pitchFamily="49" charset="-127"/>
+                <a:ea typeface="나눔고딕코딩" panose="020D0009000000000000" pitchFamily="49" charset="-127"/>
+              </a:rPr>
+              <a:t>명령어를 사용하여 </a:t>
+            </a:r>
+            <a:r>
+              <a:rPr lang="en-US" altLang="ko-KR" dirty="0">
+                <a:latin typeface="나눔고딕코딩" panose="020D0009000000000000" pitchFamily="49" charset="-127"/>
+                <a:ea typeface="나눔고딕코딩" panose="020D0009000000000000" pitchFamily="49" charset="-127"/>
+              </a:rPr>
+              <a:t>git </a:t>
+            </a:r>
+            <a:r>
+              <a:rPr lang="ko-KR" altLang="en-US" dirty="0">
+                <a:latin typeface="나눔고딕코딩" panose="020D0009000000000000" pitchFamily="49" charset="-127"/>
+                <a:ea typeface="나눔고딕코딩" panose="020D0009000000000000" pitchFamily="49" charset="-127"/>
+              </a:rPr>
+              <a:t>저장소로 만들어 줌</a:t>
+            </a:r>
+            <a:endParaRPr lang="en-US" altLang="ko-KR" dirty="0">
+              <a:latin typeface="나눔고딕코딩" panose="020D0009000000000000" pitchFamily="49" charset="-127"/>
+              <a:ea typeface="나눔고딕코딩" panose="020D0009000000000000" pitchFamily="49" charset="-127"/>
+            </a:endParaRPr>
+          </a:p>
+          <a:p>
+            <a:pPr marL="285750" indent="-285750">
+              <a:lnSpc>
+                <a:spcPct val="120000"/>
+              </a:lnSpc>
+              <a:buFont typeface="Arial" panose="020B0604020202020204" pitchFamily="34" charset="0"/>
+              <a:buChar char="•"/>
+            </a:pPr>
+            <a:r>
+              <a:rPr lang="en-US" altLang="ko-KR" dirty="0">
+                <a:latin typeface="나눔고딕코딩" panose="020D0009000000000000" pitchFamily="49" charset="-127"/>
+                <a:ea typeface="나눔고딕코딩" panose="020D0009000000000000" pitchFamily="49" charset="-127"/>
+              </a:rPr>
+              <a:t>config </a:t>
+            </a:r>
+            <a:r>
+              <a:rPr lang="ko-KR" altLang="en-US" dirty="0">
+                <a:latin typeface="나눔고딕코딩" panose="020D0009000000000000" pitchFamily="49" charset="-127"/>
+                <a:ea typeface="나눔고딕코딩" panose="020D0009000000000000" pitchFamily="49" charset="-127"/>
+              </a:rPr>
+              <a:t>명령어를 이용해 유저와 이메일을 설정함</a:t>
+            </a:r>
+            <a:endParaRPr lang="en-US" altLang="ko-KR" dirty="0">
+              <a:latin typeface="나눔고딕코딩" panose="020D0009000000000000" pitchFamily="49" charset="-127"/>
+              <a:ea typeface="나눔고딕코딩" panose="020D0009000000000000" pitchFamily="49" charset="-127"/>
+            </a:endParaRPr>
+          </a:p>
+          <a:p>
+            <a:pPr marL="285750" indent="-285750">
+              <a:lnSpc>
+                <a:spcPct val="120000"/>
+              </a:lnSpc>
+              <a:buFont typeface="Arial" panose="020B0604020202020204" pitchFamily="34" charset="0"/>
+              <a:buChar char="•"/>
+            </a:pPr>
+            <a:endParaRPr lang="en-US" altLang="ko-KR" dirty="0">
+              <a:latin typeface="나눔고딕코딩" panose="020D0009000000000000" pitchFamily="49" charset="-127"/>
+              <a:ea typeface="나눔고딕코딩" panose="020D0009000000000000" pitchFamily="49" charset="-127"/>
+            </a:endParaRPr>
+          </a:p>
+        </p:txBody>
+      </p:sp>
+      <p:sp>
+        <p:nvSpPr>
+          <p:cNvPr id="6" name="직사각형 5">
+            <a:extLst>
+              <a:ext uri="{FF2B5EF4-FFF2-40B4-BE49-F238E27FC236}">
+                <a16:creationId xmlns:a16="http://schemas.microsoft.com/office/drawing/2014/main" id="{602C3F31-8BCC-456C-AB38-5E118D80B77D}"/>
+              </a:ext>
+            </a:extLst>
+          </p:cNvPr>
+          <p:cNvSpPr/>
+          <p:nvPr/>
+        </p:nvSpPr>
+        <p:spPr>
+          <a:xfrm>
+            <a:off x="263610" y="2492515"/>
+            <a:ext cx="8889721" cy="892552"/>
+          </a:xfrm>
+          <a:prstGeom prst="rect">
+            <a:avLst/>
+          </a:prstGeom>
+          <a:solidFill>
+            <a:schemeClr val="tx1"/>
+          </a:solidFill>
+        </p:spPr>
+        <p:txBody>
+          <a:bodyPr wrap="square">
+            <a:spAutoFit/>
+          </a:bodyPr>
+          <a:lstStyle/>
+          <a:p>
+            <a:r>
+              <a:rPr lang="en-US" altLang="ko-KR" sz="1300" dirty="0">
+                <a:solidFill>
+                  <a:schemeClr val="bg1"/>
+                </a:solidFill>
+                <a:latin typeface="나눔고딕 Light" panose="020D0904000000000000" pitchFamily="50" charset="-127"/>
+                <a:ea typeface="나눔고딕 Light" panose="020D0904000000000000" pitchFamily="50" charset="-127"/>
+              </a:rPr>
+              <a:t>$ git </a:t>
+            </a:r>
+            <a:r>
+              <a:rPr lang="en-US" altLang="ko-KR" sz="1300" dirty="0" err="1">
+                <a:solidFill>
+                  <a:schemeClr val="bg1"/>
+                </a:solidFill>
+                <a:latin typeface="나눔고딕 Light" panose="020D0904000000000000" pitchFamily="50" charset="-127"/>
+                <a:ea typeface="나눔고딕 Light" panose="020D0904000000000000" pitchFamily="50" charset="-127"/>
+              </a:rPr>
+              <a:t>init</a:t>
+            </a:r>
+            <a:endParaRPr lang="en-US" altLang="ko-KR" sz="1300" dirty="0">
+              <a:solidFill>
+                <a:schemeClr val="bg1"/>
+              </a:solidFill>
+              <a:latin typeface="나눔고딕 Light" panose="020D0904000000000000" pitchFamily="50" charset="-127"/>
+              <a:ea typeface="나눔고딕 Light" panose="020D0904000000000000" pitchFamily="50" charset="-127"/>
+            </a:endParaRPr>
+          </a:p>
+          <a:p>
+            <a:r>
+              <a:rPr lang="en-US" altLang="ko-KR" sz="1300" dirty="0">
+                <a:solidFill>
+                  <a:schemeClr val="bg1"/>
+                </a:solidFill>
+                <a:latin typeface="나눔고딕 Light" panose="020D0904000000000000" pitchFamily="50" charset="-127"/>
+                <a:ea typeface="나눔고딕 Light" panose="020D0904000000000000" pitchFamily="50" charset="-127"/>
+              </a:rPr>
+              <a:t>Initialized empty Git repository …</a:t>
+            </a:r>
+          </a:p>
+          <a:p>
+            <a:r>
+              <a:rPr lang="en-US" altLang="ko-KR" sz="1300" dirty="0">
+                <a:solidFill>
+                  <a:schemeClr val="bg1"/>
+                </a:solidFill>
+                <a:latin typeface="나눔고딕 Light" panose="020D0904000000000000" pitchFamily="50" charset="-127"/>
+                <a:ea typeface="나눔고딕 Light" panose="020D0904000000000000" pitchFamily="50" charset="-127"/>
+              </a:rPr>
+              <a:t>$ git config –-global user.name “username”</a:t>
+            </a:r>
+          </a:p>
+          <a:p>
+            <a:r>
+              <a:rPr lang="en-US" altLang="ko-KR" sz="1300" dirty="0">
+                <a:solidFill>
+                  <a:schemeClr val="bg1"/>
+                </a:solidFill>
+                <a:latin typeface="나눔고딕 Light" panose="020D0904000000000000" pitchFamily="50" charset="-127"/>
+                <a:ea typeface="나눔고딕 Light" panose="020D0904000000000000" pitchFamily="50" charset="-127"/>
+              </a:rPr>
+              <a:t>$ git config –-global </a:t>
+            </a:r>
+            <a:r>
+              <a:rPr lang="en-US" altLang="ko-KR" sz="1300" dirty="0" err="1">
+                <a:solidFill>
+                  <a:schemeClr val="bg1"/>
+                </a:solidFill>
+                <a:latin typeface="나눔고딕 Light" panose="020D0904000000000000" pitchFamily="50" charset="-127"/>
+                <a:ea typeface="나눔고딕 Light" panose="020D0904000000000000" pitchFamily="50" charset="-127"/>
+              </a:rPr>
+              <a:t>user.email</a:t>
+            </a:r>
+            <a:r>
+              <a:rPr lang="en-US" altLang="ko-KR" sz="1300" dirty="0">
+                <a:solidFill>
+                  <a:schemeClr val="bg1"/>
+                </a:solidFill>
+                <a:latin typeface="나눔고딕 Light" panose="020D0904000000000000" pitchFamily="50" charset="-127"/>
+                <a:ea typeface="나눔고딕 Light" panose="020D0904000000000000" pitchFamily="50" charset="-127"/>
+              </a:rPr>
+              <a:t> “email@youremail.com”</a:t>
+            </a:r>
+          </a:p>
+        </p:txBody>
+      </p:sp>
+      <p:sp>
+        <p:nvSpPr>
+          <p:cNvPr id="8" name="TextBox 7">
+            <a:extLst>
+              <a:ext uri="{FF2B5EF4-FFF2-40B4-BE49-F238E27FC236}">
+                <a16:creationId xmlns:a16="http://schemas.microsoft.com/office/drawing/2014/main" id="{1D8A1FC4-B0E3-454B-B084-BFF22A9DDB00}"/>
+              </a:ext>
+            </a:extLst>
+          </p:cNvPr>
+          <p:cNvSpPr txBox="1"/>
+          <p:nvPr/>
+        </p:nvSpPr>
+        <p:spPr>
+          <a:xfrm>
+            <a:off x="229398" y="3417229"/>
+            <a:ext cx="7891345" cy="1061829"/>
+          </a:xfrm>
+          <a:prstGeom prst="rect">
+            <a:avLst/>
+          </a:prstGeom>
+          <a:noFill/>
+        </p:spPr>
+        <p:txBody>
+          <a:bodyPr wrap="square" rtlCol="0">
+            <a:spAutoFit/>
+          </a:bodyPr>
+          <a:lstStyle/>
+          <a:p>
+            <a:pPr>
+              <a:lnSpc>
+                <a:spcPct val="120000"/>
+              </a:lnSpc>
+            </a:pPr>
+            <a:r>
+              <a:rPr lang="en-US" altLang="ko-KR" b="1" dirty="0">
+                <a:latin typeface="나눔고딕코딩" panose="020D0009000000000000" pitchFamily="49" charset="-127"/>
+                <a:ea typeface="나눔고딕코딩" panose="020D0009000000000000" pitchFamily="49" charset="-127"/>
+              </a:rPr>
+              <a:t>Git </a:t>
+            </a:r>
+            <a:r>
+              <a:rPr lang="ko-KR" altLang="en-US" b="1" dirty="0">
+                <a:latin typeface="나눔고딕코딩" panose="020D0009000000000000" pitchFamily="49" charset="-127"/>
+                <a:ea typeface="나눔고딕코딩" panose="020D0009000000000000" pitchFamily="49" charset="-127"/>
+              </a:rPr>
+              <a:t>저장소에서 추적 무시하기</a:t>
+            </a:r>
+            <a:endParaRPr lang="en-US" altLang="ko-KR" dirty="0">
+              <a:latin typeface="나눔고딕코딩" panose="020D0009000000000000" pitchFamily="49" charset="-127"/>
+              <a:ea typeface="나눔고딕코딩" panose="020D0009000000000000" pitchFamily="49" charset="-127"/>
+            </a:endParaRPr>
+          </a:p>
+          <a:p>
+            <a:pPr marL="285750" indent="-285750">
+              <a:lnSpc>
+                <a:spcPct val="120000"/>
+              </a:lnSpc>
+              <a:buFont typeface="Arial" panose="020B0604020202020204" pitchFamily="34" charset="0"/>
+              <a:buChar char="•"/>
+            </a:pPr>
+            <a:r>
+              <a:rPr lang="ko-KR" altLang="en-US" dirty="0">
+                <a:latin typeface="나눔고딕코딩" panose="020D0009000000000000" pitchFamily="49" charset="-127"/>
+                <a:ea typeface="나눔고딕코딩" panose="020D0009000000000000" pitchFamily="49" charset="-127"/>
+              </a:rPr>
+              <a:t>추적을 원하지 않은 파일에 대한 리스트를 만들어 줌</a:t>
+            </a:r>
+            <a:endParaRPr lang="en-US" altLang="ko-KR" dirty="0">
+              <a:latin typeface="나눔고딕코딩" panose="020D0009000000000000" pitchFamily="49" charset="-127"/>
+              <a:ea typeface="나눔고딕코딩" panose="020D0009000000000000" pitchFamily="49" charset="-127"/>
+            </a:endParaRPr>
+          </a:p>
+          <a:p>
+            <a:pPr marL="285750" indent="-285750">
+              <a:lnSpc>
+                <a:spcPct val="120000"/>
+              </a:lnSpc>
+              <a:buFont typeface="Arial" panose="020B0604020202020204" pitchFamily="34" charset="0"/>
+              <a:buChar char="•"/>
+            </a:pPr>
+            <a:r>
+              <a:rPr lang="en-US" altLang="ko-KR" dirty="0">
+                <a:latin typeface="나눔고딕코딩" panose="020D0009000000000000" pitchFamily="49" charset="-127"/>
+                <a:ea typeface="나눔고딕코딩" panose="020D0009000000000000" pitchFamily="49" charset="-127"/>
+              </a:rPr>
+              <a:t>.</a:t>
+            </a:r>
+            <a:r>
+              <a:rPr lang="en-US" altLang="ko-KR" dirty="0" err="1">
+                <a:latin typeface="나눔고딕코딩" panose="020D0009000000000000" pitchFamily="49" charset="-127"/>
+                <a:ea typeface="나눔고딕코딩" panose="020D0009000000000000" pitchFamily="49" charset="-127"/>
+              </a:rPr>
+              <a:t>gitignore</a:t>
+            </a:r>
+            <a:r>
+              <a:rPr lang="en-US" altLang="ko-KR" dirty="0">
+                <a:latin typeface="나눔고딕코딩" panose="020D0009000000000000" pitchFamily="49" charset="-127"/>
+                <a:ea typeface="나눔고딕코딩" panose="020D0009000000000000" pitchFamily="49" charset="-127"/>
+              </a:rPr>
+              <a:t> </a:t>
+            </a:r>
+            <a:r>
+              <a:rPr lang="ko-KR" altLang="en-US" dirty="0">
+                <a:latin typeface="나눔고딕코딩" panose="020D0009000000000000" pitchFamily="49" charset="-127"/>
+                <a:ea typeface="나눔고딕코딩" panose="020D0009000000000000" pitchFamily="49" charset="-127"/>
+              </a:rPr>
+              <a:t>파일을 생성하여 파일 형식을 적어주면 추적에서 제외</a:t>
+            </a:r>
+            <a:endParaRPr lang="en-US" altLang="ko-KR" dirty="0">
+              <a:latin typeface="나눔고딕코딩" panose="020D0009000000000000" pitchFamily="49" charset="-127"/>
+              <a:ea typeface="나눔고딕코딩" panose="020D0009000000000000" pitchFamily="49" charset="-127"/>
+            </a:endParaRPr>
+          </a:p>
+        </p:txBody>
+      </p:sp>
+      <p:sp>
+        <p:nvSpPr>
+          <p:cNvPr id="9" name="직사각형 8">
+            <a:extLst>
+              <a:ext uri="{FF2B5EF4-FFF2-40B4-BE49-F238E27FC236}">
+                <a16:creationId xmlns:a16="http://schemas.microsoft.com/office/drawing/2014/main" id="{F5D44C0B-E04E-4381-AB73-8B35A1E4B614}"/>
+              </a:ext>
+            </a:extLst>
+          </p:cNvPr>
+          <p:cNvSpPr/>
+          <p:nvPr/>
+        </p:nvSpPr>
+        <p:spPr>
+          <a:xfrm>
+            <a:off x="263610" y="4479058"/>
+            <a:ext cx="8889721" cy="1892826"/>
+          </a:xfrm>
+          <a:prstGeom prst="rect">
+            <a:avLst/>
+          </a:prstGeom>
+          <a:solidFill>
+            <a:schemeClr val="tx1"/>
+          </a:solidFill>
+        </p:spPr>
+        <p:txBody>
+          <a:bodyPr wrap="square">
+            <a:spAutoFit/>
+          </a:bodyPr>
+          <a:lstStyle/>
+          <a:p>
+            <a:r>
+              <a:rPr lang="en-US" altLang="ko-KR" sz="1300" dirty="0">
+                <a:solidFill>
+                  <a:schemeClr val="bg1"/>
+                </a:solidFill>
+                <a:latin typeface="나눔고딕 Light" panose="020D0904000000000000" pitchFamily="50" charset="-127"/>
+                <a:ea typeface="나눔고딕 Light" panose="020D0904000000000000" pitchFamily="50" charset="-127"/>
+              </a:rPr>
+              <a:t>.</a:t>
+            </a:r>
+            <a:r>
+              <a:rPr lang="en-US" altLang="ko-KR" sz="1300" dirty="0" err="1">
+                <a:solidFill>
+                  <a:schemeClr val="bg1"/>
+                </a:solidFill>
+                <a:latin typeface="나눔고딕 Light" panose="020D0904000000000000" pitchFamily="50" charset="-127"/>
+                <a:ea typeface="나눔고딕 Light" panose="020D0904000000000000" pitchFamily="50" charset="-127"/>
+              </a:rPr>
+              <a:t>gitignore</a:t>
+            </a:r>
+            <a:r>
+              <a:rPr lang="en-US" altLang="ko-KR" sz="1300" dirty="0">
+                <a:solidFill>
+                  <a:schemeClr val="bg1"/>
+                </a:solidFill>
+                <a:latin typeface="나눔고딕 Light" panose="020D0904000000000000" pitchFamily="50" charset="-127"/>
+                <a:ea typeface="나눔고딕 Light" panose="020D0904000000000000" pitchFamily="50" charset="-127"/>
+              </a:rPr>
+              <a:t> </a:t>
+            </a:r>
+            <a:r>
+              <a:rPr lang="ko-KR" altLang="en-US" sz="1300" dirty="0">
+                <a:solidFill>
+                  <a:schemeClr val="bg1"/>
+                </a:solidFill>
+                <a:latin typeface="나눔고딕 Light" panose="020D0904000000000000" pitchFamily="50" charset="-127"/>
+                <a:ea typeface="나눔고딕 Light" panose="020D0904000000000000" pitchFamily="50" charset="-127"/>
+              </a:rPr>
+              <a:t>예시</a:t>
+            </a:r>
+            <a:endParaRPr lang="en-US" altLang="ko-KR" sz="1300" dirty="0">
+              <a:solidFill>
+                <a:schemeClr val="bg1"/>
+              </a:solidFill>
+              <a:latin typeface="나눔고딕 Light" panose="020D0904000000000000" pitchFamily="50" charset="-127"/>
+              <a:ea typeface="나눔고딕 Light" panose="020D0904000000000000" pitchFamily="50" charset="-127"/>
+            </a:endParaRPr>
+          </a:p>
+          <a:p>
+            <a:endParaRPr lang="en-US" altLang="ko-KR" sz="1300" dirty="0">
+              <a:solidFill>
+                <a:schemeClr val="bg1"/>
+              </a:solidFill>
+              <a:latin typeface="나눔고딕 Light" panose="020D0904000000000000" pitchFamily="50" charset="-127"/>
+              <a:ea typeface="나눔고딕 Light" panose="020D0904000000000000" pitchFamily="50" charset="-127"/>
+            </a:endParaRPr>
+          </a:p>
+          <a:p>
+            <a:r>
+              <a:rPr lang="en-US" altLang="ko-KR" sz="1300" dirty="0">
+                <a:solidFill>
+                  <a:schemeClr val="bg1"/>
+                </a:solidFill>
+                <a:latin typeface="나눔고딕 Light" panose="020D0904000000000000" pitchFamily="50" charset="-127"/>
+                <a:ea typeface="나눔고딕 Light" panose="020D0904000000000000" pitchFamily="50" charset="-127"/>
+              </a:rPr>
+              <a:t>*.</a:t>
+            </a:r>
+            <a:r>
+              <a:rPr lang="en-US" altLang="ko-KR" sz="1300" dirty="0" err="1">
+                <a:solidFill>
+                  <a:schemeClr val="bg1"/>
+                </a:solidFill>
+                <a:latin typeface="나눔고딕 Light" panose="020D0904000000000000" pitchFamily="50" charset="-127"/>
+                <a:ea typeface="나눔고딕 Light" panose="020D0904000000000000" pitchFamily="50" charset="-127"/>
+              </a:rPr>
+              <a:t>pyc</a:t>
+            </a:r>
+            <a:endParaRPr lang="en-US" altLang="ko-KR" sz="1300" dirty="0">
+              <a:solidFill>
+                <a:schemeClr val="bg1"/>
+              </a:solidFill>
+              <a:latin typeface="나눔고딕 Light" panose="020D0904000000000000" pitchFamily="50" charset="-127"/>
+              <a:ea typeface="나눔고딕 Light" panose="020D0904000000000000" pitchFamily="50" charset="-127"/>
+            </a:endParaRPr>
+          </a:p>
+          <a:p>
+            <a:r>
+              <a:rPr lang="en-US" altLang="ko-KR" sz="1300" dirty="0">
+                <a:solidFill>
+                  <a:schemeClr val="bg1"/>
+                </a:solidFill>
+                <a:latin typeface="나눔고딕 Light" panose="020D0904000000000000" pitchFamily="50" charset="-127"/>
+                <a:ea typeface="나눔고딕 Light" panose="020D0904000000000000" pitchFamily="50" charset="-127"/>
+              </a:rPr>
+              <a:t>*~</a:t>
+            </a:r>
+          </a:p>
+          <a:p>
+            <a:r>
+              <a:rPr lang="en-US" altLang="ko-KR" sz="1300" dirty="0">
+                <a:solidFill>
+                  <a:schemeClr val="bg1"/>
+                </a:solidFill>
+                <a:latin typeface="나눔고딕 Light" panose="020D0904000000000000" pitchFamily="50" charset="-127"/>
+                <a:ea typeface="나눔고딕 Light" panose="020D0904000000000000" pitchFamily="50" charset="-127"/>
+              </a:rPr>
+              <a:t>__</a:t>
+            </a:r>
+            <a:r>
+              <a:rPr lang="en-US" altLang="ko-KR" sz="1300" dirty="0" err="1">
+                <a:solidFill>
+                  <a:schemeClr val="bg1"/>
+                </a:solidFill>
+                <a:latin typeface="나눔고딕 Light" panose="020D0904000000000000" pitchFamily="50" charset="-127"/>
+                <a:ea typeface="나눔고딕 Light" panose="020D0904000000000000" pitchFamily="50" charset="-127"/>
+              </a:rPr>
+              <a:t>pycache</a:t>
+            </a:r>
+            <a:r>
+              <a:rPr lang="en-US" altLang="ko-KR" sz="1300" dirty="0">
+                <a:solidFill>
+                  <a:schemeClr val="bg1"/>
+                </a:solidFill>
+                <a:latin typeface="나눔고딕 Light" panose="020D0904000000000000" pitchFamily="50" charset="-127"/>
+                <a:ea typeface="나눔고딕 Light" panose="020D0904000000000000" pitchFamily="50" charset="-127"/>
+              </a:rPr>
+              <a:t>__</a:t>
+            </a:r>
+          </a:p>
+          <a:p>
+            <a:r>
+              <a:rPr lang="en-US" altLang="ko-KR" sz="1300" dirty="0" err="1">
+                <a:solidFill>
+                  <a:schemeClr val="bg1"/>
+                </a:solidFill>
+                <a:latin typeface="나눔고딕 Light" panose="020D0904000000000000" pitchFamily="50" charset="-127"/>
+                <a:ea typeface="나눔고딕 Light" panose="020D0904000000000000" pitchFamily="50" charset="-127"/>
+              </a:rPr>
+              <a:t>myvenv</a:t>
+            </a:r>
+            <a:endParaRPr lang="en-US" altLang="ko-KR" sz="1300" dirty="0">
+              <a:solidFill>
+                <a:schemeClr val="bg1"/>
+              </a:solidFill>
+              <a:latin typeface="나눔고딕 Light" panose="020D0904000000000000" pitchFamily="50" charset="-127"/>
+              <a:ea typeface="나눔고딕 Light" panose="020D0904000000000000" pitchFamily="50" charset="-127"/>
+            </a:endParaRPr>
+          </a:p>
+          <a:p>
+            <a:r>
+              <a:rPr lang="en-US" altLang="ko-KR" sz="1300" dirty="0">
+                <a:solidFill>
+                  <a:schemeClr val="bg1"/>
+                </a:solidFill>
+                <a:latin typeface="나눔고딕 Light" panose="020D0904000000000000" pitchFamily="50" charset="-127"/>
+                <a:ea typeface="나눔고딕 Light" panose="020D0904000000000000" pitchFamily="50" charset="-127"/>
+              </a:rPr>
+              <a:t>db.sqlite3</a:t>
+            </a:r>
+          </a:p>
+          <a:p>
+            <a:r>
+              <a:rPr lang="en-US" altLang="ko-KR" sz="1300" dirty="0">
+                <a:solidFill>
+                  <a:schemeClr val="bg1"/>
+                </a:solidFill>
+                <a:latin typeface="나눔고딕 Light" panose="020D0904000000000000" pitchFamily="50" charset="-127"/>
+                <a:ea typeface="나눔고딕 Light" panose="020D0904000000000000" pitchFamily="50" charset="-127"/>
+              </a:rPr>
+              <a:t>/static</a:t>
+            </a:r>
+          </a:p>
+          <a:p>
+            <a:r>
+              <a:rPr lang="en-US" altLang="ko-KR" sz="1300" dirty="0">
+                <a:solidFill>
+                  <a:schemeClr val="bg1"/>
+                </a:solidFill>
+                <a:latin typeface="나눔고딕 Light" panose="020D0904000000000000" pitchFamily="50" charset="-127"/>
+                <a:ea typeface="나눔고딕 Light" panose="020D0904000000000000" pitchFamily="50" charset="-127"/>
+              </a:rPr>
+              <a:t>.</a:t>
+            </a:r>
+            <a:r>
+              <a:rPr lang="en-US" altLang="ko-KR" sz="1300" dirty="0" err="1">
+                <a:solidFill>
+                  <a:schemeClr val="bg1"/>
+                </a:solidFill>
+                <a:latin typeface="나눔고딕 Light" panose="020D0904000000000000" pitchFamily="50" charset="-127"/>
+                <a:ea typeface="나눔고딕 Light" panose="020D0904000000000000" pitchFamily="50" charset="-127"/>
+              </a:rPr>
+              <a:t>DS_Store</a:t>
+            </a:r>
+            <a:endParaRPr lang="en-US" altLang="ko-KR" sz="1300" dirty="0">
+              <a:solidFill>
+                <a:schemeClr val="bg1"/>
+              </a:solidFill>
+              <a:latin typeface="나눔고딕 Light" panose="020D0904000000000000" pitchFamily="50" charset="-127"/>
+              <a:ea typeface="나눔고딕 Light" panose="020D0904000000000000" pitchFamily="50" charset="-127"/>
+            </a:endParaRPr>
+          </a:p>
+        </p:txBody>
+      </p:sp>
+    </p:spTree>
+    <p:extLst>
+      <p:ext uri="{BB962C8B-B14F-4D97-AF65-F5344CB8AC3E}">
+        <p14:creationId xmlns:p14="http://schemas.microsoft.com/office/powerpoint/2010/main" val="2015144072"/>
+      </p:ext>
+    </p:extLst>
+  </p:cSld>
+  <p:clrMapOvr>
+    <a:masterClrMapping/>
+  </p:clrMapOvr>
+</p:sld>
+</file>
+
+<file path=ppt/slides/slide24.xml><?xml version="1.0" encoding="utf-8"?>
+<p:sld xmlns:a="http://schemas.openxmlformats.org/drawingml/2006/main" xmlns:r="http://schemas.openxmlformats.org/officeDocument/2006/relationships" xmlns:p="http://schemas.openxmlformats.org/presentationml/2006/main">
+  <p:cSld>
+    <p:spTree>
+      <p:nvGrpSpPr>
+        <p:cNvPr id="1" name=""/>
+        <p:cNvGrpSpPr/>
+        <p:nvPr/>
+      </p:nvGrpSpPr>
+      <p:grpSpPr>
+        <a:xfrm>
+          <a:off x="0" y="0"/>
+          <a:ext cx="0" cy="0"/>
+          <a:chOff x="0" y="0"/>
+          <a:chExt cx="0" cy="0"/>
+        </a:xfrm>
+      </p:grpSpPr>
+      <p:sp>
+        <p:nvSpPr>
+          <p:cNvPr id="4" name="TextBox 3">
+            <a:extLst>
+              <a:ext uri="{FF2B5EF4-FFF2-40B4-BE49-F238E27FC236}">
+                <a16:creationId xmlns:a16="http://schemas.microsoft.com/office/drawing/2014/main" id="{6F512E33-3568-4B64-907A-F55736485946}"/>
+              </a:ext>
+            </a:extLst>
+          </p:cNvPr>
+          <p:cNvSpPr txBox="1"/>
+          <p:nvPr/>
+        </p:nvSpPr>
+        <p:spPr>
+          <a:xfrm>
+            <a:off x="199765" y="393614"/>
+            <a:ext cx="8285207" cy="523220"/>
+          </a:xfrm>
+          <a:prstGeom prst="rect">
+            <a:avLst/>
+          </a:prstGeom>
+          <a:noFill/>
+        </p:spPr>
+        <p:txBody>
+          <a:bodyPr wrap="square" rtlCol="0">
+            <a:spAutoFit/>
+          </a:bodyPr>
+          <a:lstStyle/>
+          <a:p>
+            <a:r>
+              <a:rPr lang="en-US" altLang="ko-KR" sz="2800" dirty="0">
+                <a:solidFill>
+                  <a:schemeClr val="bg1"/>
+                </a:solidFill>
+                <a:latin typeface="나눔고딕 Light" panose="020D0904000000000000" pitchFamily="50" charset="-127"/>
+                <a:ea typeface="나눔고딕 Light" panose="020D0904000000000000" pitchFamily="50" charset="-127"/>
+              </a:rPr>
+              <a:t>3 &gt; Django(</a:t>
+            </a:r>
+            <a:r>
+              <a:rPr lang="ko-KR" altLang="en-US" sz="2800" dirty="0">
+                <a:solidFill>
+                  <a:schemeClr val="bg1"/>
+                </a:solidFill>
+                <a:latin typeface="나눔고딕 Light" panose="020D0904000000000000" pitchFamily="50" charset="-127"/>
+                <a:ea typeface="나눔고딕 Light" panose="020D0904000000000000" pitchFamily="50" charset="-127"/>
+              </a:rPr>
+              <a:t>장고</a:t>
+            </a:r>
+            <a:r>
+              <a:rPr lang="en-US" altLang="ko-KR" sz="2800" dirty="0">
+                <a:solidFill>
+                  <a:schemeClr val="bg1"/>
+                </a:solidFill>
+                <a:latin typeface="나눔고딕 Light" panose="020D0904000000000000" pitchFamily="50" charset="-127"/>
+                <a:ea typeface="나눔고딕 Light" panose="020D0904000000000000" pitchFamily="50" charset="-127"/>
+              </a:rPr>
+              <a:t>) </a:t>
+            </a:r>
+            <a:r>
+              <a:rPr lang="ko-KR" altLang="en-US" sz="2800" dirty="0">
+                <a:solidFill>
+                  <a:schemeClr val="bg1"/>
+                </a:solidFill>
+                <a:latin typeface="나눔고딕 Light" panose="020D0904000000000000" pitchFamily="50" charset="-127"/>
+                <a:ea typeface="나눔고딕 Light" panose="020D0904000000000000" pitchFamily="50" charset="-127"/>
+              </a:rPr>
+              <a:t>프로젝트 올리기</a:t>
+            </a:r>
+            <a:endParaRPr lang="en-US" altLang="ko-KR" sz="2800" dirty="0">
+              <a:solidFill>
+                <a:schemeClr val="bg1"/>
+              </a:solidFill>
+              <a:latin typeface="나눔고딕 Light" panose="020D0904000000000000" pitchFamily="50" charset="-127"/>
+              <a:ea typeface="나눔고딕 Light" panose="020D0904000000000000" pitchFamily="50" charset="-127"/>
+            </a:endParaRPr>
+          </a:p>
+        </p:txBody>
+      </p:sp>
+      <p:sp>
+        <p:nvSpPr>
+          <p:cNvPr id="10" name="TextBox 9">
+            <a:extLst>
+              <a:ext uri="{FF2B5EF4-FFF2-40B4-BE49-F238E27FC236}">
+                <a16:creationId xmlns:a16="http://schemas.microsoft.com/office/drawing/2014/main" id="{F49A06C6-23C9-4098-A6B3-8AE9A9C618A7}"/>
+              </a:ext>
+            </a:extLst>
+          </p:cNvPr>
+          <p:cNvSpPr txBox="1"/>
+          <p:nvPr/>
+        </p:nvSpPr>
+        <p:spPr>
+          <a:xfrm>
+            <a:off x="263610" y="1326292"/>
+            <a:ext cx="7891345" cy="1394228"/>
+          </a:xfrm>
+          <a:prstGeom prst="rect">
+            <a:avLst/>
+          </a:prstGeom>
+          <a:noFill/>
+        </p:spPr>
+        <p:txBody>
+          <a:bodyPr wrap="square" rtlCol="0">
+            <a:spAutoFit/>
+          </a:bodyPr>
+          <a:lstStyle/>
+          <a:p>
+            <a:pPr>
+              <a:lnSpc>
+                <a:spcPct val="120000"/>
+              </a:lnSpc>
+            </a:pPr>
+            <a:r>
+              <a:rPr lang="en-US" altLang="ko-KR" b="1" dirty="0">
+                <a:latin typeface="나눔고딕코딩" panose="020D0009000000000000" pitchFamily="49" charset="-127"/>
+                <a:ea typeface="나눔고딕코딩" panose="020D0009000000000000" pitchFamily="49" charset="-127"/>
+              </a:rPr>
+              <a:t>Git </a:t>
+            </a:r>
+            <a:r>
+              <a:rPr lang="ko-KR" altLang="en-US" b="1" dirty="0">
+                <a:latin typeface="나눔고딕코딩" panose="020D0009000000000000" pitchFamily="49" charset="-127"/>
+                <a:ea typeface="나눔고딕코딩" panose="020D0009000000000000" pitchFamily="49" charset="-127"/>
+              </a:rPr>
+              <a:t>저장소의 상태 확인</a:t>
+            </a:r>
+            <a:endParaRPr lang="en-US" altLang="ko-KR" b="1" dirty="0">
+              <a:latin typeface="나눔고딕코딩" panose="020D0009000000000000" pitchFamily="49" charset="-127"/>
+              <a:ea typeface="나눔고딕코딩" panose="020D0009000000000000" pitchFamily="49" charset="-127"/>
+            </a:endParaRPr>
+          </a:p>
+          <a:p>
+            <a:pPr marL="285750" indent="-285750">
+              <a:lnSpc>
+                <a:spcPct val="120000"/>
+              </a:lnSpc>
+              <a:buFont typeface="Arial" panose="020B0604020202020204" pitchFamily="34" charset="0"/>
+              <a:buChar char="•"/>
+            </a:pPr>
+            <a:r>
+              <a:rPr lang="ko-KR" altLang="en-US" dirty="0">
+                <a:latin typeface="나눔고딕코딩" panose="020D0009000000000000" pitchFamily="49" charset="-127"/>
+                <a:ea typeface="나눔고딕코딩" panose="020D0009000000000000" pitchFamily="49" charset="-127"/>
+              </a:rPr>
+              <a:t>현재 작업하고 있는 </a:t>
+            </a:r>
+            <a:r>
+              <a:rPr lang="ko-KR" altLang="en-US" dirty="0" err="1">
+                <a:latin typeface="나눔고딕코딩" panose="020D0009000000000000" pitchFamily="49" charset="-127"/>
+                <a:ea typeface="나눔고딕코딩" panose="020D0009000000000000" pitchFamily="49" charset="-127"/>
+              </a:rPr>
+              <a:t>브렌치</a:t>
+            </a:r>
+            <a:r>
+              <a:rPr lang="ko-KR" altLang="en-US" dirty="0">
+                <a:latin typeface="나눔고딕코딩" panose="020D0009000000000000" pitchFamily="49" charset="-127"/>
+                <a:ea typeface="나눔고딕코딩" panose="020D0009000000000000" pitchFamily="49" charset="-127"/>
+              </a:rPr>
+              <a:t> 상태를 보여줌</a:t>
+            </a:r>
+            <a:endParaRPr lang="en-US" altLang="ko-KR" dirty="0">
+              <a:latin typeface="나눔고딕코딩" panose="020D0009000000000000" pitchFamily="49" charset="-127"/>
+              <a:ea typeface="나눔고딕코딩" panose="020D0009000000000000" pitchFamily="49" charset="-127"/>
+            </a:endParaRPr>
+          </a:p>
+          <a:p>
+            <a:pPr marL="285750" indent="-285750">
+              <a:lnSpc>
+                <a:spcPct val="120000"/>
+              </a:lnSpc>
+              <a:buFont typeface="Arial" panose="020B0604020202020204" pitchFamily="34" charset="0"/>
+              <a:buChar char="•"/>
+            </a:pPr>
+            <a:r>
+              <a:rPr lang="ko-KR" altLang="en-US" dirty="0">
+                <a:latin typeface="나눔고딕코딩" panose="020D0009000000000000" pitchFamily="49" charset="-127"/>
+                <a:ea typeface="나눔고딕코딩" panose="020D0009000000000000" pitchFamily="49" charset="-127"/>
+              </a:rPr>
+              <a:t>파일의 수정 사항</a:t>
+            </a:r>
+            <a:r>
+              <a:rPr lang="en-US" altLang="ko-KR" dirty="0">
+                <a:latin typeface="나눔고딕코딩" panose="020D0009000000000000" pitchFamily="49" charset="-127"/>
+                <a:ea typeface="나눔고딕코딩" panose="020D0009000000000000" pitchFamily="49" charset="-127"/>
+              </a:rPr>
+              <a:t>/</a:t>
+            </a:r>
+            <a:r>
+              <a:rPr lang="ko-KR" altLang="en-US" dirty="0">
+                <a:latin typeface="나눔고딕코딩" panose="020D0009000000000000" pitchFamily="49" charset="-127"/>
+                <a:ea typeface="나눔고딕코딩" panose="020D0009000000000000" pitchFamily="49" charset="-127"/>
+              </a:rPr>
+              <a:t>추적되지 않은 파일</a:t>
+            </a:r>
+            <a:r>
+              <a:rPr lang="en-US" altLang="ko-KR" dirty="0">
+                <a:latin typeface="나눔고딕코딩" panose="020D0009000000000000" pitchFamily="49" charset="-127"/>
+                <a:ea typeface="나눔고딕코딩" panose="020D0009000000000000" pitchFamily="49" charset="-127"/>
+              </a:rPr>
+              <a:t>/</a:t>
+            </a:r>
+            <a:r>
+              <a:rPr lang="ko-KR" altLang="en-US" dirty="0">
+                <a:latin typeface="나눔고딕코딩" panose="020D0009000000000000" pitchFamily="49" charset="-127"/>
+                <a:ea typeface="나눔고딕코딩" panose="020D0009000000000000" pitchFamily="49" charset="-127"/>
+              </a:rPr>
+              <a:t>삭제된 파일들이 있는지 확인</a:t>
+            </a:r>
+            <a:endParaRPr lang="en-US" altLang="ko-KR" dirty="0">
+              <a:latin typeface="나눔고딕코딩" panose="020D0009000000000000" pitchFamily="49" charset="-127"/>
+              <a:ea typeface="나눔고딕코딩" panose="020D0009000000000000" pitchFamily="49" charset="-127"/>
+            </a:endParaRPr>
+          </a:p>
+          <a:p>
+            <a:pPr marL="285750" indent="-285750">
+              <a:lnSpc>
+                <a:spcPct val="120000"/>
+              </a:lnSpc>
+              <a:buFont typeface="Arial" panose="020B0604020202020204" pitchFamily="34" charset="0"/>
+              <a:buChar char="•"/>
+            </a:pPr>
+            <a:endParaRPr lang="en-US" altLang="ko-KR" dirty="0">
+              <a:latin typeface="나눔고딕코딩" panose="020D0009000000000000" pitchFamily="49" charset="-127"/>
+              <a:ea typeface="나눔고딕코딩" panose="020D0009000000000000" pitchFamily="49" charset="-127"/>
+            </a:endParaRPr>
+          </a:p>
+        </p:txBody>
+      </p:sp>
+      <p:sp>
+        <p:nvSpPr>
+          <p:cNvPr id="6" name="직사각형 5">
+            <a:extLst>
+              <a:ext uri="{FF2B5EF4-FFF2-40B4-BE49-F238E27FC236}">
+                <a16:creationId xmlns:a16="http://schemas.microsoft.com/office/drawing/2014/main" id="{602C3F31-8BCC-456C-AB38-5E118D80B77D}"/>
+              </a:ext>
+            </a:extLst>
+          </p:cNvPr>
+          <p:cNvSpPr/>
+          <p:nvPr/>
+        </p:nvSpPr>
+        <p:spPr>
+          <a:xfrm>
+            <a:off x="263610" y="2492515"/>
+            <a:ext cx="8889721" cy="2893100"/>
+          </a:xfrm>
+          <a:prstGeom prst="rect">
+            <a:avLst/>
+          </a:prstGeom>
+          <a:solidFill>
+            <a:schemeClr val="tx1"/>
+          </a:solidFill>
+        </p:spPr>
+        <p:txBody>
+          <a:bodyPr wrap="square">
+            <a:spAutoFit/>
+          </a:bodyPr>
+          <a:lstStyle/>
+          <a:p>
+            <a:r>
+              <a:rPr lang="en-US" altLang="ko-KR" sz="1300" dirty="0">
+                <a:solidFill>
+                  <a:schemeClr val="bg1"/>
+                </a:solidFill>
+                <a:latin typeface="나눔고딕 Light" panose="020D0904000000000000" pitchFamily="50" charset="-127"/>
+                <a:ea typeface="나눔고딕 Light" panose="020D0904000000000000" pitchFamily="50" charset="-127"/>
+              </a:rPr>
+              <a:t>$ git status</a:t>
+            </a:r>
+          </a:p>
+          <a:p>
+            <a:r>
+              <a:rPr lang="en-US" altLang="ko-KR" sz="1300" dirty="0">
+                <a:solidFill>
+                  <a:schemeClr val="bg1"/>
+                </a:solidFill>
+                <a:latin typeface="나눔고딕 Light" panose="020D0904000000000000" pitchFamily="50" charset="-127"/>
+                <a:ea typeface="나눔고딕 Light" panose="020D0904000000000000" pitchFamily="50" charset="-127"/>
+              </a:rPr>
+              <a:t>On branch master</a:t>
+            </a:r>
+          </a:p>
+          <a:p>
+            <a:endParaRPr lang="en-US" altLang="ko-KR" sz="1300" dirty="0">
+              <a:solidFill>
+                <a:schemeClr val="bg1"/>
+              </a:solidFill>
+              <a:latin typeface="나눔고딕 Light" panose="020D0904000000000000" pitchFamily="50" charset="-127"/>
+              <a:ea typeface="나눔고딕 Light" panose="020D0904000000000000" pitchFamily="50" charset="-127"/>
+            </a:endParaRPr>
+          </a:p>
+          <a:p>
+            <a:r>
+              <a:rPr lang="en-US" altLang="ko-KR" sz="1300" dirty="0">
+                <a:solidFill>
+                  <a:schemeClr val="bg1"/>
+                </a:solidFill>
+                <a:latin typeface="나눔고딕 Light" panose="020D0904000000000000" pitchFamily="50" charset="-127"/>
+                <a:ea typeface="나눔고딕 Light" panose="020D0904000000000000" pitchFamily="50" charset="-127"/>
+              </a:rPr>
+              <a:t>Initial commit</a:t>
+            </a:r>
+          </a:p>
+          <a:p>
+            <a:endParaRPr lang="en-US" altLang="ko-KR" sz="1300" dirty="0">
+              <a:solidFill>
+                <a:schemeClr val="bg1"/>
+              </a:solidFill>
+              <a:latin typeface="나눔고딕 Light" panose="020D0904000000000000" pitchFamily="50" charset="-127"/>
+              <a:ea typeface="나눔고딕 Light" panose="020D0904000000000000" pitchFamily="50" charset="-127"/>
+            </a:endParaRPr>
+          </a:p>
+          <a:p>
+            <a:r>
+              <a:rPr lang="en-US" altLang="ko-KR" sz="1300" dirty="0">
+                <a:solidFill>
+                  <a:schemeClr val="bg1"/>
+                </a:solidFill>
+                <a:latin typeface="나눔고딕 Light" panose="020D0904000000000000" pitchFamily="50" charset="-127"/>
+                <a:ea typeface="나눔고딕 Light" panose="020D0904000000000000" pitchFamily="50" charset="-127"/>
+              </a:rPr>
+              <a:t>Untracked files:</a:t>
+            </a:r>
+          </a:p>
+          <a:p>
+            <a:r>
+              <a:rPr lang="en-US" altLang="ko-KR" sz="1300" dirty="0">
+                <a:solidFill>
+                  <a:schemeClr val="bg1"/>
+                </a:solidFill>
+                <a:latin typeface="나눔고딕 Light" panose="020D0904000000000000" pitchFamily="50" charset="-127"/>
+                <a:ea typeface="나눔고딕 Light" panose="020D0904000000000000" pitchFamily="50" charset="-127"/>
+              </a:rPr>
+              <a:t>  (use "git add &lt;file&gt;..." to include in what will be committed)</a:t>
+            </a:r>
+          </a:p>
+          <a:p>
+            <a:endParaRPr lang="en-US" altLang="ko-KR" sz="1300" dirty="0">
+              <a:solidFill>
+                <a:schemeClr val="bg1"/>
+              </a:solidFill>
+              <a:latin typeface="나눔고딕 Light" panose="020D0904000000000000" pitchFamily="50" charset="-127"/>
+              <a:ea typeface="나눔고딕 Light" panose="020D0904000000000000" pitchFamily="50" charset="-127"/>
+            </a:endParaRPr>
+          </a:p>
+          <a:p>
+            <a:r>
+              <a:rPr lang="en-US" altLang="ko-KR" sz="1300" dirty="0">
+                <a:solidFill>
+                  <a:schemeClr val="bg1"/>
+                </a:solidFill>
+                <a:latin typeface="나눔고딕 Light" panose="020D0904000000000000" pitchFamily="50" charset="-127"/>
+                <a:ea typeface="나눔고딕 Light" panose="020D0904000000000000" pitchFamily="50" charset="-127"/>
+              </a:rPr>
+              <a:t>        .</a:t>
+            </a:r>
+            <a:r>
+              <a:rPr lang="en-US" altLang="ko-KR" sz="1300" dirty="0" err="1">
+                <a:solidFill>
+                  <a:schemeClr val="bg1"/>
+                </a:solidFill>
+                <a:latin typeface="나눔고딕 Light" panose="020D0904000000000000" pitchFamily="50" charset="-127"/>
+                <a:ea typeface="나눔고딕 Light" panose="020D0904000000000000" pitchFamily="50" charset="-127"/>
+              </a:rPr>
+              <a:t>gitignore</a:t>
+            </a:r>
+            <a:endParaRPr lang="en-US" altLang="ko-KR" sz="1300" dirty="0">
+              <a:solidFill>
+                <a:schemeClr val="bg1"/>
+              </a:solidFill>
+              <a:latin typeface="나눔고딕 Light" panose="020D0904000000000000" pitchFamily="50" charset="-127"/>
+              <a:ea typeface="나눔고딕 Light" panose="020D0904000000000000" pitchFamily="50" charset="-127"/>
+            </a:endParaRPr>
+          </a:p>
+          <a:p>
+            <a:r>
+              <a:rPr lang="en-US" altLang="ko-KR" sz="1300" dirty="0">
+                <a:solidFill>
+                  <a:schemeClr val="bg1"/>
+                </a:solidFill>
+                <a:latin typeface="나눔고딕 Light" panose="020D0904000000000000" pitchFamily="50" charset="-127"/>
+                <a:ea typeface="나눔고딕 Light" panose="020D0904000000000000" pitchFamily="50" charset="-127"/>
+              </a:rPr>
+              <a:t>        blog/</a:t>
+            </a:r>
+          </a:p>
+          <a:p>
+            <a:r>
+              <a:rPr lang="en-US" altLang="ko-KR" sz="1300" dirty="0">
+                <a:solidFill>
+                  <a:schemeClr val="bg1"/>
+                </a:solidFill>
+                <a:latin typeface="나눔고딕 Light" panose="020D0904000000000000" pitchFamily="50" charset="-127"/>
+                <a:ea typeface="나눔고딕 Light" panose="020D0904000000000000" pitchFamily="50" charset="-127"/>
+              </a:rPr>
+              <a:t>        manage.py</a:t>
+            </a:r>
+          </a:p>
+          <a:p>
+            <a:r>
+              <a:rPr lang="en-US" altLang="ko-KR" sz="1300" dirty="0">
+                <a:solidFill>
+                  <a:schemeClr val="bg1"/>
+                </a:solidFill>
+                <a:latin typeface="나눔고딕 Light" panose="020D0904000000000000" pitchFamily="50" charset="-127"/>
+                <a:ea typeface="나눔고딕 Light" panose="020D0904000000000000" pitchFamily="50" charset="-127"/>
+              </a:rPr>
+              <a:t>        </a:t>
+            </a:r>
+            <a:r>
+              <a:rPr lang="en-US" altLang="ko-KR" sz="1300" dirty="0" err="1">
+                <a:solidFill>
+                  <a:schemeClr val="bg1"/>
+                </a:solidFill>
+                <a:latin typeface="나눔고딕 Light" panose="020D0904000000000000" pitchFamily="50" charset="-127"/>
+                <a:ea typeface="나눔고딕 Light" panose="020D0904000000000000" pitchFamily="50" charset="-127"/>
+              </a:rPr>
+              <a:t>mysite</a:t>
+            </a:r>
+            <a:r>
+              <a:rPr lang="en-US" altLang="ko-KR" sz="1300" dirty="0">
+                <a:solidFill>
+                  <a:schemeClr val="bg1"/>
+                </a:solidFill>
+                <a:latin typeface="나눔고딕 Light" panose="020D0904000000000000" pitchFamily="50" charset="-127"/>
+                <a:ea typeface="나눔고딕 Light" panose="020D0904000000000000" pitchFamily="50" charset="-127"/>
+              </a:rPr>
+              <a:t>/</a:t>
+            </a:r>
+          </a:p>
+          <a:p>
+            <a:endParaRPr lang="en-US" altLang="ko-KR" sz="1300" dirty="0">
+              <a:solidFill>
+                <a:schemeClr val="bg1"/>
+              </a:solidFill>
+              <a:latin typeface="나눔고딕 Light" panose="020D0904000000000000" pitchFamily="50" charset="-127"/>
+              <a:ea typeface="나눔고딕 Light" panose="020D0904000000000000" pitchFamily="50" charset="-127"/>
+            </a:endParaRPr>
+          </a:p>
+          <a:p>
+            <a:r>
+              <a:rPr lang="en-US" altLang="ko-KR" sz="1300" dirty="0">
+                <a:solidFill>
+                  <a:schemeClr val="bg1"/>
+                </a:solidFill>
+                <a:latin typeface="나눔고딕 Light" panose="020D0904000000000000" pitchFamily="50" charset="-127"/>
+                <a:ea typeface="나눔고딕 Light" panose="020D0904000000000000" pitchFamily="50" charset="-127"/>
+              </a:rPr>
+              <a:t>nothing added to commit but untracked files present (use "git add" to track)</a:t>
+            </a:r>
+          </a:p>
+        </p:txBody>
+      </p:sp>
+    </p:spTree>
+    <p:extLst>
+      <p:ext uri="{BB962C8B-B14F-4D97-AF65-F5344CB8AC3E}">
+        <p14:creationId xmlns:p14="http://schemas.microsoft.com/office/powerpoint/2010/main" val="2018932782"/>
+      </p:ext>
+    </p:extLst>
+  </p:cSld>
+  <p:clrMapOvr>
+    <a:masterClrMapping/>
+  </p:clrMapOvr>
+</p:sld>
+</file>
+
+<file path=ppt/slides/slide25.xml><?xml version="1.0" encoding="utf-8"?>
+<p:sld xmlns:a="http://schemas.openxmlformats.org/drawingml/2006/main" xmlns:r="http://schemas.openxmlformats.org/officeDocument/2006/relationships" xmlns:p="http://schemas.openxmlformats.org/presentationml/2006/main">
+  <p:cSld>
+    <p:spTree>
+      <p:nvGrpSpPr>
+        <p:cNvPr id="1" name=""/>
+        <p:cNvGrpSpPr/>
+        <p:nvPr/>
+      </p:nvGrpSpPr>
+      <p:grpSpPr>
+        <a:xfrm>
+          <a:off x="0" y="0"/>
+          <a:ext cx="0" cy="0"/>
+          <a:chOff x="0" y="0"/>
+          <a:chExt cx="0" cy="0"/>
+        </a:xfrm>
+      </p:grpSpPr>
+      <p:sp>
+        <p:nvSpPr>
+          <p:cNvPr id="4" name="TextBox 3">
+            <a:extLst>
+              <a:ext uri="{FF2B5EF4-FFF2-40B4-BE49-F238E27FC236}">
+                <a16:creationId xmlns:a16="http://schemas.microsoft.com/office/drawing/2014/main" id="{6F512E33-3568-4B64-907A-F55736485946}"/>
+              </a:ext>
+            </a:extLst>
+          </p:cNvPr>
+          <p:cNvSpPr txBox="1"/>
+          <p:nvPr/>
+        </p:nvSpPr>
+        <p:spPr>
+          <a:xfrm>
+            <a:off x="199765" y="393614"/>
+            <a:ext cx="8285207" cy="523220"/>
+          </a:xfrm>
+          <a:prstGeom prst="rect">
+            <a:avLst/>
+          </a:prstGeom>
+          <a:noFill/>
+        </p:spPr>
+        <p:txBody>
+          <a:bodyPr wrap="square" rtlCol="0">
+            <a:spAutoFit/>
+          </a:bodyPr>
+          <a:lstStyle/>
+          <a:p>
+            <a:r>
+              <a:rPr lang="en-US" altLang="ko-KR" sz="2800" dirty="0">
+                <a:solidFill>
+                  <a:schemeClr val="bg1"/>
+                </a:solidFill>
+                <a:latin typeface="나눔고딕 Light" panose="020D0904000000000000" pitchFamily="50" charset="-127"/>
+                <a:ea typeface="나눔고딕 Light" panose="020D0904000000000000" pitchFamily="50" charset="-127"/>
+              </a:rPr>
+              <a:t>3 &gt; Django(</a:t>
+            </a:r>
+            <a:r>
+              <a:rPr lang="ko-KR" altLang="en-US" sz="2800" dirty="0">
+                <a:solidFill>
+                  <a:schemeClr val="bg1"/>
+                </a:solidFill>
+                <a:latin typeface="나눔고딕 Light" panose="020D0904000000000000" pitchFamily="50" charset="-127"/>
+                <a:ea typeface="나눔고딕 Light" panose="020D0904000000000000" pitchFamily="50" charset="-127"/>
+              </a:rPr>
+              <a:t>장고</a:t>
+            </a:r>
+            <a:r>
+              <a:rPr lang="en-US" altLang="ko-KR" sz="2800" dirty="0">
+                <a:solidFill>
+                  <a:schemeClr val="bg1"/>
+                </a:solidFill>
+                <a:latin typeface="나눔고딕 Light" panose="020D0904000000000000" pitchFamily="50" charset="-127"/>
+                <a:ea typeface="나눔고딕 Light" panose="020D0904000000000000" pitchFamily="50" charset="-127"/>
+              </a:rPr>
+              <a:t>) </a:t>
+            </a:r>
+            <a:r>
+              <a:rPr lang="ko-KR" altLang="en-US" sz="2800" dirty="0">
+                <a:solidFill>
+                  <a:schemeClr val="bg1"/>
+                </a:solidFill>
+                <a:latin typeface="나눔고딕 Light" panose="020D0904000000000000" pitchFamily="50" charset="-127"/>
+                <a:ea typeface="나눔고딕 Light" panose="020D0904000000000000" pitchFamily="50" charset="-127"/>
+              </a:rPr>
+              <a:t>프로젝트 올리기</a:t>
+            </a:r>
+            <a:endParaRPr lang="en-US" altLang="ko-KR" sz="2800" dirty="0">
+              <a:solidFill>
+                <a:schemeClr val="bg1"/>
+              </a:solidFill>
+              <a:latin typeface="나눔고딕 Light" panose="020D0904000000000000" pitchFamily="50" charset="-127"/>
+              <a:ea typeface="나눔고딕 Light" panose="020D0904000000000000" pitchFamily="50" charset="-127"/>
+            </a:endParaRPr>
+          </a:p>
+        </p:txBody>
+      </p:sp>
+      <p:sp>
+        <p:nvSpPr>
+          <p:cNvPr id="10" name="TextBox 9">
+            <a:extLst>
+              <a:ext uri="{FF2B5EF4-FFF2-40B4-BE49-F238E27FC236}">
+                <a16:creationId xmlns:a16="http://schemas.microsoft.com/office/drawing/2014/main" id="{F49A06C6-23C9-4098-A6B3-8AE9A9C618A7}"/>
+              </a:ext>
+            </a:extLst>
+          </p:cNvPr>
+          <p:cNvSpPr txBox="1"/>
+          <p:nvPr/>
+        </p:nvSpPr>
+        <p:spPr>
+          <a:xfrm>
+            <a:off x="263610" y="1326292"/>
+            <a:ext cx="9832112" cy="4053417"/>
+          </a:xfrm>
+          <a:prstGeom prst="rect">
+            <a:avLst/>
+          </a:prstGeom>
+          <a:noFill/>
+        </p:spPr>
+        <p:txBody>
+          <a:bodyPr wrap="square" rtlCol="0">
+            <a:spAutoFit/>
+          </a:bodyPr>
+          <a:lstStyle/>
+          <a:p>
+            <a:pPr>
+              <a:lnSpc>
+                <a:spcPct val="120000"/>
+              </a:lnSpc>
+            </a:pPr>
+            <a:r>
+              <a:rPr lang="en-US" altLang="ko-KR" b="1" dirty="0">
+                <a:latin typeface="나눔고딕코딩" panose="020D0009000000000000" pitchFamily="49" charset="-127"/>
+                <a:ea typeface="나눔고딕코딩" panose="020D0009000000000000" pitchFamily="49" charset="-127"/>
+              </a:rPr>
+              <a:t>Git </a:t>
+            </a:r>
+            <a:r>
+              <a:rPr lang="ko-KR" altLang="en-US" b="1" dirty="0">
+                <a:latin typeface="나눔고딕코딩" panose="020D0009000000000000" pitchFamily="49" charset="-127"/>
+                <a:ea typeface="나눔고딕코딩" panose="020D0009000000000000" pitchFamily="49" charset="-127"/>
+              </a:rPr>
+              <a:t>저장소에 파일 올리기</a:t>
+            </a:r>
+            <a:endParaRPr lang="en-US" altLang="ko-KR" b="1" dirty="0">
+              <a:latin typeface="나눔고딕코딩" panose="020D0009000000000000" pitchFamily="49" charset="-127"/>
+              <a:ea typeface="나눔고딕코딩" panose="020D0009000000000000" pitchFamily="49" charset="-127"/>
+            </a:endParaRPr>
+          </a:p>
+          <a:p>
+            <a:pPr marL="285750" indent="-285750">
+              <a:lnSpc>
+                <a:spcPct val="120000"/>
+              </a:lnSpc>
+              <a:buFont typeface="Arial" panose="020B0604020202020204" pitchFamily="34" charset="0"/>
+              <a:buChar char="•"/>
+            </a:pPr>
+            <a:r>
+              <a:rPr lang="en-US" altLang="ko-KR" dirty="0">
+                <a:latin typeface="나눔고딕코딩" panose="020D0009000000000000" pitchFamily="49" charset="-127"/>
+                <a:ea typeface="나눔고딕코딩" panose="020D0009000000000000" pitchFamily="49" charset="-127"/>
+              </a:rPr>
+              <a:t>add </a:t>
+            </a:r>
+            <a:r>
+              <a:rPr lang="ko-KR" altLang="en-US" dirty="0">
+                <a:latin typeface="나눔고딕코딩" panose="020D0009000000000000" pitchFamily="49" charset="-127"/>
+                <a:ea typeface="나눔고딕코딩" panose="020D0009000000000000" pitchFamily="49" charset="-127"/>
+              </a:rPr>
+              <a:t>명령어를 이용하여 저장소에 추적하고 있는 파일 중 상태가 변경된 파일을 추가함</a:t>
+            </a:r>
+            <a:endParaRPr lang="en-US" altLang="ko-KR" dirty="0">
+              <a:latin typeface="나눔고딕코딩" panose="020D0009000000000000" pitchFamily="49" charset="-127"/>
+              <a:ea typeface="나눔고딕코딩" panose="020D0009000000000000" pitchFamily="49" charset="-127"/>
+            </a:endParaRPr>
+          </a:p>
+          <a:p>
+            <a:pPr marL="285750" indent="-285750">
+              <a:lnSpc>
+                <a:spcPct val="120000"/>
+              </a:lnSpc>
+              <a:buFont typeface="Arial" panose="020B0604020202020204" pitchFamily="34" charset="0"/>
+              <a:buChar char="•"/>
+            </a:pPr>
+            <a:r>
+              <a:rPr lang="en-US" altLang="ko-KR" dirty="0">
+                <a:latin typeface="나눔고딕코딩" panose="020D0009000000000000" pitchFamily="49" charset="-127"/>
+                <a:ea typeface="나눔고딕코딩" panose="020D0009000000000000" pitchFamily="49" charset="-127"/>
+              </a:rPr>
+              <a:t>commit </a:t>
+            </a:r>
+            <a:r>
+              <a:rPr lang="ko-KR" altLang="en-US" dirty="0">
+                <a:latin typeface="나눔고딕코딩" panose="020D0009000000000000" pitchFamily="49" charset="-127"/>
+                <a:ea typeface="나눔고딕코딩" panose="020D0009000000000000" pitchFamily="49" charset="-127"/>
+              </a:rPr>
+              <a:t>명령어를 이용하여 해당 파일에 관한 추가적인 내용들을 첨부해서 최종 적용</a:t>
+            </a:r>
+            <a:endParaRPr lang="en-US" altLang="ko-KR" dirty="0">
+              <a:latin typeface="나눔고딕코딩" panose="020D0009000000000000" pitchFamily="49" charset="-127"/>
+              <a:ea typeface="나눔고딕코딩" panose="020D0009000000000000" pitchFamily="49" charset="-127"/>
+            </a:endParaRPr>
+          </a:p>
+          <a:p>
+            <a:pPr marL="285750" indent="-285750">
+              <a:lnSpc>
+                <a:spcPct val="120000"/>
+              </a:lnSpc>
+              <a:buFont typeface="Arial" panose="020B0604020202020204" pitchFamily="34" charset="0"/>
+              <a:buChar char="•"/>
+            </a:pPr>
+            <a:endParaRPr lang="en-US" altLang="ko-KR" dirty="0">
+              <a:latin typeface="나눔고딕코딩" panose="020D0009000000000000" pitchFamily="49" charset="-127"/>
+              <a:ea typeface="나눔고딕코딩" panose="020D0009000000000000" pitchFamily="49" charset="-127"/>
+            </a:endParaRPr>
+          </a:p>
+          <a:p>
+            <a:pPr marL="285750" indent="-285750">
+              <a:lnSpc>
+                <a:spcPct val="120000"/>
+              </a:lnSpc>
+              <a:buFont typeface="Arial" panose="020B0604020202020204" pitchFamily="34" charset="0"/>
+              <a:buChar char="•"/>
+            </a:pPr>
+            <a:endParaRPr lang="en-US" altLang="ko-KR" dirty="0">
+              <a:latin typeface="나눔고딕코딩" panose="020D0009000000000000" pitchFamily="49" charset="-127"/>
+              <a:ea typeface="나눔고딕코딩" panose="020D0009000000000000" pitchFamily="49" charset="-127"/>
+            </a:endParaRPr>
+          </a:p>
+          <a:p>
+            <a:pPr marL="285750" indent="-285750">
+              <a:lnSpc>
+                <a:spcPct val="120000"/>
+              </a:lnSpc>
+              <a:buFont typeface="Arial" panose="020B0604020202020204" pitchFamily="34" charset="0"/>
+              <a:buChar char="•"/>
+            </a:pPr>
+            <a:endParaRPr lang="en-US" altLang="ko-KR" dirty="0">
+              <a:latin typeface="나눔고딕코딩" panose="020D0009000000000000" pitchFamily="49" charset="-127"/>
+              <a:ea typeface="나눔고딕코딩" panose="020D0009000000000000" pitchFamily="49" charset="-127"/>
+            </a:endParaRPr>
+          </a:p>
+          <a:p>
+            <a:pPr marL="285750" indent="-285750">
+              <a:lnSpc>
+                <a:spcPct val="120000"/>
+              </a:lnSpc>
+              <a:buFont typeface="Arial" panose="020B0604020202020204" pitchFamily="34" charset="0"/>
+              <a:buChar char="•"/>
+            </a:pPr>
+            <a:endParaRPr lang="en-US" altLang="ko-KR" dirty="0">
+              <a:latin typeface="나눔고딕코딩" panose="020D0009000000000000" pitchFamily="49" charset="-127"/>
+              <a:ea typeface="나눔고딕코딩" panose="020D0009000000000000" pitchFamily="49" charset="-127"/>
+            </a:endParaRPr>
+          </a:p>
+          <a:p>
+            <a:pPr marL="285750" indent="-285750">
+              <a:lnSpc>
+                <a:spcPct val="120000"/>
+              </a:lnSpc>
+              <a:buFont typeface="Arial" panose="020B0604020202020204" pitchFamily="34" charset="0"/>
+              <a:buChar char="•"/>
+            </a:pPr>
+            <a:endParaRPr lang="en-US" altLang="ko-KR" dirty="0">
+              <a:latin typeface="나눔고딕코딩" panose="020D0009000000000000" pitchFamily="49" charset="-127"/>
+              <a:ea typeface="나눔고딕코딩" panose="020D0009000000000000" pitchFamily="49" charset="-127"/>
+            </a:endParaRPr>
+          </a:p>
+          <a:p>
+            <a:pPr>
+              <a:lnSpc>
+                <a:spcPct val="120000"/>
+              </a:lnSpc>
+            </a:pPr>
+            <a:r>
+              <a:rPr lang="en-US" altLang="ko-KR" b="1" dirty="0" err="1">
+                <a:latin typeface="나눔고딕코딩" panose="020D0009000000000000" pitchFamily="49" charset="-127"/>
+                <a:ea typeface="나눔고딕코딩" panose="020D0009000000000000" pitchFamily="49" charset="-127"/>
+              </a:rPr>
+              <a:t>Github</a:t>
+            </a:r>
+            <a:r>
+              <a:rPr lang="ko-KR" altLang="en-US" b="1" dirty="0">
+                <a:latin typeface="나눔고딕코딩" panose="020D0009000000000000" pitchFamily="49" charset="-127"/>
+                <a:ea typeface="나눔고딕코딩" panose="020D0009000000000000" pitchFamily="49" charset="-127"/>
+              </a:rPr>
+              <a:t>에 코드 배포하기</a:t>
+            </a:r>
+            <a:endParaRPr lang="en-US" altLang="ko-KR" b="1" dirty="0">
+              <a:latin typeface="나눔고딕코딩" panose="020D0009000000000000" pitchFamily="49" charset="-127"/>
+              <a:ea typeface="나눔고딕코딩" panose="020D0009000000000000" pitchFamily="49" charset="-127"/>
+            </a:endParaRPr>
+          </a:p>
+          <a:p>
+            <a:pPr marL="285750" indent="-285750">
+              <a:lnSpc>
+                <a:spcPct val="120000"/>
+              </a:lnSpc>
+              <a:buFont typeface="Arial" panose="020B0604020202020204" pitchFamily="34" charset="0"/>
+              <a:buChar char="•"/>
+            </a:pPr>
+            <a:r>
+              <a:rPr lang="en-US" altLang="ko-KR" dirty="0">
+                <a:latin typeface="나눔고딕코딩" panose="020D0009000000000000" pitchFamily="49" charset="-127"/>
+                <a:ea typeface="나눔고딕코딩" panose="020D0009000000000000" pitchFamily="49" charset="-127"/>
+              </a:rPr>
+              <a:t>remote</a:t>
+            </a:r>
+            <a:r>
+              <a:rPr lang="ko-KR" altLang="en-US" dirty="0">
+                <a:latin typeface="나눔고딕코딩" panose="020D0009000000000000" pitchFamily="49" charset="-127"/>
+                <a:ea typeface="나눔고딕코딩" panose="020D0009000000000000" pitchFamily="49" charset="-127"/>
+              </a:rPr>
+              <a:t> 명령어로 </a:t>
+            </a:r>
+            <a:r>
+              <a:rPr lang="en-US" altLang="ko-KR" dirty="0" err="1">
+                <a:latin typeface="나눔고딕코딩" panose="020D0009000000000000" pitchFamily="49" charset="-127"/>
+                <a:ea typeface="나눔고딕코딩" panose="020D0009000000000000" pitchFamily="49" charset="-127"/>
+              </a:rPr>
+              <a:t>github</a:t>
+            </a:r>
+            <a:r>
+              <a:rPr lang="en-US" altLang="ko-KR" dirty="0">
+                <a:latin typeface="나눔고딕코딩" panose="020D0009000000000000" pitchFamily="49" charset="-127"/>
+                <a:ea typeface="나눔고딕코딩" panose="020D0009000000000000" pitchFamily="49" charset="-127"/>
+              </a:rPr>
+              <a:t> </a:t>
+            </a:r>
+            <a:r>
+              <a:rPr lang="ko-KR" altLang="en-US" dirty="0">
+                <a:latin typeface="나눔고딕코딩" panose="020D0009000000000000" pitchFamily="49" charset="-127"/>
+                <a:ea typeface="나눔고딕코딩" panose="020D0009000000000000" pitchFamily="49" charset="-127"/>
+              </a:rPr>
+              <a:t>저장소의 </a:t>
+            </a:r>
+            <a:r>
+              <a:rPr lang="en-US" altLang="ko-KR" dirty="0" err="1">
+                <a:latin typeface="나눔고딕코딩" panose="020D0009000000000000" pitchFamily="49" charset="-127"/>
+                <a:ea typeface="나눔고딕코딩" panose="020D0009000000000000" pitchFamily="49" charset="-127"/>
+              </a:rPr>
+              <a:t>github</a:t>
+            </a:r>
+            <a:r>
+              <a:rPr lang="en-US" altLang="ko-KR" dirty="0">
+                <a:latin typeface="나눔고딕코딩" panose="020D0009000000000000" pitchFamily="49" charset="-127"/>
+                <a:ea typeface="나눔고딕코딩" panose="020D0009000000000000" pitchFamily="49" charset="-127"/>
+              </a:rPr>
+              <a:t> repository </a:t>
+            </a:r>
+            <a:r>
+              <a:rPr lang="en-US" altLang="ko-KR" dirty="0" err="1">
+                <a:latin typeface="나눔고딕코딩" panose="020D0009000000000000" pitchFamily="49" charset="-127"/>
+                <a:ea typeface="나눔고딕코딩" panose="020D0009000000000000" pitchFamily="49" charset="-127"/>
+              </a:rPr>
+              <a:t>url</a:t>
+            </a:r>
+            <a:r>
+              <a:rPr lang="ko-KR" altLang="en-US" dirty="0">
+                <a:latin typeface="나눔고딕코딩" panose="020D0009000000000000" pitchFamily="49" charset="-127"/>
+                <a:ea typeface="나눔고딕코딩" panose="020D0009000000000000" pitchFamily="49" charset="-127"/>
+              </a:rPr>
+              <a:t>를 추가해줌</a:t>
+            </a:r>
+            <a:endParaRPr lang="en-US" altLang="ko-KR" dirty="0">
+              <a:latin typeface="나눔고딕코딩" panose="020D0009000000000000" pitchFamily="49" charset="-127"/>
+              <a:ea typeface="나눔고딕코딩" panose="020D0009000000000000" pitchFamily="49" charset="-127"/>
+            </a:endParaRPr>
+          </a:p>
+          <a:p>
+            <a:pPr marL="285750" indent="-285750">
+              <a:lnSpc>
+                <a:spcPct val="120000"/>
+              </a:lnSpc>
+              <a:buFont typeface="Arial" panose="020B0604020202020204" pitchFamily="34" charset="0"/>
+              <a:buChar char="•"/>
+            </a:pPr>
+            <a:r>
+              <a:rPr lang="en-US" altLang="ko-KR" dirty="0">
+                <a:latin typeface="나눔고딕코딩" panose="020D0009000000000000" pitchFamily="49" charset="-127"/>
+                <a:ea typeface="나눔고딕코딩" panose="020D0009000000000000" pitchFamily="49" charset="-127"/>
+              </a:rPr>
+              <a:t>push </a:t>
+            </a:r>
+            <a:r>
+              <a:rPr lang="ko-KR" altLang="en-US" dirty="0">
+                <a:latin typeface="나눔고딕코딩" panose="020D0009000000000000" pitchFamily="49" charset="-127"/>
+                <a:ea typeface="나눔고딕코딩" panose="020D0009000000000000" pitchFamily="49" charset="-127"/>
+              </a:rPr>
+              <a:t>명령어를 통해 </a:t>
+            </a:r>
+            <a:r>
+              <a:rPr lang="en-US" altLang="ko-KR" dirty="0">
+                <a:latin typeface="나눔고딕코딩" panose="020D0009000000000000" pitchFamily="49" charset="-127"/>
+                <a:ea typeface="나눔고딕코딩" panose="020D0009000000000000" pitchFamily="49" charset="-127"/>
+              </a:rPr>
+              <a:t>remote</a:t>
+            </a:r>
+            <a:r>
+              <a:rPr lang="ko-KR" altLang="en-US" dirty="0">
+                <a:latin typeface="나눔고딕코딩" panose="020D0009000000000000" pitchFamily="49" charset="-127"/>
+                <a:ea typeface="나눔고딕코딩" panose="020D0009000000000000" pitchFamily="49" charset="-127"/>
+              </a:rPr>
+              <a:t>로 추가한 저장소로 배포함</a:t>
+            </a:r>
+            <a:endParaRPr lang="en-US" altLang="ko-KR" dirty="0">
+              <a:latin typeface="나눔고딕코딩" panose="020D0009000000000000" pitchFamily="49" charset="-127"/>
+              <a:ea typeface="나눔고딕코딩" panose="020D0009000000000000" pitchFamily="49" charset="-127"/>
+            </a:endParaRPr>
+          </a:p>
+          <a:p>
+            <a:pPr marL="285750" indent="-285750">
+              <a:lnSpc>
+                <a:spcPct val="120000"/>
+              </a:lnSpc>
+              <a:buFont typeface="Arial" panose="020B0604020202020204" pitchFamily="34" charset="0"/>
+              <a:buChar char="•"/>
+            </a:pPr>
+            <a:endParaRPr lang="en-US" altLang="ko-KR" dirty="0">
+              <a:latin typeface="나눔고딕코딩" panose="020D0009000000000000" pitchFamily="49" charset="-127"/>
+              <a:ea typeface="나눔고딕코딩" panose="020D0009000000000000" pitchFamily="49" charset="-127"/>
+            </a:endParaRPr>
+          </a:p>
+        </p:txBody>
+      </p:sp>
+      <p:sp>
+        <p:nvSpPr>
+          <p:cNvPr id="6" name="직사각형 5">
+            <a:extLst>
+              <a:ext uri="{FF2B5EF4-FFF2-40B4-BE49-F238E27FC236}">
+                <a16:creationId xmlns:a16="http://schemas.microsoft.com/office/drawing/2014/main" id="{602C3F31-8BCC-456C-AB38-5E118D80B77D}"/>
+              </a:ext>
+            </a:extLst>
+          </p:cNvPr>
+          <p:cNvSpPr/>
+          <p:nvPr/>
+        </p:nvSpPr>
+        <p:spPr>
+          <a:xfrm>
+            <a:off x="263610" y="2436010"/>
+            <a:ext cx="8889721" cy="1492716"/>
+          </a:xfrm>
+          <a:prstGeom prst="rect">
+            <a:avLst/>
+          </a:prstGeom>
+          <a:solidFill>
+            <a:schemeClr val="tx1"/>
+          </a:solidFill>
+        </p:spPr>
+        <p:txBody>
+          <a:bodyPr wrap="square">
+            <a:spAutoFit/>
+          </a:bodyPr>
+          <a:lstStyle/>
+          <a:p>
+            <a:r>
+              <a:rPr lang="en-US" altLang="ko-KR" sz="1300" dirty="0">
+                <a:solidFill>
+                  <a:schemeClr val="bg1"/>
+                </a:solidFill>
+                <a:latin typeface="나눔고딕 Light" panose="020D0904000000000000" pitchFamily="50" charset="-127"/>
+                <a:ea typeface="나눔고딕 Light" panose="020D0904000000000000" pitchFamily="50" charset="-127"/>
+              </a:rPr>
+              <a:t>$ git add --all .</a:t>
+            </a:r>
+          </a:p>
+          <a:p>
+            <a:r>
+              <a:rPr lang="en-US" altLang="ko-KR" sz="1300" dirty="0">
+                <a:solidFill>
+                  <a:schemeClr val="bg1"/>
+                </a:solidFill>
+                <a:latin typeface="나눔고딕 Light" panose="020D0904000000000000" pitchFamily="50" charset="-127"/>
+                <a:ea typeface="나눔고딕 Light" panose="020D0904000000000000" pitchFamily="50" charset="-127"/>
+              </a:rPr>
+              <a:t>$ git commit -m "My Django Girls app, first commit"</a:t>
+            </a:r>
+          </a:p>
+          <a:p>
+            <a:r>
+              <a:rPr lang="en-US" altLang="ko-KR" sz="1300" dirty="0">
+                <a:solidFill>
+                  <a:schemeClr val="bg1"/>
+                </a:solidFill>
+                <a:latin typeface="나눔고딕 Light" panose="020D0904000000000000" pitchFamily="50" charset="-127"/>
+                <a:ea typeface="나눔고딕 Light" panose="020D0904000000000000" pitchFamily="50" charset="-127"/>
+              </a:rPr>
+              <a:t> [...]</a:t>
+            </a:r>
+          </a:p>
+          <a:p>
+            <a:r>
+              <a:rPr lang="en-US" altLang="ko-KR" sz="1300" dirty="0">
+                <a:solidFill>
+                  <a:schemeClr val="bg1"/>
+                </a:solidFill>
+                <a:latin typeface="나눔고딕 Light" panose="020D0904000000000000" pitchFamily="50" charset="-127"/>
+                <a:ea typeface="나눔고딕 Light" panose="020D0904000000000000" pitchFamily="50" charset="-127"/>
+              </a:rPr>
+              <a:t> 13 files changed, 200 insertions(+)</a:t>
+            </a:r>
+          </a:p>
+          <a:p>
+            <a:r>
+              <a:rPr lang="en-US" altLang="ko-KR" sz="1300" dirty="0">
+                <a:solidFill>
+                  <a:schemeClr val="bg1"/>
+                </a:solidFill>
+                <a:latin typeface="나눔고딕 Light" panose="020D0904000000000000" pitchFamily="50" charset="-127"/>
+                <a:ea typeface="나눔고딕 Light" panose="020D0904000000000000" pitchFamily="50" charset="-127"/>
+              </a:rPr>
+              <a:t> create mode 100644 .</a:t>
+            </a:r>
+            <a:r>
+              <a:rPr lang="en-US" altLang="ko-KR" sz="1300" dirty="0" err="1">
+                <a:solidFill>
+                  <a:schemeClr val="bg1"/>
+                </a:solidFill>
+                <a:latin typeface="나눔고딕 Light" panose="020D0904000000000000" pitchFamily="50" charset="-127"/>
+                <a:ea typeface="나눔고딕 Light" panose="020D0904000000000000" pitchFamily="50" charset="-127"/>
+              </a:rPr>
+              <a:t>gitignore</a:t>
+            </a:r>
+            <a:endParaRPr lang="en-US" altLang="ko-KR" sz="1300" dirty="0">
+              <a:solidFill>
+                <a:schemeClr val="bg1"/>
+              </a:solidFill>
+              <a:latin typeface="나눔고딕 Light" panose="020D0904000000000000" pitchFamily="50" charset="-127"/>
+              <a:ea typeface="나눔고딕 Light" panose="020D0904000000000000" pitchFamily="50" charset="-127"/>
+            </a:endParaRPr>
+          </a:p>
+          <a:p>
+            <a:r>
+              <a:rPr lang="en-US" altLang="ko-KR" sz="1300" dirty="0">
+                <a:solidFill>
+                  <a:schemeClr val="bg1"/>
+                </a:solidFill>
+                <a:latin typeface="나눔고딕 Light" panose="020D0904000000000000" pitchFamily="50" charset="-127"/>
+                <a:ea typeface="나눔고딕 Light" panose="020D0904000000000000" pitchFamily="50" charset="-127"/>
+              </a:rPr>
+              <a:t> [...]</a:t>
+            </a:r>
+          </a:p>
+          <a:p>
+            <a:r>
+              <a:rPr lang="en-US" altLang="ko-KR" sz="1300" dirty="0">
+                <a:solidFill>
+                  <a:schemeClr val="bg1"/>
+                </a:solidFill>
+                <a:latin typeface="나눔고딕 Light" panose="020D0904000000000000" pitchFamily="50" charset="-127"/>
+                <a:ea typeface="나눔고딕 Light" panose="020D0904000000000000" pitchFamily="50" charset="-127"/>
+              </a:rPr>
+              <a:t> create mode 100644 mysite/wsgi.py</a:t>
+            </a:r>
+          </a:p>
+        </p:txBody>
+      </p:sp>
+      <p:sp>
+        <p:nvSpPr>
+          <p:cNvPr id="7" name="직사각형 6">
+            <a:extLst>
+              <a:ext uri="{FF2B5EF4-FFF2-40B4-BE49-F238E27FC236}">
+                <a16:creationId xmlns:a16="http://schemas.microsoft.com/office/drawing/2014/main" id="{FDC9AC8F-5B33-4662-8F57-67E43BFD6E2F}"/>
+              </a:ext>
+            </a:extLst>
+          </p:cNvPr>
+          <p:cNvSpPr/>
+          <p:nvPr/>
+        </p:nvSpPr>
+        <p:spPr>
+          <a:xfrm>
+            <a:off x="338255" y="5038444"/>
+            <a:ext cx="8889721" cy="492443"/>
+          </a:xfrm>
+          <a:prstGeom prst="rect">
+            <a:avLst/>
+          </a:prstGeom>
+          <a:solidFill>
+            <a:schemeClr val="tx1"/>
+          </a:solidFill>
+        </p:spPr>
+        <p:txBody>
+          <a:bodyPr wrap="square">
+            <a:spAutoFit/>
+          </a:bodyPr>
+          <a:lstStyle/>
+          <a:p>
+            <a:r>
+              <a:rPr lang="en-US" altLang="ko-KR" sz="1300" dirty="0">
+                <a:solidFill>
+                  <a:schemeClr val="bg1"/>
+                </a:solidFill>
+                <a:latin typeface="나눔고딕 Light" panose="020D0904000000000000" pitchFamily="50" charset="-127"/>
+                <a:ea typeface="나눔고딕 Light" panose="020D0904000000000000" pitchFamily="50" charset="-127"/>
+              </a:rPr>
+              <a:t>$ git remote add origin https://github.com/&lt;</a:t>
+            </a:r>
+            <a:r>
+              <a:rPr lang="ko-KR" altLang="en-US" sz="1300" dirty="0" err="1">
+                <a:solidFill>
+                  <a:schemeClr val="bg1"/>
+                </a:solidFill>
+                <a:latin typeface="나눔고딕 Light" panose="020D0904000000000000" pitchFamily="50" charset="-127"/>
+                <a:ea typeface="나눔고딕 Light" panose="020D0904000000000000" pitchFamily="50" charset="-127"/>
+              </a:rPr>
+              <a:t>계정명</a:t>
+            </a:r>
+            <a:r>
+              <a:rPr lang="en-US" altLang="ko-KR" sz="1300" dirty="0">
+                <a:solidFill>
+                  <a:schemeClr val="bg1"/>
+                </a:solidFill>
+                <a:latin typeface="나눔고딕 Light" panose="020D0904000000000000" pitchFamily="50" charset="-127"/>
+                <a:ea typeface="나눔고딕 Light" panose="020D0904000000000000" pitchFamily="50" charset="-127"/>
+              </a:rPr>
+              <a:t>&gt;/&lt;</a:t>
+            </a:r>
+            <a:r>
+              <a:rPr lang="ko-KR" altLang="en-US" sz="1300" dirty="0">
+                <a:solidFill>
+                  <a:schemeClr val="bg1"/>
+                </a:solidFill>
+                <a:latin typeface="나눔고딕 Light" panose="020D0904000000000000" pitchFamily="50" charset="-127"/>
+                <a:ea typeface="나눔고딕 Light" panose="020D0904000000000000" pitchFamily="50" charset="-127"/>
+              </a:rPr>
+              <a:t>저장소</a:t>
+            </a:r>
+            <a:r>
+              <a:rPr lang="en-US" altLang="ko-KR" sz="1300" dirty="0">
+                <a:solidFill>
+                  <a:schemeClr val="bg1"/>
+                </a:solidFill>
+                <a:latin typeface="나눔고딕 Light" panose="020D0904000000000000" pitchFamily="50" charset="-127"/>
+                <a:ea typeface="나눔고딕 Light" panose="020D0904000000000000" pitchFamily="50" charset="-127"/>
+              </a:rPr>
+              <a:t>-</a:t>
+            </a:r>
+            <a:r>
+              <a:rPr lang="ko-KR" altLang="en-US" sz="1300" dirty="0">
+                <a:solidFill>
+                  <a:schemeClr val="bg1"/>
+                </a:solidFill>
+                <a:latin typeface="나눔고딕 Light" panose="020D0904000000000000" pitchFamily="50" charset="-127"/>
+                <a:ea typeface="나눔고딕 Light" panose="020D0904000000000000" pitchFamily="50" charset="-127"/>
+              </a:rPr>
+              <a:t>이름</a:t>
+            </a:r>
+            <a:r>
+              <a:rPr lang="en-US" altLang="ko-KR" sz="1300" dirty="0">
+                <a:solidFill>
+                  <a:schemeClr val="bg1"/>
+                </a:solidFill>
+                <a:latin typeface="나눔고딕 Light" panose="020D0904000000000000" pitchFamily="50" charset="-127"/>
+                <a:ea typeface="나눔고딕 Light" panose="020D0904000000000000" pitchFamily="50" charset="-127"/>
+              </a:rPr>
+              <a:t>&gt;.git</a:t>
+            </a:r>
+          </a:p>
+          <a:p>
+            <a:r>
+              <a:rPr lang="en-US" altLang="ko-KR" sz="1300" dirty="0">
+                <a:solidFill>
+                  <a:schemeClr val="bg1"/>
+                </a:solidFill>
+                <a:latin typeface="나눔고딕 Light" panose="020D0904000000000000" pitchFamily="50" charset="-127"/>
+                <a:ea typeface="나눔고딕 Light" panose="020D0904000000000000" pitchFamily="50" charset="-127"/>
+              </a:rPr>
+              <a:t>$ git push -u origin master</a:t>
+            </a:r>
+          </a:p>
+        </p:txBody>
+      </p:sp>
+    </p:spTree>
+    <p:extLst>
+      <p:ext uri="{BB962C8B-B14F-4D97-AF65-F5344CB8AC3E}">
+        <p14:creationId xmlns:p14="http://schemas.microsoft.com/office/powerpoint/2010/main" val="1790599715"/>
+      </p:ext>
+    </p:extLst>
+  </p:cSld>
+  <p:clrMapOvr>
+    <a:masterClrMapping/>
+  </p:clrMapOvr>
+</p:sld>
+</file>
+
+<file path=ppt/slides/slide26.xml><?xml version="1.0" encoding="utf-8"?>
+<p:sld xmlns:a="http://schemas.openxmlformats.org/drawingml/2006/main" xmlns:r="http://schemas.openxmlformats.org/officeDocument/2006/relationships" xmlns:p="http://schemas.openxmlformats.org/presentationml/2006/main">
+  <p:cSld>
+    <p:spTree>
+      <p:nvGrpSpPr>
+        <p:cNvPr id="1" name=""/>
+        <p:cNvGrpSpPr/>
+        <p:nvPr/>
+      </p:nvGrpSpPr>
+      <p:grpSpPr>
+        <a:xfrm>
+          <a:off x="0" y="0"/>
+          <a:ext cx="0" cy="0"/>
+          <a:chOff x="0" y="0"/>
+          <a:chExt cx="0" cy="0"/>
+        </a:xfrm>
+      </p:grpSpPr>
+      <p:sp>
+        <p:nvSpPr>
+          <p:cNvPr id="4" name="TextBox 3">
+            <a:extLst>
+              <a:ext uri="{FF2B5EF4-FFF2-40B4-BE49-F238E27FC236}">
+                <a16:creationId xmlns:a16="http://schemas.microsoft.com/office/drawing/2014/main" id="{6F512E33-3568-4B64-907A-F55736485946}"/>
+              </a:ext>
+            </a:extLst>
+          </p:cNvPr>
+          <p:cNvSpPr txBox="1"/>
+          <p:nvPr/>
+        </p:nvSpPr>
+        <p:spPr>
+          <a:xfrm>
+            <a:off x="199765" y="393614"/>
+            <a:ext cx="8285207" cy="523220"/>
+          </a:xfrm>
+          <a:prstGeom prst="rect">
+            <a:avLst/>
+          </a:prstGeom>
+          <a:noFill/>
+        </p:spPr>
+        <p:txBody>
+          <a:bodyPr wrap="square" rtlCol="0">
+            <a:spAutoFit/>
+          </a:bodyPr>
+          <a:lstStyle/>
+          <a:p>
+            <a:r>
+              <a:rPr lang="en-US" altLang="ko-KR" sz="2800" dirty="0">
+                <a:solidFill>
+                  <a:schemeClr val="bg1"/>
+                </a:solidFill>
+                <a:latin typeface="나눔고딕 Light" panose="020D0904000000000000" pitchFamily="50" charset="-127"/>
+                <a:ea typeface="나눔고딕 Light" panose="020D0904000000000000" pitchFamily="50" charset="-127"/>
+              </a:rPr>
+              <a:t>3 &gt; Django(</a:t>
+            </a:r>
+            <a:r>
+              <a:rPr lang="ko-KR" altLang="en-US" sz="2800" dirty="0">
+                <a:solidFill>
+                  <a:schemeClr val="bg1"/>
+                </a:solidFill>
+                <a:latin typeface="나눔고딕 Light" panose="020D0904000000000000" pitchFamily="50" charset="-127"/>
+                <a:ea typeface="나눔고딕 Light" panose="020D0904000000000000" pitchFamily="50" charset="-127"/>
+              </a:rPr>
+              <a:t>장고</a:t>
+            </a:r>
+            <a:r>
+              <a:rPr lang="en-US" altLang="ko-KR" sz="2800" dirty="0">
+                <a:solidFill>
+                  <a:schemeClr val="bg1"/>
+                </a:solidFill>
+                <a:latin typeface="나눔고딕 Light" panose="020D0904000000000000" pitchFamily="50" charset="-127"/>
+                <a:ea typeface="나눔고딕 Light" panose="020D0904000000000000" pitchFamily="50" charset="-127"/>
+              </a:rPr>
+              <a:t>) </a:t>
+            </a:r>
+            <a:r>
+              <a:rPr lang="ko-KR" altLang="en-US" sz="2800" dirty="0">
+                <a:solidFill>
+                  <a:schemeClr val="bg1"/>
+                </a:solidFill>
+                <a:latin typeface="나눔고딕 Light" panose="020D0904000000000000" pitchFamily="50" charset="-127"/>
+                <a:ea typeface="나눔고딕 Light" panose="020D0904000000000000" pitchFamily="50" charset="-127"/>
+              </a:rPr>
+              <a:t>프로젝트 올리기</a:t>
+            </a:r>
+            <a:endParaRPr lang="en-US" altLang="ko-KR" sz="2800" dirty="0">
+              <a:solidFill>
+                <a:schemeClr val="bg1"/>
+              </a:solidFill>
+              <a:latin typeface="나눔고딕 Light" panose="020D0904000000000000" pitchFamily="50" charset="-127"/>
+              <a:ea typeface="나눔고딕 Light" panose="020D0904000000000000" pitchFamily="50" charset="-127"/>
+            </a:endParaRPr>
+          </a:p>
+        </p:txBody>
+      </p:sp>
+      <p:sp>
+        <p:nvSpPr>
+          <p:cNvPr id="10" name="TextBox 9">
+            <a:extLst>
+              <a:ext uri="{FF2B5EF4-FFF2-40B4-BE49-F238E27FC236}">
+                <a16:creationId xmlns:a16="http://schemas.microsoft.com/office/drawing/2014/main" id="{F49A06C6-23C9-4098-A6B3-8AE9A9C618A7}"/>
+              </a:ext>
+            </a:extLst>
+          </p:cNvPr>
+          <p:cNvSpPr txBox="1"/>
+          <p:nvPr/>
+        </p:nvSpPr>
+        <p:spPr>
+          <a:xfrm>
+            <a:off x="263610" y="1326292"/>
+            <a:ext cx="9832112" cy="729430"/>
+          </a:xfrm>
+          <a:prstGeom prst="rect">
+            <a:avLst/>
+          </a:prstGeom>
+          <a:noFill/>
+        </p:spPr>
+        <p:txBody>
+          <a:bodyPr wrap="square" rtlCol="0">
+            <a:spAutoFit/>
+          </a:bodyPr>
+          <a:lstStyle/>
+          <a:p>
+            <a:pPr>
+              <a:lnSpc>
+                <a:spcPct val="120000"/>
+              </a:lnSpc>
+            </a:pPr>
+            <a:r>
+              <a:rPr lang="en-US" altLang="ko-KR" b="1" dirty="0" err="1">
+                <a:latin typeface="나눔고딕코딩" panose="020D0009000000000000" pitchFamily="49" charset="-127"/>
+                <a:ea typeface="나눔고딕코딩" panose="020D0009000000000000" pitchFamily="49" charset="-127"/>
+              </a:rPr>
+              <a:t>Github</a:t>
+            </a:r>
+            <a:r>
+              <a:rPr lang="en-US" altLang="ko-KR" b="1" dirty="0">
+                <a:latin typeface="나눔고딕코딩" panose="020D0009000000000000" pitchFamily="49" charset="-127"/>
+                <a:ea typeface="나눔고딕코딩" panose="020D0009000000000000" pitchFamily="49" charset="-127"/>
+              </a:rPr>
+              <a:t> </a:t>
+            </a:r>
+            <a:r>
+              <a:rPr lang="ko-KR" altLang="en-US" b="1" dirty="0">
+                <a:latin typeface="나눔고딕코딩" panose="020D0009000000000000" pitchFamily="49" charset="-127"/>
+                <a:ea typeface="나눔고딕코딩" panose="020D0009000000000000" pitchFamily="49" charset="-127"/>
+              </a:rPr>
+              <a:t>저장소 </a:t>
+            </a:r>
+            <a:r>
+              <a:rPr lang="ko-KR" altLang="en-US" b="1" dirty="0" err="1">
+                <a:latin typeface="나눔고딕코딩" panose="020D0009000000000000" pitchFamily="49" charset="-127"/>
+                <a:ea typeface="나눔고딕코딩" panose="020D0009000000000000" pitchFamily="49" charset="-127"/>
+              </a:rPr>
+              <a:t>엑세스를</a:t>
+            </a:r>
+            <a:r>
+              <a:rPr lang="ko-KR" altLang="en-US" b="1" dirty="0">
+                <a:latin typeface="나눔고딕코딩" panose="020D0009000000000000" pitchFamily="49" charset="-127"/>
+                <a:ea typeface="나눔고딕코딩" panose="020D0009000000000000" pitchFamily="49" charset="-127"/>
+              </a:rPr>
+              <a:t> 위한 계정 요구</a:t>
+            </a:r>
+            <a:endParaRPr lang="en-US" altLang="ko-KR" b="1" dirty="0">
+              <a:latin typeface="나눔고딕코딩" panose="020D0009000000000000" pitchFamily="49" charset="-127"/>
+              <a:ea typeface="나눔고딕코딩" panose="020D0009000000000000" pitchFamily="49" charset="-127"/>
+            </a:endParaRPr>
+          </a:p>
+          <a:p>
+            <a:pPr marL="285750" indent="-285750">
+              <a:lnSpc>
+                <a:spcPct val="120000"/>
+              </a:lnSpc>
+              <a:buFont typeface="Arial" panose="020B0604020202020204" pitchFamily="34" charset="0"/>
+              <a:buChar char="•"/>
+            </a:pPr>
+            <a:r>
+              <a:rPr lang="en-US" altLang="ko-KR" dirty="0" err="1">
+                <a:latin typeface="나눔고딕코딩" panose="020D0009000000000000" pitchFamily="49" charset="-127"/>
+                <a:ea typeface="나눔고딕코딩" panose="020D0009000000000000" pitchFamily="49" charset="-127"/>
+              </a:rPr>
+              <a:t>github</a:t>
+            </a:r>
+            <a:r>
+              <a:rPr lang="ko-KR" altLang="en-US" dirty="0">
+                <a:latin typeface="나눔고딕코딩" panose="020D0009000000000000" pitchFamily="49" charset="-127"/>
+                <a:ea typeface="나눔고딕코딩" panose="020D0009000000000000" pitchFamily="49" charset="-127"/>
+              </a:rPr>
+              <a:t> 이메일과 유저명을 입력해 최종 승인</a:t>
+            </a:r>
+            <a:endParaRPr lang="en-US" altLang="ko-KR" dirty="0">
+              <a:latin typeface="나눔고딕코딩" panose="020D0009000000000000" pitchFamily="49" charset="-127"/>
+              <a:ea typeface="나눔고딕코딩" panose="020D0009000000000000" pitchFamily="49" charset="-127"/>
+            </a:endParaRPr>
+          </a:p>
+        </p:txBody>
+      </p:sp>
+      <p:sp>
+        <p:nvSpPr>
+          <p:cNvPr id="3" name="TextBox 2">
+            <a:extLst>
+              <a:ext uri="{FF2B5EF4-FFF2-40B4-BE49-F238E27FC236}">
+                <a16:creationId xmlns:a16="http://schemas.microsoft.com/office/drawing/2014/main" id="{902BFE4A-F285-44D7-BD60-729885BF150B}"/>
+              </a:ext>
+            </a:extLst>
+          </p:cNvPr>
+          <p:cNvSpPr txBox="1"/>
+          <p:nvPr/>
+        </p:nvSpPr>
+        <p:spPr>
+          <a:xfrm>
+            <a:off x="419878" y="2146041"/>
+            <a:ext cx="9832112" cy="1815882"/>
+          </a:xfrm>
+          <a:prstGeom prst="rect">
+            <a:avLst/>
+          </a:prstGeom>
+          <a:solidFill>
+            <a:schemeClr val="tx1"/>
+          </a:solidFill>
+        </p:spPr>
+        <p:txBody>
+          <a:bodyPr wrap="square" rtlCol="0">
+            <a:spAutoFit/>
+          </a:bodyPr>
+          <a:lstStyle/>
+          <a:p>
+            <a:r>
+              <a:rPr lang="en-US" altLang="ko-KR" sz="1400" dirty="0">
+                <a:solidFill>
+                  <a:schemeClr val="bg1"/>
+                </a:solidFill>
+                <a:latin typeface="나눔고딕코딩" panose="020D0009000000000000" pitchFamily="49" charset="-127"/>
+                <a:ea typeface="나눔고딕코딩" panose="020D0009000000000000" pitchFamily="49" charset="-127"/>
+              </a:rPr>
+              <a:t>Username for 'https://github.com’: </a:t>
+            </a:r>
+            <a:r>
+              <a:rPr lang="en-US" altLang="ko-KR" sz="1400" dirty="0" err="1">
+                <a:solidFill>
+                  <a:schemeClr val="bg1"/>
+                </a:solidFill>
+                <a:latin typeface="나눔고딕코딩" panose="020D0009000000000000" pitchFamily="49" charset="-127"/>
+                <a:ea typeface="나눔고딕코딩" panose="020D0009000000000000" pitchFamily="49" charset="-127"/>
+              </a:rPr>
+              <a:t>github</a:t>
+            </a:r>
+            <a:r>
+              <a:rPr lang="en-US" altLang="ko-KR" sz="1400" dirty="0">
+                <a:solidFill>
+                  <a:schemeClr val="bg1"/>
+                </a:solidFill>
+                <a:latin typeface="나눔고딕코딩" panose="020D0009000000000000" pitchFamily="49" charset="-127"/>
+                <a:ea typeface="나눔고딕코딩" panose="020D0009000000000000" pitchFamily="49" charset="-127"/>
+              </a:rPr>
+              <a:t> </a:t>
+            </a:r>
+            <a:r>
+              <a:rPr lang="ko-KR" altLang="en-US" sz="1400" dirty="0" err="1">
+                <a:solidFill>
+                  <a:schemeClr val="bg1"/>
+                </a:solidFill>
+                <a:latin typeface="나눔고딕코딩" panose="020D0009000000000000" pitchFamily="49" charset="-127"/>
+                <a:ea typeface="나눔고딕코딩" panose="020D0009000000000000" pitchFamily="49" charset="-127"/>
+              </a:rPr>
+              <a:t>계정명</a:t>
+            </a:r>
+            <a:endParaRPr lang="en-US" altLang="ko-KR" sz="1400" dirty="0">
+              <a:solidFill>
+                <a:schemeClr val="bg1"/>
+              </a:solidFill>
+              <a:latin typeface="나눔고딕코딩" panose="020D0009000000000000" pitchFamily="49" charset="-127"/>
+              <a:ea typeface="나눔고딕코딩" panose="020D0009000000000000" pitchFamily="49" charset="-127"/>
+            </a:endParaRPr>
+          </a:p>
+          <a:p>
+            <a:r>
+              <a:rPr lang="en-US" altLang="ko-KR" sz="1400" dirty="0">
+                <a:solidFill>
+                  <a:schemeClr val="bg1"/>
+                </a:solidFill>
+                <a:latin typeface="나눔고딕코딩" panose="020D0009000000000000" pitchFamily="49" charset="-127"/>
+                <a:ea typeface="나눔고딕코딩" panose="020D0009000000000000" pitchFamily="49" charset="-127"/>
+              </a:rPr>
+              <a:t>Password for 'https://hjwp@github.com’: </a:t>
+            </a:r>
+            <a:r>
+              <a:rPr lang="en-US" altLang="ko-KR" sz="1400" dirty="0" err="1">
+                <a:solidFill>
+                  <a:schemeClr val="bg1"/>
+                </a:solidFill>
+                <a:latin typeface="나눔고딕코딩" panose="020D0009000000000000" pitchFamily="49" charset="-127"/>
+                <a:ea typeface="나눔고딕코딩" panose="020D0009000000000000" pitchFamily="49" charset="-127"/>
+              </a:rPr>
+              <a:t>github</a:t>
+            </a:r>
+            <a:r>
+              <a:rPr lang="en-US" altLang="ko-KR" sz="1400" dirty="0">
+                <a:solidFill>
+                  <a:schemeClr val="bg1"/>
+                </a:solidFill>
+                <a:latin typeface="나눔고딕코딩" panose="020D0009000000000000" pitchFamily="49" charset="-127"/>
+                <a:ea typeface="나눔고딕코딩" panose="020D0009000000000000" pitchFamily="49" charset="-127"/>
+              </a:rPr>
+              <a:t> </a:t>
+            </a:r>
+            <a:r>
+              <a:rPr lang="ko-KR" altLang="en-US" sz="1400" dirty="0">
+                <a:solidFill>
+                  <a:schemeClr val="bg1"/>
+                </a:solidFill>
+                <a:latin typeface="나눔고딕코딩" panose="020D0009000000000000" pitchFamily="49" charset="-127"/>
+                <a:ea typeface="나눔고딕코딩" panose="020D0009000000000000" pitchFamily="49" charset="-127"/>
+              </a:rPr>
+              <a:t>이메일</a:t>
+            </a:r>
+            <a:endParaRPr lang="en-US" altLang="ko-KR" sz="1400" dirty="0">
+              <a:solidFill>
+                <a:schemeClr val="bg1"/>
+              </a:solidFill>
+              <a:latin typeface="나눔고딕코딩" panose="020D0009000000000000" pitchFamily="49" charset="-127"/>
+              <a:ea typeface="나눔고딕코딩" panose="020D0009000000000000" pitchFamily="49" charset="-127"/>
+            </a:endParaRPr>
+          </a:p>
+          <a:p>
+            <a:r>
+              <a:rPr lang="en-US" altLang="ko-KR" sz="1400" dirty="0">
+                <a:solidFill>
+                  <a:schemeClr val="bg1"/>
+                </a:solidFill>
+                <a:latin typeface="나눔고딕코딩" panose="020D0009000000000000" pitchFamily="49" charset="-127"/>
+                <a:ea typeface="나눔고딕코딩" panose="020D0009000000000000" pitchFamily="49" charset="-127"/>
+              </a:rPr>
+              <a:t>Counting objects: 6, done.</a:t>
+            </a:r>
+          </a:p>
+          <a:p>
+            <a:r>
+              <a:rPr lang="en-US" altLang="ko-KR" sz="1400" dirty="0">
+                <a:solidFill>
+                  <a:schemeClr val="bg1"/>
+                </a:solidFill>
+                <a:latin typeface="나눔고딕코딩" panose="020D0009000000000000" pitchFamily="49" charset="-127"/>
+                <a:ea typeface="나눔고딕코딩" panose="020D0009000000000000" pitchFamily="49" charset="-127"/>
+              </a:rPr>
+              <a:t>Writing objects: 100% (6/6), 200 bytes | 0 bytes/s, done.</a:t>
+            </a:r>
+          </a:p>
+          <a:p>
+            <a:r>
+              <a:rPr lang="en-US" altLang="ko-KR" sz="1400" dirty="0">
+                <a:solidFill>
+                  <a:schemeClr val="bg1"/>
+                </a:solidFill>
+                <a:latin typeface="나눔고딕코딩" panose="020D0009000000000000" pitchFamily="49" charset="-127"/>
+                <a:ea typeface="나눔고딕코딩" panose="020D0009000000000000" pitchFamily="49" charset="-127"/>
+              </a:rPr>
+              <a:t>Total 3 (delta 0), reused 0 (delta 0)</a:t>
+            </a:r>
+          </a:p>
+          <a:p>
+            <a:r>
+              <a:rPr lang="en-US" altLang="ko-KR" sz="1400" dirty="0">
+                <a:solidFill>
+                  <a:schemeClr val="bg1"/>
+                </a:solidFill>
+                <a:latin typeface="나눔고딕코딩" panose="020D0009000000000000" pitchFamily="49" charset="-127"/>
+                <a:ea typeface="나눔고딕코딩" panose="020D0009000000000000" pitchFamily="49" charset="-127"/>
+              </a:rPr>
+              <a:t>To https://github.com/&lt;</a:t>
+            </a:r>
+            <a:r>
+              <a:rPr lang="ko-KR" altLang="en-US" sz="1400" dirty="0">
+                <a:solidFill>
+                  <a:schemeClr val="bg1"/>
+                </a:solidFill>
+                <a:latin typeface="나눔고딕코딩" panose="020D0009000000000000" pitchFamily="49" charset="-127"/>
+                <a:ea typeface="나눔고딕코딩" panose="020D0009000000000000" pitchFamily="49" charset="-127"/>
+              </a:rPr>
+              <a:t>유저</a:t>
+            </a:r>
+            <a:r>
+              <a:rPr lang="en-US" altLang="ko-KR" sz="1400" dirty="0">
+                <a:solidFill>
+                  <a:schemeClr val="bg1"/>
+                </a:solidFill>
+                <a:latin typeface="나눔고딕코딩" panose="020D0009000000000000" pitchFamily="49" charset="-127"/>
+                <a:ea typeface="나눔고딕코딩" panose="020D0009000000000000" pitchFamily="49" charset="-127"/>
+              </a:rPr>
+              <a:t>-</a:t>
+            </a:r>
+            <a:r>
+              <a:rPr lang="ko-KR" altLang="en-US" sz="1400" dirty="0">
+                <a:solidFill>
+                  <a:schemeClr val="bg1"/>
+                </a:solidFill>
+                <a:latin typeface="나눔고딕코딩" panose="020D0009000000000000" pitchFamily="49" charset="-127"/>
+                <a:ea typeface="나눔고딕코딩" panose="020D0009000000000000" pitchFamily="49" charset="-127"/>
+              </a:rPr>
+              <a:t>이름</a:t>
+            </a:r>
+            <a:r>
+              <a:rPr lang="en-US" altLang="ko-KR" sz="1400" dirty="0">
+                <a:solidFill>
+                  <a:schemeClr val="bg1"/>
+                </a:solidFill>
+                <a:latin typeface="나눔고딕코딩" panose="020D0009000000000000" pitchFamily="49" charset="-127"/>
+                <a:ea typeface="나눔고딕코딩" panose="020D0009000000000000" pitchFamily="49" charset="-127"/>
+              </a:rPr>
+              <a:t>&gt;/&lt;</a:t>
+            </a:r>
+            <a:r>
+              <a:rPr lang="ko-KR" altLang="en-US" sz="1400" dirty="0">
+                <a:solidFill>
+                  <a:schemeClr val="bg1"/>
+                </a:solidFill>
+                <a:latin typeface="나눔고딕코딩" panose="020D0009000000000000" pitchFamily="49" charset="-127"/>
+                <a:ea typeface="나눔고딕코딩" panose="020D0009000000000000" pitchFamily="49" charset="-127"/>
+              </a:rPr>
+              <a:t>저장소</a:t>
+            </a:r>
+            <a:r>
+              <a:rPr lang="en-US" altLang="ko-KR" sz="1400" dirty="0">
+                <a:solidFill>
+                  <a:schemeClr val="bg1"/>
+                </a:solidFill>
+                <a:latin typeface="나눔고딕코딩" panose="020D0009000000000000" pitchFamily="49" charset="-127"/>
+                <a:ea typeface="나눔고딕코딩" panose="020D0009000000000000" pitchFamily="49" charset="-127"/>
+              </a:rPr>
+              <a:t>-</a:t>
+            </a:r>
+            <a:r>
+              <a:rPr lang="ko-KR" altLang="en-US" sz="1400" dirty="0">
+                <a:solidFill>
+                  <a:schemeClr val="bg1"/>
+                </a:solidFill>
+                <a:latin typeface="나눔고딕코딩" panose="020D0009000000000000" pitchFamily="49" charset="-127"/>
+                <a:ea typeface="나눔고딕코딩" panose="020D0009000000000000" pitchFamily="49" charset="-127"/>
+              </a:rPr>
+              <a:t>이름</a:t>
+            </a:r>
+            <a:r>
+              <a:rPr lang="en-US" altLang="ko-KR" sz="1400" dirty="0">
+                <a:solidFill>
+                  <a:schemeClr val="bg1"/>
+                </a:solidFill>
+                <a:latin typeface="나눔고딕코딩" panose="020D0009000000000000" pitchFamily="49" charset="-127"/>
+                <a:ea typeface="나눔고딕코딩" panose="020D0009000000000000" pitchFamily="49" charset="-127"/>
+              </a:rPr>
+              <a:t>&gt;.git</a:t>
+            </a:r>
+          </a:p>
+          <a:p>
+            <a:r>
+              <a:rPr lang="en-US" altLang="ko-KR" sz="1400" dirty="0">
+                <a:solidFill>
+                  <a:schemeClr val="bg1"/>
+                </a:solidFill>
+                <a:latin typeface="나눔고딕코딩" panose="020D0009000000000000" pitchFamily="49" charset="-127"/>
+                <a:ea typeface="나눔고딕코딩" panose="020D0009000000000000" pitchFamily="49" charset="-127"/>
+              </a:rPr>
+              <a:t> * [new branch]      master -&gt; master</a:t>
+            </a:r>
+          </a:p>
+          <a:p>
+            <a:r>
+              <a:rPr lang="en-US" altLang="ko-KR" sz="1400" dirty="0">
+                <a:solidFill>
+                  <a:schemeClr val="bg1"/>
+                </a:solidFill>
+                <a:latin typeface="나눔고딕코딩" panose="020D0009000000000000" pitchFamily="49" charset="-127"/>
+                <a:ea typeface="나눔고딕코딩" panose="020D0009000000000000" pitchFamily="49" charset="-127"/>
+              </a:rPr>
+              <a:t>Branch master set up to track remote branch master from origin.</a:t>
+            </a:r>
+            <a:endParaRPr lang="ko-KR" altLang="en-US" sz="1400" dirty="0">
+              <a:solidFill>
+                <a:schemeClr val="bg1"/>
+              </a:solidFill>
+              <a:latin typeface="나눔고딕코딩" panose="020D0009000000000000" pitchFamily="49" charset="-127"/>
+              <a:ea typeface="나눔고딕코딩" panose="020D0009000000000000" pitchFamily="49" charset="-127"/>
+            </a:endParaRPr>
+          </a:p>
+        </p:txBody>
+      </p:sp>
+    </p:spTree>
+    <p:extLst>
+      <p:ext uri="{BB962C8B-B14F-4D97-AF65-F5344CB8AC3E}">
+        <p14:creationId xmlns:p14="http://schemas.microsoft.com/office/powerpoint/2010/main" val="664677399"/>
+      </p:ext>
+    </p:extLst>
+  </p:cSld>
+  <p:clrMapOvr>
+    <a:masterClrMapping/>
+  </p:clrMapOvr>
+</p:sld>
+</file>
+
+<file path=ppt/slides/slide27.xml><?xml version="1.0" encoding="utf-8"?>
 <p:sld xmlns:a="http://schemas.openxmlformats.org/drawingml/2006/main" xmlns:r="http://schemas.openxmlformats.org/officeDocument/2006/relationships" xmlns:p="http://schemas.openxmlformats.org/presentationml/2006/main">
   <p:cSld>
     <p:spTree>
@@ -7183,280 +15532,6 @@
         </p:nvSpPr>
         <p:spPr>
           <a:xfrm>
-            <a:off x="3273639" y="1923326"/>
-            <a:ext cx="6051336" cy="1369606"/>
-          </a:xfrm>
-          <a:prstGeom prst="rect">
-            <a:avLst/>
-          </a:prstGeom>
-          <a:noFill/>
-        </p:spPr>
-        <p:txBody>
-          <a:bodyPr wrap="square" rtlCol="0">
-            <a:spAutoFit/>
-          </a:bodyPr>
-          <a:lstStyle/>
-          <a:p>
-            <a:pPr>
-              <a:lnSpc>
-                <a:spcPct val="250000"/>
-              </a:lnSpc>
-            </a:pPr>
-            <a:r>
-              <a:rPr lang="ko-KR" altLang="en-US" sz="4000" dirty="0">
-                <a:latin typeface="나눔고딕코딩" panose="020D0009000000000000" pitchFamily="49" charset="-127"/>
-                <a:ea typeface="나눔고딕코딩" panose="020D0009000000000000" pitchFamily="49" charset="-127"/>
-              </a:rPr>
-              <a:t>들어 주셔서 감사합니다</a:t>
-            </a:r>
-            <a:r>
-              <a:rPr lang="en-US" altLang="ko-KR" sz="4000" dirty="0">
-                <a:latin typeface="나눔고딕코딩" panose="020D0009000000000000" pitchFamily="49" charset="-127"/>
-                <a:ea typeface="나눔고딕코딩" panose="020D0009000000000000" pitchFamily="49" charset="-127"/>
-              </a:rPr>
-              <a:t>!</a:t>
-            </a:r>
-          </a:p>
-        </p:txBody>
-      </p:sp>
-      <p:sp>
-        <p:nvSpPr>
-          <p:cNvPr id="2" name="TextBox 1">
-            <a:extLst>
-              <a:ext uri="{FF2B5EF4-FFF2-40B4-BE49-F238E27FC236}">
-                <a16:creationId xmlns:a16="http://schemas.microsoft.com/office/drawing/2014/main" id="{D59D96B7-BC41-47F5-9D15-E1BC5680FACB}"/>
-              </a:ext>
-            </a:extLst>
-          </p:cNvPr>
-          <p:cNvSpPr txBox="1"/>
-          <p:nvPr/>
-        </p:nvSpPr>
-        <p:spPr>
-          <a:xfrm>
-            <a:off x="1089131" y="5857553"/>
-            <a:ext cx="10420350" cy="369332"/>
-          </a:xfrm>
-          <a:prstGeom prst="rect">
-            <a:avLst/>
-          </a:prstGeom>
-          <a:noFill/>
-        </p:spPr>
-        <p:txBody>
-          <a:bodyPr wrap="square" rtlCol="0">
-            <a:spAutoFit/>
-          </a:bodyPr>
-          <a:lstStyle/>
-          <a:p>
-            <a:r>
-              <a:rPr lang="ko-KR" altLang="en-US" dirty="0">
-                <a:latin typeface="나눔고딕코딩" panose="020D0009000000000000" pitchFamily="49" charset="-127"/>
-                <a:ea typeface="나눔고딕코딩" panose="020D0009000000000000" pitchFamily="49" charset="-127"/>
-              </a:rPr>
-              <a:t>발표자료는 </a:t>
-            </a:r>
-            <a:r>
-              <a:rPr lang="en-US" altLang="ko-KR" dirty="0">
-                <a:latin typeface="나눔고딕코딩" panose="020D0009000000000000" pitchFamily="49" charset="-127"/>
-                <a:ea typeface="나눔고딕코딩" panose="020D0009000000000000" pitchFamily="49" charset="-127"/>
-              </a:rPr>
-              <a:t>https://github.com/CPSSOpenSource/CPSS_Basic_PPT</a:t>
-            </a:r>
-            <a:r>
-              <a:rPr lang="ko-KR" altLang="en-US" dirty="0">
-                <a:latin typeface="나눔고딕코딩" panose="020D0009000000000000" pitchFamily="49" charset="-127"/>
-                <a:ea typeface="나눔고딕코딩" panose="020D0009000000000000" pitchFamily="49" charset="-127"/>
-              </a:rPr>
-              <a:t>에서도 보실 수 있습니다</a:t>
-            </a:r>
-            <a:r>
-              <a:rPr lang="en-US" altLang="ko-KR" dirty="0">
-                <a:latin typeface="나눔고딕코딩" panose="020D0009000000000000" pitchFamily="49" charset="-127"/>
-                <a:ea typeface="나눔고딕코딩" panose="020D0009000000000000" pitchFamily="49" charset="-127"/>
-              </a:rPr>
-              <a:t>.</a:t>
-            </a:r>
-            <a:endParaRPr lang="ko-KR" altLang="en-US" dirty="0">
-              <a:latin typeface="나눔고딕코딩" panose="020D0009000000000000" pitchFamily="49" charset="-127"/>
-              <a:ea typeface="나눔고딕코딩" panose="020D0009000000000000" pitchFamily="49" charset="-127"/>
-            </a:endParaRPr>
-          </a:p>
-        </p:txBody>
-      </p:sp>
-      <p:sp>
-        <p:nvSpPr>
-          <p:cNvPr id="7" name="TextBox 6">
-            <a:extLst>
-              <a:ext uri="{FF2B5EF4-FFF2-40B4-BE49-F238E27FC236}">
-                <a16:creationId xmlns:a16="http://schemas.microsoft.com/office/drawing/2014/main" id="{BF964621-CDA3-44EC-A7E2-3EEB6D940E6F}"/>
-              </a:ext>
-            </a:extLst>
-          </p:cNvPr>
-          <p:cNvSpPr txBox="1"/>
-          <p:nvPr/>
-        </p:nvSpPr>
-        <p:spPr>
-          <a:xfrm>
-            <a:off x="2659276" y="3292932"/>
-            <a:ext cx="7280061" cy="584775"/>
-          </a:xfrm>
-          <a:prstGeom prst="rect">
-            <a:avLst/>
-          </a:prstGeom>
-          <a:noFill/>
-        </p:spPr>
-        <p:txBody>
-          <a:bodyPr wrap="square" rtlCol="0">
-            <a:spAutoFit/>
-          </a:bodyPr>
-          <a:lstStyle/>
-          <a:p>
-            <a:pPr algn="ctr"/>
-            <a:r>
-              <a:rPr lang="ko-KR" altLang="en-US" sz="1600" dirty="0">
-                <a:latin typeface="나눔고딕코딩" panose="020D0009000000000000" pitchFamily="49" charset="-127"/>
-                <a:ea typeface="나눔고딕코딩" panose="020D0009000000000000" pitchFamily="49" charset="-127"/>
-              </a:rPr>
-              <a:t>궁금하신 내용은 </a:t>
-            </a:r>
-            <a:r>
-              <a:rPr lang="en-US" altLang="ko-KR" sz="1600" dirty="0">
-                <a:latin typeface="나눔고딕코딩" panose="020D0009000000000000" pitchFamily="49" charset="-127"/>
-                <a:ea typeface="나눔고딕코딩" panose="020D0009000000000000" pitchFamily="49" charset="-127"/>
-              </a:rPr>
-              <a:t>ruskonert@gmail.com</a:t>
-            </a:r>
-            <a:r>
-              <a:rPr lang="ko-KR" altLang="en-US" sz="1600" dirty="0">
-                <a:latin typeface="나눔고딕코딩" panose="020D0009000000000000" pitchFamily="49" charset="-127"/>
-                <a:ea typeface="나눔고딕코딩" panose="020D0009000000000000" pitchFamily="49" charset="-127"/>
-              </a:rPr>
-              <a:t>로 이메일을 보내주시면 아는 한도 내에 성심껏 답변해드리겠습니다</a:t>
-            </a:r>
-            <a:r>
-              <a:rPr lang="en-US" altLang="ko-KR" sz="1600" dirty="0">
-                <a:latin typeface="나눔고딕코딩" panose="020D0009000000000000" pitchFamily="49" charset="-127"/>
-                <a:ea typeface="나눔고딕코딩" panose="020D0009000000000000" pitchFamily="49" charset="-127"/>
-              </a:rPr>
-              <a:t>.</a:t>
-            </a:r>
-          </a:p>
-        </p:txBody>
-      </p:sp>
-      <p:sp>
-        <p:nvSpPr>
-          <p:cNvPr id="8" name="TextBox 7">
-            <a:extLst>
-              <a:ext uri="{FF2B5EF4-FFF2-40B4-BE49-F238E27FC236}">
-                <a16:creationId xmlns:a16="http://schemas.microsoft.com/office/drawing/2014/main" id="{D7A9846D-6EA5-4875-901A-0B68BB818837}"/>
-              </a:ext>
-            </a:extLst>
-          </p:cNvPr>
-          <p:cNvSpPr txBox="1"/>
-          <p:nvPr/>
-        </p:nvSpPr>
-        <p:spPr>
-          <a:xfrm>
-            <a:off x="199765" y="393614"/>
-            <a:ext cx="8285207" cy="523220"/>
-          </a:xfrm>
-          <a:prstGeom prst="rect">
-            <a:avLst/>
-          </a:prstGeom>
-          <a:noFill/>
-        </p:spPr>
-        <p:txBody>
-          <a:bodyPr wrap="square" rtlCol="0">
-            <a:spAutoFit/>
-          </a:bodyPr>
-          <a:lstStyle/>
-          <a:p>
-            <a:r>
-              <a:rPr lang="en-US" altLang="ko-KR" sz="2800">
-                <a:solidFill>
-                  <a:schemeClr val="bg1"/>
-                </a:solidFill>
-                <a:latin typeface="나눔고딕 Light" panose="020D0904000000000000" pitchFamily="50" charset="-127"/>
-                <a:ea typeface="나눔고딕 Light" panose="020D0904000000000000" pitchFamily="50" charset="-127"/>
-              </a:rPr>
-              <a:t>4 </a:t>
-            </a:r>
-            <a:r>
-              <a:rPr lang="en-US" altLang="ko-KR" sz="2800" dirty="0">
-                <a:solidFill>
-                  <a:schemeClr val="bg1"/>
-                </a:solidFill>
-                <a:latin typeface="나눔고딕 Light" panose="020D0904000000000000" pitchFamily="50" charset="-127"/>
-                <a:ea typeface="나눔고딕 Light" panose="020D0904000000000000" pitchFamily="50" charset="-127"/>
-              </a:rPr>
-              <a:t>&gt;</a:t>
-            </a:r>
-            <a:r>
-              <a:rPr lang="en-US" altLang="ko-KR" sz="2800">
-                <a:solidFill>
-                  <a:schemeClr val="bg1"/>
-                </a:solidFill>
-                <a:latin typeface="나눔고딕 Light" panose="020D0904000000000000" pitchFamily="50" charset="-127"/>
-                <a:ea typeface="나눔고딕 Light" panose="020D0904000000000000" pitchFamily="50" charset="-127"/>
-              </a:rPr>
-              <a:t> </a:t>
-            </a:r>
-            <a:r>
-              <a:rPr lang="en-US" altLang="ko-KR" sz="2800" dirty="0">
-                <a:solidFill>
-                  <a:schemeClr val="bg1"/>
-                </a:solidFill>
-                <a:latin typeface="나눔고딕 Light" panose="020D0904000000000000" pitchFamily="50" charset="-127"/>
-                <a:ea typeface="나눔고딕 Light" panose="020D0904000000000000" pitchFamily="50" charset="-127"/>
-              </a:rPr>
-              <a:t>NULL</a:t>
-            </a:r>
-          </a:p>
-        </p:txBody>
-      </p:sp>
-    </p:spTree>
-    <p:extLst>
-      <p:ext uri="{BB962C8B-B14F-4D97-AF65-F5344CB8AC3E}">
-        <p14:creationId xmlns:p14="http://schemas.microsoft.com/office/powerpoint/2010/main" val="3626561177"/>
-      </p:ext>
-    </p:extLst>
-  </p:cSld>
-  <p:clrMapOvr>
-    <a:masterClrMapping/>
-  </p:clrMapOvr>
-</p:sld>
-</file>
-
-<file path=ppt/slides/slide2.xml><?xml version="1.0" encoding="utf-8"?>
-<p:sld xmlns:a="http://schemas.openxmlformats.org/drawingml/2006/main" xmlns:r="http://schemas.openxmlformats.org/officeDocument/2006/relationships" xmlns:p="http://schemas.openxmlformats.org/presentationml/2006/main">
-  <p:cSld>
-    <p:spTree>
-      <p:nvGrpSpPr>
-        <p:cNvPr id="1" name=""/>
-        <p:cNvGrpSpPr/>
-        <p:nvPr/>
-      </p:nvGrpSpPr>
-      <p:grpSpPr>
-        <a:xfrm>
-          <a:off x="0" y="0"/>
-          <a:ext cx="0" cy="0"/>
-          <a:chOff x="0" y="0"/>
-          <a:chExt cx="0" cy="0"/>
-        </a:xfrm>
-      </p:grpSpPr>
-      <p:sp>
-        <p:nvSpPr>
-          <p:cNvPr id="5" name="TextBox 4">
-            <a:extLst>
-              <a:ext uri="{FF2B5EF4-FFF2-40B4-BE49-F238E27FC236}">
-                <a16:creationId xmlns:a16="http://schemas.microsoft.com/office/drawing/2014/main" id="{90E3FD0D-EAEA-4714-9554-796CD0E529C7}"/>
-              </a:ext>
-            </a:extLst>
-          </p:cNvPr>
-          <p:cNvSpPr txBox="1"/>
-          <p:nvPr/>
-        </p:nvSpPr>
-        <p:spPr>
-          <a:xfrm>
             <a:off x="1927654" y="1540517"/>
             <a:ext cx="6944498" cy="3628686"/>
           </a:xfrm>
@@ -7562,8 +15637,19 @@
                 <a:latin typeface="나눔고딕코딩" panose="020D0009000000000000" pitchFamily="49" charset="-127"/>
                 <a:ea typeface="나눔고딕코딩" panose="020D0009000000000000" pitchFamily="49" charset="-127"/>
               </a:rPr>
-              <a:t>0x3 / Django basic structure</a:t>
-            </a:r>
+              <a:t>0x3 / </a:t>
+            </a:r>
+            <a:r>
+              <a:rPr lang="ko-KR" altLang="en-US" sz="2400" dirty="0">
+                <a:latin typeface="나눔고딕코딩" panose="020D0009000000000000" pitchFamily="49" charset="-127"/>
+                <a:ea typeface="나눔고딕코딩" panose="020D0009000000000000" pitchFamily="49" charset="-127"/>
+              </a:rPr>
+              <a:t>장고 프로젝트 올리기</a:t>
+            </a:r>
+            <a:endParaRPr lang="en-US" altLang="ko-KR" sz="2400" dirty="0">
+              <a:latin typeface="나눔고딕코딩" panose="020D0009000000000000" pitchFamily="49" charset="-127"/>
+              <a:ea typeface="나눔고딕코딩" panose="020D0009000000000000" pitchFamily="49" charset="-127"/>
+            </a:endParaRPr>
           </a:p>
           <a:p>
             <a:pPr>
@@ -7573,6 +15659,9 @@
             </a:pPr>
             <a:r>
               <a:rPr lang="en-US" altLang="ko-KR" sz="2400" dirty="0">
+                <a:solidFill>
+                  <a:srgbClr val="FF0000"/>
+                </a:solidFill>
                 <a:latin typeface="나눔고딕코딩" panose="020D0009000000000000" pitchFamily="49" charset="-127"/>
                 <a:ea typeface="나눔고딕코딩" panose="020D0009000000000000" pitchFamily="49" charset="-127"/>
               </a:rPr>
@@ -7624,12 +15713,42 @@
           </a:fontRef>
         </p:style>
       </p:cxnSp>
+    </p:spTree>
+    <p:extLst>
+      <p:ext uri="{BB962C8B-B14F-4D97-AF65-F5344CB8AC3E}">
+        <p14:creationId xmlns:p14="http://schemas.microsoft.com/office/powerpoint/2010/main" val="553475603"/>
+      </p:ext>
+    </p:extLst>
+  </p:cSld>
+  <p:clrMapOvr>
+    <a:masterClrMapping/>
+  </p:clrMapOvr>
+</p:sld>
+</file>
+
+<file path=ppt/slides/slide28.xml><?xml version="1.0" encoding="utf-8"?>
+<p:sld xmlns:a="http://schemas.openxmlformats.org/drawingml/2006/main" xmlns:r="http://schemas.openxmlformats.org/officeDocument/2006/relationships" xmlns:p="http://schemas.openxmlformats.org/presentationml/2006/main">
+  <p:cSld>
+    <p:spTree>
+      <p:nvGrpSpPr>
+        <p:cNvPr id="1" name=""/>
+        <p:cNvGrpSpPr/>
+        <p:nvPr/>
+      </p:nvGrpSpPr>
+      <p:grpSpPr>
+        <a:xfrm>
+          <a:off x="0" y="0"/>
+          <a:ext cx="0" cy="0"/>
+          <a:chOff x="0" y="0"/>
+          <a:chExt cx="0" cy="0"/>
+        </a:xfrm>
+      </p:grpSpPr>
       <p:sp>
         <p:nvSpPr>
-          <p:cNvPr id="7" name="TextBox 6">
+          <p:cNvPr id="5" name="TextBox 4">
             <a:extLst>
               <a:ext uri="{FF2B5EF4-FFF2-40B4-BE49-F238E27FC236}">
-                <a16:creationId xmlns:a16="http://schemas.microsoft.com/office/drawing/2014/main" id="{2963C5F2-9173-4FA8-9E02-59A34251CD62}"/>
+                <a16:creationId xmlns:a16="http://schemas.microsoft.com/office/drawing/2014/main" id="{90E3FD0D-EAEA-4714-9554-796CD0E529C7}"/>
               </a:ext>
             </a:extLst>
           </p:cNvPr>
@@ -7638,8 +15757,8 @@
         </p:nvSpPr>
         <p:spPr>
           <a:xfrm>
-            <a:off x="199766" y="418328"/>
-            <a:ext cx="5090984" cy="523220"/>
+            <a:off x="3273639" y="1923326"/>
+            <a:ext cx="6051336" cy="1369606"/>
           </a:xfrm>
           <a:prstGeom prst="rect">
             <a:avLst/>
@@ -7652,30 +15771,196 @@
           </a:bodyPr>
           <a:lstStyle/>
           <a:p>
+            <a:pPr>
+              <a:lnSpc>
+                <a:spcPct val="250000"/>
+              </a:lnSpc>
+            </a:pPr>
+            <a:r>
+              <a:rPr lang="ko-KR" altLang="en-US" sz="4000" dirty="0">
+                <a:latin typeface="나눔고딕코딩" panose="020D0009000000000000" pitchFamily="49" charset="-127"/>
+                <a:ea typeface="나눔고딕코딩" panose="020D0009000000000000" pitchFamily="49" charset="-127"/>
+              </a:rPr>
+              <a:t>들어 주셔서 감사합니다</a:t>
+            </a:r>
+            <a:r>
+              <a:rPr lang="en-US" altLang="ko-KR" sz="4000" dirty="0">
+                <a:latin typeface="나눔고딕코딩" panose="020D0009000000000000" pitchFamily="49" charset="-127"/>
+                <a:ea typeface="나눔고딕코딩" panose="020D0009000000000000" pitchFamily="49" charset="-127"/>
+              </a:rPr>
+              <a:t>!</a:t>
+            </a:r>
+          </a:p>
+        </p:txBody>
+      </p:sp>
+      <p:sp>
+        <p:nvSpPr>
+          <p:cNvPr id="2" name="TextBox 1">
+            <a:extLst>
+              <a:ext uri="{FF2B5EF4-FFF2-40B4-BE49-F238E27FC236}">
+                <a16:creationId xmlns:a16="http://schemas.microsoft.com/office/drawing/2014/main" id="{D59D96B7-BC41-47F5-9D15-E1BC5680FACB}"/>
+              </a:ext>
+            </a:extLst>
+          </p:cNvPr>
+          <p:cNvSpPr txBox="1"/>
+          <p:nvPr/>
+        </p:nvSpPr>
+        <p:spPr>
+          <a:xfrm>
+            <a:off x="1089131" y="5857553"/>
+            <a:ext cx="10420350" cy="369332"/>
+          </a:xfrm>
+          <a:prstGeom prst="rect">
+            <a:avLst/>
+          </a:prstGeom>
+          <a:noFill/>
+        </p:spPr>
+        <p:txBody>
+          <a:bodyPr wrap="square" rtlCol="0">
+            <a:spAutoFit/>
+          </a:bodyPr>
+          <a:lstStyle/>
+          <a:p>
+            <a:r>
+              <a:rPr lang="ko-KR" altLang="en-US" dirty="0">
+                <a:latin typeface="나눔고딕코딩" panose="020D0009000000000000" pitchFamily="49" charset="-127"/>
+                <a:ea typeface="나눔고딕코딩" panose="020D0009000000000000" pitchFamily="49" charset="-127"/>
+              </a:rPr>
+              <a:t>발표자료는 </a:t>
+            </a:r>
+            <a:r>
+              <a:rPr lang="en-US" altLang="ko-KR" dirty="0">
+                <a:latin typeface="나눔고딕코딩" panose="020D0009000000000000" pitchFamily="49" charset="-127"/>
+                <a:ea typeface="나눔고딕코딩" panose="020D0009000000000000" pitchFamily="49" charset="-127"/>
+              </a:rPr>
+              <a:t>https://github.com/CPSSOpenSource/CPSS_Basic_PPT</a:t>
+            </a:r>
+            <a:r>
+              <a:rPr lang="ko-KR" altLang="en-US" dirty="0">
+                <a:latin typeface="나눔고딕코딩" panose="020D0009000000000000" pitchFamily="49" charset="-127"/>
+                <a:ea typeface="나눔고딕코딩" panose="020D0009000000000000" pitchFamily="49" charset="-127"/>
+              </a:rPr>
+              <a:t>에서도 보실 수 있습니다</a:t>
+            </a:r>
+            <a:r>
+              <a:rPr lang="en-US" altLang="ko-KR" dirty="0">
+                <a:latin typeface="나눔고딕코딩" panose="020D0009000000000000" pitchFamily="49" charset="-127"/>
+                <a:ea typeface="나눔고딕코딩" panose="020D0009000000000000" pitchFamily="49" charset="-127"/>
+              </a:rPr>
+              <a:t>.</a:t>
+            </a:r>
+            <a:endParaRPr lang="ko-KR" altLang="en-US" dirty="0">
+              <a:latin typeface="나눔고딕코딩" panose="020D0009000000000000" pitchFamily="49" charset="-127"/>
+              <a:ea typeface="나눔고딕코딩" panose="020D0009000000000000" pitchFamily="49" charset="-127"/>
+            </a:endParaRPr>
+          </a:p>
+        </p:txBody>
+      </p:sp>
+      <p:sp>
+        <p:nvSpPr>
+          <p:cNvPr id="7" name="TextBox 6">
+            <a:extLst>
+              <a:ext uri="{FF2B5EF4-FFF2-40B4-BE49-F238E27FC236}">
+                <a16:creationId xmlns:a16="http://schemas.microsoft.com/office/drawing/2014/main" id="{BF964621-CDA3-44EC-A7E2-3EEB6D940E6F}"/>
+              </a:ext>
+            </a:extLst>
+          </p:cNvPr>
+          <p:cNvSpPr txBox="1"/>
+          <p:nvPr/>
+        </p:nvSpPr>
+        <p:spPr>
+          <a:xfrm>
+            <a:off x="2659276" y="3292932"/>
+            <a:ext cx="7280061" cy="584775"/>
+          </a:xfrm>
+          <a:prstGeom prst="rect">
+            <a:avLst/>
+          </a:prstGeom>
+          <a:noFill/>
+        </p:spPr>
+        <p:txBody>
+          <a:bodyPr wrap="square" rtlCol="0">
+            <a:spAutoFit/>
+          </a:bodyPr>
+          <a:lstStyle/>
+          <a:p>
+            <a:pPr algn="ctr"/>
+            <a:r>
+              <a:rPr lang="ko-KR" altLang="en-US" sz="1600" dirty="0">
+                <a:latin typeface="나눔고딕코딩" panose="020D0009000000000000" pitchFamily="49" charset="-127"/>
+                <a:ea typeface="나눔고딕코딩" panose="020D0009000000000000" pitchFamily="49" charset="-127"/>
+              </a:rPr>
+              <a:t>궁금하신 내용은 </a:t>
+            </a:r>
+            <a:r>
+              <a:rPr lang="en-US" altLang="ko-KR" sz="1600" dirty="0">
+                <a:latin typeface="나눔고딕코딩" panose="020D0009000000000000" pitchFamily="49" charset="-127"/>
+                <a:ea typeface="나눔고딕코딩" panose="020D0009000000000000" pitchFamily="49" charset="-127"/>
+              </a:rPr>
+              <a:t>ruskonert@gmail.com</a:t>
+            </a:r>
+            <a:r>
+              <a:rPr lang="ko-KR" altLang="en-US" sz="1600" dirty="0">
+                <a:latin typeface="나눔고딕코딩" panose="020D0009000000000000" pitchFamily="49" charset="-127"/>
+                <a:ea typeface="나눔고딕코딩" panose="020D0009000000000000" pitchFamily="49" charset="-127"/>
+              </a:rPr>
+              <a:t>로 이메일을 보내주시면 아는 한도 내에 성심껏 답변해드리겠습니다</a:t>
+            </a:r>
+            <a:r>
+              <a:rPr lang="en-US" altLang="ko-KR" sz="1600" dirty="0">
+                <a:latin typeface="나눔고딕코딩" panose="020D0009000000000000" pitchFamily="49" charset="-127"/>
+                <a:ea typeface="나눔고딕코딩" panose="020D0009000000000000" pitchFamily="49" charset="-127"/>
+              </a:rPr>
+              <a:t>.</a:t>
+            </a:r>
+          </a:p>
+        </p:txBody>
+      </p:sp>
+      <p:sp>
+        <p:nvSpPr>
+          <p:cNvPr id="8" name="TextBox 7">
+            <a:extLst>
+              <a:ext uri="{FF2B5EF4-FFF2-40B4-BE49-F238E27FC236}">
+                <a16:creationId xmlns:a16="http://schemas.microsoft.com/office/drawing/2014/main" id="{D7A9846D-6EA5-4875-901A-0B68BB818837}"/>
+              </a:ext>
+            </a:extLst>
+          </p:cNvPr>
+          <p:cNvSpPr txBox="1"/>
+          <p:nvPr/>
+        </p:nvSpPr>
+        <p:spPr>
+          <a:xfrm>
+            <a:off x="199765" y="393614"/>
+            <a:ext cx="8285207" cy="523220"/>
+          </a:xfrm>
+          <a:prstGeom prst="rect">
+            <a:avLst/>
+          </a:prstGeom>
+          <a:noFill/>
+        </p:spPr>
+        <p:txBody>
+          <a:bodyPr wrap="square" rtlCol="0">
+            <a:spAutoFit/>
+          </a:bodyPr>
+          <a:lstStyle/>
+          <a:p>
             <a:r>
               <a:rPr lang="en-US" altLang="ko-KR" sz="2800" dirty="0">
                 <a:solidFill>
                   <a:schemeClr val="bg1"/>
                 </a:solidFill>
-                <a:latin typeface="나눔스퀘어라운드 Light" panose="020B0600000101010101" pitchFamily="50" charset="-127"/>
-                <a:ea typeface="나눔스퀘어라운드 Light" panose="020B0600000101010101" pitchFamily="50" charset="-127"/>
-              </a:rPr>
-              <a:t>Agenda</a:t>
-            </a:r>
-            <a:endParaRPr lang="ko-KR" altLang="en-US" sz="2800" dirty="0">
-              <a:solidFill>
-                <a:schemeClr val="bg1"/>
-              </a:solidFill>
-              <a:latin typeface="나눔스퀘어라운드 Light" panose="020B0600000101010101" pitchFamily="50" charset="-127"/>
-              <a:ea typeface="나눔스퀘어라운드 Light" panose="020B0600000101010101" pitchFamily="50" charset="-127"/>
-            </a:endParaRPr>
+                <a:latin typeface="나눔고딕 Light" panose="020D0904000000000000" pitchFamily="50" charset="-127"/>
+                <a:ea typeface="나눔고딕 Light" panose="020D0904000000000000" pitchFamily="50" charset="-127"/>
+              </a:rPr>
+              <a:t>4 &gt; NULL</a:t>
+            </a:r>
           </a:p>
         </p:txBody>
       </p:sp>
     </p:spTree>
     <p:extLst>
       <p:ext uri="{BB962C8B-B14F-4D97-AF65-F5344CB8AC3E}">
-        <p14:creationId xmlns:p14="http://schemas.microsoft.com/office/powerpoint/2010/main" val="3809762612"/>
+        <p14:creationId xmlns:p14="http://schemas.microsoft.com/office/powerpoint/2010/main" val="3626561177"/>
       </p:ext>
     </p:extLst>
   </p:cSld>
@@ -7836,8 +16121,19 @@
                 <a:latin typeface="나눔고딕코딩" panose="020D0009000000000000" pitchFamily="49" charset="-127"/>
                 <a:ea typeface="나눔고딕코딩" panose="020D0009000000000000" pitchFamily="49" charset="-127"/>
               </a:rPr>
-              <a:t>0x3 / Django basic structure</a:t>
-            </a:r>
+              <a:t>0x3 / </a:t>
+            </a:r>
+            <a:r>
+              <a:rPr lang="ko-KR" altLang="en-US" sz="2400" dirty="0">
+                <a:latin typeface="나눔고딕코딩" panose="020D0009000000000000" pitchFamily="49" charset="-127"/>
+                <a:ea typeface="나눔고딕코딩" panose="020D0009000000000000" pitchFamily="49" charset="-127"/>
+              </a:rPr>
+              <a:t>장고 프로젝트 올리기</a:t>
+            </a:r>
+            <a:endParaRPr lang="en-US" altLang="ko-KR" sz="2400" dirty="0">
+              <a:latin typeface="나눔고딕코딩" panose="020D0009000000000000" pitchFamily="49" charset="-127"/>
+              <a:ea typeface="나눔고딕코딩" panose="020D0009000000000000" pitchFamily="49" charset="-127"/>
+            </a:endParaRPr>
           </a:p>
           <a:p>
             <a:pPr>
